--- a/PPT/云计算 Streaming 实现汇报.pptx
+++ b/PPT/云计算 Streaming 实现汇报.pptx
@@ -5,7 +5,7 @@
     <p:sldMasterId id="2147483672" r:id="rId1"/>
   </p:sldMasterIdLst>
   <p:notesMasterIdLst>
-    <p:notesMasterId r:id="rId21"/>
+    <p:notesMasterId r:id="rId29"/>
   </p:notesMasterIdLst>
   <p:sldIdLst>
     <p:sldId id="282" r:id="rId2"/>
@@ -14,19 +14,27 @@
     <p:sldId id="341" r:id="rId5"/>
     <p:sldId id="284" r:id="rId6"/>
     <p:sldId id="337" r:id="rId7"/>
-    <p:sldId id="338" r:id="rId8"/>
-    <p:sldId id="347" r:id="rId9"/>
-    <p:sldId id="348" r:id="rId10"/>
-    <p:sldId id="352" r:id="rId11"/>
-    <p:sldId id="353" r:id="rId12"/>
-    <p:sldId id="350" r:id="rId13"/>
-    <p:sldId id="351" r:id="rId14"/>
-    <p:sldId id="342" r:id="rId15"/>
-    <p:sldId id="343" r:id="rId16"/>
-    <p:sldId id="344" r:id="rId17"/>
-    <p:sldId id="346" r:id="rId18"/>
-    <p:sldId id="354" r:id="rId19"/>
-    <p:sldId id="281" r:id="rId20"/>
+    <p:sldId id="355" r:id="rId8"/>
+    <p:sldId id="356" r:id="rId9"/>
+    <p:sldId id="338" r:id="rId10"/>
+    <p:sldId id="357" r:id="rId11"/>
+    <p:sldId id="347" r:id="rId12"/>
+    <p:sldId id="348" r:id="rId13"/>
+    <p:sldId id="352" r:id="rId14"/>
+    <p:sldId id="353" r:id="rId15"/>
+    <p:sldId id="359" r:id="rId16"/>
+    <p:sldId id="350" r:id="rId17"/>
+    <p:sldId id="360" r:id="rId18"/>
+    <p:sldId id="351" r:id="rId19"/>
+    <p:sldId id="362" r:id="rId20"/>
+    <p:sldId id="361" r:id="rId21"/>
+    <p:sldId id="363" r:id="rId22"/>
+    <p:sldId id="342" r:id="rId23"/>
+    <p:sldId id="343" r:id="rId24"/>
+    <p:sldId id="344" r:id="rId25"/>
+    <p:sldId id="346" r:id="rId26"/>
+    <p:sldId id="354" r:id="rId27"/>
+    <p:sldId id="281" r:id="rId28"/>
   </p:sldIdLst>
   <p:sldSz cx="9144000" cy="6858000" type="screen4x3"/>
   <p:notesSz cx="6858000" cy="9144000"/>
@@ -1301,12 +1309,12 @@
     <dgm:cxn modelId="{5012653F-A53F-435E-8181-5711A4F59974}" type="presOf" srcId="{E26C518C-4DA3-4EF6-9872-0CD12AC81182}" destId="{F166E67B-4966-4AF5-BF6A-B03FBCF8A048}" srcOrd="1" destOrd="0" presId="urn:microsoft.com/office/officeart/2005/8/layout/process1"/>
     <dgm:cxn modelId="{7D71E243-C672-4A7D-B7B9-811B373ABBF4}" type="presOf" srcId="{3DC616D1-5A50-4BC1-9211-DF471B65CCC5}" destId="{359346A0-23DD-43BD-8DA9-B3F94A045319}" srcOrd="1" destOrd="0" presId="urn:microsoft.com/office/officeart/2005/8/layout/process1"/>
     <dgm:cxn modelId="{BAE3ED43-68E4-4749-AE0C-D76BDF80842C}" type="presOf" srcId="{E26C518C-4DA3-4EF6-9872-0CD12AC81182}" destId="{F14C91D6-ADA9-4002-9CCF-F60C4215A128}" srcOrd="0" destOrd="0" presId="urn:microsoft.com/office/officeart/2005/8/layout/process1"/>
-    <dgm:cxn modelId="{9D789352-D426-4378-8684-7045BDF49DB4}" type="presOf" srcId="{BCA5212A-795A-46D1-AA17-EBD5F95460B0}" destId="{1180D667-DE6B-4839-B7F1-3D93797CBA6A}" srcOrd="0" destOrd="0" presId="urn:microsoft.com/office/officeart/2005/8/layout/process1"/>
-    <dgm:cxn modelId="{21324455-3C4B-4208-BAEA-CE5CEC75AAFB}" type="presOf" srcId="{6473A91D-1263-4607-B6B0-22922E9AB2B3}" destId="{F7D23831-D5C2-4C5A-994A-71B25F522C5A}" srcOrd="1" destOrd="0" presId="urn:microsoft.com/office/officeart/2005/8/layout/process1"/>
     <dgm:cxn modelId="{DAB29E65-18B7-43C2-94A2-65D76B17446D}" srcId="{AD30095D-43E1-48BB-9C31-308EC4DFFCB5}" destId="{65A9D290-93E9-4787-BF27-746462139C86}" srcOrd="3" destOrd="0" parTransId="{CB5AE25D-C71E-4ECC-AE78-B800F646D212}" sibTransId="{CA10B439-3171-48E0-B0A4-78E755DB5E76}"/>
     <dgm:cxn modelId="{B6ECC166-FAD6-4FD7-8FDA-AC1E67B5F3EB}" type="presOf" srcId="{39AD0E40-3A03-4D88-95C6-723FD6489C0E}" destId="{FB735ABA-458D-458D-B8A8-DCA6C3E0AE17}" srcOrd="0" destOrd="0" presId="urn:microsoft.com/office/officeart/2005/8/layout/process1"/>
     <dgm:cxn modelId="{77AC6A6A-FCC3-4E92-B2BB-4EE8DA816DD3}" type="presOf" srcId="{CA10B439-3171-48E0-B0A4-78E755DB5E76}" destId="{60E6FB91-CF7A-4310-B35E-2D4F99E0134D}" srcOrd="0" destOrd="0" presId="urn:microsoft.com/office/officeart/2005/8/layout/process1"/>
+    <dgm:cxn modelId="{9D789352-D426-4378-8684-7045BDF49DB4}" type="presOf" srcId="{BCA5212A-795A-46D1-AA17-EBD5F95460B0}" destId="{1180D667-DE6B-4839-B7F1-3D93797CBA6A}" srcOrd="0" destOrd="0" presId="urn:microsoft.com/office/officeart/2005/8/layout/process1"/>
     <dgm:cxn modelId="{1ED0BB72-5165-4B8E-8406-A60F2015B68D}" type="presOf" srcId="{5DED9C7A-09F8-482D-B580-3715231D62DB}" destId="{A092FD11-1D6B-4334-96D6-D899AAEEC7E9}" srcOrd="0" destOrd="0" presId="urn:microsoft.com/office/officeart/2005/8/layout/process1"/>
+    <dgm:cxn modelId="{21324455-3C4B-4208-BAEA-CE5CEC75AAFB}" type="presOf" srcId="{6473A91D-1263-4607-B6B0-22922E9AB2B3}" destId="{F7D23831-D5C2-4C5A-994A-71B25F522C5A}" srcOrd="1" destOrd="0" presId="urn:microsoft.com/office/officeart/2005/8/layout/process1"/>
     <dgm:cxn modelId="{5C484879-AA32-4DC7-8A30-44F0037275FB}" srcId="{AD30095D-43E1-48BB-9C31-308EC4DFFCB5}" destId="{BF34209F-05BA-47F5-BCBD-45794B8C5872}" srcOrd="2" destOrd="0" parTransId="{E340A681-4BCA-4A50-AE1A-1DB41F68F4DA}" sibTransId="{6473A91D-1263-4607-B6B0-22922E9AB2B3}"/>
     <dgm:cxn modelId="{6B207280-C657-4CEB-8ABA-71414979F1C3}" type="presOf" srcId="{6473A91D-1263-4607-B6B0-22922E9AB2B3}" destId="{93528104-C06B-4C7F-BBDB-C60E1D95D8CC}" srcOrd="0" destOrd="0" presId="urn:microsoft.com/office/officeart/2005/8/layout/process1"/>
     <dgm:cxn modelId="{1F000094-FA19-422D-B468-CFA14C05C82B}" type="presOf" srcId="{191E0A02-0191-4D90-8CAF-31FCC72591E0}" destId="{A58E3336-8288-4243-8345-1E92E7475D8B}" srcOrd="0" destOrd="0" presId="urn:microsoft.com/office/officeart/2005/8/layout/process1"/>
@@ -3670,7 +3678,7 @@
           <a:p>
             <a:fld id="{CB6274EF-1F02-0443-83D9-614E1A11B75C}" type="datetimeFigureOut">
               <a:rPr lang="en-CN" smtClean="0"/>
-              <a:t>2020/11/22</a:t>
+              <a:t>11/24/2020</a:t>
             </a:fld>
             <a:endParaRPr lang="en-CN"/>
           </a:p>
@@ -4067,52 +4075,41 @@
           <a:lstStyle/>
           <a:p>
             <a:r>
-              <a:rPr lang="zh-CN" altLang="en-CN" dirty="0"/>
-              <a:t>李传艺</a:t>
+              <a:rPr lang="en-CN" dirty="0"/>
+              <a:t>添加去重和映射等代码片段</a:t>
             </a:r>
             <a:r>
               <a:rPr lang="zh-CN" altLang="en-US" dirty="0"/>
-              <a:t>在对于</a:t>
+              <a:t>，添加</a:t>
             </a:r>
             <a:r>
               <a:rPr lang="en-US" altLang="zh-CN" dirty="0"/>
-              <a:t>word</a:t>
+              <a:t>csv</a:t>
             </a:r>
             <a:r>
               <a:rPr lang="zh-CN" altLang="en-US" dirty="0"/>
-              <a:t>文档里的要求把流计算分成了：「流准备和监听、流计算、计算结果动态展示」</a:t>
-            </a:r>
-            <a:endParaRPr lang="en-US" altLang="zh-CN" dirty="0"/>
-          </a:p>
-          <a:p>
+              <a:t>文件截图，放得下的话添加</a:t>
+            </a:r>
+            <a:r>
+              <a:rPr lang="en-US" altLang="zh-CN" dirty="0"/>
+              <a:t>”</a:t>
+            </a:r>
             <a:r>
               <a:rPr lang="zh-CN" altLang="en-US" dirty="0"/>
-              <a:t>我写了两页的第二步流计算，因为我觉得这个部分可能比较多</a:t>
-            </a:r>
-            <a:endParaRPr lang="en-US" altLang="zh-CN" dirty="0"/>
-          </a:p>
-          <a:p>
-            <a:endParaRPr lang="en-US" altLang="zh-CN" dirty="0"/>
-          </a:p>
-          <a:p>
+              <a:t>存放至</a:t>
+            </a:r>
+            <a:r>
+              <a:rPr lang="en-US" altLang="zh-CN" dirty="0" err="1"/>
+              <a:t>hdfs</a:t>
+            </a:r>
+            <a:r>
+              <a:rPr lang="en-US" altLang="zh-CN" dirty="0"/>
+              <a:t>”</a:t>
+            </a:r>
             <a:r>
               <a:rPr lang="zh-CN" altLang="en-US" dirty="0"/>
-              <a:t>你看一下是按照他那么来，还是说你按照三个进程一个一个说明，或者别的更合适的</a:t>
-            </a:r>
-            <a:endParaRPr lang="en-CN" dirty="0"/>
-          </a:p>
-          <a:p>
-            <a:r>
-              <a:rPr lang="en-CN" dirty="0"/>
-              <a:t>附上关键代码说明一下streaming的计算步骤</a:t>
-            </a:r>
-            <a:r>
-              <a:rPr lang="zh-CN" altLang="en-US" dirty="0"/>
-              <a:t>，有三个进程，就写三页，贴上关键代码</a:t>
-            </a:r>
-            <a:endParaRPr lang="en-CN" dirty="0"/>
-          </a:p>
-          <a:p>
+              <a:t>的代码</a:t>
+            </a:r>
             <a:endParaRPr lang="en-CN" dirty="0"/>
           </a:p>
         </p:txBody>
@@ -4143,7 +4140,7 @@
     </p:spTree>
     <p:extLst>
       <p:ext uri="{BB962C8B-B14F-4D97-AF65-F5344CB8AC3E}">
-        <p14:creationId xmlns:p14="http://schemas.microsoft.com/office/powerpoint/2010/main" val="308069029"/>
+        <p14:creationId xmlns:p14="http://schemas.microsoft.com/office/powerpoint/2010/main" val="1968258708"/>
       </p:ext>
     </p:extLst>
   </p:cSld>
@@ -4198,53 +4195,9 @@
           <a:lstStyle/>
           <a:p>
             <a:r>
-              <a:rPr lang="zh-CN" altLang="en-CN" dirty="0"/>
-              <a:t>李传艺</a:t>
-            </a:r>
-            <a:r>
-              <a:rPr lang="zh-CN" altLang="en-US" dirty="0"/>
-              <a:t>在对于</a:t>
-            </a:r>
-            <a:r>
-              <a:rPr lang="en-US" altLang="zh-CN" dirty="0"/>
-              <a:t>word</a:t>
-            </a:r>
-            <a:r>
-              <a:rPr lang="zh-CN" altLang="en-US" dirty="0"/>
-              <a:t>文档里的要求把流计算分成了：「流准备和监听、流计算、计算结果动态展示」</a:t>
-            </a:r>
-            <a:endParaRPr lang="en-US" altLang="zh-CN" dirty="0"/>
-          </a:p>
-          <a:p>
-            <a:r>
-              <a:rPr lang="zh-CN" altLang="en-US" dirty="0"/>
-              <a:t>我写了两页的第二步流计算，因为我觉得这个部分可能比较多</a:t>
-            </a:r>
-            <a:endParaRPr lang="en-US" altLang="zh-CN" dirty="0"/>
-          </a:p>
-          <a:p>
-            <a:endParaRPr lang="en-US" altLang="zh-CN" dirty="0"/>
-          </a:p>
-          <a:p>
-            <a:r>
-              <a:rPr lang="zh-CN" altLang="en-US" dirty="0"/>
-              <a:t>你看一下是按照他那么来，还是说你按照三个进程一个一个说明，或者别的更合适的</a:t>
-            </a:r>
-            <a:endParaRPr lang="en-CN" dirty="0"/>
-          </a:p>
-          <a:p>
-            <a:r>
               <a:rPr lang="en-CN" dirty="0"/>
-              <a:t>附上关键代码说明一下streaming的计算步骤</a:t>
-            </a:r>
-            <a:r>
-              <a:rPr lang="zh-CN" altLang="en-US" dirty="0"/>
-              <a:t>，有三个进程，就写三页，贴上关键代码</a:t>
-            </a:r>
-            <a:endParaRPr lang="en-CN" dirty="0"/>
-          </a:p>
-          <a:p>
-            <a:endParaRPr lang="en-CN" dirty="0"/>
+              <a:t>附上关键代码说明一下困难的解决方法</a:t>
+            </a:r>
           </a:p>
         </p:txBody>
       </p:sp>
@@ -4274,7 +4227,7 @@
     </p:spTree>
     <p:extLst>
       <p:ext uri="{BB962C8B-B14F-4D97-AF65-F5344CB8AC3E}">
-        <p14:creationId xmlns:p14="http://schemas.microsoft.com/office/powerpoint/2010/main" val="1121327550"/>
+        <p14:creationId xmlns:p14="http://schemas.microsoft.com/office/powerpoint/2010/main" val="4227782747"/>
       </p:ext>
     </p:extLst>
   </p:cSld>
@@ -4374,9 +4327,6 @@
             </a:r>
             <a:endParaRPr lang="en-CN" dirty="0"/>
           </a:p>
-          <a:p>
-            <a:endParaRPr lang="en-CN" dirty="0"/>
-          </a:p>
         </p:txBody>
       </p:sp>
       <p:sp>
@@ -4405,7 +4355,7 @@
     </p:spTree>
     <p:extLst>
       <p:ext uri="{BB962C8B-B14F-4D97-AF65-F5344CB8AC3E}">
-        <p14:creationId xmlns:p14="http://schemas.microsoft.com/office/powerpoint/2010/main" val="693361776"/>
+        <p14:creationId xmlns:p14="http://schemas.microsoft.com/office/powerpoint/2010/main" val="4069508800"/>
       </p:ext>
     </p:extLst>
   </p:cSld>
@@ -4460,27 +4410,52 @@
           <a:lstStyle/>
           <a:p>
             <a:r>
+              <a:rPr lang="zh-CN" altLang="en-CN" dirty="0"/>
+              <a:t>李传艺</a:t>
+            </a:r>
+            <a:r>
+              <a:rPr lang="zh-CN" altLang="en-US" dirty="0"/>
+              <a:t>在对于</a:t>
+            </a:r>
+            <a:r>
+              <a:rPr lang="en-US" altLang="zh-CN" dirty="0"/>
+              <a:t>word</a:t>
+            </a:r>
+            <a:r>
+              <a:rPr lang="zh-CN" altLang="en-US" dirty="0"/>
+              <a:t>文档里的要求把流计算分成了：「流准备和监听、流计算、计算结果动态展示」</a:t>
+            </a:r>
+            <a:endParaRPr lang="en-US" altLang="zh-CN" dirty="0"/>
+          </a:p>
+          <a:p>
+            <a:r>
+              <a:rPr lang="zh-CN" altLang="en-US" dirty="0"/>
+              <a:t>我写了两页的第二步流计算，因为我觉得这个部分可能比较多</a:t>
+            </a:r>
+            <a:endParaRPr lang="en-US" altLang="zh-CN" dirty="0"/>
+          </a:p>
+          <a:p>
+            <a:endParaRPr lang="en-US" altLang="zh-CN" dirty="0"/>
+          </a:p>
+          <a:p>
+            <a:r>
+              <a:rPr lang="zh-CN" altLang="en-US" dirty="0"/>
+              <a:t>你看一下是按照他那么来，还是说你按照三个进程一个一个说明，或者别的更合适的</a:t>
+            </a:r>
+            <a:endParaRPr lang="en-CN" dirty="0"/>
+          </a:p>
+          <a:p>
+            <a:r>
               <a:rPr lang="en-CN" dirty="0"/>
-              <a:t>附上关键代码说明一下streaming的计算步骤中遇到的问题</a:t>
-            </a:r>
-          </a:p>
-          <a:p>
-            <a:r>
-              <a:rPr lang="en-CN" dirty="0"/>
-              <a:t>空白部分放代码截图</a:t>
+              <a:t>附上关键代码说明一下streaming的计算步骤</a:t>
             </a:r>
             <a:r>
               <a:rPr lang="zh-CN" altLang="en-US" dirty="0"/>
-              <a:t>，问题根据实际遇到的问题替换我</a:t>
-            </a:r>
-            <a:r>
-              <a:rPr lang="en-US" altLang="zh-CN" dirty="0"/>
-              <a:t>dummy</a:t>
-            </a:r>
-            <a:r>
-              <a:rPr lang="zh-CN" altLang="en-US" dirty="0"/>
-              <a:t>的内容</a:t>
-            </a:r>
+              <a:t>，有三个进程，就写三页，贴上关键代码</a:t>
+            </a:r>
+            <a:endParaRPr lang="en-CN" dirty="0"/>
+          </a:p>
+          <a:p>
             <a:endParaRPr lang="en-CN" dirty="0"/>
           </a:p>
         </p:txBody>
@@ -4511,7 +4486,7 @@
     </p:spTree>
     <p:extLst>
       <p:ext uri="{BB962C8B-B14F-4D97-AF65-F5344CB8AC3E}">
-        <p14:creationId xmlns:p14="http://schemas.microsoft.com/office/powerpoint/2010/main" val="972502216"/>
+        <p14:creationId xmlns:p14="http://schemas.microsoft.com/office/powerpoint/2010/main" val="308069029"/>
       </p:ext>
     </p:extLst>
   </p:cSld>
@@ -4566,140 +4541,50 @@
           <a:lstStyle/>
           <a:p>
             <a:r>
-              <a:rPr lang="ja-JP" altLang="en-US">
-                <a:effectLst/>
-              </a:rPr>
-              <a:t>针对业务问题「统计特定时间段内热度靠前的领域并比较各领域热度」</a:t>
-            </a:r>
-            <a:endParaRPr lang="en-US" altLang="ja-JP" dirty="0">
-              <a:effectLst/>
-            </a:endParaRPr>
-          </a:p>
-          <a:p>
-            <a:endParaRPr lang="en-US" altLang="ja-JP" dirty="0">
-              <a:effectLst/>
-            </a:endParaRPr>
-          </a:p>
-          <a:p>
-            <a:r>
-              <a:rPr lang="ja-JP" altLang="en-US">
-                <a:effectLst/>
-              </a:rPr>
-              <a:t>用户选择要统计的时间段（默认为</a:t>
-            </a:r>
-            <a:r>
-              <a:rPr lang="en-US" altLang="ja-JP" dirty="0">
-                <a:effectLst/>
-              </a:rPr>
-              <a:t>5</a:t>
-            </a:r>
-            <a:r>
-              <a:rPr lang="ja-JP" altLang="en-US">
-                <a:effectLst/>
-              </a:rPr>
-              <a:t>年）之后，计算各领域在该时间段内的作者数和产出的论文数，</a:t>
-            </a:r>
-            <a:endParaRPr lang="en-US" altLang="ja-JP" dirty="0">
-              <a:effectLst/>
-            </a:endParaRPr>
-          </a:p>
-          <a:p>
-            <a:r>
-              <a:rPr lang="ja-JP" altLang="en-US">
-                <a:effectLst/>
-              </a:rPr>
-              <a:t>并以论文数作为该领域热度的标准进行排名，返回前</a:t>
-            </a:r>
-            <a:r>
-              <a:rPr lang="en-US" altLang="ja-JP" dirty="0">
-                <a:effectLst/>
-              </a:rPr>
-              <a:t>20</a:t>
-            </a:r>
-            <a:r>
-              <a:rPr lang="ja-JP" altLang="en-US">
-                <a:effectLst/>
-              </a:rPr>
-              <a:t>个领域，并用表格和饼图来展示</a:t>
-            </a:r>
-            <a:endParaRPr lang="en-US" altLang="ja-JP" dirty="0">
-              <a:effectLst/>
-            </a:endParaRPr>
-          </a:p>
-          <a:p>
-            <a:endParaRPr lang="en-US" altLang="ja-JP" dirty="0">
-              <a:effectLst/>
-            </a:endParaRPr>
-          </a:p>
-          <a:p>
-            <a:r>
-              <a:rPr lang="ja-JP" altLang="en-US">
-                <a:effectLst/>
-              </a:rPr>
-              <a:t>表格按照热度的降序展示各个领域的基本信息；饼图中则按照论文数量设置各区域的大小，直观比较各领域的热门程度。</a:t>
-            </a:r>
-            <a:endParaRPr lang="en-US" altLang="ja-JP" dirty="0">
-              <a:effectLst/>
-            </a:endParaRPr>
-          </a:p>
-          <a:p>
-            <a:r>
-              <a:rPr lang="ja-JP" altLang="en-US">
-                <a:effectLst/>
-              </a:rPr>
-              <a:t>用户可以由此把握近年来各领域的发展趋势，抓住当前的热门领域。</a:t>
-            </a:r>
-            <a:endParaRPr lang="en-US" altLang="ja-JP" dirty="0">
-              <a:effectLst/>
-            </a:endParaRPr>
-          </a:p>
-          <a:p>
-            <a:endParaRPr lang="ja-JP" altLang="en-US">
-              <a:effectLst/>
-            </a:endParaRPr>
-          </a:p>
-          <a:p>
-            <a:r>
-              <a:rPr lang="ja-JP" altLang="en-US">
-                <a:effectLst/>
-              </a:rPr>
-              <a:t>例如，正如我们所猜测的，近年来算力的大幅提升和深度学习技术的广泛应用，使得</a:t>
-            </a:r>
-            <a:r>
-              <a:rPr lang="en-US" dirty="0">
-                <a:effectLst/>
-              </a:rPr>
-              <a:t>AI</a:t>
-            </a:r>
-            <a:r>
-              <a:rPr lang="ja-JP" altLang="en-US">
-                <a:effectLst/>
-              </a:rPr>
-              <a:t>领域以及</a:t>
-            </a:r>
-            <a:r>
-              <a:rPr lang="en-US" dirty="0">
-                <a:effectLst/>
-              </a:rPr>
-              <a:t>CV、NLP</a:t>
-            </a:r>
-            <a:r>
-              <a:rPr lang="ja-JP" altLang="en-US">
-                <a:effectLst/>
-              </a:rPr>
-              <a:t>等应用深度学习技术的子领域在热门程度上独占鳌头。</a:t>
-            </a:r>
-            <a:endParaRPr lang="en-US" altLang="ja-JP" dirty="0">
-              <a:effectLst/>
-            </a:endParaRPr>
-          </a:p>
-          <a:p>
-            <a:r>
-              <a:rPr lang="ja-JP" altLang="en-US">
-                <a:effectLst/>
-              </a:rPr>
-              <a:t>这反映了这些领域存在大量可供探索的新问题和亟待优化的旧方法，存在较为广阔的研究前景，是值得关注的热门领域。</a:t>
-            </a:r>
+              <a:rPr lang="zh-CN" altLang="en-CN" dirty="0"/>
+              <a:t>李传艺</a:t>
+            </a:r>
+            <a:r>
+              <a:rPr lang="zh-CN" altLang="en-US" dirty="0"/>
+              <a:t>在对于</a:t>
+            </a:r>
+            <a:r>
+              <a:rPr lang="en-US" altLang="zh-CN" dirty="0"/>
+              <a:t>word</a:t>
+            </a:r>
+            <a:r>
+              <a:rPr lang="zh-CN" altLang="en-US" dirty="0"/>
+              <a:t>文档里的要求把流计算分成了：「流准备和监听、流计算、计算结果动态展示」</a:t>
+            </a:r>
+            <a:endParaRPr lang="en-US" altLang="zh-CN" dirty="0"/>
+          </a:p>
+          <a:p>
+            <a:r>
+              <a:rPr lang="zh-CN" altLang="en-US" dirty="0"/>
+              <a:t>我写了两页的第二步流计算，因为我觉得这个部分可能比较多</a:t>
+            </a:r>
+            <a:endParaRPr lang="en-US" altLang="zh-CN" dirty="0"/>
+          </a:p>
+          <a:p>
+            <a:endParaRPr lang="en-US" altLang="zh-CN" dirty="0"/>
+          </a:p>
+          <a:p>
+            <a:r>
+              <a:rPr lang="zh-CN" altLang="en-US" dirty="0"/>
+              <a:t>你看一下是按照他那么来，还是说你按照三个进程一个一个说明，或者别的更合适的</a:t>
+            </a:r>
+            <a:endParaRPr lang="en-CN" dirty="0"/>
+          </a:p>
+          <a:p>
+            <a:r>
+              <a:rPr lang="en-CN" dirty="0"/>
+              <a:t>附上关键代码说明一下streaming的计算步骤</a:t>
+            </a:r>
+            <a:r>
+              <a:rPr lang="zh-CN" altLang="en-US" dirty="0"/>
+              <a:t>，有三个进程，就写三页，贴上关键代码</a:t>
+            </a:r>
+            <a:endParaRPr lang="en-CN" dirty="0"/>
           </a:p>
           <a:p>
             <a:endParaRPr lang="en-CN" dirty="0"/>
@@ -4732,7 +4617,7 @@
     </p:spTree>
     <p:extLst>
       <p:ext uri="{BB962C8B-B14F-4D97-AF65-F5344CB8AC3E}">
-        <p14:creationId xmlns:p14="http://schemas.microsoft.com/office/powerpoint/2010/main" val="3581129492"/>
+        <p14:creationId xmlns:p14="http://schemas.microsoft.com/office/powerpoint/2010/main" val="1121327550"/>
       </p:ext>
     </p:extLst>
   </p:cSld>
@@ -4787,303 +4672,49 @@
           <a:lstStyle/>
           <a:p>
             <a:r>
-              <a:rPr lang="ja-JP" altLang="en-US" sz="1200" b="0" i="0" u="none" strike="noStrike" kern="1200">
-                <a:solidFill>
-                  <a:schemeClr val="tx1"/>
-                </a:solidFill>
-                <a:effectLst/>
-                <a:latin typeface="+mn-lt"/>
-                <a:ea typeface="+mn-ea"/>
-                <a:cs typeface="+mn-cs"/>
-              </a:rPr>
-              <a:t>针对业务问题「统计特定时间段内某领域的论文发表数量变化趋势」，</a:t>
-            </a:r>
-            <a:endParaRPr lang="en-US" altLang="ja-JP" sz="1200" b="0" i="0" u="none" strike="noStrike" kern="1200" dirty="0">
-              <a:solidFill>
-                <a:schemeClr val="tx1"/>
-              </a:solidFill>
-              <a:effectLst/>
-              <a:latin typeface="+mn-lt"/>
-              <a:ea typeface="+mn-ea"/>
-              <a:cs typeface="+mn-cs"/>
-            </a:endParaRPr>
-          </a:p>
-          <a:p>
-            <a:endParaRPr lang="en-US" altLang="ja-JP" sz="1200" b="0" i="0" u="none" strike="noStrike" kern="1200" dirty="0">
-              <a:solidFill>
-                <a:schemeClr val="tx1"/>
-              </a:solidFill>
-              <a:effectLst/>
-              <a:latin typeface="+mn-lt"/>
-              <a:ea typeface="+mn-ea"/>
-              <a:cs typeface="+mn-cs"/>
-            </a:endParaRPr>
-          </a:p>
-          <a:p>
-            <a:r>
-              <a:rPr lang="ja-JP" altLang="en-US" sz="1200" b="0" i="0" u="none" strike="noStrike" kern="1200">
-                <a:solidFill>
-                  <a:schemeClr val="tx1"/>
-                </a:solidFill>
-                <a:effectLst/>
-                <a:latin typeface="+mn-lt"/>
-                <a:ea typeface="+mn-ea"/>
-                <a:cs typeface="+mn-cs"/>
-              </a:rPr>
-              <a:t>根据用户输入的统计年份数以及在表格中选择的领域信息，计算该领域在该时间段内每年的论文产出</a:t>
-            </a:r>
-            <a:endParaRPr lang="en-US" altLang="ja-JP" sz="1200" b="0" i="0" u="none" strike="noStrike" kern="1200" dirty="0">
-              <a:solidFill>
-                <a:schemeClr val="tx1"/>
-              </a:solidFill>
-              <a:effectLst/>
-              <a:latin typeface="+mn-lt"/>
-              <a:ea typeface="+mn-ea"/>
-              <a:cs typeface="+mn-cs"/>
-            </a:endParaRPr>
-          </a:p>
-          <a:p>
-            <a:endParaRPr lang="en-US" altLang="ja-JP" sz="1200" b="0" i="0" u="none" strike="noStrike" kern="1200" dirty="0">
-              <a:solidFill>
-                <a:schemeClr val="tx1"/>
-              </a:solidFill>
-              <a:effectLst/>
-              <a:latin typeface="+mn-lt"/>
-              <a:ea typeface="+mn-ea"/>
-              <a:cs typeface="+mn-cs"/>
-            </a:endParaRPr>
-          </a:p>
-          <a:p>
-            <a:r>
-              <a:rPr lang="ja-JP" altLang="en-US" sz="1200" b="0" i="0" u="none" strike="noStrike" kern="1200">
-                <a:solidFill>
-                  <a:schemeClr val="tx1"/>
-                </a:solidFill>
-                <a:effectLst/>
-                <a:latin typeface="+mn-lt"/>
-                <a:ea typeface="+mn-ea"/>
-                <a:cs typeface="+mn-cs"/>
-              </a:rPr>
-              <a:t>论文发表数是领域热度的晴雨表：</a:t>
-            </a:r>
-            <a:endParaRPr lang="en-US" altLang="ja-JP" sz="1200" b="0" i="0" u="none" strike="noStrike" kern="1200" dirty="0">
-              <a:solidFill>
-                <a:schemeClr val="tx1"/>
-              </a:solidFill>
-              <a:effectLst/>
-              <a:latin typeface="+mn-lt"/>
-              <a:ea typeface="+mn-ea"/>
-              <a:cs typeface="+mn-cs"/>
-            </a:endParaRPr>
-          </a:p>
-          <a:p>
-            <a:pPr marL="171450" indent="-171450">
-              <a:buFontTx/>
-              <a:buChar char="-"/>
-            </a:pPr>
-            <a:r>
-              <a:rPr lang="ja-JP" altLang="en-US" sz="1200" b="0" i="0" u="none" strike="noStrike" kern="1200">
-                <a:solidFill>
-                  <a:schemeClr val="tx1"/>
-                </a:solidFill>
-                <a:effectLst/>
-                <a:latin typeface="+mn-lt"/>
-                <a:ea typeface="+mn-ea"/>
-                <a:cs typeface="+mn-cs"/>
-              </a:rPr>
-              <a:t>当论文数量逐步上升，说明当前领域方兴未艾，可探索空间较广；</a:t>
-            </a:r>
-            <a:endParaRPr lang="en-US" altLang="ja-JP" sz="1200" b="0" i="0" u="none" strike="noStrike" kern="1200" dirty="0">
-              <a:solidFill>
-                <a:schemeClr val="tx1"/>
-              </a:solidFill>
-              <a:effectLst/>
-              <a:latin typeface="+mn-lt"/>
-              <a:ea typeface="+mn-ea"/>
-              <a:cs typeface="+mn-cs"/>
-            </a:endParaRPr>
-          </a:p>
-          <a:p>
-            <a:pPr marL="171450" indent="-171450">
-              <a:buFontTx/>
-              <a:buChar char="-"/>
-            </a:pPr>
-            <a:r>
-              <a:rPr lang="ja-JP" altLang="en-US" sz="1200" b="0" i="0" u="none" strike="noStrike" kern="1200">
-                <a:solidFill>
-                  <a:schemeClr val="tx1"/>
-                </a:solidFill>
-                <a:effectLst/>
-                <a:latin typeface="+mn-lt"/>
-                <a:ea typeface="+mn-ea"/>
-                <a:cs typeface="+mn-cs"/>
-              </a:rPr>
-              <a:t>当论文数量逐年下降，说明当前领域可能正走向寒冬，在之后一段时间可能处于艰难期；</a:t>
-            </a:r>
-            <a:endParaRPr lang="en-US" altLang="ja-JP" sz="1200" b="0" i="0" u="none" strike="noStrike" kern="1200" dirty="0">
-              <a:solidFill>
-                <a:schemeClr val="tx1"/>
-              </a:solidFill>
-              <a:effectLst/>
-              <a:latin typeface="+mn-lt"/>
-              <a:ea typeface="+mn-ea"/>
-              <a:cs typeface="+mn-cs"/>
-            </a:endParaRPr>
-          </a:p>
-          <a:p>
-            <a:pPr marL="171450" indent="-171450">
-              <a:buFontTx/>
-              <a:buChar char="-"/>
-            </a:pPr>
-            <a:r>
-              <a:rPr lang="ja-JP" altLang="en-US" sz="1200" b="0" i="0" u="none" strike="noStrike" kern="1200">
-                <a:solidFill>
-                  <a:schemeClr val="tx1"/>
-                </a:solidFill>
-                <a:effectLst/>
-                <a:latin typeface="+mn-lt"/>
-                <a:ea typeface="+mn-ea"/>
-                <a:cs typeface="+mn-cs"/>
-              </a:rPr>
-              <a:t>当论文数量居高不下，意味着虽然领域本身势头强劲，但是也存在着竞争激烈、鱼龙混杂等问题。</a:t>
-            </a:r>
-            <a:endParaRPr lang="en-US" altLang="ja-JP" sz="1200" b="0" i="0" u="none" strike="noStrike" kern="1200" dirty="0">
-              <a:solidFill>
-                <a:schemeClr val="tx1"/>
-              </a:solidFill>
-              <a:effectLst/>
-              <a:latin typeface="+mn-lt"/>
-              <a:ea typeface="+mn-ea"/>
-              <a:cs typeface="+mn-cs"/>
-            </a:endParaRPr>
-          </a:p>
-          <a:p>
-            <a:pPr marL="171450" indent="-171450">
-              <a:buFontTx/>
-              <a:buChar char="-"/>
-            </a:pPr>
-            <a:endParaRPr lang="en-US" altLang="ja-JP" sz="1200" b="0" i="0" u="none" strike="noStrike" kern="1200" dirty="0">
-              <a:solidFill>
-                <a:schemeClr val="tx1"/>
-              </a:solidFill>
-              <a:effectLst/>
-              <a:latin typeface="+mn-lt"/>
-              <a:ea typeface="+mn-ea"/>
-              <a:cs typeface="+mn-cs"/>
-            </a:endParaRPr>
-          </a:p>
-          <a:p>
-            <a:pPr marL="171450" indent="-171450">
-              <a:buFontTx/>
-              <a:buChar char="-"/>
-            </a:pPr>
-            <a:endParaRPr lang="ja-JP" altLang="en-US" sz="1200" b="0" i="0" u="none" strike="noStrike" kern="1200">
-              <a:solidFill>
-                <a:schemeClr val="tx1"/>
-              </a:solidFill>
-              <a:effectLst/>
-              <a:latin typeface="+mn-lt"/>
-              <a:ea typeface="+mn-ea"/>
-              <a:cs typeface="+mn-cs"/>
-            </a:endParaRPr>
-          </a:p>
-          <a:p>
-            <a:r>
-              <a:rPr lang="ja-JP" altLang="en-US" sz="1200" b="0" i="0" u="none" strike="noStrike" kern="1200">
-                <a:solidFill>
-                  <a:schemeClr val="tx1"/>
-                </a:solidFill>
-                <a:effectLst/>
-                <a:latin typeface="+mn-lt"/>
-                <a:ea typeface="+mn-ea"/>
-                <a:cs typeface="+mn-cs"/>
-              </a:rPr>
-              <a:t>另一个值得关注论文发表数的理由在于：某一领域内部也存在“大小年”的区别，例如在具有重要启发意义的</a:t>
-            </a:r>
-            <a:r>
-              <a:rPr lang="en-US" sz="1200" b="0" i="0" u="none" strike="noStrike" kern="1200" dirty="0">
-                <a:solidFill>
-                  <a:schemeClr val="tx1"/>
-                </a:solidFill>
-                <a:effectLst/>
-                <a:latin typeface="+mn-lt"/>
-                <a:ea typeface="+mn-ea"/>
-                <a:cs typeface="+mn-cs"/>
-              </a:rPr>
-              <a:t>GAN</a:t>
-            </a:r>
-            <a:r>
-              <a:rPr lang="ja-JP" altLang="en-US" sz="1200" b="0" i="0" u="none" strike="noStrike" kern="1200">
-                <a:solidFill>
-                  <a:schemeClr val="tx1"/>
-                </a:solidFill>
-                <a:effectLst/>
-                <a:latin typeface="+mn-lt"/>
-                <a:ea typeface="+mn-ea"/>
-                <a:cs typeface="+mn-cs"/>
-              </a:rPr>
-              <a:t>提出之后，必然在之后的几年内引起</a:t>
-            </a:r>
-            <a:r>
-              <a:rPr lang="en-US" sz="1200" b="0" i="0" u="none" strike="noStrike" kern="1200" dirty="0">
-                <a:solidFill>
-                  <a:schemeClr val="tx1"/>
-                </a:solidFill>
-                <a:effectLst/>
-                <a:latin typeface="+mn-lt"/>
-                <a:ea typeface="+mn-ea"/>
-                <a:cs typeface="+mn-cs"/>
-              </a:rPr>
-              <a:t>GAN</a:t>
-            </a:r>
-            <a:r>
-              <a:rPr lang="ja-JP" altLang="en-US" sz="1200" b="0" i="0" u="none" strike="noStrike" kern="1200">
-                <a:solidFill>
-                  <a:schemeClr val="tx1"/>
-                </a:solidFill>
-                <a:effectLst/>
-                <a:latin typeface="+mn-lt"/>
-                <a:ea typeface="+mn-ea"/>
-                <a:cs typeface="+mn-cs"/>
-              </a:rPr>
-              <a:t>应用论文发表的热潮，</a:t>
-            </a:r>
-            <a:endParaRPr lang="en-US" altLang="ja-JP" sz="1200" b="0" i="0" u="none" strike="noStrike" kern="1200" dirty="0">
-              <a:solidFill>
-                <a:schemeClr val="tx1"/>
-              </a:solidFill>
-              <a:effectLst/>
-              <a:latin typeface="+mn-lt"/>
-              <a:ea typeface="+mn-ea"/>
-              <a:cs typeface="+mn-cs"/>
-            </a:endParaRPr>
-          </a:p>
-          <a:p>
-            <a:endParaRPr lang="en-US" altLang="ja-JP" sz="1200" b="0" i="0" u="none" strike="noStrike" kern="1200" dirty="0">
-              <a:solidFill>
-                <a:schemeClr val="tx1"/>
-              </a:solidFill>
-              <a:effectLst/>
-              <a:latin typeface="+mn-lt"/>
-              <a:ea typeface="+mn-ea"/>
-              <a:cs typeface="+mn-cs"/>
-            </a:endParaRPr>
-          </a:p>
-          <a:p>
-            <a:r>
-              <a:rPr lang="ja-JP" altLang="en-US" sz="1200" b="0" i="0" u="none" strike="noStrike" kern="1200">
-                <a:solidFill>
-                  <a:schemeClr val="tx1"/>
-                </a:solidFill>
-                <a:effectLst/>
-                <a:latin typeface="+mn-lt"/>
-                <a:ea typeface="+mn-ea"/>
-                <a:cs typeface="+mn-cs"/>
-              </a:rPr>
-              <a:t>通过关心这样的数量变化趋势，能够帮助我们把握该领域一些重要论文的影响，对领域热度的变化有更加清晰直观的了解。</a:t>
-            </a:r>
-          </a:p>
-          <a:p>
+              <a:rPr lang="zh-CN" altLang="en-CN" dirty="0"/>
+              <a:t>李传艺</a:t>
+            </a:r>
+            <a:r>
+              <a:rPr lang="zh-CN" altLang="en-US" dirty="0"/>
+              <a:t>在对于</a:t>
+            </a:r>
+            <a:r>
+              <a:rPr lang="en-US" altLang="zh-CN" dirty="0"/>
+              <a:t>word</a:t>
+            </a:r>
+            <a:r>
+              <a:rPr lang="zh-CN" altLang="en-US" dirty="0"/>
+              <a:t>文档里的要求把流计算分成了：「流准备和监听、流计算、计算结果动态展示」</a:t>
+            </a:r>
+            <a:endParaRPr lang="en-US" altLang="zh-CN" dirty="0"/>
+          </a:p>
+          <a:p>
+            <a:r>
+              <a:rPr lang="zh-CN" altLang="en-US" dirty="0"/>
+              <a:t>我写了两页的第二步流计算，因为我觉得这个部分可能比较多</a:t>
+            </a:r>
+            <a:endParaRPr lang="en-US" altLang="zh-CN" dirty="0"/>
+          </a:p>
+          <a:p>
+            <a:endParaRPr lang="en-US" altLang="zh-CN" dirty="0"/>
+          </a:p>
+          <a:p>
+            <a:r>
+              <a:rPr lang="zh-CN" altLang="en-US" dirty="0"/>
+              <a:t>你看一下是按照他那么来，还是说你按照三个进程一个一个说明，或者别的更合适的</a:t>
+            </a:r>
+            <a:endParaRPr lang="en-CN" dirty="0"/>
+          </a:p>
+          <a:p>
+            <a:r>
+              <a:rPr lang="en-CN" dirty="0"/>
+              <a:t>附上关键代码说明一下streaming的计算步骤</a:t>
+            </a:r>
+            <a:r>
+              <a:rPr lang="zh-CN" altLang="en-US" dirty="0"/>
+              <a:t>，有三个进程，就写三页，贴上关键代码</a:t>
+            </a:r>
             <a:endParaRPr lang="en-CN" dirty="0"/>
           </a:p>
         </p:txBody>
@@ -5114,7 +4745,7 @@
     </p:spTree>
     <p:extLst>
       <p:ext uri="{BB962C8B-B14F-4D97-AF65-F5344CB8AC3E}">
-        <p14:creationId xmlns:p14="http://schemas.microsoft.com/office/powerpoint/2010/main" val="309100680"/>
+        <p14:creationId xmlns:p14="http://schemas.microsoft.com/office/powerpoint/2010/main" val="4100518078"/>
       </p:ext>
     </p:extLst>
   </p:cSld>
@@ -5169,210 +4800,50 @@
           <a:lstStyle/>
           <a:p>
             <a:r>
-              <a:rPr lang="ja-JP" altLang="en-US" sz="1200" b="0" i="0" u="none" strike="noStrike" kern="1200">
-                <a:solidFill>
-                  <a:schemeClr val="tx1"/>
-                </a:solidFill>
-                <a:effectLst/>
-                <a:latin typeface="+mn-lt"/>
-                <a:ea typeface="+mn-ea"/>
-                <a:cs typeface="+mn-cs"/>
-              </a:rPr>
-              <a:t>针对业务问题「统计特定时间段内某领域的热门论文和作者」</a:t>
-            </a:r>
-            <a:endParaRPr lang="en-US" altLang="ja-JP" sz="1200" b="0" i="0" u="none" strike="noStrike" kern="1200" dirty="0">
-              <a:solidFill>
-                <a:schemeClr val="tx1"/>
-              </a:solidFill>
-              <a:effectLst/>
-              <a:latin typeface="+mn-lt"/>
-              <a:ea typeface="+mn-ea"/>
-              <a:cs typeface="+mn-cs"/>
-            </a:endParaRPr>
-          </a:p>
-          <a:p>
-            <a:endParaRPr lang="en-US" altLang="ja-JP" sz="1200" b="0" i="0" u="none" strike="noStrike" kern="1200" dirty="0">
-              <a:solidFill>
-                <a:schemeClr val="tx1"/>
-              </a:solidFill>
-              <a:effectLst/>
-              <a:latin typeface="+mn-lt"/>
-              <a:ea typeface="+mn-ea"/>
-              <a:cs typeface="+mn-cs"/>
-            </a:endParaRPr>
-          </a:p>
-          <a:p>
-            <a:r>
-              <a:rPr lang="ja-JP" altLang="en-US" sz="1200" b="0" i="0" u="none" strike="noStrike" kern="1200">
-                <a:solidFill>
-                  <a:schemeClr val="tx1"/>
-                </a:solidFill>
-                <a:effectLst/>
-                <a:latin typeface="+mn-lt"/>
-                <a:ea typeface="+mn-ea"/>
-                <a:cs typeface="+mn-cs"/>
-              </a:rPr>
-              <a:t>根据用户输入的统计年份数以及在表格中选择的领域信息，计算该领域在该时间段内各篇论文和各个作者的被引用数，</a:t>
-            </a:r>
-            <a:endParaRPr lang="en-US" altLang="ja-JP" sz="1200" b="0" i="0" u="none" strike="noStrike" kern="1200" dirty="0">
-              <a:solidFill>
-                <a:schemeClr val="tx1"/>
-              </a:solidFill>
-              <a:effectLst/>
-              <a:latin typeface="+mn-lt"/>
-              <a:ea typeface="+mn-ea"/>
-              <a:cs typeface="+mn-cs"/>
-            </a:endParaRPr>
-          </a:p>
-          <a:p>
-            <a:r>
-              <a:rPr lang="ja-JP" altLang="en-US" sz="1200" b="0" i="0" u="none" strike="noStrike" kern="1200">
-                <a:solidFill>
-                  <a:schemeClr val="tx1"/>
-                </a:solidFill>
-                <a:effectLst/>
-                <a:latin typeface="+mn-lt"/>
-                <a:ea typeface="+mn-ea"/>
-                <a:cs typeface="+mn-cs"/>
-              </a:rPr>
-              <a:t>并返回被引用数最高的前</a:t>
-            </a:r>
-            <a:r>
-              <a:rPr lang="en-US" altLang="ja-JP" sz="1200" b="0" i="0" u="none" strike="noStrike" kern="1200" dirty="0">
-                <a:solidFill>
-                  <a:schemeClr val="tx1"/>
-                </a:solidFill>
-                <a:effectLst/>
-                <a:latin typeface="+mn-lt"/>
-                <a:ea typeface="+mn-ea"/>
-                <a:cs typeface="+mn-cs"/>
-              </a:rPr>
-              <a:t>10</a:t>
-            </a:r>
-            <a:r>
-              <a:rPr lang="ja-JP" altLang="en-US" sz="1200" b="0" i="0" u="none" strike="noStrike" kern="1200">
-                <a:solidFill>
-                  <a:schemeClr val="tx1"/>
-                </a:solidFill>
-                <a:effectLst/>
-                <a:latin typeface="+mn-lt"/>
-                <a:ea typeface="+mn-ea"/>
-                <a:cs typeface="+mn-cs"/>
-              </a:rPr>
-              <a:t>篇论文和前</a:t>
-            </a:r>
-            <a:r>
-              <a:rPr lang="en-US" altLang="ja-JP" sz="1200" b="0" i="0" u="none" strike="noStrike" kern="1200" dirty="0">
-                <a:solidFill>
-                  <a:schemeClr val="tx1"/>
-                </a:solidFill>
-                <a:effectLst/>
-                <a:latin typeface="+mn-lt"/>
-                <a:ea typeface="+mn-ea"/>
-                <a:cs typeface="+mn-cs"/>
-              </a:rPr>
-              <a:t>10</a:t>
-            </a:r>
-            <a:r>
-              <a:rPr lang="ja-JP" altLang="en-US" sz="1200" b="0" i="0" u="none" strike="noStrike" kern="1200">
-                <a:solidFill>
-                  <a:schemeClr val="tx1"/>
-                </a:solidFill>
-                <a:effectLst/>
-                <a:latin typeface="+mn-lt"/>
-                <a:ea typeface="+mn-ea"/>
-                <a:cs typeface="+mn-cs"/>
-              </a:rPr>
-              <a:t>位作者，使用排行榜进行展示。</a:t>
-            </a:r>
-            <a:endParaRPr lang="en-US" altLang="zh-CN" sz="1200" b="0" i="0" u="none" strike="noStrike" kern="1200" dirty="0">
-              <a:solidFill>
-                <a:schemeClr val="tx1"/>
-              </a:solidFill>
-              <a:effectLst/>
-              <a:latin typeface="+mn-lt"/>
-              <a:ea typeface="+mn-ea"/>
-              <a:cs typeface="+mn-cs"/>
-            </a:endParaRPr>
-          </a:p>
-          <a:p>
-            <a:endParaRPr lang="ja-JP" altLang="en-US" sz="1200" b="0" i="0" u="none" strike="noStrike" kern="1200">
-              <a:solidFill>
-                <a:schemeClr val="tx1"/>
-              </a:solidFill>
-              <a:effectLst/>
-              <a:latin typeface="+mn-lt"/>
-              <a:ea typeface="+mn-ea"/>
-              <a:cs typeface="+mn-cs"/>
-            </a:endParaRPr>
-          </a:p>
-          <a:p>
-            <a:r>
-              <a:rPr lang="ja-JP" altLang="en-US" sz="1200" b="0" i="0" u="none" strike="noStrike" kern="1200">
-                <a:solidFill>
-                  <a:schemeClr val="tx1"/>
-                </a:solidFill>
-                <a:effectLst/>
-                <a:latin typeface="+mn-lt"/>
-                <a:ea typeface="+mn-ea"/>
-                <a:cs typeface="+mn-cs"/>
-              </a:rPr>
-              <a:t>通过搜索某一领域内热门的论文和作者，我们可以了解到该领域的前沿发展，着眼于该领域内有影响力的工作：</a:t>
-            </a:r>
-            <a:endParaRPr lang="en-US" altLang="ja-JP" sz="1200" b="0" i="0" u="none" strike="noStrike" kern="1200" dirty="0">
-              <a:solidFill>
-                <a:schemeClr val="tx1"/>
-              </a:solidFill>
-              <a:effectLst/>
-              <a:latin typeface="+mn-lt"/>
-              <a:ea typeface="+mn-ea"/>
-              <a:cs typeface="+mn-cs"/>
-            </a:endParaRPr>
-          </a:p>
-          <a:p>
-            <a:pPr marL="171450" indent="-171450">
-              <a:buFontTx/>
-              <a:buChar char="-"/>
-            </a:pPr>
-            <a:r>
-              <a:rPr lang="ja-JP" altLang="en-US" sz="1200" b="0" i="0" u="none" strike="noStrike" kern="1200">
-                <a:solidFill>
-                  <a:schemeClr val="tx1"/>
-                </a:solidFill>
-                <a:effectLst/>
-                <a:latin typeface="+mn-lt"/>
-                <a:ea typeface="+mn-ea"/>
-                <a:cs typeface="+mn-cs"/>
-              </a:rPr>
-              <a:t>那些高引用的论文往往是这一领域的经典论文，是很多后续研究的基石；</a:t>
-            </a:r>
-            <a:endParaRPr lang="en-US" altLang="ja-JP" sz="1200" b="0" i="0" u="none" strike="noStrike" kern="1200" dirty="0">
-              <a:solidFill>
-                <a:schemeClr val="tx1"/>
-              </a:solidFill>
-              <a:effectLst/>
-              <a:latin typeface="+mn-lt"/>
-              <a:ea typeface="+mn-ea"/>
-              <a:cs typeface="+mn-cs"/>
-            </a:endParaRPr>
-          </a:p>
-          <a:p>
-            <a:pPr marL="171450" indent="-171450">
-              <a:buFontTx/>
-              <a:buChar char="-"/>
-            </a:pPr>
-            <a:r>
-              <a:rPr lang="ja-JP" altLang="en-US" sz="1200" b="0" i="0" u="none" strike="noStrike" kern="1200">
-                <a:solidFill>
-                  <a:schemeClr val="tx1"/>
-                </a:solidFill>
-                <a:effectLst/>
-                <a:latin typeface="+mn-lt"/>
-                <a:ea typeface="+mn-ea"/>
-                <a:cs typeface="+mn-cs"/>
-              </a:rPr>
-              <a:t>而高引用的作者意味着他的工作被同行广泛认可，是值得关注和借鉴的。</a:t>
-            </a:r>
+              <a:rPr lang="zh-CN" altLang="en-CN" dirty="0"/>
+              <a:t>李传艺</a:t>
+            </a:r>
+            <a:r>
+              <a:rPr lang="zh-CN" altLang="en-US" dirty="0"/>
+              <a:t>在对于</a:t>
+            </a:r>
+            <a:r>
+              <a:rPr lang="en-US" altLang="zh-CN" dirty="0"/>
+              <a:t>word</a:t>
+            </a:r>
+            <a:r>
+              <a:rPr lang="zh-CN" altLang="en-US" dirty="0"/>
+              <a:t>文档里的要求把流计算分成了：「流准备和监听、流计算、计算结果动态展示」</a:t>
+            </a:r>
+            <a:endParaRPr lang="en-US" altLang="zh-CN" dirty="0"/>
+          </a:p>
+          <a:p>
+            <a:r>
+              <a:rPr lang="zh-CN" altLang="en-US" dirty="0"/>
+              <a:t>我写了两页的第二步流计算，因为我觉得这个部分可能比较多</a:t>
+            </a:r>
+            <a:endParaRPr lang="en-US" altLang="zh-CN" dirty="0"/>
+          </a:p>
+          <a:p>
+            <a:endParaRPr lang="en-US" altLang="zh-CN" dirty="0"/>
+          </a:p>
+          <a:p>
+            <a:r>
+              <a:rPr lang="zh-CN" altLang="en-US" dirty="0"/>
+              <a:t>你看一下是按照他那么来，还是说你按照三个进程一个一个说明，或者别的更合适的</a:t>
+            </a:r>
+            <a:endParaRPr lang="en-CN" dirty="0"/>
+          </a:p>
+          <a:p>
+            <a:r>
+              <a:rPr lang="en-CN" dirty="0"/>
+              <a:t>附上关键代码说明一下streaming的计算步骤</a:t>
+            </a:r>
+            <a:r>
+              <a:rPr lang="zh-CN" altLang="en-US" dirty="0"/>
+              <a:t>，有三个进程，就写三页，贴上关键代码</a:t>
+            </a:r>
+            <a:endParaRPr lang="en-CN" dirty="0"/>
           </a:p>
           <a:p>
             <a:endParaRPr lang="en-CN" dirty="0"/>
@@ -5405,7 +4876,7 @@
     </p:spTree>
     <p:extLst>
       <p:ext uri="{BB962C8B-B14F-4D97-AF65-F5344CB8AC3E}">
-        <p14:creationId xmlns:p14="http://schemas.microsoft.com/office/powerpoint/2010/main" val="3830835449"/>
+        <p14:creationId xmlns:p14="http://schemas.microsoft.com/office/powerpoint/2010/main" val="693361776"/>
       </p:ext>
     </p:extLst>
   </p:cSld>
@@ -5460,708 +4931,50 @@
           <a:lstStyle/>
           <a:p>
             <a:r>
-              <a:rPr lang="ja-JP" altLang="en-US" sz="1200" b="0" i="0" u="none" strike="noStrike" kern="1200">
-                <a:solidFill>
-                  <a:schemeClr val="tx1"/>
-                </a:solidFill>
-                <a:effectLst/>
-                <a:latin typeface="+mn-lt"/>
-                <a:ea typeface="+mn-ea"/>
-                <a:cs typeface="+mn-cs"/>
-              </a:rPr>
-              <a:t>针对业务问题「分析特定时间段内各领域的热度变化趋势」</a:t>
-            </a:r>
-            <a:endParaRPr lang="en-US" altLang="ja-JP" sz="1200" b="0" i="0" u="none" strike="noStrike" kern="1200" dirty="0">
-              <a:solidFill>
-                <a:schemeClr val="tx1"/>
-              </a:solidFill>
-              <a:effectLst/>
-              <a:latin typeface="+mn-lt"/>
-              <a:ea typeface="+mn-ea"/>
-              <a:cs typeface="+mn-cs"/>
-            </a:endParaRPr>
-          </a:p>
-          <a:p>
-            <a:endParaRPr lang="en-US" altLang="ja-JP" sz="1200" b="0" i="0" u="none" strike="noStrike" kern="1200" dirty="0">
-              <a:solidFill>
-                <a:schemeClr val="tx1"/>
-              </a:solidFill>
-              <a:effectLst/>
-              <a:latin typeface="+mn-lt"/>
-              <a:ea typeface="+mn-ea"/>
-              <a:cs typeface="+mn-cs"/>
-            </a:endParaRPr>
-          </a:p>
-          <a:p>
-            <a:r>
-              <a:rPr lang="ja-JP" altLang="en-US" sz="1200" b="0" i="0" u="none" strike="noStrike" kern="1200">
-                <a:solidFill>
-                  <a:schemeClr val="tx1"/>
-                </a:solidFill>
-                <a:effectLst/>
-                <a:latin typeface="+mn-lt"/>
-                <a:ea typeface="+mn-ea"/>
-                <a:cs typeface="+mn-cs"/>
-              </a:rPr>
-              <a:t>用户选择要统计的时间段（默认为</a:t>
-            </a:r>
-            <a:r>
-              <a:rPr lang="en-US" altLang="ja-JP" sz="1200" b="0" i="0" u="none" strike="noStrike" kern="1200" dirty="0">
-                <a:solidFill>
-                  <a:schemeClr val="tx1"/>
-                </a:solidFill>
-                <a:effectLst/>
-                <a:latin typeface="+mn-lt"/>
-                <a:ea typeface="+mn-ea"/>
-                <a:cs typeface="+mn-cs"/>
-              </a:rPr>
-              <a:t>5</a:t>
-            </a:r>
-            <a:r>
-              <a:rPr lang="ja-JP" altLang="en-US" sz="1200" b="0" i="0" u="none" strike="noStrike" kern="1200">
-                <a:solidFill>
-                  <a:schemeClr val="tx1"/>
-                </a:solidFill>
-                <a:effectLst/>
-                <a:latin typeface="+mn-lt"/>
-                <a:ea typeface="+mn-ea"/>
-                <a:cs typeface="+mn-cs"/>
-              </a:rPr>
-              <a:t>年）之后，计算各领域在该时间段内每个月产出的论文数，</a:t>
-            </a:r>
-            <a:endParaRPr lang="en-US" altLang="ja-JP" sz="1200" b="0" i="0" u="none" strike="noStrike" kern="1200" dirty="0">
-              <a:solidFill>
-                <a:schemeClr val="tx1"/>
-              </a:solidFill>
-              <a:effectLst/>
-              <a:latin typeface="+mn-lt"/>
-              <a:ea typeface="+mn-ea"/>
-              <a:cs typeface="+mn-cs"/>
-            </a:endParaRPr>
-          </a:p>
-          <a:p>
-            <a:r>
-              <a:rPr lang="ja-JP" altLang="en-US" sz="1200" b="0" i="0" u="none" strike="noStrike" kern="1200">
-                <a:solidFill>
-                  <a:schemeClr val="tx1"/>
-                </a:solidFill>
-                <a:effectLst/>
-                <a:latin typeface="+mn-lt"/>
-                <a:ea typeface="+mn-ea"/>
-                <a:cs typeface="+mn-cs"/>
-              </a:rPr>
-              <a:t>并以从开始时刻至当前月份的论文总数作为该领域热度的排名，每个月份返回热度最高的前</a:t>
-            </a:r>
-            <a:r>
-              <a:rPr lang="en-US" altLang="ja-JP" sz="1200" b="0" i="0" u="none" strike="noStrike" kern="1200" dirty="0">
-                <a:solidFill>
-                  <a:schemeClr val="tx1"/>
-                </a:solidFill>
-                <a:effectLst/>
-                <a:latin typeface="+mn-lt"/>
-                <a:ea typeface="+mn-ea"/>
-                <a:cs typeface="+mn-cs"/>
-              </a:rPr>
-              <a:t>10</a:t>
-            </a:r>
-            <a:r>
-              <a:rPr lang="ja-JP" altLang="en-US" sz="1200" b="0" i="0" u="none" strike="noStrike" kern="1200">
-                <a:solidFill>
-                  <a:schemeClr val="tx1"/>
-                </a:solidFill>
-                <a:effectLst/>
-                <a:latin typeface="+mn-lt"/>
-                <a:ea typeface="+mn-ea"/>
-                <a:cs typeface="+mn-cs"/>
-              </a:rPr>
-              <a:t>个领域</a:t>
-            </a:r>
-            <a:r>
-              <a:rPr lang="zh-CN" altLang="en-US" sz="1200" b="0" i="0" u="none" strike="noStrike" kern="1200" dirty="0">
-                <a:solidFill>
-                  <a:schemeClr val="tx1"/>
-                </a:solidFill>
-                <a:effectLst/>
-                <a:latin typeface="+mn-lt"/>
-                <a:ea typeface="+mn-ea"/>
-                <a:cs typeface="+mn-cs"/>
-              </a:rPr>
-              <a:t>，</a:t>
-            </a:r>
-            <a:r>
-              <a:rPr lang="ja-JP" altLang="en-US" sz="1200" b="0" i="0" u="none" strike="noStrike" kern="1200">
-                <a:solidFill>
-                  <a:schemeClr val="tx1"/>
-                </a:solidFill>
-                <a:effectLst/>
-                <a:latin typeface="+mn-lt"/>
-                <a:ea typeface="+mn-ea"/>
-                <a:cs typeface="+mn-cs"/>
-              </a:rPr>
-              <a:t>相关系统的运行截图如下图左半部分所示。</a:t>
-            </a:r>
-            <a:endParaRPr lang="en-US" altLang="ja-JP" sz="1200" b="0" i="0" u="none" strike="noStrike" kern="1200" dirty="0">
-              <a:solidFill>
-                <a:schemeClr val="tx1"/>
-              </a:solidFill>
-              <a:effectLst/>
-              <a:latin typeface="+mn-lt"/>
-              <a:ea typeface="+mn-ea"/>
-              <a:cs typeface="+mn-cs"/>
-            </a:endParaRPr>
-          </a:p>
-          <a:p>
-            <a:endParaRPr lang="ja-JP" altLang="en-US" sz="1200" b="0" i="0" u="none" strike="noStrike" kern="1200">
-              <a:solidFill>
-                <a:schemeClr val="tx1"/>
-              </a:solidFill>
-              <a:effectLst/>
-              <a:latin typeface="+mn-lt"/>
-              <a:ea typeface="+mn-ea"/>
-              <a:cs typeface="+mn-cs"/>
-            </a:endParaRPr>
-          </a:p>
-          <a:p>
-            <a:r>
-              <a:rPr lang="ja-JP" altLang="en-US" sz="1200" b="0" i="0" u="none" strike="noStrike" kern="1200">
-                <a:solidFill>
-                  <a:schemeClr val="tx1"/>
-                </a:solidFill>
-                <a:effectLst/>
-                <a:latin typeface="+mn-lt"/>
-                <a:ea typeface="+mn-ea"/>
-                <a:cs typeface="+mn-cs"/>
-              </a:rPr>
-              <a:t>各领域的动态排名反映了特定时间段内不同领域此消彼长的趋势，</a:t>
-            </a:r>
-            <a:endParaRPr lang="en-US" altLang="ja-JP" sz="1200" b="0" i="0" u="none" strike="noStrike" kern="1200" dirty="0">
-              <a:solidFill>
-                <a:schemeClr val="tx1"/>
-              </a:solidFill>
-              <a:effectLst/>
-              <a:latin typeface="+mn-lt"/>
-              <a:ea typeface="+mn-ea"/>
-              <a:cs typeface="+mn-cs"/>
-            </a:endParaRPr>
-          </a:p>
-          <a:p>
-            <a:pPr marL="171450" indent="-171450">
-              <a:buFontTx/>
-              <a:buChar char="-"/>
-            </a:pPr>
-            <a:r>
-              <a:rPr lang="ja-JP" altLang="en-US" sz="1200" b="0" i="0" u="none" strike="noStrike" kern="1200">
-                <a:solidFill>
-                  <a:schemeClr val="tx1"/>
-                </a:solidFill>
-                <a:effectLst/>
-                <a:latin typeface="+mn-lt"/>
-                <a:ea typeface="+mn-ea"/>
-                <a:cs typeface="+mn-cs"/>
-              </a:rPr>
-              <a:t>其中长期排名领先的领域则可以毫无置疑地被看作近年来的热门领域；</a:t>
-            </a:r>
-            <a:endParaRPr lang="en-US" altLang="ja-JP" sz="1200" b="0" i="0" u="none" strike="noStrike" kern="1200" dirty="0">
-              <a:solidFill>
-                <a:schemeClr val="tx1"/>
-              </a:solidFill>
-              <a:effectLst/>
-              <a:latin typeface="+mn-lt"/>
-              <a:ea typeface="+mn-ea"/>
-              <a:cs typeface="+mn-cs"/>
-            </a:endParaRPr>
-          </a:p>
-          <a:p>
-            <a:pPr marL="171450" indent="-171450">
-              <a:buFontTx/>
-              <a:buChar char="-"/>
-            </a:pPr>
-            <a:r>
-              <a:rPr lang="ja-JP" altLang="en-US" sz="1200" b="0" i="0" u="none" strike="noStrike" kern="1200">
-                <a:solidFill>
-                  <a:schemeClr val="tx1"/>
-                </a:solidFill>
-                <a:effectLst/>
-                <a:latin typeface="+mn-lt"/>
-                <a:ea typeface="+mn-ea"/>
-                <a:cs typeface="+mn-cs"/>
-              </a:rPr>
-              <a:t>那些逐渐离开排行榜的领域可能是因为遇到发展瓶颈、热度消退；</a:t>
-            </a:r>
-            <a:endParaRPr lang="en-US" altLang="ja-JP" sz="1200" b="0" i="0" u="none" strike="noStrike" kern="1200" dirty="0">
-              <a:solidFill>
-                <a:schemeClr val="tx1"/>
-              </a:solidFill>
-              <a:effectLst/>
-              <a:latin typeface="+mn-lt"/>
-              <a:ea typeface="+mn-ea"/>
-              <a:cs typeface="+mn-cs"/>
-            </a:endParaRPr>
-          </a:p>
-          <a:p>
-            <a:pPr marL="171450" indent="-171450">
-              <a:buFontTx/>
-              <a:buChar char="-"/>
-            </a:pPr>
-            <a:r>
-              <a:rPr lang="ja-JP" altLang="en-US" sz="1200" b="0" i="0" u="none" strike="noStrike" kern="1200">
-                <a:solidFill>
-                  <a:schemeClr val="tx1"/>
-                </a:solidFill>
-                <a:effectLst/>
-                <a:latin typeface="+mn-lt"/>
-                <a:ea typeface="+mn-ea"/>
-                <a:cs typeface="+mn-cs"/>
-              </a:rPr>
-              <a:t>而异军突起的新领域则有可能是在近年来有了突破性的成果，带动了相关研究的深入。</a:t>
-            </a:r>
-            <a:endParaRPr lang="en-US" altLang="ja-JP" sz="1200" b="0" i="0" u="none" strike="noStrike" kern="1200" dirty="0">
-              <a:solidFill>
-                <a:schemeClr val="tx1"/>
-              </a:solidFill>
-              <a:effectLst/>
-              <a:latin typeface="+mn-lt"/>
-              <a:ea typeface="+mn-ea"/>
-              <a:cs typeface="+mn-cs"/>
-            </a:endParaRPr>
-          </a:p>
-          <a:p>
-            <a:pPr marL="171450" indent="-171450">
-              <a:buFontTx/>
-              <a:buChar char="-"/>
-            </a:pPr>
-            <a:endParaRPr lang="ja-JP" altLang="en-US" sz="1200" b="0" i="0" u="none" strike="noStrike" kern="1200">
-              <a:solidFill>
-                <a:schemeClr val="tx1"/>
-              </a:solidFill>
-              <a:effectLst/>
-              <a:latin typeface="+mn-lt"/>
-              <a:ea typeface="+mn-ea"/>
-              <a:cs typeface="+mn-cs"/>
-            </a:endParaRPr>
-          </a:p>
-          <a:p>
-            <a:r>
-              <a:rPr lang="ja-JP" altLang="en-US" sz="1200" b="0" i="0" u="none" strike="noStrike" kern="1200">
-                <a:solidFill>
-                  <a:schemeClr val="tx1"/>
-                </a:solidFill>
-                <a:effectLst/>
-                <a:latin typeface="+mn-lt"/>
-                <a:ea typeface="+mn-ea"/>
-                <a:cs typeface="+mn-cs"/>
-              </a:rPr>
-              <a:t>此外，为了体现数据流的实时性，我们使用</a:t>
-            </a:r>
-            <a:r>
-              <a:rPr lang="en-US" sz="1200" b="0" i="0" u="none" strike="noStrike" kern="1200" dirty="0">
-                <a:solidFill>
-                  <a:schemeClr val="tx1"/>
-                </a:solidFill>
-                <a:effectLst/>
-                <a:latin typeface="+mn-lt"/>
-                <a:ea typeface="+mn-ea"/>
-                <a:cs typeface="+mn-cs"/>
-              </a:rPr>
-              <a:t>Streaming</a:t>
-            </a:r>
-            <a:r>
-              <a:rPr lang="ja-JP" altLang="en-US" sz="1200" b="0" i="0" u="none" strike="noStrike" kern="1200">
-                <a:solidFill>
-                  <a:schemeClr val="tx1"/>
-                </a:solidFill>
-                <a:effectLst/>
-                <a:latin typeface="+mn-lt"/>
-                <a:ea typeface="+mn-ea"/>
-                <a:cs typeface="+mn-cs"/>
-              </a:rPr>
-              <a:t>监听特定文件夹以读取新的数据。</a:t>
-            </a:r>
-            <a:endParaRPr lang="en-US" altLang="ja-JP" sz="1200" b="0" i="0" u="none" strike="noStrike" kern="1200" dirty="0">
-              <a:solidFill>
-                <a:schemeClr val="tx1"/>
-              </a:solidFill>
-              <a:effectLst/>
-              <a:latin typeface="+mn-lt"/>
-              <a:ea typeface="+mn-ea"/>
-              <a:cs typeface="+mn-cs"/>
-            </a:endParaRPr>
-          </a:p>
-          <a:p>
-            <a:r>
-              <a:rPr lang="ja-JP" altLang="en-US" sz="1200" b="0" i="0" u="none" strike="noStrike" kern="1200">
-                <a:solidFill>
-                  <a:schemeClr val="tx1"/>
-                </a:solidFill>
-                <a:effectLst/>
-                <a:latin typeface="+mn-lt"/>
-                <a:ea typeface="+mn-ea"/>
-                <a:cs typeface="+mn-cs"/>
-              </a:rPr>
-              <a:t>初始状态下所有的论文数据都没有被读取，在用户输入查找的时间段之后，系统会查找该时间段没有被读取过的论文数据，</a:t>
-            </a:r>
-            <a:endParaRPr lang="en-US" altLang="ja-JP" sz="1200" b="0" i="0" u="none" strike="noStrike" kern="1200" dirty="0">
-              <a:solidFill>
-                <a:schemeClr val="tx1"/>
-              </a:solidFill>
-              <a:effectLst/>
-              <a:latin typeface="+mn-lt"/>
-              <a:ea typeface="+mn-ea"/>
-              <a:cs typeface="+mn-cs"/>
-            </a:endParaRPr>
-          </a:p>
-          <a:p>
-            <a:r>
-              <a:rPr lang="ja-JP" altLang="en-US" sz="1200" b="0" i="0" u="none" strike="noStrike" kern="1200">
-                <a:solidFill>
-                  <a:schemeClr val="tx1"/>
-                </a:solidFill>
-                <a:effectLst/>
-                <a:latin typeface="+mn-lt"/>
-                <a:ea typeface="+mn-ea"/>
-                <a:cs typeface="+mn-cs"/>
-              </a:rPr>
-              <a:t>将其移至该文件夹以供</a:t>
-            </a:r>
-            <a:r>
-              <a:rPr lang="en-US" sz="1200" b="0" i="0" u="none" strike="noStrike" kern="1200" dirty="0">
-                <a:solidFill>
-                  <a:schemeClr val="tx1"/>
-                </a:solidFill>
-                <a:effectLst/>
-                <a:latin typeface="+mn-lt"/>
-                <a:ea typeface="+mn-ea"/>
-                <a:cs typeface="+mn-cs"/>
-              </a:rPr>
-              <a:t>Streaming</a:t>
-            </a:r>
-            <a:r>
-              <a:rPr lang="ja-JP" altLang="en-US" sz="1200" b="0" i="0" u="none" strike="noStrike" kern="1200">
-                <a:solidFill>
-                  <a:schemeClr val="tx1"/>
-                </a:solidFill>
-                <a:effectLst/>
-                <a:latin typeface="+mn-lt"/>
-                <a:ea typeface="+mn-ea"/>
-                <a:cs typeface="+mn-cs"/>
-              </a:rPr>
-              <a:t>读取，并记录相应时间段的数据已被读取。</a:t>
-            </a:r>
-            <a:endParaRPr lang="en-US" altLang="ja-JP" sz="1200" b="0" i="0" u="none" strike="noStrike" kern="1200" dirty="0">
-              <a:solidFill>
-                <a:schemeClr val="tx1"/>
-              </a:solidFill>
-              <a:effectLst/>
-              <a:latin typeface="+mn-lt"/>
-              <a:ea typeface="+mn-ea"/>
-              <a:cs typeface="+mn-cs"/>
-            </a:endParaRPr>
-          </a:p>
-          <a:p>
-            <a:endParaRPr lang="en-US" altLang="ja-JP" sz="1200" b="0" i="0" u="none" strike="noStrike" kern="1200" dirty="0">
-              <a:solidFill>
-                <a:schemeClr val="tx1"/>
-              </a:solidFill>
-              <a:effectLst/>
-              <a:latin typeface="+mn-lt"/>
-              <a:ea typeface="+mn-ea"/>
-              <a:cs typeface="+mn-cs"/>
-            </a:endParaRPr>
-          </a:p>
-          <a:p>
-            <a:r>
-              <a:rPr lang="ja-JP" altLang="en-US" sz="1200" b="0" i="0" u="none" strike="noStrike" kern="1200">
-                <a:solidFill>
-                  <a:schemeClr val="tx1"/>
-                </a:solidFill>
-                <a:effectLst/>
-                <a:latin typeface="+mn-lt"/>
-                <a:ea typeface="+mn-ea"/>
-                <a:cs typeface="+mn-cs"/>
-              </a:rPr>
-              <a:t>在这个过程中，前端会定时更新数据，显示已被</a:t>
-            </a:r>
-            <a:r>
-              <a:rPr lang="en-US" sz="1200" b="0" i="0" u="none" strike="noStrike" kern="1200" dirty="0">
-                <a:solidFill>
-                  <a:schemeClr val="tx1"/>
-                </a:solidFill>
-                <a:effectLst/>
-                <a:latin typeface="+mn-lt"/>
-                <a:ea typeface="+mn-ea"/>
-                <a:cs typeface="+mn-cs"/>
-              </a:rPr>
-              <a:t>Streaming</a:t>
-            </a:r>
-            <a:r>
-              <a:rPr lang="ja-JP" altLang="en-US" sz="1200" b="0" i="0" u="none" strike="noStrike" kern="1200">
-                <a:solidFill>
-                  <a:schemeClr val="tx1"/>
-                </a:solidFill>
-                <a:effectLst/>
-                <a:latin typeface="+mn-lt"/>
-                <a:ea typeface="+mn-ea"/>
-                <a:cs typeface="+mn-cs"/>
-              </a:rPr>
-              <a:t>读取的数据总量，以体现数据流读取的过程。</a:t>
-            </a:r>
-            <a:endParaRPr lang="en-US" altLang="ja-JP" sz="1200" b="0" i="0" u="none" strike="noStrike" kern="1200" dirty="0">
-              <a:solidFill>
-                <a:schemeClr val="tx1"/>
-              </a:solidFill>
-              <a:effectLst/>
-              <a:latin typeface="+mn-lt"/>
-              <a:ea typeface="+mn-ea"/>
-              <a:cs typeface="+mn-cs"/>
-            </a:endParaRPr>
-          </a:p>
-          <a:p>
-            <a:r>
-              <a:rPr lang="ja-JP" altLang="en-US" sz="1200" b="0" i="0" u="none" strike="noStrike" kern="1200">
-                <a:solidFill>
-                  <a:schemeClr val="tx1"/>
-                </a:solidFill>
-                <a:effectLst/>
-                <a:latin typeface="+mn-lt"/>
-                <a:ea typeface="+mn-ea"/>
-                <a:cs typeface="+mn-cs"/>
-              </a:rPr>
-              <a:t>用户随时可以访问一段时间内的动态排名，但是这个排名数据是基于</a:t>
-            </a:r>
-            <a:r>
-              <a:rPr lang="en-US" sz="1200" b="0" i="0" u="none" strike="noStrike" kern="1200" dirty="0">
-                <a:solidFill>
-                  <a:schemeClr val="tx1"/>
-                </a:solidFill>
-                <a:effectLst/>
-                <a:latin typeface="+mn-lt"/>
-                <a:ea typeface="+mn-ea"/>
-                <a:cs typeface="+mn-cs"/>
-              </a:rPr>
-              <a:t>Streaming</a:t>
-            </a:r>
-            <a:r>
-              <a:rPr lang="ja-JP" altLang="en-US" sz="1200" b="0" i="0" u="none" strike="noStrike" kern="1200">
-                <a:solidFill>
-                  <a:schemeClr val="tx1"/>
-                </a:solidFill>
-                <a:effectLst/>
-                <a:latin typeface="+mn-lt"/>
-                <a:ea typeface="+mn-ea"/>
-                <a:cs typeface="+mn-cs"/>
-              </a:rPr>
-              <a:t>已经读取的数据得到的，这个结果虽然是“不完全”的，</a:t>
-            </a:r>
-            <a:endParaRPr lang="en-US" altLang="ja-JP" sz="1200" b="0" i="0" u="none" strike="noStrike" kern="1200" dirty="0">
-              <a:solidFill>
-                <a:schemeClr val="tx1"/>
-              </a:solidFill>
-              <a:effectLst/>
-              <a:latin typeface="+mn-lt"/>
-              <a:ea typeface="+mn-ea"/>
-              <a:cs typeface="+mn-cs"/>
-            </a:endParaRPr>
-          </a:p>
-          <a:p>
-            <a:r>
-              <a:rPr lang="ja-JP" altLang="en-US" sz="1200" b="0" i="0" u="none" strike="noStrike" kern="1200">
-                <a:solidFill>
-                  <a:schemeClr val="tx1"/>
-                </a:solidFill>
-                <a:effectLst/>
-                <a:latin typeface="+mn-lt"/>
-                <a:ea typeface="+mn-ea"/>
-                <a:cs typeface="+mn-cs"/>
-              </a:rPr>
-              <a:t>但是和</a:t>
-            </a:r>
-            <a:r>
-              <a:rPr lang="en-US" sz="1200" b="0" i="0" u="none" strike="noStrike" kern="1200" dirty="0">
-                <a:solidFill>
-                  <a:schemeClr val="tx1"/>
-                </a:solidFill>
-                <a:effectLst/>
-                <a:latin typeface="+mn-lt"/>
-                <a:ea typeface="+mn-ea"/>
-                <a:cs typeface="+mn-cs"/>
-              </a:rPr>
-              <a:t>Streaming</a:t>
-            </a:r>
-            <a:r>
-              <a:rPr lang="ja-JP" altLang="en-US" sz="1200" b="0" i="0" u="none" strike="noStrike" kern="1200">
-                <a:solidFill>
-                  <a:schemeClr val="tx1"/>
-                </a:solidFill>
-                <a:effectLst/>
-                <a:latin typeface="+mn-lt"/>
-                <a:ea typeface="+mn-ea"/>
-                <a:cs typeface="+mn-cs"/>
-              </a:rPr>
-              <a:t>已经获取到的所有数据是匹配的，这体现了</a:t>
-            </a:r>
-            <a:r>
-              <a:rPr lang="en-US" sz="1200" b="0" i="0" u="none" strike="noStrike" kern="1200" dirty="0">
-                <a:solidFill>
-                  <a:schemeClr val="tx1"/>
-                </a:solidFill>
-                <a:effectLst/>
-                <a:latin typeface="+mn-lt"/>
-                <a:ea typeface="+mn-ea"/>
-                <a:cs typeface="+mn-cs"/>
-              </a:rPr>
-              <a:t>Streaming</a:t>
-            </a:r>
-            <a:r>
-              <a:rPr lang="ja-JP" altLang="en-US" sz="1200" b="0" i="0" u="none" strike="noStrike" kern="1200">
-                <a:solidFill>
-                  <a:schemeClr val="tx1"/>
-                </a:solidFill>
-                <a:effectLst/>
-                <a:latin typeface="+mn-lt"/>
-                <a:ea typeface="+mn-ea"/>
-                <a:cs typeface="+mn-cs"/>
-              </a:rPr>
-              <a:t>实时流式计算的特点。</a:t>
-            </a:r>
-            <a:endParaRPr lang="en-US" altLang="ja-JP" sz="1200" b="0" i="0" u="none" strike="noStrike" kern="1200" dirty="0">
-              <a:solidFill>
-                <a:schemeClr val="tx1"/>
-              </a:solidFill>
-              <a:effectLst/>
-              <a:latin typeface="+mn-lt"/>
-              <a:ea typeface="+mn-ea"/>
-              <a:cs typeface="+mn-cs"/>
-            </a:endParaRPr>
-          </a:p>
-          <a:p>
-            <a:endParaRPr lang="en-US" altLang="ja-JP" sz="1200" b="0" i="0" u="none" strike="noStrike" kern="1200" dirty="0">
-              <a:solidFill>
-                <a:schemeClr val="tx1"/>
-              </a:solidFill>
-              <a:effectLst/>
-              <a:latin typeface="+mn-lt"/>
-              <a:ea typeface="+mn-ea"/>
-              <a:cs typeface="+mn-cs"/>
-            </a:endParaRPr>
-          </a:p>
-          <a:p>
-            <a:endParaRPr lang="en-US" altLang="ja-JP" sz="1200" b="0" i="0" u="none" strike="noStrike" kern="1200" dirty="0">
-              <a:solidFill>
-                <a:schemeClr val="tx1"/>
-              </a:solidFill>
-              <a:effectLst/>
-              <a:latin typeface="+mn-lt"/>
-              <a:ea typeface="+mn-ea"/>
-              <a:cs typeface="+mn-cs"/>
-            </a:endParaRPr>
-          </a:p>
-          <a:p>
-            <a:endParaRPr lang="en-US" altLang="ja-JP" sz="1200" b="0" i="0" u="none" strike="noStrike" kern="1200" dirty="0">
-              <a:solidFill>
-                <a:schemeClr val="tx1"/>
-              </a:solidFill>
-              <a:effectLst/>
-              <a:latin typeface="+mn-lt"/>
-              <a:ea typeface="+mn-ea"/>
-              <a:cs typeface="+mn-cs"/>
-            </a:endParaRPr>
-          </a:p>
-          <a:p>
-            <a:endParaRPr lang="ja-JP" altLang="en-US" sz="1200" b="0" i="0" u="none" strike="noStrike" kern="1200">
-              <a:solidFill>
-                <a:schemeClr val="tx1"/>
-              </a:solidFill>
-              <a:effectLst/>
-              <a:latin typeface="+mn-lt"/>
-              <a:ea typeface="+mn-ea"/>
-              <a:cs typeface="+mn-cs"/>
-            </a:endParaRPr>
-          </a:p>
-          <a:p>
-            <a:r>
-              <a:rPr lang="ja-JP" altLang="en-US" sz="1200" b="0" i="0" u="none" strike="noStrike" kern="1200">
-                <a:solidFill>
-                  <a:schemeClr val="tx1"/>
-                </a:solidFill>
-                <a:effectLst/>
-                <a:latin typeface="+mn-lt"/>
-                <a:ea typeface="+mn-ea"/>
-                <a:cs typeface="+mn-cs"/>
-              </a:rPr>
-              <a:t>针对业务问题「分析特定时间段内每年的最热门领域」</a:t>
-            </a:r>
-            <a:endParaRPr lang="en-US" altLang="ja-JP" sz="1200" b="0" i="0" u="none" strike="noStrike" kern="1200" dirty="0">
-              <a:solidFill>
-                <a:schemeClr val="tx1"/>
-              </a:solidFill>
-              <a:effectLst/>
-              <a:latin typeface="+mn-lt"/>
-              <a:ea typeface="+mn-ea"/>
-              <a:cs typeface="+mn-cs"/>
-            </a:endParaRPr>
-          </a:p>
-          <a:p>
-            <a:r>
-              <a:rPr lang="ja-JP" altLang="en-US" sz="1200" b="0" i="0" u="none" strike="noStrike" kern="1200">
-                <a:solidFill>
-                  <a:schemeClr val="tx1"/>
-                </a:solidFill>
-                <a:effectLst/>
-                <a:latin typeface="+mn-lt"/>
-                <a:ea typeface="+mn-ea"/>
-                <a:cs typeface="+mn-cs"/>
-              </a:rPr>
-              <a:t>用户选择要统计的时间段（默认为</a:t>
-            </a:r>
-            <a:r>
-              <a:rPr lang="en-US" altLang="ja-JP" sz="1200" b="0" i="0" u="none" strike="noStrike" kern="1200" dirty="0">
-                <a:solidFill>
-                  <a:schemeClr val="tx1"/>
-                </a:solidFill>
-                <a:effectLst/>
-                <a:latin typeface="+mn-lt"/>
-                <a:ea typeface="+mn-ea"/>
-                <a:cs typeface="+mn-cs"/>
-              </a:rPr>
-              <a:t>5</a:t>
-            </a:r>
-            <a:r>
-              <a:rPr lang="ja-JP" altLang="en-US" sz="1200" b="0" i="0" u="none" strike="noStrike" kern="1200">
-                <a:solidFill>
-                  <a:schemeClr val="tx1"/>
-                </a:solidFill>
-                <a:effectLst/>
-                <a:latin typeface="+mn-lt"/>
-                <a:ea typeface="+mn-ea"/>
-                <a:cs typeface="+mn-cs"/>
-              </a:rPr>
-              <a:t>年）之后，计算各领域在该时间段内每年产出的论文数，从而计算得到每年热度最高的领域，使用柱状图展示结果，相关系统的运行截图如上图右半部分所示。</a:t>
-            </a:r>
-          </a:p>
-          <a:p>
-            <a:endParaRPr lang="en-US" altLang="ja-JP" sz="1200" b="0" i="0" u="none" strike="noStrike" kern="1200" dirty="0">
-              <a:solidFill>
-                <a:schemeClr val="tx1"/>
-              </a:solidFill>
-              <a:effectLst/>
-              <a:latin typeface="+mn-lt"/>
-              <a:ea typeface="+mn-ea"/>
-              <a:cs typeface="+mn-cs"/>
-            </a:endParaRPr>
-          </a:p>
-          <a:p>
-            <a:r>
-              <a:rPr lang="ja-JP" altLang="en-US" sz="1200" b="0" i="0" u="none" strike="noStrike" kern="1200">
-                <a:solidFill>
-                  <a:schemeClr val="tx1"/>
-                </a:solidFill>
-                <a:effectLst/>
-                <a:latin typeface="+mn-lt"/>
-                <a:ea typeface="+mn-ea"/>
-                <a:cs typeface="+mn-cs"/>
-              </a:rPr>
-              <a:t>如果说动态排名以增量化的方式展示了各个领域的热度对比，那么柱状图则关注每年热门领域的变化，希望形成对于热门领域变迁的总体印象。</a:t>
-            </a:r>
+              <a:rPr lang="zh-CN" altLang="en-CN" dirty="0"/>
+              <a:t>李传艺</a:t>
+            </a:r>
+            <a:r>
+              <a:rPr lang="zh-CN" altLang="en-US" dirty="0"/>
+              <a:t>在对于</a:t>
+            </a:r>
+            <a:r>
+              <a:rPr lang="en-US" altLang="zh-CN" dirty="0"/>
+              <a:t>word</a:t>
+            </a:r>
+            <a:r>
+              <a:rPr lang="zh-CN" altLang="en-US" dirty="0"/>
+              <a:t>文档里的要求把流计算分成了：「流准备和监听、流计算、计算结果动态展示」</a:t>
+            </a:r>
+            <a:endParaRPr lang="en-US" altLang="zh-CN" dirty="0"/>
+          </a:p>
+          <a:p>
+            <a:r>
+              <a:rPr lang="zh-CN" altLang="en-US" dirty="0"/>
+              <a:t>我写了两页的第二步流计算，因为我觉得这个部分可能比较多</a:t>
+            </a:r>
+            <a:endParaRPr lang="en-US" altLang="zh-CN" dirty="0"/>
+          </a:p>
+          <a:p>
+            <a:endParaRPr lang="en-US" altLang="zh-CN" dirty="0"/>
+          </a:p>
+          <a:p>
+            <a:r>
+              <a:rPr lang="zh-CN" altLang="en-US" dirty="0"/>
+              <a:t>你看一下是按照他那么来，还是说你按照三个进程一个一个说明，或者别的更合适的</a:t>
+            </a:r>
+            <a:endParaRPr lang="en-CN" dirty="0"/>
+          </a:p>
+          <a:p>
+            <a:r>
+              <a:rPr lang="en-CN" dirty="0"/>
+              <a:t>附上关键代码说明一下streaming的计算步骤</a:t>
+            </a:r>
+            <a:r>
+              <a:rPr lang="zh-CN" altLang="en-US" dirty="0"/>
+              <a:t>，有三个进程，就写三页，贴上关键代码</a:t>
+            </a:r>
+            <a:endParaRPr lang="en-CN" dirty="0"/>
           </a:p>
           <a:p>
             <a:endParaRPr lang="en-CN" dirty="0"/>
@@ -6194,7 +5007,7 @@
     </p:spTree>
     <p:extLst>
       <p:ext uri="{BB962C8B-B14F-4D97-AF65-F5344CB8AC3E}">
-        <p14:creationId xmlns:p14="http://schemas.microsoft.com/office/powerpoint/2010/main" val="802758500"/>
+        <p14:creationId xmlns:p14="http://schemas.microsoft.com/office/powerpoint/2010/main" val="63757731"/>
       </p:ext>
     </p:extLst>
   </p:cSld>
@@ -6249,8 +5062,26 @@
           <a:lstStyle/>
           <a:p>
             <a:r>
-              <a:rPr lang="en-CN"/>
-              <a:t>贴个视频</a:t>
+              <a:rPr lang="en-CN" dirty="0"/>
+              <a:t>附上关键代码说明一下streaming的计算步骤中遇到的问题</a:t>
+            </a:r>
+          </a:p>
+          <a:p>
+            <a:r>
+              <a:rPr lang="en-CN" dirty="0"/>
+              <a:t>空白部分放代码截图</a:t>
+            </a:r>
+            <a:r>
+              <a:rPr lang="zh-CN" altLang="en-US" dirty="0"/>
+              <a:t>，问题根据实际遇到的问题替换我</a:t>
+            </a:r>
+            <a:r>
+              <a:rPr lang="en-US" altLang="zh-CN" dirty="0"/>
+              <a:t>dummy</a:t>
+            </a:r>
+            <a:r>
+              <a:rPr lang="zh-CN" altLang="en-US" dirty="0"/>
+              <a:t>的内容</a:t>
             </a:r>
             <a:endParaRPr lang="en-CN" dirty="0"/>
           </a:p>
@@ -6282,7 +5113,113 @@
     </p:spTree>
     <p:extLst>
       <p:ext uri="{BB962C8B-B14F-4D97-AF65-F5344CB8AC3E}">
-        <p14:creationId xmlns:p14="http://schemas.microsoft.com/office/powerpoint/2010/main" val="1382819829"/>
+        <p14:creationId xmlns:p14="http://schemas.microsoft.com/office/powerpoint/2010/main" val="972502216"/>
+      </p:ext>
+    </p:extLst>
+  </p:cSld>
+  <p:clrMapOvr>
+    <a:masterClrMapping/>
+  </p:clrMapOvr>
+</p:notes>
+</file>
+
+<file path=ppt/notesSlides/notesSlide19.xml><?xml version="1.0" encoding="utf-8"?>
+<p:notes xmlns:a="http://schemas.openxmlformats.org/drawingml/2006/main" xmlns:r="http://schemas.openxmlformats.org/officeDocument/2006/relationships" xmlns:p="http://schemas.openxmlformats.org/presentationml/2006/main">
+  <p:cSld>
+    <p:spTree>
+      <p:nvGrpSpPr>
+        <p:cNvPr id="1" name=""/>
+        <p:cNvGrpSpPr/>
+        <p:nvPr/>
+      </p:nvGrpSpPr>
+      <p:grpSpPr>
+        <a:xfrm>
+          <a:off x="0" y="0"/>
+          <a:ext cx="0" cy="0"/>
+          <a:chOff x="0" y="0"/>
+          <a:chExt cx="0" cy="0"/>
+        </a:xfrm>
+      </p:grpSpPr>
+      <p:sp>
+        <p:nvSpPr>
+          <p:cNvPr id="2" name="Slide Image Placeholder 1"/>
+          <p:cNvSpPr>
+            <a:spLocks noGrp="1" noRot="1" noChangeAspect="1"/>
+          </p:cNvSpPr>
+          <p:nvPr>
+            <p:ph type="sldImg"/>
+          </p:nvPr>
+        </p:nvSpPr>
+        <p:spPr/>
+      </p:sp>
+      <p:sp>
+        <p:nvSpPr>
+          <p:cNvPr id="3" name="Notes Placeholder 2"/>
+          <p:cNvSpPr>
+            <a:spLocks noGrp="1"/>
+          </p:cNvSpPr>
+          <p:nvPr>
+            <p:ph type="body" idx="1"/>
+          </p:nvPr>
+        </p:nvSpPr>
+        <p:spPr/>
+        <p:txBody>
+          <a:bodyPr/>
+          <a:lstStyle/>
+          <a:p>
+            <a:r>
+              <a:rPr lang="en-CN" dirty="0"/>
+              <a:t>附上关键代码说明一下streaming的计算步骤中遇到的问题</a:t>
+            </a:r>
+          </a:p>
+          <a:p>
+            <a:r>
+              <a:rPr lang="en-CN" dirty="0"/>
+              <a:t>空白部分放代码截图</a:t>
+            </a:r>
+            <a:r>
+              <a:rPr lang="zh-CN" altLang="en-US" dirty="0"/>
+              <a:t>，问题根据实际遇到的问题替换我</a:t>
+            </a:r>
+            <a:r>
+              <a:rPr lang="en-US" altLang="zh-CN" dirty="0"/>
+              <a:t>dummy</a:t>
+            </a:r>
+            <a:r>
+              <a:rPr lang="zh-CN" altLang="en-US" dirty="0"/>
+              <a:t>的内容</a:t>
+            </a:r>
+            <a:endParaRPr lang="en-CN" dirty="0"/>
+          </a:p>
+        </p:txBody>
+      </p:sp>
+      <p:sp>
+        <p:nvSpPr>
+          <p:cNvPr id="4" name="Slide Number Placeholder 3"/>
+          <p:cNvSpPr>
+            <a:spLocks noGrp="1"/>
+          </p:cNvSpPr>
+          <p:nvPr>
+            <p:ph type="sldNum" sz="quarter" idx="5"/>
+          </p:nvPr>
+        </p:nvSpPr>
+        <p:spPr/>
+        <p:txBody>
+          <a:bodyPr/>
+          <a:lstStyle/>
+          <a:p>
+            <a:fld id="{101B89F9-BB18-1A46-8648-0F8B98F807E9}" type="slidenum">
+              <a:rPr lang="en-CN" smtClean="0"/>
+              <a:t>19</a:t>
+            </a:fld>
+            <a:endParaRPr lang="en-CN"/>
+          </a:p>
+        </p:txBody>
+      </p:sp>
+    </p:spTree>
+    <p:extLst>
+      <p:ext uri="{BB962C8B-B14F-4D97-AF65-F5344CB8AC3E}">
+        <p14:creationId xmlns:p14="http://schemas.microsoft.com/office/powerpoint/2010/main" val="2027274289"/>
       </p:ext>
     </p:extLst>
   </p:cSld>
@@ -6367,6 +5304,1989 @@
     <p:extLst>
       <p:ext uri="{BB962C8B-B14F-4D97-AF65-F5344CB8AC3E}">
         <p14:creationId xmlns:p14="http://schemas.microsoft.com/office/powerpoint/2010/main" val="1605249743"/>
+      </p:ext>
+    </p:extLst>
+  </p:cSld>
+  <p:clrMapOvr>
+    <a:masterClrMapping/>
+  </p:clrMapOvr>
+</p:notes>
+</file>
+
+<file path=ppt/notesSlides/notesSlide20.xml><?xml version="1.0" encoding="utf-8"?>
+<p:notes xmlns:a="http://schemas.openxmlformats.org/drawingml/2006/main" xmlns:r="http://schemas.openxmlformats.org/officeDocument/2006/relationships" xmlns:p="http://schemas.openxmlformats.org/presentationml/2006/main">
+  <p:cSld>
+    <p:spTree>
+      <p:nvGrpSpPr>
+        <p:cNvPr id="1" name=""/>
+        <p:cNvGrpSpPr/>
+        <p:nvPr/>
+      </p:nvGrpSpPr>
+      <p:grpSpPr>
+        <a:xfrm>
+          <a:off x="0" y="0"/>
+          <a:ext cx="0" cy="0"/>
+          <a:chOff x="0" y="0"/>
+          <a:chExt cx="0" cy="0"/>
+        </a:xfrm>
+      </p:grpSpPr>
+      <p:sp>
+        <p:nvSpPr>
+          <p:cNvPr id="2" name="Slide Image Placeholder 1"/>
+          <p:cNvSpPr>
+            <a:spLocks noGrp="1" noRot="1" noChangeAspect="1"/>
+          </p:cNvSpPr>
+          <p:nvPr>
+            <p:ph type="sldImg"/>
+          </p:nvPr>
+        </p:nvSpPr>
+        <p:spPr/>
+      </p:sp>
+      <p:sp>
+        <p:nvSpPr>
+          <p:cNvPr id="3" name="Notes Placeholder 2"/>
+          <p:cNvSpPr>
+            <a:spLocks noGrp="1"/>
+          </p:cNvSpPr>
+          <p:nvPr>
+            <p:ph type="body" idx="1"/>
+          </p:nvPr>
+        </p:nvSpPr>
+        <p:spPr/>
+        <p:txBody>
+          <a:bodyPr/>
+          <a:lstStyle/>
+          <a:p>
+            <a:r>
+              <a:rPr lang="en-CN" dirty="0"/>
+              <a:t>附上关键代码说明一下streaming的计算步骤中遇到的问题</a:t>
+            </a:r>
+          </a:p>
+          <a:p>
+            <a:r>
+              <a:rPr lang="en-CN" dirty="0"/>
+              <a:t>空白部分放代码截图</a:t>
+            </a:r>
+            <a:r>
+              <a:rPr lang="zh-CN" altLang="en-US" dirty="0"/>
+              <a:t>，问题根据实际遇到的问题替换我</a:t>
+            </a:r>
+            <a:r>
+              <a:rPr lang="en-US" altLang="zh-CN" dirty="0"/>
+              <a:t>dummy</a:t>
+            </a:r>
+            <a:r>
+              <a:rPr lang="zh-CN" altLang="en-US" dirty="0"/>
+              <a:t>的内容</a:t>
+            </a:r>
+            <a:endParaRPr lang="en-CN" dirty="0"/>
+          </a:p>
+        </p:txBody>
+      </p:sp>
+      <p:sp>
+        <p:nvSpPr>
+          <p:cNvPr id="4" name="Slide Number Placeholder 3"/>
+          <p:cNvSpPr>
+            <a:spLocks noGrp="1"/>
+          </p:cNvSpPr>
+          <p:nvPr>
+            <p:ph type="sldNum" sz="quarter" idx="5"/>
+          </p:nvPr>
+        </p:nvSpPr>
+        <p:spPr/>
+        <p:txBody>
+          <a:bodyPr/>
+          <a:lstStyle/>
+          <a:p>
+            <a:fld id="{101B89F9-BB18-1A46-8648-0F8B98F807E9}" type="slidenum">
+              <a:rPr lang="en-CN" smtClean="0"/>
+              <a:t>20</a:t>
+            </a:fld>
+            <a:endParaRPr lang="en-CN"/>
+          </a:p>
+        </p:txBody>
+      </p:sp>
+    </p:spTree>
+    <p:extLst>
+      <p:ext uri="{BB962C8B-B14F-4D97-AF65-F5344CB8AC3E}">
+        <p14:creationId xmlns:p14="http://schemas.microsoft.com/office/powerpoint/2010/main" val="682494559"/>
+      </p:ext>
+    </p:extLst>
+  </p:cSld>
+  <p:clrMapOvr>
+    <a:masterClrMapping/>
+  </p:clrMapOvr>
+</p:notes>
+</file>
+
+<file path=ppt/notesSlides/notesSlide21.xml><?xml version="1.0" encoding="utf-8"?>
+<p:notes xmlns:a="http://schemas.openxmlformats.org/drawingml/2006/main" xmlns:r="http://schemas.openxmlformats.org/officeDocument/2006/relationships" xmlns:p="http://schemas.openxmlformats.org/presentationml/2006/main">
+  <p:cSld>
+    <p:spTree>
+      <p:nvGrpSpPr>
+        <p:cNvPr id="1" name=""/>
+        <p:cNvGrpSpPr/>
+        <p:nvPr/>
+      </p:nvGrpSpPr>
+      <p:grpSpPr>
+        <a:xfrm>
+          <a:off x="0" y="0"/>
+          <a:ext cx="0" cy="0"/>
+          <a:chOff x="0" y="0"/>
+          <a:chExt cx="0" cy="0"/>
+        </a:xfrm>
+      </p:grpSpPr>
+      <p:sp>
+        <p:nvSpPr>
+          <p:cNvPr id="2" name="Slide Image Placeholder 1"/>
+          <p:cNvSpPr>
+            <a:spLocks noGrp="1" noRot="1" noChangeAspect="1"/>
+          </p:cNvSpPr>
+          <p:nvPr>
+            <p:ph type="sldImg"/>
+          </p:nvPr>
+        </p:nvSpPr>
+        <p:spPr/>
+      </p:sp>
+      <p:sp>
+        <p:nvSpPr>
+          <p:cNvPr id="3" name="Notes Placeholder 2"/>
+          <p:cNvSpPr>
+            <a:spLocks noGrp="1"/>
+          </p:cNvSpPr>
+          <p:nvPr>
+            <p:ph type="body" idx="1"/>
+          </p:nvPr>
+        </p:nvSpPr>
+        <p:spPr/>
+        <p:txBody>
+          <a:bodyPr/>
+          <a:lstStyle/>
+          <a:p>
+            <a:r>
+              <a:rPr lang="en-CN" dirty="0"/>
+              <a:t>附上关键代码说明一下streaming的计算步骤中遇到的问题</a:t>
+            </a:r>
+          </a:p>
+          <a:p>
+            <a:r>
+              <a:rPr lang="en-CN" dirty="0"/>
+              <a:t>空白部分放代码截图</a:t>
+            </a:r>
+            <a:r>
+              <a:rPr lang="zh-CN" altLang="en-US" dirty="0"/>
+              <a:t>，问题根据实际遇到的问题替换我</a:t>
+            </a:r>
+            <a:r>
+              <a:rPr lang="en-US" altLang="zh-CN" dirty="0"/>
+              <a:t>dummy</a:t>
+            </a:r>
+            <a:r>
+              <a:rPr lang="zh-CN" altLang="en-US" dirty="0"/>
+              <a:t>的内容</a:t>
+            </a:r>
+            <a:endParaRPr lang="en-CN" dirty="0"/>
+          </a:p>
+        </p:txBody>
+      </p:sp>
+      <p:sp>
+        <p:nvSpPr>
+          <p:cNvPr id="4" name="Slide Number Placeholder 3"/>
+          <p:cNvSpPr>
+            <a:spLocks noGrp="1"/>
+          </p:cNvSpPr>
+          <p:nvPr>
+            <p:ph type="sldNum" sz="quarter" idx="5"/>
+          </p:nvPr>
+        </p:nvSpPr>
+        <p:spPr/>
+        <p:txBody>
+          <a:bodyPr/>
+          <a:lstStyle/>
+          <a:p>
+            <a:fld id="{101B89F9-BB18-1A46-8648-0F8B98F807E9}" type="slidenum">
+              <a:rPr lang="en-CN" smtClean="0"/>
+              <a:t>21</a:t>
+            </a:fld>
+            <a:endParaRPr lang="en-CN"/>
+          </a:p>
+        </p:txBody>
+      </p:sp>
+    </p:spTree>
+    <p:extLst>
+      <p:ext uri="{BB962C8B-B14F-4D97-AF65-F5344CB8AC3E}">
+        <p14:creationId xmlns:p14="http://schemas.microsoft.com/office/powerpoint/2010/main" val="1415296903"/>
+      </p:ext>
+    </p:extLst>
+  </p:cSld>
+  <p:clrMapOvr>
+    <a:masterClrMapping/>
+  </p:clrMapOvr>
+</p:notes>
+</file>
+
+<file path=ppt/notesSlides/notesSlide22.xml><?xml version="1.0" encoding="utf-8"?>
+<p:notes xmlns:a="http://schemas.openxmlformats.org/drawingml/2006/main" xmlns:r="http://schemas.openxmlformats.org/officeDocument/2006/relationships" xmlns:p="http://schemas.openxmlformats.org/presentationml/2006/main">
+  <p:cSld>
+    <p:spTree>
+      <p:nvGrpSpPr>
+        <p:cNvPr id="1" name=""/>
+        <p:cNvGrpSpPr/>
+        <p:nvPr/>
+      </p:nvGrpSpPr>
+      <p:grpSpPr>
+        <a:xfrm>
+          <a:off x="0" y="0"/>
+          <a:ext cx="0" cy="0"/>
+          <a:chOff x="0" y="0"/>
+          <a:chExt cx="0" cy="0"/>
+        </a:xfrm>
+      </p:grpSpPr>
+      <p:sp>
+        <p:nvSpPr>
+          <p:cNvPr id="2" name="Slide Image Placeholder 1"/>
+          <p:cNvSpPr>
+            <a:spLocks noGrp="1" noRot="1" noChangeAspect="1"/>
+          </p:cNvSpPr>
+          <p:nvPr>
+            <p:ph type="sldImg"/>
+          </p:nvPr>
+        </p:nvSpPr>
+        <p:spPr/>
+      </p:sp>
+      <p:sp>
+        <p:nvSpPr>
+          <p:cNvPr id="3" name="Notes Placeholder 2"/>
+          <p:cNvSpPr>
+            <a:spLocks noGrp="1"/>
+          </p:cNvSpPr>
+          <p:nvPr>
+            <p:ph type="body" idx="1"/>
+          </p:nvPr>
+        </p:nvSpPr>
+        <p:spPr/>
+        <p:txBody>
+          <a:bodyPr/>
+          <a:lstStyle/>
+          <a:p>
+            <a:r>
+              <a:rPr lang="ja-JP" altLang="en-US">
+                <a:effectLst/>
+              </a:rPr>
+              <a:t>针对业务问题「统计特定时间段内热度靠前的领域并比较各领域热度」</a:t>
+            </a:r>
+            <a:endParaRPr lang="en-US" altLang="ja-JP" dirty="0">
+              <a:effectLst/>
+            </a:endParaRPr>
+          </a:p>
+          <a:p>
+            <a:endParaRPr lang="en-US" altLang="ja-JP" dirty="0">
+              <a:effectLst/>
+            </a:endParaRPr>
+          </a:p>
+          <a:p>
+            <a:r>
+              <a:rPr lang="ja-JP" altLang="en-US">
+                <a:effectLst/>
+              </a:rPr>
+              <a:t>用户选择要统计的时间段（默认为</a:t>
+            </a:r>
+            <a:r>
+              <a:rPr lang="en-US" altLang="ja-JP" dirty="0">
+                <a:effectLst/>
+              </a:rPr>
+              <a:t>5</a:t>
+            </a:r>
+            <a:r>
+              <a:rPr lang="ja-JP" altLang="en-US">
+                <a:effectLst/>
+              </a:rPr>
+              <a:t>年）之后，计算各领域在该时间段内的作者数和产出的论文数，</a:t>
+            </a:r>
+            <a:endParaRPr lang="en-US" altLang="ja-JP" dirty="0">
+              <a:effectLst/>
+            </a:endParaRPr>
+          </a:p>
+          <a:p>
+            <a:r>
+              <a:rPr lang="ja-JP" altLang="en-US">
+                <a:effectLst/>
+              </a:rPr>
+              <a:t>并以论文数作为该领域热度的标准进行排名，返回前</a:t>
+            </a:r>
+            <a:r>
+              <a:rPr lang="en-US" altLang="ja-JP" dirty="0">
+                <a:effectLst/>
+              </a:rPr>
+              <a:t>20</a:t>
+            </a:r>
+            <a:r>
+              <a:rPr lang="ja-JP" altLang="en-US">
+                <a:effectLst/>
+              </a:rPr>
+              <a:t>个领域，并用表格和饼图来展示</a:t>
+            </a:r>
+            <a:endParaRPr lang="en-US" altLang="ja-JP" dirty="0">
+              <a:effectLst/>
+            </a:endParaRPr>
+          </a:p>
+          <a:p>
+            <a:endParaRPr lang="en-US" altLang="ja-JP" dirty="0">
+              <a:effectLst/>
+            </a:endParaRPr>
+          </a:p>
+          <a:p>
+            <a:r>
+              <a:rPr lang="ja-JP" altLang="en-US">
+                <a:effectLst/>
+              </a:rPr>
+              <a:t>表格按照热度的降序展示各个领域的基本信息；饼图中则按照论文数量设置各区域的大小，直观比较各领域的热门程度。</a:t>
+            </a:r>
+            <a:endParaRPr lang="en-US" altLang="ja-JP" dirty="0">
+              <a:effectLst/>
+            </a:endParaRPr>
+          </a:p>
+          <a:p>
+            <a:r>
+              <a:rPr lang="ja-JP" altLang="en-US">
+                <a:effectLst/>
+              </a:rPr>
+              <a:t>用户可以由此把握近年来各领域的发展趋势，抓住当前的热门领域。</a:t>
+            </a:r>
+            <a:endParaRPr lang="en-US" altLang="ja-JP" dirty="0">
+              <a:effectLst/>
+            </a:endParaRPr>
+          </a:p>
+          <a:p>
+            <a:endParaRPr lang="ja-JP" altLang="en-US">
+              <a:effectLst/>
+            </a:endParaRPr>
+          </a:p>
+          <a:p>
+            <a:r>
+              <a:rPr lang="ja-JP" altLang="en-US">
+                <a:effectLst/>
+              </a:rPr>
+              <a:t>例如，正如我们所猜测的，近年来算力的大幅提升和深度学习技术的广泛应用，使得</a:t>
+            </a:r>
+            <a:r>
+              <a:rPr lang="en-US" dirty="0">
+                <a:effectLst/>
+              </a:rPr>
+              <a:t>AI</a:t>
+            </a:r>
+            <a:r>
+              <a:rPr lang="ja-JP" altLang="en-US">
+                <a:effectLst/>
+              </a:rPr>
+              <a:t>领域以及</a:t>
+            </a:r>
+            <a:r>
+              <a:rPr lang="en-US" dirty="0">
+                <a:effectLst/>
+              </a:rPr>
+              <a:t>CV、NLP</a:t>
+            </a:r>
+            <a:r>
+              <a:rPr lang="ja-JP" altLang="en-US">
+                <a:effectLst/>
+              </a:rPr>
+              <a:t>等应用深度学习技术的子领域在热门程度上独占鳌头。</a:t>
+            </a:r>
+            <a:endParaRPr lang="en-US" altLang="ja-JP" dirty="0">
+              <a:effectLst/>
+            </a:endParaRPr>
+          </a:p>
+          <a:p>
+            <a:r>
+              <a:rPr lang="ja-JP" altLang="en-US">
+                <a:effectLst/>
+              </a:rPr>
+              <a:t>这反映了这些领域存在大量可供探索的新问题和亟待优化的旧方法，存在较为广阔的研究前景，是值得关注的热门领域。</a:t>
+            </a:r>
+          </a:p>
+          <a:p>
+            <a:endParaRPr lang="en-CN" dirty="0"/>
+          </a:p>
+        </p:txBody>
+      </p:sp>
+      <p:sp>
+        <p:nvSpPr>
+          <p:cNvPr id="4" name="Slide Number Placeholder 3"/>
+          <p:cNvSpPr>
+            <a:spLocks noGrp="1"/>
+          </p:cNvSpPr>
+          <p:nvPr>
+            <p:ph type="sldNum" sz="quarter" idx="5"/>
+          </p:nvPr>
+        </p:nvSpPr>
+        <p:spPr/>
+        <p:txBody>
+          <a:bodyPr/>
+          <a:lstStyle/>
+          <a:p>
+            <a:fld id="{101B89F9-BB18-1A46-8648-0F8B98F807E9}" type="slidenum">
+              <a:rPr lang="en-CN" smtClean="0"/>
+              <a:t>22</a:t>
+            </a:fld>
+            <a:endParaRPr lang="en-CN"/>
+          </a:p>
+        </p:txBody>
+      </p:sp>
+    </p:spTree>
+    <p:extLst>
+      <p:ext uri="{BB962C8B-B14F-4D97-AF65-F5344CB8AC3E}">
+        <p14:creationId xmlns:p14="http://schemas.microsoft.com/office/powerpoint/2010/main" val="3581129492"/>
+      </p:ext>
+    </p:extLst>
+  </p:cSld>
+  <p:clrMapOvr>
+    <a:masterClrMapping/>
+  </p:clrMapOvr>
+</p:notes>
+</file>
+
+<file path=ppt/notesSlides/notesSlide23.xml><?xml version="1.0" encoding="utf-8"?>
+<p:notes xmlns:a="http://schemas.openxmlformats.org/drawingml/2006/main" xmlns:r="http://schemas.openxmlformats.org/officeDocument/2006/relationships" xmlns:p="http://schemas.openxmlformats.org/presentationml/2006/main">
+  <p:cSld>
+    <p:spTree>
+      <p:nvGrpSpPr>
+        <p:cNvPr id="1" name=""/>
+        <p:cNvGrpSpPr/>
+        <p:nvPr/>
+      </p:nvGrpSpPr>
+      <p:grpSpPr>
+        <a:xfrm>
+          <a:off x="0" y="0"/>
+          <a:ext cx="0" cy="0"/>
+          <a:chOff x="0" y="0"/>
+          <a:chExt cx="0" cy="0"/>
+        </a:xfrm>
+      </p:grpSpPr>
+      <p:sp>
+        <p:nvSpPr>
+          <p:cNvPr id="2" name="Slide Image Placeholder 1"/>
+          <p:cNvSpPr>
+            <a:spLocks noGrp="1" noRot="1" noChangeAspect="1"/>
+          </p:cNvSpPr>
+          <p:nvPr>
+            <p:ph type="sldImg"/>
+          </p:nvPr>
+        </p:nvSpPr>
+        <p:spPr/>
+      </p:sp>
+      <p:sp>
+        <p:nvSpPr>
+          <p:cNvPr id="3" name="Notes Placeholder 2"/>
+          <p:cNvSpPr>
+            <a:spLocks noGrp="1"/>
+          </p:cNvSpPr>
+          <p:nvPr>
+            <p:ph type="body" idx="1"/>
+          </p:nvPr>
+        </p:nvSpPr>
+        <p:spPr/>
+        <p:txBody>
+          <a:bodyPr/>
+          <a:lstStyle/>
+          <a:p>
+            <a:r>
+              <a:rPr lang="ja-JP" altLang="en-US" sz="1200" b="0" i="0" u="none" strike="noStrike" kern="1200">
+                <a:solidFill>
+                  <a:schemeClr val="tx1"/>
+                </a:solidFill>
+                <a:effectLst/>
+                <a:latin typeface="+mn-lt"/>
+                <a:ea typeface="+mn-ea"/>
+                <a:cs typeface="+mn-cs"/>
+              </a:rPr>
+              <a:t>针对业务问题「统计特定时间段内某领域的论文发表数量变化趋势」，</a:t>
+            </a:r>
+            <a:endParaRPr lang="en-US" altLang="ja-JP" sz="1200" b="0" i="0" u="none" strike="noStrike" kern="1200" dirty="0">
+              <a:solidFill>
+                <a:schemeClr val="tx1"/>
+              </a:solidFill>
+              <a:effectLst/>
+              <a:latin typeface="+mn-lt"/>
+              <a:ea typeface="+mn-ea"/>
+              <a:cs typeface="+mn-cs"/>
+            </a:endParaRPr>
+          </a:p>
+          <a:p>
+            <a:endParaRPr lang="en-US" altLang="ja-JP" sz="1200" b="0" i="0" u="none" strike="noStrike" kern="1200" dirty="0">
+              <a:solidFill>
+                <a:schemeClr val="tx1"/>
+              </a:solidFill>
+              <a:effectLst/>
+              <a:latin typeface="+mn-lt"/>
+              <a:ea typeface="+mn-ea"/>
+              <a:cs typeface="+mn-cs"/>
+            </a:endParaRPr>
+          </a:p>
+          <a:p>
+            <a:r>
+              <a:rPr lang="ja-JP" altLang="en-US" sz="1200" b="0" i="0" u="none" strike="noStrike" kern="1200">
+                <a:solidFill>
+                  <a:schemeClr val="tx1"/>
+                </a:solidFill>
+                <a:effectLst/>
+                <a:latin typeface="+mn-lt"/>
+                <a:ea typeface="+mn-ea"/>
+                <a:cs typeface="+mn-cs"/>
+              </a:rPr>
+              <a:t>根据用户输入的统计年份数以及在表格中选择的领域信息，计算该领域在该时间段内每年的论文产出</a:t>
+            </a:r>
+            <a:endParaRPr lang="en-US" altLang="ja-JP" sz="1200" b="0" i="0" u="none" strike="noStrike" kern="1200" dirty="0">
+              <a:solidFill>
+                <a:schemeClr val="tx1"/>
+              </a:solidFill>
+              <a:effectLst/>
+              <a:latin typeface="+mn-lt"/>
+              <a:ea typeface="+mn-ea"/>
+              <a:cs typeface="+mn-cs"/>
+            </a:endParaRPr>
+          </a:p>
+          <a:p>
+            <a:endParaRPr lang="en-US" altLang="ja-JP" sz="1200" b="0" i="0" u="none" strike="noStrike" kern="1200" dirty="0">
+              <a:solidFill>
+                <a:schemeClr val="tx1"/>
+              </a:solidFill>
+              <a:effectLst/>
+              <a:latin typeface="+mn-lt"/>
+              <a:ea typeface="+mn-ea"/>
+              <a:cs typeface="+mn-cs"/>
+            </a:endParaRPr>
+          </a:p>
+          <a:p>
+            <a:r>
+              <a:rPr lang="ja-JP" altLang="en-US" sz="1200" b="0" i="0" u="none" strike="noStrike" kern="1200">
+                <a:solidFill>
+                  <a:schemeClr val="tx1"/>
+                </a:solidFill>
+                <a:effectLst/>
+                <a:latin typeface="+mn-lt"/>
+                <a:ea typeface="+mn-ea"/>
+                <a:cs typeface="+mn-cs"/>
+              </a:rPr>
+              <a:t>论文发表数是领域热度的晴雨表：</a:t>
+            </a:r>
+            <a:endParaRPr lang="en-US" altLang="ja-JP" sz="1200" b="0" i="0" u="none" strike="noStrike" kern="1200" dirty="0">
+              <a:solidFill>
+                <a:schemeClr val="tx1"/>
+              </a:solidFill>
+              <a:effectLst/>
+              <a:latin typeface="+mn-lt"/>
+              <a:ea typeface="+mn-ea"/>
+              <a:cs typeface="+mn-cs"/>
+            </a:endParaRPr>
+          </a:p>
+          <a:p>
+            <a:pPr marL="171450" indent="-171450">
+              <a:buFontTx/>
+              <a:buChar char="-"/>
+            </a:pPr>
+            <a:r>
+              <a:rPr lang="ja-JP" altLang="en-US" sz="1200" b="0" i="0" u="none" strike="noStrike" kern="1200">
+                <a:solidFill>
+                  <a:schemeClr val="tx1"/>
+                </a:solidFill>
+                <a:effectLst/>
+                <a:latin typeface="+mn-lt"/>
+                <a:ea typeface="+mn-ea"/>
+                <a:cs typeface="+mn-cs"/>
+              </a:rPr>
+              <a:t>当论文数量逐步上升，说明当前领域方兴未艾，可探索空间较广；</a:t>
+            </a:r>
+            <a:endParaRPr lang="en-US" altLang="ja-JP" sz="1200" b="0" i="0" u="none" strike="noStrike" kern="1200" dirty="0">
+              <a:solidFill>
+                <a:schemeClr val="tx1"/>
+              </a:solidFill>
+              <a:effectLst/>
+              <a:latin typeface="+mn-lt"/>
+              <a:ea typeface="+mn-ea"/>
+              <a:cs typeface="+mn-cs"/>
+            </a:endParaRPr>
+          </a:p>
+          <a:p>
+            <a:pPr marL="171450" indent="-171450">
+              <a:buFontTx/>
+              <a:buChar char="-"/>
+            </a:pPr>
+            <a:r>
+              <a:rPr lang="ja-JP" altLang="en-US" sz="1200" b="0" i="0" u="none" strike="noStrike" kern="1200">
+                <a:solidFill>
+                  <a:schemeClr val="tx1"/>
+                </a:solidFill>
+                <a:effectLst/>
+                <a:latin typeface="+mn-lt"/>
+                <a:ea typeface="+mn-ea"/>
+                <a:cs typeface="+mn-cs"/>
+              </a:rPr>
+              <a:t>当论文数量逐年下降，说明当前领域可能正走向寒冬，在之后一段时间可能处于艰难期；</a:t>
+            </a:r>
+            <a:endParaRPr lang="en-US" altLang="ja-JP" sz="1200" b="0" i="0" u="none" strike="noStrike" kern="1200" dirty="0">
+              <a:solidFill>
+                <a:schemeClr val="tx1"/>
+              </a:solidFill>
+              <a:effectLst/>
+              <a:latin typeface="+mn-lt"/>
+              <a:ea typeface="+mn-ea"/>
+              <a:cs typeface="+mn-cs"/>
+            </a:endParaRPr>
+          </a:p>
+          <a:p>
+            <a:pPr marL="171450" indent="-171450">
+              <a:buFontTx/>
+              <a:buChar char="-"/>
+            </a:pPr>
+            <a:r>
+              <a:rPr lang="ja-JP" altLang="en-US" sz="1200" b="0" i="0" u="none" strike="noStrike" kern="1200">
+                <a:solidFill>
+                  <a:schemeClr val="tx1"/>
+                </a:solidFill>
+                <a:effectLst/>
+                <a:latin typeface="+mn-lt"/>
+                <a:ea typeface="+mn-ea"/>
+                <a:cs typeface="+mn-cs"/>
+              </a:rPr>
+              <a:t>当论文数量居高不下，意味着虽然领域本身势头强劲，但是也存在着竞争激烈、鱼龙混杂等问题。</a:t>
+            </a:r>
+            <a:endParaRPr lang="en-US" altLang="ja-JP" sz="1200" b="0" i="0" u="none" strike="noStrike" kern="1200" dirty="0">
+              <a:solidFill>
+                <a:schemeClr val="tx1"/>
+              </a:solidFill>
+              <a:effectLst/>
+              <a:latin typeface="+mn-lt"/>
+              <a:ea typeface="+mn-ea"/>
+              <a:cs typeface="+mn-cs"/>
+            </a:endParaRPr>
+          </a:p>
+          <a:p>
+            <a:pPr marL="171450" indent="-171450">
+              <a:buFontTx/>
+              <a:buChar char="-"/>
+            </a:pPr>
+            <a:endParaRPr lang="en-US" altLang="ja-JP" sz="1200" b="0" i="0" u="none" strike="noStrike" kern="1200" dirty="0">
+              <a:solidFill>
+                <a:schemeClr val="tx1"/>
+              </a:solidFill>
+              <a:effectLst/>
+              <a:latin typeface="+mn-lt"/>
+              <a:ea typeface="+mn-ea"/>
+              <a:cs typeface="+mn-cs"/>
+            </a:endParaRPr>
+          </a:p>
+          <a:p>
+            <a:pPr marL="171450" indent="-171450">
+              <a:buFontTx/>
+              <a:buChar char="-"/>
+            </a:pPr>
+            <a:endParaRPr lang="ja-JP" altLang="en-US" sz="1200" b="0" i="0" u="none" strike="noStrike" kern="1200">
+              <a:solidFill>
+                <a:schemeClr val="tx1"/>
+              </a:solidFill>
+              <a:effectLst/>
+              <a:latin typeface="+mn-lt"/>
+              <a:ea typeface="+mn-ea"/>
+              <a:cs typeface="+mn-cs"/>
+            </a:endParaRPr>
+          </a:p>
+          <a:p>
+            <a:r>
+              <a:rPr lang="ja-JP" altLang="en-US" sz="1200" b="0" i="0" u="none" strike="noStrike" kern="1200">
+                <a:solidFill>
+                  <a:schemeClr val="tx1"/>
+                </a:solidFill>
+                <a:effectLst/>
+                <a:latin typeface="+mn-lt"/>
+                <a:ea typeface="+mn-ea"/>
+                <a:cs typeface="+mn-cs"/>
+              </a:rPr>
+              <a:t>另一个值得关注论文发表数的理由在于：某一领域内部也存在“大小年”的区别，例如在具有重要启发意义的</a:t>
+            </a:r>
+            <a:r>
+              <a:rPr lang="en-US" sz="1200" b="0" i="0" u="none" strike="noStrike" kern="1200" dirty="0">
+                <a:solidFill>
+                  <a:schemeClr val="tx1"/>
+                </a:solidFill>
+                <a:effectLst/>
+                <a:latin typeface="+mn-lt"/>
+                <a:ea typeface="+mn-ea"/>
+                <a:cs typeface="+mn-cs"/>
+              </a:rPr>
+              <a:t>GAN</a:t>
+            </a:r>
+            <a:r>
+              <a:rPr lang="ja-JP" altLang="en-US" sz="1200" b="0" i="0" u="none" strike="noStrike" kern="1200">
+                <a:solidFill>
+                  <a:schemeClr val="tx1"/>
+                </a:solidFill>
+                <a:effectLst/>
+                <a:latin typeface="+mn-lt"/>
+                <a:ea typeface="+mn-ea"/>
+                <a:cs typeface="+mn-cs"/>
+              </a:rPr>
+              <a:t>提出之后，必然在之后的几年内引起</a:t>
+            </a:r>
+            <a:r>
+              <a:rPr lang="en-US" sz="1200" b="0" i="0" u="none" strike="noStrike" kern="1200" dirty="0">
+                <a:solidFill>
+                  <a:schemeClr val="tx1"/>
+                </a:solidFill>
+                <a:effectLst/>
+                <a:latin typeface="+mn-lt"/>
+                <a:ea typeface="+mn-ea"/>
+                <a:cs typeface="+mn-cs"/>
+              </a:rPr>
+              <a:t>GAN</a:t>
+            </a:r>
+            <a:r>
+              <a:rPr lang="ja-JP" altLang="en-US" sz="1200" b="0" i="0" u="none" strike="noStrike" kern="1200">
+                <a:solidFill>
+                  <a:schemeClr val="tx1"/>
+                </a:solidFill>
+                <a:effectLst/>
+                <a:latin typeface="+mn-lt"/>
+                <a:ea typeface="+mn-ea"/>
+                <a:cs typeface="+mn-cs"/>
+              </a:rPr>
+              <a:t>应用论文发表的热潮，</a:t>
+            </a:r>
+            <a:endParaRPr lang="en-US" altLang="ja-JP" sz="1200" b="0" i="0" u="none" strike="noStrike" kern="1200" dirty="0">
+              <a:solidFill>
+                <a:schemeClr val="tx1"/>
+              </a:solidFill>
+              <a:effectLst/>
+              <a:latin typeface="+mn-lt"/>
+              <a:ea typeface="+mn-ea"/>
+              <a:cs typeface="+mn-cs"/>
+            </a:endParaRPr>
+          </a:p>
+          <a:p>
+            <a:endParaRPr lang="en-US" altLang="ja-JP" sz="1200" b="0" i="0" u="none" strike="noStrike" kern="1200" dirty="0">
+              <a:solidFill>
+                <a:schemeClr val="tx1"/>
+              </a:solidFill>
+              <a:effectLst/>
+              <a:latin typeface="+mn-lt"/>
+              <a:ea typeface="+mn-ea"/>
+              <a:cs typeface="+mn-cs"/>
+            </a:endParaRPr>
+          </a:p>
+          <a:p>
+            <a:r>
+              <a:rPr lang="ja-JP" altLang="en-US" sz="1200" b="0" i="0" u="none" strike="noStrike" kern="1200">
+                <a:solidFill>
+                  <a:schemeClr val="tx1"/>
+                </a:solidFill>
+                <a:effectLst/>
+                <a:latin typeface="+mn-lt"/>
+                <a:ea typeface="+mn-ea"/>
+                <a:cs typeface="+mn-cs"/>
+              </a:rPr>
+              <a:t>通过关心这样的数量变化趋势，能够帮助我们把握该领域一些重要论文的影响，对领域热度的变化有更加清晰直观的了解。</a:t>
+            </a:r>
+          </a:p>
+          <a:p>
+            <a:endParaRPr lang="en-CN" dirty="0"/>
+          </a:p>
+        </p:txBody>
+      </p:sp>
+      <p:sp>
+        <p:nvSpPr>
+          <p:cNvPr id="4" name="Slide Number Placeholder 3"/>
+          <p:cNvSpPr>
+            <a:spLocks noGrp="1"/>
+          </p:cNvSpPr>
+          <p:nvPr>
+            <p:ph type="sldNum" sz="quarter" idx="5"/>
+          </p:nvPr>
+        </p:nvSpPr>
+        <p:spPr/>
+        <p:txBody>
+          <a:bodyPr/>
+          <a:lstStyle/>
+          <a:p>
+            <a:fld id="{101B89F9-BB18-1A46-8648-0F8B98F807E9}" type="slidenum">
+              <a:rPr lang="en-CN" smtClean="0"/>
+              <a:t>23</a:t>
+            </a:fld>
+            <a:endParaRPr lang="en-CN"/>
+          </a:p>
+        </p:txBody>
+      </p:sp>
+    </p:spTree>
+    <p:extLst>
+      <p:ext uri="{BB962C8B-B14F-4D97-AF65-F5344CB8AC3E}">
+        <p14:creationId xmlns:p14="http://schemas.microsoft.com/office/powerpoint/2010/main" val="309100680"/>
+      </p:ext>
+    </p:extLst>
+  </p:cSld>
+  <p:clrMapOvr>
+    <a:masterClrMapping/>
+  </p:clrMapOvr>
+</p:notes>
+</file>
+
+<file path=ppt/notesSlides/notesSlide24.xml><?xml version="1.0" encoding="utf-8"?>
+<p:notes xmlns:a="http://schemas.openxmlformats.org/drawingml/2006/main" xmlns:r="http://schemas.openxmlformats.org/officeDocument/2006/relationships" xmlns:p="http://schemas.openxmlformats.org/presentationml/2006/main">
+  <p:cSld>
+    <p:spTree>
+      <p:nvGrpSpPr>
+        <p:cNvPr id="1" name=""/>
+        <p:cNvGrpSpPr/>
+        <p:nvPr/>
+      </p:nvGrpSpPr>
+      <p:grpSpPr>
+        <a:xfrm>
+          <a:off x="0" y="0"/>
+          <a:ext cx="0" cy="0"/>
+          <a:chOff x="0" y="0"/>
+          <a:chExt cx="0" cy="0"/>
+        </a:xfrm>
+      </p:grpSpPr>
+      <p:sp>
+        <p:nvSpPr>
+          <p:cNvPr id="2" name="Slide Image Placeholder 1"/>
+          <p:cNvSpPr>
+            <a:spLocks noGrp="1" noRot="1" noChangeAspect="1"/>
+          </p:cNvSpPr>
+          <p:nvPr>
+            <p:ph type="sldImg"/>
+          </p:nvPr>
+        </p:nvSpPr>
+        <p:spPr/>
+      </p:sp>
+      <p:sp>
+        <p:nvSpPr>
+          <p:cNvPr id="3" name="Notes Placeholder 2"/>
+          <p:cNvSpPr>
+            <a:spLocks noGrp="1"/>
+          </p:cNvSpPr>
+          <p:nvPr>
+            <p:ph type="body" idx="1"/>
+          </p:nvPr>
+        </p:nvSpPr>
+        <p:spPr/>
+        <p:txBody>
+          <a:bodyPr/>
+          <a:lstStyle/>
+          <a:p>
+            <a:r>
+              <a:rPr lang="ja-JP" altLang="en-US" sz="1200" b="0" i="0" u="none" strike="noStrike" kern="1200">
+                <a:solidFill>
+                  <a:schemeClr val="tx1"/>
+                </a:solidFill>
+                <a:effectLst/>
+                <a:latin typeface="+mn-lt"/>
+                <a:ea typeface="+mn-ea"/>
+                <a:cs typeface="+mn-cs"/>
+              </a:rPr>
+              <a:t>针对业务问题「统计特定时间段内某领域的热门论文和作者」</a:t>
+            </a:r>
+            <a:endParaRPr lang="en-US" altLang="ja-JP" sz="1200" b="0" i="0" u="none" strike="noStrike" kern="1200" dirty="0">
+              <a:solidFill>
+                <a:schemeClr val="tx1"/>
+              </a:solidFill>
+              <a:effectLst/>
+              <a:latin typeface="+mn-lt"/>
+              <a:ea typeface="+mn-ea"/>
+              <a:cs typeface="+mn-cs"/>
+            </a:endParaRPr>
+          </a:p>
+          <a:p>
+            <a:endParaRPr lang="en-US" altLang="ja-JP" sz="1200" b="0" i="0" u="none" strike="noStrike" kern="1200" dirty="0">
+              <a:solidFill>
+                <a:schemeClr val="tx1"/>
+              </a:solidFill>
+              <a:effectLst/>
+              <a:latin typeface="+mn-lt"/>
+              <a:ea typeface="+mn-ea"/>
+              <a:cs typeface="+mn-cs"/>
+            </a:endParaRPr>
+          </a:p>
+          <a:p>
+            <a:r>
+              <a:rPr lang="ja-JP" altLang="en-US" sz="1200" b="0" i="0" u="none" strike="noStrike" kern="1200">
+                <a:solidFill>
+                  <a:schemeClr val="tx1"/>
+                </a:solidFill>
+                <a:effectLst/>
+                <a:latin typeface="+mn-lt"/>
+                <a:ea typeface="+mn-ea"/>
+                <a:cs typeface="+mn-cs"/>
+              </a:rPr>
+              <a:t>根据用户输入的统计年份数以及在表格中选择的领域信息，计算该领域在该时间段内各篇论文和各个作者的被引用数，</a:t>
+            </a:r>
+            <a:endParaRPr lang="en-US" altLang="ja-JP" sz="1200" b="0" i="0" u="none" strike="noStrike" kern="1200" dirty="0">
+              <a:solidFill>
+                <a:schemeClr val="tx1"/>
+              </a:solidFill>
+              <a:effectLst/>
+              <a:latin typeface="+mn-lt"/>
+              <a:ea typeface="+mn-ea"/>
+              <a:cs typeface="+mn-cs"/>
+            </a:endParaRPr>
+          </a:p>
+          <a:p>
+            <a:r>
+              <a:rPr lang="ja-JP" altLang="en-US" sz="1200" b="0" i="0" u="none" strike="noStrike" kern="1200">
+                <a:solidFill>
+                  <a:schemeClr val="tx1"/>
+                </a:solidFill>
+                <a:effectLst/>
+                <a:latin typeface="+mn-lt"/>
+                <a:ea typeface="+mn-ea"/>
+                <a:cs typeface="+mn-cs"/>
+              </a:rPr>
+              <a:t>并返回被引用数最高的前</a:t>
+            </a:r>
+            <a:r>
+              <a:rPr lang="en-US" altLang="ja-JP" sz="1200" b="0" i="0" u="none" strike="noStrike" kern="1200" dirty="0">
+                <a:solidFill>
+                  <a:schemeClr val="tx1"/>
+                </a:solidFill>
+                <a:effectLst/>
+                <a:latin typeface="+mn-lt"/>
+                <a:ea typeface="+mn-ea"/>
+                <a:cs typeface="+mn-cs"/>
+              </a:rPr>
+              <a:t>10</a:t>
+            </a:r>
+            <a:r>
+              <a:rPr lang="ja-JP" altLang="en-US" sz="1200" b="0" i="0" u="none" strike="noStrike" kern="1200">
+                <a:solidFill>
+                  <a:schemeClr val="tx1"/>
+                </a:solidFill>
+                <a:effectLst/>
+                <a:latin typeface="+mn-lt"/>
+                <a:ea typeface="+mn-ea"/>
+                <a:cs typeface="+mn-cs"/>
+              </a:rPr>
+              <a:t>篇论文和前</a:t>
+            </a:r>
+            <a:r>
+              <a:rPr lang="en-US" altLang="ja-JP" sz="1200" b="0" i="0" u="none" strike="noStrike" kern="1200" dirty="0">
+                <a:solidFill>
+                  <a:schemeClr val="tx1"/>
+                </a:solidFill>
+                <a:effectLst/>
+                <a:latin typeface="+mn-lt"/>
+                <a:ea typeface="+mn-ea"/>
+                <a:cs typeface="+mn-cs"/>
+              </a:rPr>
+              <a:t>10</a:t>
+            </a:r>
+            <a:r>
+              <a:rPr lang="ja-JP" altLang="en-US" sz="1200" b="0" i="0" u="none" strike="noStrike" kern="1200">
+                <a:solidFill>
+                  <a:schemeClr val="tx1"/>
+                </a:solidFill>
+                <a:effectLst/>
+                <a:latin typeface="+mn-lt"/>
+                <a:ea typeface="+mn-ea"/>
+                <a:cs typeface="+mn-cs"/>
+              </a:rPr>
+              <a:t>位作者，使用排行榜进行展示。</a:t>
+            </a:r>
+            <a:endParaRPr lang="en-US" altLang="zh-CN" sz="1200" b="0" i="0" u="none" strike="noStrike" kern="1200" dirty="0">
+              <a:solidFill>
+                <a:schemeClr val="tx1"/>
+              </a:solidFill>
+              <a:effectLst/>
+              <a:latin typeface="+mn-lt"/>
+              <a:ea typeface="+mn-ea"/>
+              <a:cs typeface="+mn-cs"/>
+            </a:endParaRPr>
+          </a:p>
+          <a:p>
+            <a:endParaRPr lang="ja-JP" altLang="en-US" sz="1200" b="0" i="0" u="none" strike="noStrike" kern="1200">
+              <a:solidFill>
+                <a:schemeClr val="tx1"/>
+              </a:solidFill>
+              <a:effectLst/>
+              <a:latin typeface="+mn-lt"/>
+              <a:ea typeface="+mn-ea"/>
+              <a:cs typeface="+mn-cs"/>
+            </a:endParaRPr>
+          </a:p>
+          <a:p>
+            <a:r>
+              <a:rPr lang="ja-JP" altLang="en-US" sz="1200" b="0" i="0" u="none" strike="noStrike" kern="1200">
+                <a:solidFill>
+                  <a:schemeClr val="tx1"/>
+                </a:solidFill>
+                <a:effectLst/>
+                <a:latin typeface="+mn-lt"/>
+                <a:ea typeface="+mn-ea"/>
+                <a:cs typeface="+mn-cs"/>
+              </a:rPr>
+              <a:t>通过搜索某一领域内热门的论文和作者，我们可以了解到该领域的前沿发展，着眼于该领域内有影响力的工作：</a:t>
+            </a:r>
+            <a:endParaRPr lang="en-US" altLang="ja-JP" sz="1200" b="0" i="0" u="none" strike="noStrike" kern="1200" dirty="0">
+              <a:solidFill>
+                <a:schemeClr val="tx1"/>
+              </a:solidFill>
+              <a:effectLst/>
+              <a:latin typeface="+mn-lt"/>
+              <a:ea typeface="+mn-ea"/>
+              <a:cs typeface="+mn-cs"/>
+            </a:endParaRPr>
+          </a:p>
+          <a:p>
+            <a:pPr marL="171450" indent="-171450">
+              <a:buFontTx/>
+              <a:buChar char="-"/>
+            </a:pPr>
+            <a:r>
+              <a:rPr lang="ja-JP" altLang="en-US" sz="1200" b="0" i="0" u="none" strike="noStrike" kern="1200">
+                <a:solidFill>
+                  <a:schemeClr val="tx1"/>
+                </a:solidFill>
+                <a:effectLst/>
+                <a:latin typeface="+mn-lt"/>
+                <a:ea typeface="+mn-ea"/>
+                <a:cs typeface="+mn-cs"/>
+              </a:rPr>
+              <a:t>那些高引用的论文往往是这一领域的经典论文，是很多后续研究的基石；</a:t>
+            </a:r>
+            <a:endParaRPr lang="en-US" altLang="ja-JP" sz="1200" b="0" i="0" u="none" strike="noStrike" kern="1200" dirty="0">
+              <a:solidFill>
+                <a:schemeClr val="tx1"/>
+              </a:solidFill>
+              <a:effectLst/>
+              <a:latin typeface="+mn-lt"/>
+              <a:ea typeface="+mn-ea"/>
+              <a:cs typeface="+mn-cs"/>
+            </a:endParaRPr>
+          </a:p>
+          <a:p>
+            <a:pPr marL="171450" indent="-171450">
+              <a:buFontTx/>
+              <a:buChar char="-"/>
+            </a:pPr>
+            <a:r>
+              <a:rPr lang="ja-JP" altLang="en-US" sz="1200" b="0" i="0" u="none" strike="noStrike" kern="1200">
+                <a:solidFill>
+                  <a:schemeClr val="tx1"/>
+                </a:solidFill>
+                <a:effectLst/>
+                <a:latin typeface="+mn-lt"/>
+                <a:ea typeface="+mn-ea"/>
+                <a:cs typeface="+mn-cs"/>
+              </a:rPr>
+              <a:t>而高引用的作者意味着他的工作被同行广泛认可，是值得关注和借鉴的。</a:t>
+            </a:r>
+          </a:p>
+          <a:p>
+            <a:endParaRPr lang="en-CN" dirty="0"/>
+          </a:p>
+        </p:txBody>
+      </p:sp>
+      <p:sp>
+        <p:nvSpPr>
+          <p:cNvPr id="4" name="Slide Number Placeholder 3"/>
+          <p:cNvSpPr>
+            <a:spLocks noGrp="1"/>
+          </p:cNvSpPr>
+          <p:nvPr>
+            <p:ph type="sldNum" sz="quarter" idx="5"/>
+          </p:nvPr>
+        </p:nvSpPr>
+        <p:spPr/>
+        <p:txBody>
+          <a:bodyPr/>
+          <a:lstStyle/>
+          <a:p>
+            <a:fld id="{101B89F9-BB18-1A46-8648-0F8B98F807E9}" type="slidenum">
+              <a:rPr lang="en-CN" smtClean="0"/>
+              <a:t>24</a:t>
+            </a:fld>
+            <a:endParaRPr lang="en-CN"/>
+          </a:p>
+        </p:txBody>
+      </p:sp>
+    </p:spTree>
+    <p:extLst>
+      <p:ext uri="{BB962C8B-B14F-4D97-AF65-F5344CB8AC3E}">
+        <p14:creationId xmlns:p14="http://schemas.microsoft.com/office/powerpoint/2010/main" val="3830835449"/>
+      </p:ext>
+    </p:extLst>
+  </p:cSld>
+  <p:clrMapOvr>
+    <a:masterClrMapping/>
+  </p:clrMapOvr>
+</p:notes>
+</file>
+
+<file path=ppt/notesSlides/notesSlide25.xml><?xml version="1.0" encoding="utf-8"?>
+<p:notes xmlns:a="http://schemas.openxmlformats.org/drawingml/2006/main" xmlns:r="http://schemas.openxmlformats.org/officeDocument/2006/relationships" xmlns:p="http://schemas.openxmlformats.org/presentationml/2006/main">
+  <p:cSld>
+    <p:spTree>
+      <p:nvGrpSpPr>
+        <p:cNvPr id="1" name=""/>
+        <p:cNvGrpSpPr/>
+        <p:nvPr/>
+      </p:nvGrpSpPr>
+      <p:grpSpPr>
+        <a:xfrm>
+          <a:off x="0" y="0"/>
+          <a:ext cx="0" cy="0"/>
+          <a:chOff x="0" y="0"/>
+          <a:chExt cx="0" cy="0"/>
+        </a:xfrm>
+      </p:grpSpPr>
+      <p:sp>
+        <p:nvSpPr>
+          <p:cNvPr id="2" name="Slide Image Placeholder 1"/>
+          <p:cNvSpPr>
+            <a:spLocks noGrp="1" noRot="1" noChangeAspect="1"/>
+          </p:cNvSpPr>
+          <p:nvPr>
+            <p:ph type="sldImg"/>
+          </p:nvPr>
+        </p:nvSpPr>
+        <p:spPr/>
+      </p:sp>
+      <p:sp>
+        <p:nvSpPr>
+          <p:cNvPr id="3" name="Notes Placeholder 2"/>
+          <p:cNvSpPr>
+            <a:spLocks noGrp="1"/>
+          </p:cNvSpPr>
+          <p:nvPr>
+            <p:ph type="body" idx="1"/>
+          </p:nvPr>
+        </p:nvSpPr>
+        <p:spPr/>
+        <p:txBody>
+          <a:bodyPr/>
+          <a:lstStyle/>
+          <a:p>
+            <a:r>
+              <a:rPr lang="ja-JP" altLang="en-US" sz="1200" b="0" i="0" u="none" strike="noStrike" kern="1200">
+                <a:solidFill>
+                  <a:schemeClr val="tx1"/>
+                </a:solidFill>
+                <a:effectLst/>
+                <a:latin typeface="+mn-lt"/>
+                <a:ea typeface="+mn-ea"/>
+                <a:cs typeface="+mn-cs"/>
+              </a:rPr>
+              <a:t>针对业务问题「分析特定时间段内各领域的热度变化趋势」</a:t>
+            </a:r>
+            <a:endParaRPr lang="en-US" altLang="ja-JP" sz="1200" b="0" i="0" u="none" strike="noStrike" kern="1200" dirty="0">
+              <a:solidFill>
+                <a:schemeClr val="tx1"/>
+              </a:solidFill>
+              <a:effectLst/>
+              <a:latin typeface="+mn-lt"/>
+              <a:ea typeface="+mn-ea"/>
+              <a:cs typeface="+mn-cs"/>
+            </a:endParaRPr>
+          </a:p>
+          <a:p>
+            <a:endParaRPr lang="en-US" altLang="ja-JP" sz="1200" b="0" i="0" u="none" strike="noStrike" kern="1200" dirty="0">
+              <a:solidFill>
+                <a:schemeClr val="tx1"/>
+              </a:solidFill>
+              <a:effectLst/>
+              <a:latin typeface="+mn-lt"/>
+              <a:ea typeface="+mn-ea"/>
+              <a:cs typeface="+mn-cs"/>
+            </a:endParaRPr>
+          </a:p>
+          <a:p>
+            <a:r>
+              <a:rPr lang="ja-JP" altLang="en-US" sz="1200" b="0" i="0" u="none" strike="noStrike" kern="1200">
+                <a:solidFill>
+                  <a:schemeClr val="tx1"/>
+                </a:solidFill>
+                <a:effectLst/>
+                <a:latin typeface="+mn-lt"/>
+                <a:ea typeface="+mn-ea"/>
+                <a:cs typeface="+mn-cs"/>
+              </a:rPr>
+              <a:t>用户选择要统计的时间段（默认为</a:t>
+            </a:r>
+            <a:r>
+              <a:rPr lang="en-US" altLang="ja-JP" sz="1200" b="0" i="0" u="none" strike="noStrike" kern="1200" dirty="0">
+                <a:solidFill>
+                  <a:schemeClr val="tx1"/>
+                </a:solidFill>
+                <a:effectLst/>
+                <a:latin typeface="+mn-lt"/>
+                <a:ea typeface="+mn-ea"/>
+                <a:cs typeface="+mn-cs"/>
+              </a:rPr>
+              <a:t>5</a:t>
+            </a:r>
+            <a:r>
+              <a:rPr lang="ja-JP" altLang="en-US" sz="1200" b="0" i="0" u="none" strike="noStrike" kern="1200">
+                <a:solidFill>
+                  <a:schemeClr val="tx1"/>
+                </a:solidFill>
+                <a:effectLst/>
+                <a:latin typeface="+mn-lt"/>
+                <a:ea typeface="+mn-ea"/>
+                <a:cs typeface="+mn-cs"/>
+              </a:rPr>
+              <a:t>年）之后，计算各领域在该时间段内每个月产出的论文数，</a:t>
+            </a:r>
+            <a:endParaRPr lang="en-US" altLang="ja-JP" sz="1200" b="0" i="0" u="none" strike="noStrike" kern="1200" dirty="0">
+              <a:solidFill>
+                <a:schemeClr val="tx1"/>
+              </a:solidFill>
+              <a:effectLst/>
+              <a:latin typeface="+mn-lt"/>
+              <a:ea typeface="+mn-ea"/>
+              <a:cs typeface="+mn-cs"/>
+            </a:endParaRPr>
+          </a:p>
+          <a:p>
+            <a:r>
+              <a:rPr lang="ja-JP" altLang="en-US" sz="1200" b="0" i="0" u="none" strike="noStrike" kern="1200">
+                <a:solidFill>
+                  <a:schemeClr val="tx1"/>
+                </a:solidFill>
+                <a:effectLst/>
+                <a:latin typeface="+mn-lt"/>
+                <a:ea typeface="+mn-ea"/>
+                <a:cs typeface="+mn-cs"/>
+              </a:rPr>
+              <a:t>并以从开始时刻至当前月份的论文总数作为该领域热度的排名，每个月份返回热度最高的前</a:t>
+            </a:r>
+            <a:r>
+              <a:rPr lang="en-US" altLang="ja-JP" sz="1200" b="0" i="0" u="none" strike="noStrike" kern="1200" dirty="0">
+                <a:solidFill>
+                  <a:schemeClr val="tx1"/>
+                </a:solidFill>
+                <a:effectLst/>
+                <a:latin typeface="+mn-lt"/>
+                <a:ea typeface="+mn-ea"/>
+                <a:cs typeface="+mn-cs"/>
+              </a:rPr>
+              <a:t>10</a:t>
+            </a:r>
+            <a:r>
+              <a:rPr lang="ja-JP" altLang="en-US" sz="1200" b="0" i="0" u="none" strike="noStrike" kern="1200">
+                <a:solidFill>
+                  <a:schemeClr val="tx1"/>
+                </a:solidFill>
+                <a:effectLst/>
+                <a:latin typeface="+mn-lt"/>
+                <a:ea typeface="+mn-ea"/>
+                <a:cs typeface="+mn-cs"/>
+              </a:rPr>
+              <a:t>个领域</a:t>
+            </a:r>
+            <a:r>
+              <a:rPr lang="zh-CN" altLang="en-US" sz="1200" b="0" i="0" u="none" strike="noStrike" kern="1200" dirty="0">
+                <a:solidFill>
+                  <a:schemeClr val="tx1"/>
+                </a:solidFill>
+                <a:effectLst/>
+                <a:latin typeface="+mn-lt"/>
+                <a:ea typeface="+mn-ea"/>
+                <a:cs typeface="+mn-cs"/>
+              </a:rPr>
+              <a:t>，</a:t>
+            </a:r>
+            <a:r>
+              <a:rPr lang="ja-JP" altLang="en-US" sz="1200" b="0" i="0" u="none" strike="noStrike" kern="1200">
+                <a:solidFill>
+                  <a:schemeClr val="tx1"/>
+                </a:solidFill>
+                <a:effectLst/>
+                <a:latin typeface="+mn-lt"/>
+                <a:ea typeface="+mn-ea"/>
+                <a:cs typeface="+mn-cs"/>
+              </a:rPr>
+              <a:t>相关系统的运行截图如下图左半部分所示。</a:t>
+            </a:r>
+            <a:endParaRPr lang="en-US" altLang="ja-JP" sz="1200" b="0" i="0" u="none" strike="noStrike" kern="1200" dirty="0">
+              <a:solidFill>
+                <a:schemeClr val="tx1"/>
+              </a:solidFill>
+              <a:effectLst/>
+              <a:latin typeface="+mn-lt"/>
+              <a:ea typeface="+mn-ea"/>
+              <a:cs typeface="+mn-cs"/>
+            </a:endParaRPr>
+          </a:p>
+          <a:p>
+            <a:endParaRPr lang="ja-JP" altLang="en-US" sz="1200" b="0" i="0" u="none" strike="noStrike" kern="1200">
+              <a:solidFill>
+                <a:schemeClr val="tx1"/>
+              </a:solidFill>
+              <a:effectLst/>
+              <a:latin typeface="+mn-lt"/>
+              <a:ea typeface="+mn-ea"/>
+              <a:cs typeface="+mn-cs"/>
+            </a:endParaRPr>
+          </a:p>
+          <a:p>
+            <a:r>
+              <a:rPr lang="ja-JP" altLang="en-US" sz="1200" b="0" i="0" u="none" strike="noStrike" kern="1200">
+                <a:solidFill>
+                  <a:schemeClr val="tx1"/>
+                </a:solidFill>
+                <a:effectLst/>
+                <a:latin typeface="+mn-lt"/>
+                <a:ea typeface="+mn-ea"/>
+                <a:cs typeface="+mn-cs"/>
+              </a:rPr>
+              <a:t>各领域的动态排名反映了特定时间段内不同领域此消彼长的趋势，</a:t>
+            </a:r>
+            <a:endParaRPr lang="en-US" altLang="ja-JP" sz="1200" b="0" i="0" u="none" strike="noStrike" kern="1200" dirty="0">
+              <a:solidFill>
+                <a:schemeClr val="tx1"/>
+              </a:solidFill>
+              <a:effectLst/>
+              <a:latin typeface="+mn-lt"/>
+              <a:ea typeface="+mn-ea"/>
+              <a:cs typeface="+mn-cs"/>
+            </a:endParaRPr>
+          </a:p>
+          <a:p>
+            <a:pPr marL="171450" indent="-171450">
+              <a:buFontTx/>
+              <a:buChar char="-"/>
+            </a:pPr>
+            <a:r>
+              <a:rPr lang="ja-JP" altLang="en-US" sz="1200" b="0" i="0" u="none" strike="noStrike" kern="1200">
+                <a:solidFill>
+                  <a:schemeClr val="tx1"/>
+                </a:solidFill>
+                <a:effectLst/>
+                <a:latin typeface="+mn-lt"/>
+                <a:ea typeface="+mn-ea"/>
+                <a:cs typeface="+mn-cs"/>
+              </a:rPr>
+              <a:t>其中长期排名领先的领域则可以毫无置疑地被看作近年来的热门领域；</a:t>
+            </a:r>
+            <a:endParaRPr lang="en-US" altLang="ja-JP" sz="1200" b="0" i="0" u="none" strike="noStrike" kern="1200" dirty="0">
+              <a:solidFill>
+                <a:schemeClr val="tx1"/>
+              </a:solidFill>
+              <a:effectLst/>
+              <a:latin typeface="+mn-lt"/>
+              <a:ea typeface="+mn-ea"/>
+              <a:cs typeface="+mn-cs"/>
+            </a:endParaRPr>
+          </a:p>
+          <a:p>
+            <a:pPr marL="171450" indent="-171450">
+              <a:buFontTx/>
+              <a:buChar char="-"/>
+            </a:pPr>
+            <a:r>
+              <a:rPr lang="ja-JP" altLang="en-US" sz="1200" b="0" i="0" u="none" strike="noStrike" kern="1200">
+                <a:solidFill>
+                  <a:schemeClr val="tx1"/>
+                </a:solidFill>
+                <a:effectLst/>
+                <a:latin typeface="+mn-lt"/>
+                <a:ea typeface="+mn-ea"/>
+                <a:cs typeface="+mn-cs"/>
+              </a:rPr>
+              <a:t>那些逐渐离开排行榜的领域可能是因为遇到发展瓶颈、热度消退；</a:t>
+            </a:r>
+            <a:endParaRPr lang="en-US" altLang="ja-JP" sz="1200" b="0" i="0" u="none" strike="noStrike" kern="1200" dirty="0">
+              <a:solidFill>
+                <a:schemeClr val="tx1"/>
+              </a:solidFill>
+              <a:effectLst/>
+              <a:latin typeface="+mn-lt"/>
+              <a:ea typeface="+mn-ea"/>
+              <a:cs typeface="+mn-cs"/>
+            </a:endParaRPr>
+          </a:p>
+          <a:p>
+            <a:pPr marL="171450" indent="-171450">
+              <a:buFontTx/>
+              <a:buChar char="-"/>
+            </a:pPr>
+            <a:r>
+              <a:rPr lang="ja-JP" altLang="en-US" sz="1200" b="0" i="0" u="none" strike="noStrike" kern="1200">
+                <a:solidFill>
+                  <a:schemeClr val="tx1"/>
+                </a:solidFill>
+                <a:effectLst/>
+                <a:latin typeface="+mn-lt"/>
+                <a:ea typeface="+mn-ea"/>
+                <a:cs typeface="+mn-cs"/>
+              </a:rPr>
+              <a:t>而异军突起的新领域则有可能是在近年来有了突破性的成果，带动了相关研究的深入。</a:t>
+            </a:r>
+            <a:endParaRPr lang="en-US" altLang="ja-JP" sz="1200" b="0" i="0" u="none" strike="noStrike" kern="1200" dirty="0">
+              <a:solidFill>
+                <a:schemeClr val="tx1"/>
+              </a:solidFill>
+              <a:effectLst/>
+              <a:latin typeface="+mn-lt"/>
+              <a:ea typeface="+mn-ea"/>
+              <a:cs typeface="+mn-cs"/>
+            </a:endParaRPr>
+          </a:p>
+          <a:p>
+            <a:pPr marL="171450" indent="-171450">
+              <a:buFontTx/>
+              <a:buChar char="-"/>
+            </a:pPr>
+            <a:endParaRPr lang="ja-JP" altLang="en-US" sz="1200" b="0" i="0" u="none" strike="noStrike" kern="1200">
+              <a:solidFill>
+                <a:schemeClr val="tx1"/>
+              </a:solidFill>
+              <a:effectLst/>
+              <a:latin typeface="+mn-lt"/>
+              <a:ea typeface="+mn-ea"/>
+              <a:cs typeface="+mn-cs"/>
+            </a:endParaRPr>
+          </a:p>
+          <a:p>
+            <a:r>
+              <a:rPr lang="ja-JP" altLang="en-US" sz="1200" b="0" i="0" u="none" strike="noStrike" kern="1200">
+                <a:solidFill>
+                  <a:schemeClr val="tx1"/>
+                </a:solidFill>
+                <a:effectLst/>
+                <a:latin typeface="+mn-lt"/>
+                <a:ea typeface="+mn-ea"/>
+                <a:cs typeface="+mn-cs"/>
+              </a:rPr>
+              <a:t>此外，为了体现数据流的实时性，我们使用</a:t>
+            </a:r>
+            <a:r>
+              <a:rPr lang="en-US" sz="1200" b="0" i="0" u="none" strike="noStrike" kern="1200" dirty="0">
+                <a:solidFill>
+                  <a:schemeClr val="tx1"/>
+                </a:solidFill>
+                <a:effectLst/>
+                <a:latin typeface="+mn-lt"/>
+                <a:ea typeface="+mn-ea"/>
+                <a:cs typeface="+mn-cs"/>
+              </a:rPr>
+              <a:t>Streaming</a:t>
+            </a:r>
+            <a:r>
+              <a:rPr lang="ja-JP" altLang="en-US" sz="1200" b="0" i="0" u="none" strike="noStrike" kern="1200">
+                <a:solidFill>
+                  <a:schemeClr val="tx1"/>
+                </a:solidFill>
+                <a:effectLst/>
+                <a:latin typeface="+mn-lt"/>
+                <a:ea typeface="+mn-ea"/>
+                <a:cs typeface="+mn-cs"/>
+              </a:rPr>
+              <a:t>监听特定文件夹以读取新的数据。</a:t>
+            </a:r>
+            <a:endParaRPr lang="en-US" altLang="ja-JP" sz="1200" b="0" i="0" u="none" strike="noStrike" kern="1200" dirty="0">
+              <a:solidFill>
+                <a:schemeClr val="tx1"/>
+              </a:solidFill>
+              <a:effectLst/>
+              <a:latin typeface="+mn-lt"/>
+              <a:ea typeface="+mn-ea"/>
+              <a:cs typeface="+mn-cs"/>
+            </a:endParaRPr>
+          </a:p>
+          <a:p>
+            <a:r>
+              <a:rPr lang="ja-JP" altLang="en-US" sz="1200" b="0" i="0" u="none" strike="noStrike" kern="1200">
+                <a:solidFill>
+                  <a:schemeClr val="tx1"/>
+                </a:solidFill>
+                <a:effectLst/>
+                <a:latin typeface="+mn-lt"/>
+                <a:ea typeface="+mn-ea"/>
+                <a:cs typeface="+mn-cs"/>
+              </a:rPr>
+              <a:t>初始状态下所有的论文数据都没有被读取，在用户输入查找的时间段之后，系统会查找该时间段没有被读取过的论文数据，</a:t>
+            </a:r>
+            <a:endParaRPr lang="en-US" altLang="ja-JP" sz="1200" b="0" i="0" u="none" strike="noStrike" kern="1200" dirty="0">
+              <a:solidFill>
+                <a:schemeClr val="tx1"/>
+              </a:solidFill>
+              <a:effectLst/>
+              <a:latin typeface="+mn-lt"/>
+              <a:ea typeface="+mn-ea"/>
+              <a:cs typeface="+mn-cs"/>
+            </a:endParaRPr>
+          </a:p>
+          <a:p>
+            <a:r>
+              <a:rPr lang="ja-JP" altLang="en-US" sz="1200" b="0" i="0" u="none" strike="noStrike" kern="1200">
+                <a:solidFill>
+                  <a:schemeClr val="tx1"/>
+                </a:solidFill>
+                <a:effectLst/>
+                <a:latin typeface="+mn-lt"/>
+                <a:ea typeface="+mn-ea"/>
+                <a:cs typeface="+mn-cs"/>
+              </a:rPr>
+              <a:t>将其移至该文件夹以供</a:t>
+            </a:r>
+            <a:r>
+              <a:rPr lang="en-US" sz="1200" b="0" i="0" u="none" strike="noStrike" kern="1200" dirty="0">
+                <a:solidFill>
+                  <a:schemeClr val="tx1"/>
+                </a:solidFill>
+                <a:effectLst/>
+                <a:latin typeface="+mn-lt"/>
+                <a:ea typeface="+mn-ea"/>
+                <a:cs typeface="+mn-cs"/>
+              </a:rPr>
+              <a:t>Streaming</a:t>
+            </a:r>
+            <a:r>
+              <a:rPr lang="ja-JP" altLang="en-US" sz="1200" b="0" i="0" u="none" strike="noStrike" kern="1200">
+                <a:solidFill>
+                  <a:schemeClr val="tx1"/>
+                </a:solidFill>
+                <a:effectLst/>
+                <a:latin typeface="+mn-lt"/>
+                <a:ea typeface="+mn-ea"/>
+                <a:cs typeface="+mn-cs"/>
+              </a:rPr>
+              <a:t>读取，并记录相应时间段的数据已被读取。</a:t>
+            </a:r>
+            <a:endParaRPr lang="en-US" altLang="ja-JP" sz="1200" b="0" i="0" u="none" strike="noStrike" kern="1200" dirty="0">
+              <a:solidFill>
+                <a:schemeClr val="tx1"/>
+              </a:solidFill>
+              <a:effectLst/>
+              <a:latin typeface="+mn-lt"/>
+              <a:ea typeface="+mn-ea"/>
+              <a:cs typeface="+mn-cs"/>
+            </a:endParaRPr>
+          </a:p>
+          <a:p>
+            <a:endParaRPr lang="en-US" altLang="ja-JP" sz="1200" b="0" i="0" u="none" strike="noStrike" kern="1200" dirty="0">
+              <a:solidFill>
+                <a:schemeClr val="tx1"/>
+              </a:solidFill>
+              <a:effectLst/>
+              <a:latin typeface="+mn-lt"/>
+              <a:ea typeface="+mn-ea"/>
+              <a:cs typeface="+mn-cs"/>
+            </a:endParaRPr>
+          </a:p>
+          <a:p>
+            <a:r>
+              <a:rPr lang="ja-JP" altLang="en-US" sz="1200" b="0" i="0" u="none" strike="noStrike" kern="1200">
+                <a:solidFill>
+                  <a:schemeClr val="tx1"/>
+                </a:solidFill>
+                <a:effectLst/>
+                <a:latin typeface="+mn-lt"/>
+                <a:ea typeface="+mn-ea"/>
+                <a:cs typeface="+mn-cs"/>
+              </a:rPr>
+              <a:t>在这个过程中，前端会定时更新数据，显示已被</a:t>
+            </a:r>
+            <a:r>
+              <a:rPr lang="en-US" sz="1200" b="0" i="0" u="none" strike="noStrike" kern="1200" dirty="0">
+                <a:solidFill>
+                  <a:schemeClr val="tx1"/>
+                </a:solidFill>
+                <a:effectLst/>
+                <a:latin typeface="+mn-lt"/>
+                <a:ea typeface="+mn-ea"/>
+                <a:cs typeface="+mn-cs"/>
+              </a:rPr>
+              <a:t>Streaming</a:t>
+            </a:r>
+            <a:r>
+              <a:rPr lang="ja-JP" altLang="en-US" sz="1200" b="0" i="0" u="none" strike="noStrike" kern="1200">
+                <a:solidFill>
+                  <a:schemeClr val="tx1"/>
+                </a:solidFill>
+                <a:effectLst/>
+                <a:latin typeface="+mn-lt"/>
+                <a:ea typeface="+mn-ea"/>
+                <a:cs typeface="+mn-cs"/>
+              </a:rPr>
+              <a:t>读取的数据总量，以体现数据流读取的过程。</a:t>
+            </a:r>
+            <a:endParaRPr lang="en-US" altLang="ja-JP" sz="1200" b="0" i="0" u="none" strike="noStrike" kern="1200" dirty="0">
+              <a:solidFill>
+                <a:schemeClr val="tx1"/>
+              </a:solidFill>
+              <a:effectLst/>
+              <a:latin typeface="+mn-lt"/>
+              <a:ea typeface="+mn-ea"/>
+              <a:cs typeface="+mn-cs"/>
+            </a:endParaRPr>
+          </a:p>
+          <a:p>
+            <a:r>
+              <a:rPr lang="ja-JP" altLang="en-US" sz="1200" b="0" i="0" u="none" strike="noStrike" kern="1200">
+                <a:solidFill>
+                  <a:schemeClr val="tx1"/>
+                </a:solidFill>
+                <a:effectLst/>
+                <a:latin typeface="+mn-lt"/>
+                <a:ea typeface="+mn-ea"/>
+                <a:cs typeface="+mn-cs"/>
+              </a:rPr>
+              <a:t>用户随时可以访问一段时间内的动态排名，但是这个排名数据是基于</a:t>
+            </a:r>
+            <a:r>
+              <a:rPr lang="en-US" sz="1200" b="0" i="0" u="none" strike="noStrike" kern="1200" dirty="0">
+                <a:solidFill>
+                  <a:schemeClr val="tx1"/>
+                </a:solidFill>
+                <a:effectLst/>
+                <a:latin typeface="+mn-lt"/>
+                <a:ea typeface="+mn-ea"/>
+                <a:cs typeface="+mn-cs"/>
+              </a:rPr>
+              <a:t>Streaming</a:t>
+            </a:r>
+            <a:r>
+              <a:rPr lang="ja-JP" altLang="en-US" sz="1200" b="0" i="0" u="none" strike="noStrike" kern="1200">
+                <a:solidFill>
+                  <a:schemeClr val="tx1"/>
+                </a:solidFill>
+                <a:effectLst/>
+                <a:latin typeface="+mn-lt"/>
+                <a:ea typeface="+mn-ea"/>
+                <a:cs typeface="+mn-cs"/>
+              </a:rPr>
+              <a:t>已经读取的数据得到的，这个结果虽然是“不完全”的，</a:t>
+            </a:r>
+            <a:endParaRPr lang="en-US" altLang="ja-JP" sz="1200" b="0" i="0" u="none" strike="noStrike" kern="1200" dirty="0">
+              <a:solidFill>
+                <a:schemeClr val="tx1"/>
+              </a:solidFill>
+              <a:effectLst/>
+              <a:latin typeface="+mn-lt"/>
+              <a:ea typeface="+mn-ea"/>
+              <a:cs typeface="+mn-cs"/>
+            </a:endParaRPr>
+          </a:p>
+          <a:p>
+            <a:r>
+              <a:rPr lang="ja-JP" altLang="en-US" sz="1200" b="0" i="0" u="none" strike="noStrike" kern="1200">
+                <a:solidFill>
+                  <a:schemeClr val="tx1"/>
+                </a:solidFill>
+                <a:effectLst/>
+                <a:latin typeface="+mn-lt"/>
+                <a:ea typeface="+mn-ea"/>
+                <a:cs typeface="+mn-cs"/>
+              </a:rPr>
+              <a:t>但是和</a:t>
+            </a:r>
+            <a:r>
+              <a:rPr lang="en-US" sz="1200" b="0" i="0" u="none" strike="noStrike" kern="1200" dirty="0">
+                <a:solidFill>
+                  <a:schemeClr val="tx1"/>
+                </a:solidFill>
+                <a:effectLst/>
+                <a:latin typeface="+mn-lt"/>
+                <a:ea typeface="+mn-ea"/>
+                <a:cs typeface="+mn-cs"/>
+              </a:rPr>
+              <a:t>Streaming</a:t>
+            </a:r>
+            <a:r>
+              <a:rPr lang="ja-JP" altLang="en-US" sz="1200" b="0" i="0" u="none" strike="noStrike" kern="1200">
+                <a:solidFill>
+                  <a:schemeClr val="tx1"/>
+                </a:solidFill>
+                <a:effectLst/>
+                <a:latin typeface="+mn-lt"/>
+                <a:ea typeface="+mn-ea"/>
+                <a:cs typeface="+mn-cs"/>
+              </a:rPr>
+              <a:t>已经获取到的所有数据是匹配的，这体现了</a:t>
+            </a:r>
+            <a:r>
+              <a:rPr lang="en-US" sz="1200" b="0" i="0" u="none" strike="noStrike" kern="1200" dirty="0">
+                <a:solidFill>
+                  <a:schemeClr val="tx1"/>
+                </a:solidFill>
+                <a:effectLst/>
+                <a:latin typeface="+mn-lt"/>
+                <a:ea typeface="+mn-ea"/>
+                <a:cs typeface="+mn-cs"/>
+              </a:rPr>
+              <a:t>Streaming</a:t>
+            </a:r>
+            <a:r>
+              <a:rPr lang="ja-JP" altLang="en-US" sz="1200" b="0" i="0" u="none" strike="noStrike" kern="1200">
+                <a:solidFill>
+                  <a:schemeClr val="tx1"/>
+                </a:solidFill>
+                <a:effectLst/>
+                <a:latin typeface="+mn-lt"/>
+                <a:ea typeface="+mn-ea"/>
+                <a:cs typeface="+mn-cs"/>
+              </a:rPr>
+              <a:t>实时流式计算的特点。</a:t>
+            </a:r>
+            <a:endParaRPr lang="en-US" altLang="ja-JP" sz="1200" b="0" i="0" u="none" strike="noStrike" kern="1200" dirty="0">
+              <a:solidFill>
+                <a:schemeClr val="tx1"/>
+              </a:solidFill>
+              <a:effectLst/>
+              <a:latin typeface="+mn-lt"/>
+              <a:ea typeface="+mn-ea"/>
+              <a:cs typeface="+mn-cs"/>
+            </a:endParaRPr>
+          </a:p>
+          <a:p>
+            <a:endParaRPr lang="en-US" altLang="ja-JP" sz="1200" b="0" i="0" u="none" strike="noStrike" kern="1200" dirty="0">
+              <a:solidFill>
+                <a:schemeClr val="tx1"/>
+              </a:solidFill>
+              <a:effectLst/>
+              <a:latin typeface="+mn-lt"/>
+              <a:ea typeface="+mn-ea"/>
+              <a:cs typeface="+mn-cs"/>
+            </a:endParaRPr>
+          </a:p>
+          <a:p>
+            <a:endParaRPr lang="en-US" altLang="ja-JP" sz="1200" b="0" i="0" u="none" strike="noStrike" kern="1200" dirty="0">
+              <a:solidFill>
+                <a:schemeClr val="tx1"/>
+              </a:solidFill>
+              <a:effectLst/>
+              <a:latin typeface="+mn-lt"/>
+              <a:ea typeface="+mn-ea"/>
+              <a:cs typeface="+mn-cs"/>
+            </a:endParaRPr>
+          </a:p>
+          <a:p>
+            <a:endParaRPr lang="en-US" altLang="ja-JP" sz="1200" b="0" i="0" u="none" strike="noStrike" kern="1200" dirty="0">
+              <a:solidFill>
+                <a:schemeClr val="tx1"/>
+              </a:solidFill>
+              <a:effectLst/>
+              <a:latin typeface="+mn-lt"/>
+              <a:ea typeface="+mn-ea"/>
+              <a:cs typeface="+mn-cs"/>
+            </a:endParaRPr>
+          </a:p>
+          <a:p>
+            <a:endParaRPr lang="ja-JP" altLang="en-US" sz="1200" b="0" i="0" u="none" strike="noStrike" kern="1200">
+              <a:solidFill>
+                <a:schemeClr val="tx1"/>
+              </a:solidFill>
+              <a:effectLst/>
+              <a:latin typeface="+mn-lt"/>
+              <a:ea typeface="+mn-ea"/>
+              <a:cs typeface="+mn-cs"/>
+            </a:endParaRPr>
+          </a:p>
+          <a:p>
+            <a:r>
+              <a:rPr lang="ja-JP" altLang="en-US" sz="1200" b="0" i="0" u="none" strike="noStrike" kern="1200">
+                <a:solidFill>
+                  <a:schemeClr val="tx1"/>
+                </a:solidFill>
+                <a:effectLst/>
+                <a:latin typeface="+mn-lt"/>
+                <a:ea typeface="+mn-ea"/>
+                <a:cs typeface="+mn-cs"/>
+              </a:rPr>
+              <a:t>针对业务问题「分析特定时间段内每年的最热门领域」</a:t>
+            </a:r>
+            <a:endParaRPr lang="en-US" altLang="ja-JP" sz="1200" b="0" i="0" u="none" strike="noStrike" kern="1200" dirty="0">
+              <a:solidFill>
+                <a:schemeClr val="tx1"/>
+              </a:solidFill>
+              <a:effectLst/>
+              <a:latin typeface="+mn-lt"/>
+              <a:ea typeface="+mn-ea"/>
+              <a:cs typeface="+mn-cs"/>
+            </a:endParaRPr>
+          </a:p>
+          <a:p>
+            <a:r>
+              <a:rPr lang="ja-JP" altLang="en-US" sz="1200" b="0" i="0" u="none" strike="noStrike" kern="1200">
+                <a:solidFill>
+                  <a:schemeClr val="tx1"/>
+                </a:solidFill>
+                <a:effectLst/>
+                <a:latin typeface="+mn-lt"/>
+                <a:ea typeface="+mn-ea"/>
+                <a:cs typeface="+mn-cs"/>
+              </a:rPr>
+              <a:t>用户选择要统计的时间段（默认为</a:t>
+            </a:r>
+            <a:r>
+              <a:rPr lang="en-US" altLang="ja-JP" sz="1200" b="0" i="0" u="none" strike="noStrike" kern="1200" dirty="0">
+                <a:solidFill>
+                  <a:schemeClr val="tx1"/>
+                </a:solidFill>
+                <a:effectLst/>
+                <a:latin typeface="+mn-lt"/>
+                <a:ea typeface="+mn-ea"/>
+                <a:cs typeface="+mn-cs"/>
+              </a:rPr>
+              <a:t>5</a:t>
+            </a:r>
+            <a:r>
+              <a:rPr lang="ja-JP" altLang="en-US" sz="1200" b="0" i="0" u="none" strike="noStrike" kern="1200">
+                <a:solidFill>
+                  <a:schemeClr val="tx1"/>
+                </a:solidFill>
+                <a:effectLst/>
+                <a:latin typeface="+mn-lt"/>
+                <a:ea typeface="+mn-ea"/>
+                <a:cs typeface="+mn-cs"/>
+              </a:rPr>
+              <a:t>年）之后，计算各领域在该时间段内每年产出的论文数，从而计算得到每年热度最高的领域，使用柱状图展示结果，相关系统的运行截图如上图右半部分所示。</a:t>
+            </a:r>
+          </a:p>
+          <a:p>
+            <a:endParaRPr lang="en-US" altLang="ja-JP" sz="1200" b="0" i="0" u="none" strike="noStrike" kern="1200" dirty="0">
+              <a:solidFill>
+                <a:schemeClr val="tx1"/>
+              </a:solidFill>
+              <a:effectLst/>
+              <a:latin typeface="+mn-lt"/>
+              <a:ea typeface="+mn-ea"/>
+              <a:cs typeface="+mn-cs"/>
+            </a:endParaRPr>
+          </a:p>
+          <a:p>
+            <a:r>
+              <a:rPr lang="ja-JP" altLang="en-US" sz="1200" b="0" i="0" u="none" strike="noStrike" kern="1200">
+                <a:solidFill>
+                  <a:schemeClr val="tx1"/>
+                </a:solidFill>
+                <a:effectLst/>
+                <a:latin typeface="+mn-lt"/>
+                <a:ea typeface="+mn-ea"/>
+                <a:cs typeface="+mn-cs"/>
+              </a:rPr>
+              <a:t>如果说动态排名以增量化的方式展示了各个领域的热度对比，那么柱状图则关注每年热门领域的变化，希望形成对于热门领域变迁的总体印象。</a:t>
+            </a:r>
+          </a:p>
+          <a:p>
+            <a:endParaRPr lang="en-CN" dirty="0"/>
+          </a:p>
+        </p:txBody>
+      </p:sp>
+      <p:sp>
+        <p:nvSpPr>
+          <p:cNvPr id="4" name="Slide Number Placeholder 3"/>
+          <p:cNvSpPr>
+            <a:spLocks noGrp="1"/>
+          </p:cNvSpPr>
+          <p:nvPr>
+            <p:ph type="sldNum" sz="quarter" idx="5"/>
+          </p:nvPr>
+        </p:nvSpPr>
+        <p:spPr/>
+        <p:txBody>
+          <a:bodyPr/>
+          <a:lstStyle/>
+          <a:p>
+            <a:fld id="{101B89F9-BB18-1A46-8648-0F8B98F807E9}" type="slidenum">
+              <a:rPr lang="en-CN" smtClean="0"/>
+              <a:t>25</a:t>
+            </a:fld>
+            <a:endParaRPr lang="en-CN"/>
+          </a:p>
+        </p:txBody>
+      </p:sp>
+    </p:spTree>
+    <p:extLst>
+      <p:ext uri="{BB962C8B-B14F-4D97-AF65-F5344CB8AC3E}">
+        <p14:creationId xmlns:p14="http://schemas.microsoft.com/office/powerpoint/2010/main" val="802758500"/>
+      </p:ext>
+    </p:extLst>
+  </p:cSld>
+  <p:clrMapOvr>
+    <a:masterClrMapping/>
+  </p:clrMapOvr>
+</p:notes>
+</file>
+
+<file path=ppt/notesSlides/notesSlide26.xml><?xml version="1.0" encoding="utf-8"?>
+<p:notes xmlns:a="http://schemas.openxmlformats.org/drawingml/2006/main" xmlns:r="http://schemas.openxmlformats.org/officeDocument/2006/relationships" xmlns:p="http://schemas.openxmlformats.org/presentationml/2006/main">
+  <p:cSld>
+    <p:spTree>
+      <p:nvGrpSpPr>
+        <p:cNvPr id="1" name=""/>
+        <p:cNvGrpSpPr/>
+        <p:nvPr/>
+      </p:nvGrpSpPr>
+      <p:grpSpPr>
+        <a:xfrm>
+          <a:off x="0" y="0"/>
+          <a:ext cx="0" cy="0"/>
+          <a:chOff x="0" y="0"/>
+          <a:chExt cx="0" cy="0"/>
+        </a:xfrm>
+      </p:grpSpPr>
+      <p:sp>
+        <p:nvSpPr>
+          <p:cNvPr id="2" name="Slide Image Placeholder 1"/>
+          <p:cNvSpPr>
+            <a:spLocks noGrp="1" noRot="1" noChangeAspect="1"/>
+          </p:cNvSpPr>
+          <p:nvPr>
+            <p:ph type="sldImg"/>
+          </p:nvPr>
+        </p:nvSpPr>
+        <p:spPr/>
+      </p:sp>
+      <p:sp>
+        <p:nvSpPr>
+          <p:cNvPr id="3" name="Notes Placeholder 2"/>
+          <p:cNvSpPr>
+            <a:spLocks noGrp="1"/>
+          </p:cNvSpPr>
+          <p:nvPr>
+            <p:ph type="body" idx="1"/>
+          </p:nvPr>
+        </p:nvSpPr>
+        <p:spPr/>
+        <p:txBody>
+          <a:bodyPr/>
+          <a:lstStyle/>
+          <a:p>
+            <a:r>
+              <a:rPr lang="en-CN"/>
+              <a:t>贴个视频</a:t>
+            </a:r>
+            <a:endParaRPr lang="en-CN" dirty="0"/>
+          </a:p>
+        </p:txBody>
+      </p:sp>
+      <p:sp>
+        <p:nvSpPr>
+          <p:cNvPr id="4" name="Slide Number Placeholder 3"/>
+          <p:cNvSpPr>
+            <a:spLocks noGrp="1"/>
+          </p:cNvSpPr>
+          <p:nvPr>
+            <p:ph type="sldNum" sz="quarter" idx="5"/>
+          </p:nvPr>
+        </p:nvSpPr>
+        <p:spPr/>
+        <p:txBody>
+          <a:bodyPr/>
+          <a:lstStyle/>
+          <a:p>
+            <a:fld id="{101B89F9-BB18-1A46-8648-0F8B98F807E9}" type="slidenum">
+              <a:rPr lang="en-CN" smtClean="0"/>
+              <a:t>26</a:t>
+            </a:fld>
+            <a:endParaRPr lang="en-CN"/>
+          </a:p>
+        </p:txBody>
+      </p:sp>
+    </p:spTree>
+    <p:extLst>
+      <p:ext uri="{BB962C8B-B14F-4D97-AF65-F5344CB8AC3E}">
+        <p14:creationId xmlns:p14="http://schemas.microsoft.com/office/powerpoint/2010/main" val="1382819829"/>
       </p:ext>
     </p:extLst>
   </p:cSld>
@@ -7784,39 +8704,11 @@
           <a:p>
             <a:r>
               <a:rPr lang="en-CN" dirty="0"/>
-              <a:t>添加去重和映射等代码片段</a:t>
+              <a:t>数据获取的爬虫部分</a:t>
             </a:r>
             <a:r>
               <a:rPr lang="zh-CN" altLang="en-US" dirty="0"/>
-              <a:t>，添加</a:t>
-            </a:r>
-            <a:r>
-              <a:rPr lang="en-US" altLang="zh-CN" dirty="0"/>
-              <a:t>csv</a:t>
-            </a:r>
-            <a:r>
-              <a:rPr lang="zh-CN" altLang="en-US" dirty="0"/>
-              <a:t>文件截图，放得下的话添加</a:t>
-            </a:r>
-            <a:r>
-              <a:rPr lang="en-US" altLang="zh-CN" dirty="0"/>
-              <a:t>”</a:t>
-            </a:r>
-            <a:r>
-              <a:rPr lang="zh-CN" altLang="en-US" dirty="0"/>
-              <a:t>存放至</a:t>
-            </a:r>
-            <a:r>
-              <a:rPr lang="en-US" altLang="zh-CN" dirty="0" err="1"/>
-              <a:t>hdfs</a:t>
-            </a:r>
-            <a:r>
-              <a:rPr lang="en-US" altLang="zh-CN" dirty="0"/>
-              <a:t>”</a:t>
-            </a:r>
-            <a:r>
-              <a:rPr lang="zh-CN" altLang="en-US" dirty="0"/>
-              <a:t>的代码</a:t>
+              <a:t>，增加两三张代码的截图</a:t>
             </a:r>
             <a:endParaRPr lang="en-CN" dirty="0"/>
           </a:p>
@@ -7848,7 +8740,7 @@
     </p:spTree>
     <p:extLst>
       <p:ext uri="{BB962C8B-B14F-4D97-AF65-F5344CB8AC3E}">
-        <p14:creationId xmlns:p14="http://schemas.microsoft.com/office/powerpoint/2010/main" val="1546001528"/>
+        <p14:creationId xmlns:p14="http://schemas.microsoft.com/office/powerpoint/2010/main" val="1959514803"/>
       </p:ext>
     </p:extLst>
   </p:cSld>
@@ -7904,8 +8796,13 @@
           <a:p>
             <a:r>
               <a:rPr lang="en-CN" dirty="0"/>
-              <a:t>附上关键代码说明一下困难的解决方法</a:t>
-            </a:r>
+              <a:t>数据获取的爬虫部分</a:t>
+            </a:r>
+            <a:r>
+              <a:rPr lang="zh-CN" altLang="en-US" dirty="0"/>
+              <a:t>，增加两三张代码的截图</a:t>
+            </a:r>
+            <a:endParaRPr lang="en-CN" dirty="0"/>
           </a:p>
         </p:txBody>
       </p:sp>
@@ -7935,7 +8832,7 @@
     </p:spTree>
     <p:extLst>
       <p:ext uri="{BB962C8B-B14F-4D97-AF65-F5344CB8AC3E}">
-        <p14:creationId xmlns:p14="http://schemas.microsoft.com/office/powerpoint/2010/main" val="4227782747"/>
+        <p14:creationId xmlns:p14="http://schemas.microsoft.com/office/powerpoint/2010/main" val="2300646660"/>
       </p:ext>
     </p:extLst>
   </p:cSld>
@@ -7990,48 +8887,40 @@
           <a:lstStyle/>
           <a:p>
             <a:r>
-              <a:rPr lang="zh-CN" altLang="en-CN" dirty="0"/>
-              <a:t>李传艺</a:t>
+              <a:rPr lang="en-CN" dirty="0"/>
+              <a:t>添加去重和映射等代码片段</a:t>
             </a:r>
             <a:r>
               <a:rPr lang="zh-CN" altLang="en-US" dirty="0"/>
-              <a:t>在对于</a:t>
+              <a:t>，添加</a:t>
             </a:r>
             <a:r>
               <a:rPr lang="en-US" altLang="zh-CN" dirty="0"/>
-              <a:t>word</a:t>
+              <a:t>csv</a:t>
             </a:r>
             <a:r>
               <a:rPr lang="zh-CN" altLang="en-US" dirty="0"/>
-              <a:t>文档里的要求把流计算分成了：「流准备和监听、流计算、计算结果动态展示」</a:t>
-            </a:r>
-            <a:endParaRPr lang="en-US" altLang="zh-CN" dirty="0"/>
-          </a:p>
-          <a:p>
+              <a:t>文件截图，放得下的话添加</a:t>
+            </a:r>
+            <a:r>
+              <a:rPr lang="en-US" altLang="zh-CN" dirty="0"/>
+              <a:t>”</a:t>
+            </a:r>
             <a:r>
               <a:rPr lang="zh-CN" altLang="en-US" dirty="0"/>
-              <a:t>我写了两页的第二步流计算，因为我觉得这个部分可能比较多</a:t>
-            </a:r>
-            <a:endParaRPr lang="en-US" altLang="zh-CN" dirty="0"/>
-          </a:p>
-          <a:p>
-            <a:endParaRPr lang="en-US" altLang="zh-CN" dirty="0"/>
-          </a:p>
-          <a:p>
+              <a:t>存放至</a:t>
+            </a:r>
+            <a:r>
+              <a:rPr lang="en-US" altLang="zh-CN" dirty="0" err="1"/>
+              <a:t>hdfs</a:t>
+            </a:r>
+            <a:r>
+              <a:rPr lang="en-US" altLang="zh-CN" dirty="0"/>
+              <a:t>”</a:t>
+            </a:r>
             <a:r>
               <a:rPr lang="zh-CN" altLang="en-US" dirty="0"/>
-              <a:t>你看一下是按照他那么来，还是说你按照三个进程一个一个说明，或者别的更合适的</a:t>
-            </a:r>
-            <a:endParaRPr lang="en-CN" dirty="0"/>
-          </a:p>
-          <a:p>
-            <a:r>
-              <a:rPr lang="en-CN" dirty="0"/>
-              <a:t>附上关键代码说明一下streaming的计算步骤</a:t>
-            </a:r>
-            <a:r>
-              <a:rPr lang="zh-CN" altLang="en-US" dirty="0"/>
-              <a:t>，有三个进程，就写三页，贴上关键代码</a:t>
+              <a:t>的代码</a:t>
             </a:r>
             <a:endParaRPr lang="en-CN" dirty="0"/>
           </a:p>
@@ -8063,7 +8952,7 @@
     </p:spTree>
     <p:extLst>
       <p:ext uri="{BB962C8B-B14F-4D97-AF65-F5344CB8AC3E}">
-        <p14:creationId xmlns:p14="http://schemas.microsoft.com/office/powerpoint/2010/main" val="4069508800"/>
+        <p14:creationId xmlns:p14="http://schemas.microsoft.com/office/powerpoint/2010/main" val="1546001528"/>
       </p:ext>
     </p:extLst>
   </p:cSld>
@@ -8442,7 +9331,7 @@
           <a:p>
             <a:fld id="{C3736D11-B305-4DFC-BCAE-BD58B96A3C97}" type="datetimeFigureOut">
               <a:rPr lang="zh-CN" altLang="en-US" smtClean="0"/>
-              <a:t>2020/11/22</a:t>
+              <a:t>2020/11/24</a:t>
             </a:fld>
             <a:endParaRPr lang="zh-CN" altLang="en-US"/>
           </a:p>
@@ -8923,7 +9812,7 @@
           <a:p>
             <a:fld id="{C3736D11-B305-4DFC-BCAE-BD58B96A3C97}" type="datetimeFigureOut">
               <a:rPr lang="zh-CN" altLang="en-US" smtClean="0"/>
-              <a:t>2020/11/22</a:t>
+              <a:t>2020/11/24</a:t>
             </a:fld>
             <a:endParaRPr lang="zh-CN" altLang="en-US"/>
           </a:p>
@@ -9171,7 +10060,7 @@
           <a:p>
             <a:fld id="{C3736D11-B305-4DFC-BCAE-BD58B96A3C97}" type="datetimeFigureOut">
               <a:rPr lang="zh-CN" altLang="en-US" smtClean="0"/>
-              <a:t>2020/11/22</a:t>
+              <a:t>2020/11/24</a:t>
             </a:fld>
             <a:endParaRPr lang="zh-CN" altLang="en-US"/>
           </a:p>
@@ -9554,7 +10443,7 @@
           <a:p>
             <a:fld id="{C3736D11-B305-4DFC-BCAE-BD58B96A3C97}" type="datetimeFigureOut">
               <a:rPr lang="zh-CN" altLang="en-US" smtClean="0"/>
-              <a:t>2020/11/22</a:t>
+              <a:t>2020/11/24</a:t>
             </a:fld>
             <a:endParaRPr lang="zh-CN" altLang="en-US"/>
           </a:p>
@@ -9695,7 +10584,7 @@
           <a:p>
             <a:fld id="{C3736D11-B305-4DFC-BCAE-BD58B96A3C97}" type="datetimeFigureOut">
               <a:rPr lang="zh-CN" altLang="en-US" smtClean="0"/>
-              <a:t>2020/11/22</a:t>
+              <a:t>2020/11/24</a:t>
             </a:fld>
             <a:endParaRPr lang="zh-CN" altLang="en-US"/>
           </a:p>
@@ -9806,7 +10695,7 @@
           <a:p>
             <a:fld id="{C3736D11-B305-4DFC-BCAE-BD58B96A3C97}" type="datetimeFigureOut">
               <a:rPr lang="zh-CN" altLang="en-US" smtClean="0"/>
-              <a:t>2020/11/22</a:t>
+              <a:t>2020/11/24</a:t>
             </a:fld>
             <a:endParaRPr lang="zh-CN" altLang="en-US"/>
           </a:p>
@@ -10099,7 +10988,7 @@
           <a:p>
             <a:fld id="{C3736D11-B305-4DFC-BCAE-BD58B96A3C97}" type="datetimeFigureOut">
               <a:rPr lang="zh-CN" altLang="en-US" smtClean="0"/>
-              <a:t>2020/11/22</a:t>
+              <a:t>2020/11/24</a:t>
             </a:fld>
             <a:endParaRPr lang="zh-CN" altLang="en-US"/>
           </a:p>
@@ -10372,7 +11261,7 @@
           <a:p>
             <a:fld id="{C3736D11-B305-4DFC-BCAE-BD58B96A3C97}" type="datetimeFigureOut">
               <a:rPr lang="zh-CN" altLang="en-US" smtClean="0"/>
-              <a:t>2020/11/22</a:t>
+              <a:t>2020/11/24</a:t>
             </a:fld>
             <a:endParaRPr lang="zh-CN" altLang="en-US"/>
           </a:p>
@@ -10558,7 +11447,7 @@
           <a:p>
             <a:fld id="{C3736D11-B305-4DFC-BCAE-BD58B96A3C97}" type="datetimeFigureOut">
               <a:rPr lang="zh-CN" altLang="en-US" smtClean="0"/>
-              <a:t>2020/11/22</a:t>
+              <a:t>2020/11/24</a:t>
             </a:fld>
             <a:endParaRPr lang="zh-CN" altLang="en-US"/>
           </a:p>
@@ -11275,15 +12164,11 @@
           <a:p>
             <a:r>
               <a:rPr lang="en-US" altLang="zh-CN" dirty="0"/>
-              <a:t>IV.</a:t>
+              <a:t>III.</a:t>
             </a:r>
             <a:r>
               <a:rPr lang="zh-CN" altLang="en-US" dirty="0"/>
-              <a:t> </a:t>
-            </a:r>
-            <a:r>
-              <a:rPr lang="ja-JP" altLang="en-US"/>
-              <a:t>流计算步骤</a:t>
+              <a:t> 数据获取</a:t>
             </a:r>
             <a:r>
               <a:rPr lang="en-US" altLang="zh-CN" dirty="0"/>
@@ -11291,13 +12176,8 @@
             </a:r>
             <a:r>
               <a:rPr lang="zh-CN" altLang="en-US" dirty="0"/>
-              <a:t>流计算</a:t>
-            </a:r>
-            <a:r>
-              <a:rPr lang="en-US" altLang="zh-CN" dirty="0"/>
-              <a:t>1</a:t>
-            </a:r>
-            <a:endParaRPr lang="zh-CN" altLang="en-US" dirty="0"/>
+              <a:t>数据预处理</a:t>
+            </a:r>
           </a:p>
         </p:txBody>
       </p:sp>
@@ -11325,68 +12205,34 @@
           <a:p>
             <a:pPr lvl="0"/>
             <a:r>
+              <a:rPr lang="en-US" altLang="zh-CN" dirty="0">
+                <a:solidFill>
+                  <a:prstClr val="black"/>
+                </a:solidFill>
+              </a:rPr>
+              <a:t>Arxiv </a:t>
+            </a:r>
+            <a:r>
               <a:rPr lang="zh-CN" altLang="en-US" dirty="0">
                 <a:solidFill>
                   <a:prstClr val="black"/>
                 </a:solidFill>
               </a:rPr>
-              <a:t>功能</a:t>
-            </a:r>
-            <a:r>
-              <a:rPr lang="en-US" altLang="zh-CN" dirty="0">
-                <a:solidFill>
-                  <a:prstClr val="black"/>
-                </a:solidFill>
-              </a:rPr>
-              <a:t>1</a:t>
-            </a:r>
-          </a:p>
-          <a:p>
-            <a:pPr lvl="0"/>
-            <a:r>
-              <a:rPr lang="zh-CN" altLang="en-US" dirty="0">
-                <a:solidFill>
-                  <a:prstClr val="black"/>
-                </a:solidFill>
-              </a:rPr>
-              <a:t>功能</a:t>
-            </a:r>
-            <a:r>
-              <a:rPr lang="en-US" altLang="zh-CN" dirty="0">
-                <a:solidFill>
-                  <a:prstClr val="black"/>
-                </a:solidFill>
-              </a:rPr>
-              <a:t>2</a:t>
-            </a:r>
-          </a:p>
-          <a:p>
-            <a:pPr lvl="0"/>
-            <a:r>
-              <a:rPr lang="zh-CN" altLang="en-US" dirty="0">
-                <a:solidFill>
-                  <a:prstClr val="black"/>
-                </a:solidFill>
-              </a:rPr>
-              <a:t>功能</a:t>
-            </a:r>
-            <a:r>
-              <a:rPr lang="en-US" altLang="zh-CN" dirty="0">
-                <a:solidFill>
-                  <a:prstClr val="black"/>
-                </a:solidFill>
-              </a:rPr>
-              <a:t>3</a:t>
-            </a:r>
-          </a:p>
-          <a:p>
-            <a:pPr lvl="1"/>
+              <a:t>中可能存在与另外两个网站重复的文章，需要消除重复数据</a:t>
+            </a:r>
             <a:endParaRPr lang="en-US" altLang="zh-CN" dirty="0">
               <a:solidFill>
                 <a:prstClr val="black"/>
               </a:solidFill>
             </a:endParaRPr>
           </a:p>
+          <a:p>
+            <a:endParaRPr lang="en-US" altLang="zh-CN" b="1" dirty="0"/>
+          </a:p>
+          <a:p>
+            <a:pPr lvl="1"/>
+            <a:endParaRPr lang="en-US" altLang="zh-CN" dirty="0"/>
+          </a:p>
         </p:txBody>
       </p:sp>
       <p:sp>
@@ -11412,10 +12258,40 @@
           </a:p>
         </p:txBody>
       </p:sp>
+      <p:pic>
+        <p:nvPicPr>
+          <p:cNvPr id="6" name="图片 5">
+            <a:extLst>
+              <a:ext uri="{FF2B5EF4-FFF2-40B4-BE49-F238E27FC236}">
+                <a16:creationId xmlns:a16="http://schemas.microsoft.com/office/drawing/2014/main" id="{5A70FA07-1316-40FF-ADCA-08E1CAA0D631}"/>
+              </a:ext>
+            </a:extLst>
+          </p:cNvPr>
+          <p:cNvPicPr>
+            <a:picLocks noChangeAspect="1"/>
+          </p:cNvPicPr>
+          <p:nvPr/>
+        </p:nvPicPr>
+        <p:blipFill>
+          <a:blip r:embed="rId3"/>
+          <a:stretch>
+            <a:fillRect/>
+          </a:stretch>
+        </p:blipFill>
+        <p:spPr>
+          <a:xfrm>
+            <a:off x="420454" y="2847389"/>
+            <a:ext cx="8223895" cy="1163221"/>
+          </a:xfrm>
+          <a:prstGeom prst="rect">
+            <a:avLst/>
+          </a:prstGeom>
+        </p:spPr>
+      </p:pic>
     </p:spTree>
     <p:extLst>
       <p:ext uri="{BB962C8B-B14F-4D97-AF65-F5344CB8AC3E}">
-        <p14:creationId xmlns:p14="http://schemas.microsoft.com/office/powerpoint/2010/main" val="2705340381"/>
+        <p14:creationId xmlns:p14="http://schemas.microsoft.com/office/powerpoint/2010/main" val="3000552894"/>
       </p:ext>
     </p:extLst>
   </p:cSld>
@@ -11464,15 +12340,11 @@
           <a:p>
             <a:r>
               <a:rPr lang="en-US" altLang="zh-CN" dirty="0"/>
-              <a:t>IV.</a:t>
+              <a:t>III.</a:t>
             </a:r>
             <a:r>
               <a:rPr lang="zh-CN" altLang="en-US" dirty="0"/>
-              <a:t> </a:t>
-            </a:r>
-            <a:r>
-              <a:rPr lang="ja-JP" altLang="en-US"/>
-              <a:t>流计算步骤</a:t>
+              <a:t> 数据获取</a:t>
             </a:r>
             <a:r>
               <a:rPr lang="en-US" altLang="zh-CN" dirty="0"/>
@@ -11480,13 +12352,8 @@
             </a:r>
             <a:r>
               <a:rPr lang="zh-CN" altLang="en-US" dirty="0"/>
-              <a:t>流计算</a:t>
-            </a:r>
-            <a:r>
-              <a:rPr lang="en-US" altLang="zh-CN" dirty="0"/>
-              <a:t>2</a:t>
-            </a:r>
-            <a:endParaRPr lang="zh-CN" altLang="en-US" dirty="0"/>
+              <a:t>问题和解决方案</a:t>
+            </a:r>
           </a:p>
         </p:txBody>
       </p:sp>
@@ -11519,7 +12386,63 @@
                   <a:prstClr val="black"/>
                 </a:solidFill>
               </a:rPr>
-              <a:t>功能</a:t>
+              <a:t>目标网站的爬虫限制：</a:t>
+            </a:r>
+            <a:endParaRPr lang="en-US" altLang="zh-CN" dirty="0">
+              <a:solidFill>
+                <a:prstClr val="black"/>
+              </a:solidFill>
+            </a:endParaRPr>
+          </a:p>
+          <a:p>
+            <a:pPr lvl="1"/>
+            <a:r>
+              <a:rPr lang="zh-CN" altLang="en-US" dirty="0">
+                <a:solidFill>
+                  <a:prstClr val="black"/>
+                </a:solidFill>
+              </a:rPr>
+              <a:t>设置请求延迟</a:t>
+            </a:r>
+            <a:endParaRPr lang="en-US" altLang="zh-CN" dirty="0">
+              <a:solidFill>
+                <a:prstClr val="black"/>
+              </a:solidFill>
+            </a:endParaRPr>
+          </a:p>
+          <a:p>
+            <a:pPr lvl="0"/>
+            <a:r>
+              <a:rPr lang="en-US" altLang="zh-CN" dirty="0" err="1">
+                <a:solidFill>
+                  <a:prstClr val="black"/>
+                </a:solidFill>
+              </a:rPr>
+              <a:t>Arxiv</a:t>
+            </a:r>
+            <a:r>
+              <a:rPr lang="zh-CN" altLang="en-US" dirty="0">
+                <a:solidFill>
+                  <a:prstClr val="black"/>
+                </a:solidFill>
+              </a:rPr>
+              <a:t>网站没有引用：</a:t>
+            </a:r>
+            <a:endParaRPr lang="en-US" altLang="zh-CN" dirty="0">
+              <a:solidFill>
+                <a:prstClr val="black"/>
+              </a:solidFill>
+            </a:endParaRPr>
+          </a:p>
+          <a:p>
+            <a:pPr lvl="1"/>
+            <a:r>
+              <a:rPr lang="zh-CN" altLang="en-US" dirty="0">
+                <a:solidFill>
+                  <a:prstClr val="black"/>
+                </a:solidFill>
+              </a:rPr>
+              <a:t>引用数量设置为</a:t>
             </a:r>
             <a:r>
               <a:rPr lang="en-US" altLang="zh-CN" dirty="0">
@@ -11527,45 +12450,7 @@
                   <a:prstClr val="black"/>
                 </a:solidFill>
               </a:rPr>
-              <a:t>1</a:t>
-            </a:r>
-          </a:p>
-          <a:p>
-            <a:pPr lvl="0"/>
-            <a:r>
-              <a:rPr lang="zh-CN" altLang="en-US" dirty="0">
-                <a:solidFill>
-                  <a:prstClr val="black"/>
-                </a:solidFill>
-              </a:rPr>
-              <a:t>功能</a:t>
-            </a:r>
-            <a:r>
-              <a:rPr lang="en-US" altLang="zh-CN" dirty="0">
-                <a:solidFill>
-                  <a:prstClr val="black"/>
-                </a:solidFill>
-              </a:rPr>
-              <a:t>2</a:t>
-            </a:r>
-          </a:p>
-          <a:p>
-            <a:pPr lvl="0"/>
-            <a:r>
-              <a:rPr lang="zh-CN" altLang="en-US" dirty="0">
-                <a:solidFill>
-                  <a:prstClr val="black"/>
-                </a:solidFill>
-              </a:rPr>
-              <a:t>功能</a:t>
-            </a:r>
-            <a:r>
-              <a:rPr lang="en-US" altLang="zh-CN" dirty="0">
-                <a:solidFill>
-                  <a:prstClr val="black"/>
-                </a:solidFill>
-              </a:rPr>
-              <a:t>3</a:t>
+              <a:t>0</a:t>
             </a:r>
           </a:p>
           <a:p>
@@ -11604,7 +12489,7 @@
     </p:spTree>
     <p:extLst>
       <p:ext uri="{BB962C8B-B14F-4D97-AF65-F5344CB8AC3E}">
-        <p14:creationId xmlns:p14="http://schemas.microsoft.com/office/powerpoint/2010/main" val="1718855506"/>
+        <p14:creationId xmlns:p14="http://schemas.microsoft.com/office/powerpoint/2010/main" val="2765700085"/>
       </p:ext>
     </p:extLst>
   </p:cSld>
@@ -11669,7 +12554,7 @@
             </a:r>
             <a:r>
               <a:rPr lang="zh-CN" altLang="en-US" dirty="0"/>
-              <a:t>计算结果处理</a:t>
+              <a:t>流准备和监听</a:t>
             </a:r>
           </a:p>
         </p:txBody>
@@ -11703,57 +12588,8 @@
                   <a:prstClr val="black"/>
                 </a:solidFill>
               </a:rPr>
-              <a:t>功能</a:t>
-            </a:r>
-            <a:r>
-              <a:rPr lang="en-US" altLang="zh-CN" dirty="0">
-                <a:solidFill>
-                  <a:prstClr val="black"/>
-                </a:solidFill>
-              </a:rPr>
-              <a:t>1</a:t>
-            </a:r>
-          </a:p>
-          <a:p>
-            <a:pPr lvl="0"/>
-            <a:r>
-              <a:rPr lang="zh-CN" altLang="en-US" dirty="0">
-                <a:solidFill>
-                  <a:prstClr val="black"/>
-                </a:solidFill>
-              </a:rPr>
-              <a:t>功能</a:t>
-            </a:r>
-            <a:r>
-              <a:rPr lang="en-US" altLang="zh-CN" dirty="0">
-                <a:solidFill>
-                  <a:prstClr val="black"/>
-                </a:solidFill>
-              </a:rPr>
-              <a:t>2</a:t>
-            </a:r>
-          </a:p>
-          <a:p>
-            <a:pPr lvl="0"/>
-            <a:r>
-              <a:rPr lang="zh-CN" altLang="en-US" dirty="0">
-                <a:solidFill>
-                  <a:prstClr val="black"/>
-                </a:solidFill>
-              </a:rPr>
-              <a:t>功能</a:t>
-            </a:r>
-            <a:r>
-              <a:rPr lang="en-US" altLang="zh-CN" dirty="0">
-                <a:solidFill>
-                  <a:prstClr val="black"/>
-                </a:solidFill>
-              </a:rPr>
-              <a:t>3</a:t>
-            </a:r>
-          </a:p>
-          <a:p>
-            <a:pPr lvl="1"/>
+              <a:t>定义流的输入</a:t>
+            </a:r>
             <a:endParaRPr lang="en-US" altLang="zh-CN" dirty="0">
               <a:solidFill>
                 <a:prstClr val="black"/>
@@ -11785,10 +12621,40 @@
           </a:p>
         </p:txBody>
       </p:sp>
+      <p:pic>
+        <p:nvPicPr>
+          <p:cNvPr id="4" name="图片 3">
+            <a:extLst>
+              <a:ext uri="{FF2B5EF4-FFF2-40B4-BE49-F238E27FC236}">
+                <a16:creationId xmlns:a16="http://schemas.microsoft.com/office/drawing/2014/main" id="{21EDA65D-559D-4473-A7EC-F88BB38FCE19}"/>
+              </a:ext>
+            </a:extLst>
+          </p:cNvPr>
+          <p:cNvPicPr>
+            <a:picLocks noChangeAspect="1"/>
+          </p:cNvPicPr>
+          <p:nvPr/>
+        </p:nvPicPr>
+        <p:blipFill>
+          <a:blip r:embed="rId3"/>
+          <a:stretch>
+            <a:fillRect/>
+          </a:stretch>
+        </p:blipFill>
+        <p:spPr>
+          <a:xfrm>
+            <a:off x="764691" y="1671001"/>
+            <a:ext cx="7613040" cy="4663844"/>
+          </a:xfrm>
+          <a:prstGeom prst="rect">
+            <a:avLst/>
+          </a:prstGeom>
+        </p:spPr>
+      </p:pic>
     </p:spTree>
     <p:extLst>
       <p:ext uri="{BB962C8B-B14F-4D97-AF65-F5344CB8AC3E}">
-        <p14:creationId xmlns:p14="http://schemas.microsoft.com/office/powerpoint/2010/main" val="3498379565"/>
+        <p14:creationId xmlns:p14="http://schemas.microsoft.com/office/powerpoint/2010/main" val="3462636847"/>
       </p:ext>
     </p:extLst>
   </p:cSld>
@@ -11840,12 +12706,12 @@
               <a:t>IV.</a:t>
             </a:r>
             <a:r>
-              <a:rPr lang="zh-CN" altLang="en-US"/>
-              <a:t> 流计算</a:t>
-            </a:r>
-            <a:r>
               <a:rPr lang="zh-CN" altLang="en-US" dirty="0"/>
-              <a:t>步骤</a:t>
+              <a:t> </a:t>
+            </a:r>
+            <a:r>
+              <a:rPr lang="ja-JP" altLang="en-US" dirty="0"/>
+              <a:t>流计算步骤</a:t>
             </a:r>
             <a:r>
               <a:rPr lang="en-US" altLang="zh-CN" dirty="0"/>
@@ -11853,7 +12719,7 @@
             </a:r>
             <a:r>
               <a:rPr lang="zh-CN" altLang="en-US" dirty="0"/>
-              <a:t>问题和解决方案</a:t>
+              <a:t>流准备和监听</a:t>
             </a:r>
           </a:p>
         </p:txBody>
@@ -11880,149 +12746,15 @@
           </a:bodyPr>
           <a:lstStyle/>
           <a:p>
-            <a:pPr lvl="0"/>
-            <a:r>
-              <a:rPr lang="zh-CN" altLang="en-US" dirty="0">
-                <a:solidFill>
-                  <a:prstClr val="black"/>
-                </a:solidFill>
-              </a:rPr>
-              <a:t>因为数据</a:t>
-            </a:r>
-            <a:r>
-              <a:rPr lang="en-US" altLang="zh-CN" dirty="0">
-                <a:solidFill>
-                  <a:prstClr val="black"/>
-                </a:solidFill>
-              </a:rPr>
-              <a:t>explode</a:t>
-            </a:r>
-            <a:r>
-              <a:rPr lang="zh-CN" altLang="en-US" dirty="0">
-                <a:solidFill>
-                  <a:prstClr val="black"/>
-                </a:solidFill>
-              </a:rPr>
-              <a:t>导致大量数据库操作：</a:t>
-            </a:r>
+            <a:pPr marL="342900" lvl="1" indent="0">
+              <a:buNone/>
+            </a:pPr>
             <a:endParaRPr lang="en-US" altLang="zh-CN" dirty="0">
               <a:solidFill>
                 <a:prstClr val="black"/>
               </a:solidFill>
             </a:endParaRPr>
           </a:p>
-          <a:p>
-            <a:pPr lvl="1"/>
-            <a:r>
-              <a:rPr lang="zh-CN" altLang="en-US" dirty="0">
-                <a:solidFill>
-                  <a:prstClr val="black"/>
-                </a:solidFill>
-              </a:rPr>
-              <a:t>做了什么操作提升速度</a:t>
-            </a:r>
-            <a:endParaRPr lang="en-US" altLang="zh-CN" dirty="0">
-              <a:solidFill>
-                <a:prstClr val="black"/>
-              </a:solidFill>
-            </a:endParaRPr>
-          </a:p>
-          <a:p>
-            <a:pPr lvl="0"/>
-            <a:r>
-              <a:rPr lang="zh-CN" altLang="en-US" dirty="0">
-                <a:solidFill>
-                  <a:prstClr val="black"/>
-                </a:solidFill>
-              </a:rPr>
-              <a:t>后端如何开启流，如何读结果</a:t>
-            </a:r>
-            <a:endParaRPr lang="en-US" altLang="zh-CN" dirty="0">
-              <a:solidFill>
-                <a:prstClr val="black"/>
-              </a:solidFill>
-            </a:endParaRPr>
-          </a:p>
-          <a:p>
-            <a:pPr lvl="1"/>
-            <a:r>
-              <a:rPr lang="zh-CN" altLang="en-US" dirty="0">
-                <a:solidFill>
-                  <a:prstClr val="black"/>
-                </a:solidFill>
-              </a:rPr>
-              <a:t>后端调用命令行将数据送入流监控的文件夹</a:t>
-            </a:r>
-            <a:endParaRPr lang="en-US" altLang="zh-CN" dirty="0">
-              <a:solidFill>
-                <a:prstClr val="black"/>
-              </a:solidFill>
-            </a:endParaRPr>
-          </a:p>
-          <a:p>
-            <a:pPr lvl="1"/>
-            <a:r>
-              <a:rPr lang="zh-CN" altLang="en-US" dirty="0">
-                <a:solidFill>
-                  <a:prstClr val="black"/>
-                </a:solidFill>
-              </a:rPr>
-              <a:t>流的结果保存在数据库供后端读取</a:t>
-            </a:r>
-            <a:endParaRPr lang="en-US" altLang="zh-CN" dirty="0">
-              <a:solidFill>
-                <a:prstClr val="black"/>
-              </a:solidFill>
-            </a:endParaRPr>
-          </a:p>
-          <a:p>
-            <a:pPr lvl="0"/>
-            <a:r>
-              <a:rPr lang="zh-CN" altLang="en-US" dirty="0">
-                <a:solidFill>
-                  <a:prstClr val="black"/>
-                </a:solidFill>
-              </a:rPr>
-              <a:t>文件监听的实现</a:t>
-            </a:r>
-            <a:endParaRPr lang="en-US" altLang="zh-CN" dirty="0">
-              <a:solidFill>
-                <a:prstClr val="black"/>
-              </a:solidFill>
-            </a:endParaRPr>
-          </a:p>
-          <a:p>
-            <a:pPr lvl="1"/>
-            <a:r>
-              <a:rPr lang="zh-CN" altLang="en-US" dirty="0">
-                <a:solidFill>
-                  <a:prstClr val="black"/>
-                </a:solidFill>
-              </a:rPr>
-              <a:t>巴拉巴拉</a:t>
-            </a:r>
-            <a:endParaRPr lang="en-US" altLang="zh-CN" dirty="0">
-              <a:solidFill>
-                <a:prstClr val="black"/>
-              </a:solidFill>
-            </a:endParaRPr>
-          </a:p>
-          <a:p>
-            <a:pPr lvl="1"/>
-            <a:endParaRPr lang="en-US" altLang="zh-CN" dirty="0">
-              <a:solidFill>
-                <a:prstClr val="black"/>
-              </a:solidFill>
-            </a:endParaRPr>
-          </a:p>
-          <a:p>
-            <a:pPr lvl="1"/>
-            <a:endParaRPr lang="en-US" altLang="zh-CN" dirty="0">
-              <a:solidFill>
-                <a:prstClr val="black"/>
-              </a:solidFill>
-            </a:endParaRPr>
-          </a:p>
         </p:txBody>
       </p:sp>
       <p:sp>
@@ -12048,10 +12780,40 @@
           </a:p>
         </p:txBody>
       </p:sp>
+      <p:pic>
+        <p:nvPicPr>
+          <p:cNvPr id="4" name="图片 3">
+            <a:extLst>
+              <a:ext uri="{FF2B5EF4-FFF2-40B4-BE49-F238E27FC236}">
+                <a16:creationId xmlns:a16="http://schemas.microsoft.com/office/drawing/2014/main" id="{2A3080A4-1FF3-4FD2-AD29-3AE1E9D3714B}"/>
+              </a:ext>
+            </a:extLst>
+          </p:cNvPr>
+          <p:cNvPicPr>
+            <a:picLocks noChangeAspect="1"/>
+          </p:cNvPicPr>
+          <p:nvPr/>
+        </p:nvPicPr>
+        <p:blipFill>
+          <a:blip r:embed="rId3"/>
+          <a:stretch>
+            <a:fillRect/>
+          </a:stretch>
+        </p:blipFill>
+        <p:spPr>
+          <a:xfrm>
+            <a:off x="1212020" y="905652"/>
+            <a:ext cx="6987349" cy="5665042"/>
+          </a:xfrm>
+          <a:prstGeom prst="rect">
+            <a:avLst/>
+          </a:prstGeom>
+        </p:spPr>
+      </p:pic>
     </p:spTree>
     <p:extLst>
       <p:ext uri="{BB962C8B-B14F-4D97-AF65-F5344CB8AC3E}">
-        <p14:creationId xmlns:p14="http://schemas.microsoft.com/office/powerpoint/2010/main" val="3642192348"/>
+        <p14:creationId xmlns:p14="http://schemas.microsoft.com/office/powerpoint/2010/main" val="2705340381"/>
       </p:ext>
     </p:extLst>
   </p:cSld>
@@ -12100,11 +12862,15 @@
           <a:p>
             <a:r>
               <a:rPr lang="en-US" altLang="zh-CN" dirty="0"/>
-              <a:t>V.</a:t>
+              <a:t>IV.</a:t>
             </a:r>
             <a:r>
               <a:rPr lang="zh-CN" altLang="en-US" dirty="0"/>
-              <a:t> 项目展示</a:t>
+              <a:t> </a:t>
+            </a:r>
+            <a:r>
+              <a:rPr lang="ja-JP" altLang="en-US" dirty="0"/>
+              <a:t>流计算步骤</a:t>
             </a:r>
             <a:r>
               <a:rPr lang="en-US" altLang="zh-CN" dirty="0"/>
@@ -12112,31 +12878,8 @@
             </a:r>
             <a:r>
               <a:rPr lang="zh-CN" altLang="en-US" dirty="0"/>
-              <a:t>领域热度统计</a:t>
-            </a:r>
-          </a:p>
-        </p:txBody>
-      </p:sp>
-      <p:sp>
-        <p:nvSpPr>
-          <p:cNvPr id="3" name="内容占位符 2"/>
-          <p:cNvSpPr>
-            <a:spLocks noGrp="1"/>
-          </p:cNvSpPr>
-          <p:nvPr>
-            <p:ph idx="1"/>
-          </p:nvPr>
-        </p:nvSpPr>
-        <p:spPr/>
-        <p:txBody>
-          <a:bodyPr/>
-          <a:lstStyle/>
-          <a:p>
-            <a:r>
-              <a:rPr lang="ja-JP" altLang="en-US"/>
-              <a:t>统计特定时间段内热度靠前的领域并比较各领域热度</a:t>
-            </a:r>
-            <a:endParaRPr lang="en-US" altLang="zh-CN" sz="1600" dirty="0"/>
+              <a:t>流计算</a:t>
+            </a:r>
           </a:p>
         </p:txBody>
       </p:sp>
@@ -12158,6 +12901,1665 @@
             <a:fld id="{02AE1E35-F495-4665-8CB0-CDD28443F6EA}" type="slidenum">
               <a:rPr lang="zh-CN" altLang="en-US" smtClean="0"/>
               <a:t>14</a:t>
+            </a:fld>
+            <a:endParaRPr lang="zh-CN" altLang="en-US"/>
+          </a:p>
+        </p:txBody>
+      </p:sp>
+      <p:pic>
+        <p:nvPicPr>
+          <p:cNvPr id="4" name="图片 3">
+            <a:extLst>
+              <a:ext uri="{FF2B5EF4-FFF2-40B4-BE49-F238E27FC236}">
+                <a16:creationId xmlns:a16="http://schemas.microsoft.com/office/drawing/2014/main" id="{51C736CC-940F-4AC7-9FA6-2DE52F2A4D14}"/>
+              </a:ext>
+            </a:extLst>
+          </p:cNvPr>
+          <p:cNvPicPr>
+            <a:picLocks noChangeAspect="1"/>
+          </p:cNvPicPr>
+          <p:nvPr/>
+        </p:nvPicPr>
+        <p:blipFill>
+          <a:blip r:embed="rId3"/>
+          <a:stretch>
+            <a:fillRect/>
+          </a:stretch>
+        </p:blipFill>
+        <p:spPr>
+          <a:xfrm>
+            <a:off x="1101707" y="1218458"/>
+            <a:ext cx="7252041" cy="5453477"/>
+          </a:xfrm>
+          <a:prstGeom prst="rect">
+            <a:avLst/>
+          </a:prstGeom>
+        </p:spPr>
+      </p:pic>
+    </p:spTree>
+    <p:extLst>
+      <p:ext uri="{BB962C8B-B14F-4D97-AF65-F5344CB8AC3E}">
+        <p14:creationId xmlns:p14="http://schemas.microsoft.com/office/powerpoint/2010/main" val="1718855506"/>
+      </p:ext>
+    </p:extLst>
+  </p:cSld>
+  <p:clrMapOvr>
+    <a:masterClrMapping/>
+  </p:clrMapOvr>
+</p:sld>
+</file>
+
+<file path=ppt/slides/slide15.xml><?xml version="1.0" encoding="utf-8"?>
+<p:sld xmlns:a="http://schemas.openxmlformats.org/drawingml/2006/main" xmlns:r="http://schemas.openxmlformats.org/officeDocument/2006/relationships" xmlns:p="http://schemas.openxmlformats.org/presentationml/2006/main">
+  <p:cSld>
+    <p:spTree>
+      <p:nvGrpSpPr>
+        <p:cNvPr id="1" name=""/>
+        <p:cNvGrpSpPr/>
+        <p:nvPr/>
+      </p:nvGrpSpPr>
+      <p:grpSpPr>
+        <a:xfrm>
+          <a:off x="0" y="0"/>
+          <a:ext cx="0" cy="0"/>
+          <a:chOff x="0" y="0"/>
+          <a:chExt cx="0" cy="0"/>
+        </a:xfrm>
+      </p:grpSpPr>
+      <p:sp>
+        <p:nvSpPr>
+          <p:cNvPr id="2" name="标题 1"/>
+          <p:cNvSpPr>
+            <a:spLocks noGrp="1"/>
+          </p:cNvSpPr>
+          <p:nvPr>
+            <p:ph type="title"/>
+          </p:nvPr>
+        </p:nvSpPr>
+        <p:spPr>
+          <a:xfrm>
+            <a:off x="420454" y="287306"/>
+            <a:ext cx="8301515" cy="649110"/>
+          </a:xfrm>
+        </p:spPr>
+        <p:txBody>
+          <a:bodyPr/>
+          <a:lstStyle/>
+          <a:p>
+            <a:r>
+              <a:rPr lang="en-US" altLang="zh-CN" dirty="0"/>
+              <a:t>IV.</a:t>
+            </a:r>
+            <a:r>
+              <a:rPr lang="zh-CN" altLang="en-US" dirty="0"/>
+              <a:t> </a:t>
+            </a:r>
+            <a:r>
+              <a:rPr lang="ja-JP" altLang="en-US" dirty="0"/>
+              <a:t>流计算步骤</a:t>
+            </a:r>
+            <a:r>
+              <a:rPr lang="en-US" altLang="zh-CN" dirty="0"/>
+              <a:t>——</a:t>
+            </a:r>
+            <a:r>
+              <a:rPr lang="zh-CN" altLang="en-US" dirty="0"/>
+              <a:t>流计算</a:t>
+            </a:r>
+          </a:p>
+        </p:txBody>
+      </p:sp>
+      <p:sp>
+        <p:nvSpPr>
+          <p:cNvPr id="3" name="内容占位符 2"/>
+          <p:cNvSpPr>
+            <a:spLocks noGrp="1"/>
+          </p:cNvSpPr>
+          <p:nvPr>
+            <p:ph idx="1"/>
+          </p:nvPr>
+        </p:nvSpPr>
+        <p:spPr>
+          <a:xfrm>
+            <a:off x="420456" y="1188138"/>
+            <a:ext cx="8570478" cy="5096838"/>
+          </a:xfrm>
+        </p:spPr>
+        <p:txBody>
+          <a:bodyPr>
+            <a:normAutofit/>
+          </a:bodyPr>
+          <a:lstStyle/>
+          <a:p>
+            <a:pPr lvl="0"/>
+            <a:r>
+              <a:rPr lang="zh-CN" altLang="en-US" dirty="0">
+                <a:solidFill>
+                  <a:prstClr val="black"/>
+                </a:solidFill>
+              </a:rPr>
+              <a:t>定义数据转换</a:t>
+            </a:r>
+            <a:r>
+              <a:rPr lang="en-US" altLang="zh-CN" dirty="0">
+                <a:solidFill>
+                  <a:prstClr val="black"/>
+                </a:solidFill>
+              </a:rPr>
+              <a:t>---</a:t>
+            </a:r>
+          </a:p>
+        </p:txBody>
+      </p:sp>
+      <p:sp>
+        <p:nvSpPr>
+          <p:cNvPr id="5" name="灯片编号占位符 4"/>
+          <p:cNvSpPr>
+            <a:spLocks noGrp="1"/>
+          </p:cNvSpPr>
+          <p:nvPr>
+            <p:ph type="sldNum" sz="quarter" idx="12"/>
+          </p:nvPr>
+        </p:nvSpPr>
+        <p:spPr/>
+        <p:txBody>
+          <a:bodyPr/>
+          <a:lstStyle/>
+          <a:p>
+            <a:fld id="{02AE1E35-F495-4665-8CB0-CDD28443F6EA}" type="slidenum">
+              <a:rPr lang="zh-CN" altLang="en-US" smtClean="0"/>
+              <a:t>15</a:t>
+            </a:fld>
+            <a:endParaRPr lang="zh-CN" altLang="en-US"/>
+          </a:p>
+        </p:txBody>
+      </p:sp>
+      <p:pic>
+        <p:nvPicPr>
+          <p:cNvPr id="6" name="图片 5">
+            <a:extLst>
+              <a:ext uri="{FF2B5EF4-FFF2-40B4-BE49-F238E27FC236}">
+                <a16:creationId xmlns:a16="http://schemas.microsoft.com/office/drawing/2014/main" id="{2B807D2C-DDC3-43CB-A470-E0C008CE6FD4}"/>
+              </a:ext>
+            </a:extLst>
+          </p:cNvPr>
+          <p:cNvPicPr>
+            <a:picLocks noChangeAspect="1"/>
+          </p:cNvPicPr>
+          <p:nvPr/>
+        </p:nvPicPr>
+        <p:blipFill>
+          <a:blip r:embed="rId3"/>
+          <a:stretch>
+            <a:fillRect/>
+          </a:stretch>
+        </p:blipFill>
+        <p:spPr>
+          <a:xfrm>
+            <a:off x="788757" y="2294337"/>
+            <a:ext cx="7833875" cy="2884439"/>
+          </a:xfrm>
+          <a:prstGeom prst="rect">
+            <a:avLst/>
+          </a:prstGeom>
+        </p:spPr>
+      </p:pic>
+    </p:spTree>
+    <p:extLst>
+      <p:ext uri="{BB962C8B-B14F-4D97-AF65-F5344CB8AC3E}">
+        <p14:creationId xmlns:p14="http://schemas.microsoft.com/office/powerpoint/2010/main" val="3102093066"/>
+      </p:ext>
+    </p:extLst>
+  </p:cSld>
+  <p:clrMapOvr>
+    <a:masterClrMapping/>
+  </p:clrMapOvr>
+</p:sld>
+</file>
+
+<file path=ppt/slides/slide16.xml><?xml version="1.0" encoding="utf-8"?>
+<p:sld xmlns:a="http://schemas.openxmlformats.org/drawingml/2006/main" xmlns:r="http://schemas.openxmlformats.org/officeDocument/2006/relationships" xmlns:p="http://schemas.openxmlformats.org/presentationml/2006/main">
+  <p:cSld>
+    <p:spTree>
+      <p:nvGrpSpPr>
+        <p:cNvPr id="1" name=""/>
+        <p:cNvGrpSpPr/>
+        <p:nvPr/>
+      </p:nvGrpSpPr>
+      <p:grpSpPr>
+        <a:xfrm>
+          <a:off x="0" y="0"/>
+          <a:ext cx="0" cy="0"/>
+          <a:chOff x="0" y="0"/>
+          <a:chExt cx="0" cy="0"/>
+        </a:xfrm>
+      </p:grpSpPr>
+      <p:sp>
+        <p:nvSpPr>
+          <p:cNvPr id="2" name="标题 1"/>
+          <p:cNvSpPr>
+            <a:spLocks noGrp="1"/>
+          </p:cNvSpPr>
+          <p:nvPr>
+            <p:ph type="title"/>
+          </p:nvPr>
+        </p:nvSpPr>
+        <p:spPr>
+          <a:xfrm>
+            <a:off x="420454" y="287306"/>
+            <a:ext cx="8301515" cy="649110"/>
+          </a:xfrm>
+        </p:spPr>
+        <p:txBody>
+          <a:bodyPr/>
+          <a:lstStyle/>
+          <a:p>
+            <a:r>
+              <a:rPr lang="en-US" altLang="zh-CN" dirty="0"/>
+              <a:t>IV.</a:t>
+            </a:r>
+            <a:r>
+              <a:rPr lang="zh-CN" altLang="en-US" dirty="0"/>
+              <a:t> </a:t>
+            </a:r>
+            <a:r>
+              <a:rPr lang="ja-JP" altLang="en-US"/>
+              <a:t>流计算步骤</a:t>
+            </a:r>
+            <a:r>
+              <a:rPr lang="en-US" altLang="zh-CN" dirty="0"/>
+              <a:t>——</a:t>
+            </a:r>
+            <a:r>
+              <a:rPr lang="zh-CN" altLang="en-US" dirty="0"/>
+              <a:t>计算结果处理</a:t>
+            </a:r>
+          </a:p>
+        </p:txBody>
+      </p:sp>
+      <p:sp>
+        <p:nvSpPr>
+          <p:cNvPr id="3" name="内容占位符 2"/>
+          <p:cNvSpPr>
+            <a:spLocks noGrp="1"/>
+          </p:cNvSpPr>
+          <p:nvPr>
+            <p:ph idx="1"/>
+          </p:nvPr>
+        </p:nvSpPr>
+        <p:spPr>
+          <a:xfrm>
+            <a:off x="420456" y="1188138"/>
+            <a:ext cx="8570478" cy="5096838"/>
+          </a:xfrm>
+        </p:spPr>
+        <p:txBody>
+          <a:bodyPr>
+            <a:normAutofit/>
+          </a:bodyPr>
+          <a:lstStyle/>
+          <a:p>
+            <a:pPr lvl="0"/>
+            <a:r>
+              <a:rPr lang="zh-CN" altLang="en-US" dirty="0">
+                <a:solidFill>
+                  <a:prstClr val="black"/>
+                </a:solidFill>
+              </a:rPr>
+              <a:t>将流的输出写入</a:t>
+            </a:r>
+            <a:r>
+              <a:rPr lang="en-US" altLang="zh-CN" dirty="0">
+                <a:solidFill>
+                  <a:prstClr val="black"/>
+                </a:solidFill>
+              </a:rPr>
+              <a:t>MySQL</a:t>
+            </a:r>
+            <a:r>
+              <a:rPr lang="zh-CN" altLang="en-US" dirty="0">
+                <a:solidFill>
+                  <a:prstClr val="black"/>
+                </a:solidFill>
+              </a:rPr>
+              <a:t>数据库</a:t>
+            </a:r>
+            <a:endParaRPr lang="en-US" altLang="zh-CN" dirty="0">
+              <a:solidFill>
+                <a:prstClr val="black"/>
+              </a:solidFill>
+            </a:endParaRPr>
+          </a:p>
+        </p:txBody>
+      </p:sp>
+      <p:sp>
+        <p:nvSpPr>
+          <p:cNvPr id="5" name="灯片编号占位符 4"/>
+          <p:cNvSpPr>
+            <a:spLocks noGrp="1"/>
+          </p:cNvSpPr>
+          <p:nvPr>
+            <p:ph type="sldNum" sz="quarter" idx="12"/>
+          </p:nvPr>
+        </p:nvSpPr>
+        <p:spPr/>
+        <p:txBody>
+          <a:bodyPr/>
+          <a:lstStyle/>
+          <a:p>
+            <a:fld id="{02AE1E35-F495-4665-8CB0-CDD28443F6EA}" type="slidenum">
+              <a:rPr lang="zh-CN" altLang="en-US" smtClean="0"/>
+              <a:t>16</a:t>
+            </a:fld>
+            <a:endParaRPr lang="zh-CN" altLang="en-US"/>
+          </a:p>
+        </p:txBody>
+      </p:sp>
+      <p:pic>
+        <p:nvPicPr>
+          <p:cNvPr id="4" name="图片 3">
+            <a:extLst>
+              <a:ext uri="{FF2B5EF4-FFF2-40B4-BE49-F238E27FC236}">
+                <a16:creationId xmlns:a16="http://schemas.microsoft.com/office/drawing/2014/main" id="{DE2DAC86-C997-4F7B-BF4C-A2D66D657CF0}"/>
+              </a:ext>
+            </a:extLst>
+          </p:cNvPr>
+          <p:cNvPicPr>
+            <a:picLocks noChangeAspect="1"/>
+          </p:cNvPicPr>
+          <p:nvPr/>
+        </p:nvPicPr>
+        <p:blipFill>
+          <a:blip r:embed="rId3"/>
+          <a:stretch>
+            <a:fillRect/>
+          </a:stretch>
+        </p:blipFill>
+        <p:spPr>
+          <a:xfrm>
+            <a:off x="345204" y="1696866"/>
+            <a:ext cx="7262489" cy="3200677"/>
+          </a:xfrm>
+          <a:prstGeom prst="rect">
+            <a:avLst/>
+          </a:prstGeom>
+        </p:spPr>
+      </p:pic>
+      <p:pic>
+        <p:nvPicPr>
+          <p:cNvPr id="9" name="图片 8">
+            <a:extLst>
+              <a:ext uri="{FF2B5EF4-FFF2-40B4-BE49-F238E27FC236}">
+                <a16:creationId xmlns:a16="http://schemas.microsoft.com/office/drawing/2014/main" id="{DB27C5C8-B613-44D8-8014-5B1DF77A952B}"/>
+              </a:ext>
+            </a:extLst>
+          </p:cNvPr>
+          <p:cNvPicPr>
+            <a:picLocks noChangeAspect="1"/>
+          </p:cNvPicPr>
+          <p:nvPr/>
+        </p:nvPicPr>
+        <p:blipFill>
+          <a:blip r:embed="rId4"/>
+          <a:stretch>
+            <a:fillRect/>
+          </a:stretch>
+        </p:blipFill>
+        <p:spPr>
+          <a:xfrm>
+            <a:off x="1742064" y="4735653"/>
+            <a:ext cx="7056732" cy="1341236"/>
+          </a:xfrm>
+          <a:prstGeom prst="rect">
+            <a:avLst/>
+          </a:prstGeom>
+        </p:spPr>
+      </p:pic>
+    </p:spTree>
+    <p:extLst>
+      <p:ext uri="{BB962C8B-B14F-4D97-AF65-F5344CB8AC3E}">
+        <p14:creationId xmlns:p14="http://schemas.microsoft.com/office/powerpoint/2010/main" val="3498379565"/>
+      </p:ext>
+    </p:extLst>
+  </p:cSld>
+  <p:clrMapOvr>
+    <a:masterClrMapping/>
+  </p:clrMapOvr>
+</p:sld>
+</file>
+
+<file path=ppt/slides/slide17.xml><?xml version="1.0" encoding="utf-8"?>
+<p:sld xmlns:a="http://schemas.openxmlformats.org/drawingml/2006/main" xmlns:r="http://schemas.openxmlformats.org/officeDocument/2006/relationships" xmlns:p="http://schemas.openxmlformats.org/presentationml/2006/main">
+  <p:cSld>
+    <p:spTree>
+      <p:nvGrpSpPr>
+        <p:cNvPr id="1" name=""/>
+        <p:cNvGrpSpPr/>
+        <p:nvPr/>
+      </p:nvGrpSpPr>
+      <p:grpSpPr>
+        <a:xfrm>
+          <a:off x="0" y="0"/>
+          <a:ext cx="0" cy="0"/>
+          <a:chOff x="0" y="0"/>
+          <a:chExt cx="0" cy="0"/>
+        </a:xfrm>
+      </p:grpSpPr>
+      <p:sp>
+        <p:nvSpPr>
+          <p:cNvPr id="2" name="标题 1"/>
+          <p:cNvSpPr>
+            <a:spLocks noGrp="1"/>
+          </p:cNvSpPr>
+          <p:nvPr>
+            <p:ph type="title"/>
+          </p:nvPr>
+        </p:nvSpPr>
+        <p:spPr>
+          <a:xfrm>
+            <a:off x="420454" y="287306"/>
+            <a:ext cx="8301515" cy="649110"/>
+          </a:xfrm>
+        </p:spPr>
+        <p:txBody>
+          <a:bodyPr/>
+          <a:lstStyle/>
+          <a:p>
+            <a:r>
+              <a:rPr lang="en-US" altLang="zh-CN" dirty="0"/>
+              <a:t>IV.</a:t>
+            </a:r>
+            <a:r>
+              <a:rPr lang="zh-CN" altLang="en-US" dirty="0"/>
+              <a:t> </a:t>
+            </a:r>
+            <a:r>
+              <a:rPr lang="ja-JP" altLang="en-US"/>
+              <a:t>流计算步骤</a:t>
+            </a:r>
+            <a:r>
+              <a:rPr lang="en-US" altLang="zh-CN" dirty="0"/>
+              <a:t>——</a:t>
+            </a:r>
+            <a:r>
+              <a:rPr lang="zh-CN" altLang="en-US" dirty="0"/>
+              <a:t>计算结果处理</a:t>
+            </a:r>
+          </a:p>
+        </p:txBody>
+      </p:sp>
+      <p:sp>
+        <p:nvSpPr>
+          <p:cNvPr id="3" name="内容占位符 2"/>
+          <p:cNvSpPr>
+            <a:spLocks noGrp="1"/>
+          </p:cNvSpPr>
+          <p:nvPr>
+            <p:ph idx="1"/>
+          </p:nvPr>
+        </p:nvSpPr>
+        <p:spPr>
+          <a:xfrm>
+            <a:off x="420456" y="1188138"/>
+            <a:ext cx="8570478" cy="5096838"/>
+          </a:xfrm>
+        </p:spPr>
+        <p:txBody>
+          <a:bodyPr>
+            <a:normAutofit/>
+          </a:bodyPr>
+          <a:lstStyle/>
+          <a:p>
+            <a:pPr lvl="0"/>
+            <a:r>
+              <a:rPr lang="zh-CN" altLang="en-US" dirty="0">
+                <a:solidFill>
+                  <a:prstClr val="black"/>
+                </a:solidFill>
+              </a:rPr>
+              <a:t>将流的输出写入</a:t>
+            </a:r>
+            <a:r>
+              <a:rPr lang="en-US" altLang="zh-CN" dirty="0">
+                <a:solidFill>
+                  <a:prstClr val="black"/>
+                </a:solidFill>
+              </a:rPr>
+              <a:t>MySQL</a:t>
+            </a:r>
+            <a:r>
+              <a:rPr lang="zh-CN" altLang="en-US" dirty="0">
+                <a:solidFill>
+                  <a:prstClr val="black"/>
+                </a:solidFill>
+              </a:rPr>
+              <a:t>数据库</a:t>
+            </a:r>
+            <a:endParaRPr lang="en-US" altLang="zh-CN" dirty="0">
+              <a:solidFill>
+                <a:prstClr val="black"/>
+              </a:solidFill>
+            </a:endParaRPr>
+          </a:p>
+        </p:txBody>
+      </p:sp>
+      <p:sp>
+        <p:nvSpPr>
+          <p:cNvPr id="5" name="灯片编号占位符 4"/>
+          <p:cNvSpPr>
+            <a:spLocks noGrp="1"/>
+          </p:cNvSpPr>
+          <p:nvPr>
+            <p:ph type="sldNum" sz="quarter" idx="12"/>
+          </p:nvPr>
+        </p:nvSpPr>
+        <p:spPr/>
+        <p:txBody>
+          <a:bodyPr/>
+          <a:lstStyle/>
+          <a:p>
+            <a:fld id="{02AE1E35-F495-4665-8CB0-CDD28443F6EA}" type="slidenum">
+              <a:rPr lang="zh-CN" altLang="en-US" smtClean="0"/>
+              <a:t>17</a:t>
+            </a:fld>
+            <a:endParaRPr lang="zh-CN" altLang="en-US"/>
+          </a:p>
+        </p:txBody>
+      </p:sp>
+      <p:pic>
+        <p:nvPicPr>
+          <p:cNvPr id="7" name="图片 6">
+            <a:extLst>
+              <a:ext uri="{FF2B5EF4-FFF2-40B4-BE49-F238E27FC236}">
+                <a16:creationId xmlns:a16="http://schemas.microsoft.com/office/drawing/2014/main" id="{DF5612C8-CD7D-44B2-8A6D-BCF382A2AC88}"/>
+              </a:ext>
+            </a:extLst>
+          </p:cNvPr>
+          <p:cNvPicPr>
+            <a:picLocks noChangeAspect="1"/>
+          </p:cNvPicPr>
+          <p:nvPr/>
+        </p:nvPicPr>
+        <p:blipFill>
+          <a:blip r:embed="rId3"/>
+          <a:stretch>
+            <a:fillRect/>
+          </a:stretch>
+        </p:blipFill>
+        <p:spPr>
+          <a:xfrm>
+            <a:off x="734997" y="1635042"/>
+            <a:ext cx="7468247" cy="4892464"/>
+          </a:xfrm>
+          <a:prstGeom prst="rect">
+            <a:avLst/>
+          </a:prstGeom>
+        </p:spPr>
+      </p:pic>
+    </p:spTree>
+    <p:extLst>
+      <p:ext uri="{BB962C8B-B14F-4D97-AF65-F5344CB8AC3E}">
+        <p14:creationId xmlns:p14="http://schemas.microsoft.com/office/powerpoint/2010/main" val="328605529"/>
+      </p:ext>
+    </p:extLst>
+  </p:cSld>
+  <p:clrMapOvr>
+    <a:masterClrMapping/>
+  </p:clrMapOvr>
+</p:sld>
+</file>
+
+<file path=ppt/slides/slide18.xml><?xml version="1.0" encoding="utf-8"?>
+<p:sld xmlns:a="http://schemas.openxmlformats.org/drawingml/2006/main" xmlns:r="http://schemas.openxmlformats.org/officeDocument/2006/relationships" xmlns:p="http://schemas.openxmlformats.org/presentationml/2006/main">
+  <p:cSld>
+    <p:spTree>
+      <p:nvGrpSpPr>
+        <p:cNvPr id="1" name=""/>
+        <p:cNvGrpSpPr/>
+        <p:nvPr/>
+      </p:nvGrpSpPr>
+      <p:grpSpPr>
+        <a:xfrm>
+          <a:off x="0" y="0"/>
+          <a:ext cx="0" cy="0"/>
+          <a:chOff x="0" y="0"/>
+          <a:chExt cx="0" cy="0"/>
+        </a:xfrm>
+      </p:grpSpPr>
+      <p:sp>
+        <p:nvSpPr>
+          <p:cNvPr id="2" name="标题 1"/>
+          <p:cNvSpPr>
+            <a:spLocks noGrp="1"/>
+          </p:cNvSpPr>
+          <p:nvPr>
+            <p:ph type="title"/>
+          </p:nvPr>
+        </p:nvSpPr>
+        <p:spPr>
+          <a:xfrm>
+            <a:off x="420454" y="287306"/>
+            <a:ext cx="8301515" cy="649110"/>
+          </a:xfrm>
+        </p:spPr>
+        <p:txBody>
+          <a:bodyPr/>
+          <a:lstStyle/>
+          <a:p>
+            <a:r>
+              <a:rPr lang="en-US" altLang="zh-CN" dirty="0"/>
+              <a:t>IV.</a:t>
+            </a:r>
+            <a:r>
+              <a:rPr lang="zh-CN" altLang="en-US"/>
+              <a:t> 流计算</a:t>
+            </a:r>
+            <a:r>
+              <a:rPr lang="zh-CN" altLang="en-US" dirty="0"/>
+              <a:t>步骤</a:t>
+            </a:r>
+            <a:r>
+              <a:rPr lang="en-US" altLang="zh-CN" dirty="0"/>
+              <a:t>——</a:t>
+            </a:r>
+            <a:r>
+              <a:rPr lang="zh-CN" altLang="en-US" dirty="0"/>
+              <a:t>问题和解决方案</a:t>
+            </a:r>
+          </a:p>
+        </p:txBody>
+      </p:sp>
+      <p:sp>
+        <p:nvSpPr>
+          <p:cNvPr id="3" name="内容占位符 2"/>
+          <p:cNvSpPr>
+            <a:spLocks noGrp="1"/>
+          </p:cNvSpPr>
+          <p:nvPr>
+            <p:ph idx="1"/>
+          </p:nvPr>
+        </p:nvSpPr>
+        <p:spPr>
+          <a:xfrm>
+            <a:off x="420456" y="1188138"/>
+            <a:ext cx="8570478" cy="5096838"/>
+          </a:xfrm>
+        </p:spPr>
+        <p:txBody>
+          <a:bodyPr>
+            <a:normAutofit/>
+          </a:bodyPr>
+          <a:lstStyle/>
+          <a:p>
+            <a:pPr lvl="0"/>
+            <a:r>
+              <a:rPr lang="zh-CN" altLang="en-US" dirty="0">
+                <a:solidFill>
+                  <a:prstClr val="black"/>
+                </a:solidFill>
+              </a:rPr>
+              <a:t>因为数据</a:t>
+            </a:r>
+            <a:r>
+              <a:rPr lang="en-US" altLang="zh-CN" dirty="0">
+                <a:solidFill>
+                  <a:prstClr val="black"/>
+                </a:solidFill>
+              </a:rPr>
+              <a:t>explode</a:t>
+            </a:r>
+            <a:r>
+              <a:rPr lang="zh-CN" altLang="en-US" dirty="0">
+                <a:solidFill>
+                  <a:prstClr val="black"/>
+                </a:solidFill>
+              </a:rPr>
+              <a:t>导致大量数据库操作：</a:t>
+            </a:r>
+            <a:endParaRPr lang="en-US" altLang="zh-CN" dirty="0">
+              <a:solidFill>
+                <a:prstClr val="black"/>
+              </a:solidFill>
+            </a:endParaRPr>
+          </a:p>
+        </p:txBody>
+      </p:sp>
+      <p:sp>
+        <p:nvSpPr>
+          <p:cNvPr id="5" name="灯片编号占位符 4"/>
+          <p:cNvSpPr>
+            <a:spLocks noGrp="1"/>
+          </p:cNvSpPr>
+          <p:nvPr>
+            <p:ph type="sldNum" sz="quarter" idx="12"/>
+          </p:nvPr>
+        </p:nvSpPr>
+        <p:spPr/>
+        <p:txBody>
+          <a:bodyPr/>
+          <a:lstStyle/>
+          <a:p>
+            <a:fld id="{02AE1E35-F495-4665-8CB0-CDD28443F6EA}" type="slidenum">
+              <a:rPr lang="zh-CN" altLang="en-US" smtClean="0"/>
+              <a:t>18</a:t>
+            </a:fld>
+            <a:endParaRPr lang="zh-CN" altLang="en-US"/>
+          </a:p>
+        </p:txBody>
+      </p:sp>
+      <p:pic>
+        <p:nvPicPr>
+          <p:cNvPr id="6" name="图片 5">
+            <a:extLst>
+              <a:ext uri="{FF2B5EF4-FFF2-40B4-BE49-F238E27FC236}">
+                <a16:creationId xmlns:a16="http://schemas.microsoft.com/office/drawing/2014/main" id="{A7162527-E16B-4BC6-B698-B03B2EF28761}"/>
+              </a:ext>
+            </a:extLst>
+          </p:cNvPr>
+          <p:cNvPicPr>
+            <a:picLocks noChangeAspect="1"/>
+          </p:cNvPicPr>
+          <p:nvPr/>
+        </p:nvPicPr>
+        <p:blipFill>
+          <a:blip r:embed="rId3"/>
+          <a:stretch>
+            <a:fillRect/>
+          </a:stretch>
+        </p:blipFill>
+        <p:spPr>
+          <a:xfrm>
+            <a:off x="929658" y="2498199"/>
+            <a:ext cx="7552074" cy="2476715"/>
+          </a:xfrm>
+          <a:prstGeom prst="rect">
+            <a:avLst/>
+          </a:prstGeom>
+        </p:spPr>
+      </p:pic>
+    </p:spTree>
+    <p:extLst>
+      <p:ext uri="{BB962C8B-B14F-4D97-AF65-F5344CB8AC3E}">
+        <p14:creationId xmlns:p14="http://schemas.microsoft.com/office/powerpoint/2010/main" val="3642192348"/>
+      </p:ext>
+    </p:extLst>
+  </p:cSld>
+  <p:clrMapOvr>
+    <a:masterClrMapping/>
+  </p:clrMapOvr>
+</p:sld>
+</file>
+
+<file path=ppt/slides/slide19.xml><?xml version="1.0" encoding="utf-8"?>
+<p:sld xmlns:a="http://schemas.openxmlformats.org/drawingml/2006/main" xmlns:r="http://schemas.openxmlformats.org/officeDocument/2006/relationships" xmlns:p="http://schemas.openxmlformats.org/presentationml/2006/main">
+  <p:cSld>
+    <p:spTree>
+      <p:nvGrpSpPr>
+        <p:cNvPr id="1" name=""/>
+        <p:cNvGrpSpPr/>
+        <p:nvPr/>
+      </p:nvGrpSpPr>
+      <p:grpSpPr>
+        <a:xfrm>
+          <a:off x="0" y="0"/>
+          <a:ext cx="0" cy="0"/>
+          <a:chOff x="0" y="0"/>
+          <a:chExt cx="0" cy="0"/>
+        </a:xfrm>
+      </p:grpSpPr>
+      <p:sp>
+        <p:nvSpPr>
+          <p:cNvPr id="2" name="标题 1"/>
+          <p:cNvSpPr>
+            <a:spLocks noGrp="1"/>
+          </p:cNvSpPr>
+          <p:nvPr>
+            <p:ph type="title"/>
+          </p:nvPr>
+        </p:nvSpPr>
+        <p:spPr>
+          <a:xfrm>
+            <a:off x="420454" y="287306"/>
+            <a:ext cx="8301515" cy="649110"/>
+          </a:xfrm>
+        </p:spPr>
+        <p:txBody>
+          <a:bodyPr/>
+          <a:lstStyle/>
+          <a:p>
+            <a:r>
+              <a:rPr lang="en-US" altLang="zh-CN" dirty="0"/>
+              <a:t>IV.</a:t>
+            </a:r>
+            <a:r>
+              <a:rPr lang="zh-CN" altLang="en-US"/>
+              <a:t> 流计算</a:t>
+            </a:r>
+            <a:r>
+              <a:rPr lang="zh-CN" altLang="en-US" dirty="0"/>
+              <a:t>步骤</a:t>
+            </a:r>
+            <a:r>
+              <a:rPr lang="en-US" altLang="zh-CN" dirty="0"/>
+              <a:t>——</a:t>
+            </a:r>
+            <a:r>
+              <a:rPr lang="zh-CN" altLang="en-US" dirty="0"/>
+              <a:t>问题和解决方案</a:t>
+            </a:r>
+          </a:p>
+        </p:txBody>
+      </p:sp>
+      <p:sp>
+        <p:nvSpPr>
+          <p:cNvPr id="3" name="内容占位符 2"/>
+          <p:cNvSpPr>
+            <a:spLocks noGrp="1"/>
+          </p:cNvSpPr>
+          <p:nvPr>
+            <p:ph idx="1"/>
+          </p:nvPr>
+        </p:nvSpPr>
+        <p:spPr>
+          <a:xfrm>
+            <a:off x="420456" y="1188138"/>
+            <a:ext cx="8570478" cy="5096838"/>
+          </a:xfrm>
+        </p:spPr>
+        <p:txBody>
+          <a:bodyPr>
+            <a:normAutofit/>
+          </a:bodyPr>
+          <a:lstStyle/>
+          <a:p>
+            <a:pPr lvl="0"/>
+            <a:r>
+              <a:rPr lang="zh-CN" altLang="en-US" dirty="0">
+                <a:solidFill>
+                  <a:prstClr val="black"/>
+                </a:solidFill>
+              </a:rPr>
+              <a:t>因为数据</a:t>
+            </a:r>
+            <a:r>
+              <a:rPr lang="en-US" altLang="zh-CN" dirty="0">
+                <a:solidFill>
+                  <a:prstClr val="black"/>
+                </a:solidFill>
+              </a:rPr>
+              <a:t>explode</a:t>
+            </a:r>
+            <a:r>
+              <a:rPr lang="zh-CN" altLang="en-US" dirty="0">
+                <a:solidFill>
+                  <a:prstClr val="black"/>
+                </a:solidFill>
+              </a:rPr>
+              <a:t>导致大量数据库操作：使用 </a:t>
+            </a:r>
+            <a:r>
+              <a:rPr lang="en-US" altLang="zh-CN" dirty="0">
+                <a:solidFill>
+                  <a:prstClr val="black"/>
+                </a:solidFill>
+              </a:rPr>
+              <a:t>Filter </a:t>
+            </a:r>
+            <a:r>
+              <a:rPr lang="zh-CN" altLang="en-US" dirty="0">
+                <a:solidFill>
+                  <a:prstClr val="black"/>
+                </a:solidFill>
+              </a:rPr>
+              <a:t>进行一定的过滤</a:t>
+            </a:r>
+            <a:endParaRPr lang="en-US" altLang="zh-CN" dirty="0">
+              <a:solidFill>
+                <a:prstClr val="black"/>
+              </a:solidFill>
+            </a:endParaRPr>
+          </a:p>
+        </p:txBody>
+      </p:sp>
+      <p:sp>
+        <p:nvSpPr>
+          <p:cNvPr id="5" name="灯片编号占位符 4"/>
+          <p:cNvSpPr>
+            <a:spLocks noGrp="1"/>
+          </p:cNvSpPr>
+          <p:nvPr>
+            <p:ph type="sldNum" sz="quarter" idx="12"/>
+          </p:nvPr>
+        </p:nvSpPr>
+        <p:spPr/>
+        <p:txBody>
+          <a:bodyPr/>
+          <a:lstStyle/>
+          <a:p>
+            <a:fld id="{02AE1E35-F495-4665-8CB0-CDD28443F6EA}" type="slidenum">
+              <a:rPr lang="zh-CN" altLang="en-US" smtClean="0"/>
+              <a:t>19</a:t>
+            </a:fld>
+            <a:endParaRPr lang="zh-CN" altLang="en-US"/>
+          </a:p>
+        </p:txBody>
+      </p:sp>
+      <p:pic>
+        <p:nvPicPr>
+          <p:cNvPr id="4" name="图片 3">
+            <a:extLst>
+              <a:ext uri="{FF2B5EF4-FFF2-40B4-BE49-F238E27FC236}">
+                <a16:creationId xmlns:a16="http://schemas.microsoft.com/office/drawing/2014/main" id="{523C0409-CDA6-4E4D-980D-B05AACC4B4FB}"/>
+              </a:ext>
+            </a:extLst>
+          </p:cNvPr>
+          <p:cNvPicPr>
+            <a:picLocks noChangeAspect="1"/>
+          </p:cNvPicPr>
+          <p:nvPr/>
+        </p:nvPicPr>
+        <p:blipFill>
+          <a:blip r:embed="rId3"/>
+          <a:stretch>
+            <a:fillRect/>
+          </a:stretch>
+        </p:blipFill>
+        <p:spPr>
+          <a:xfrm>
+            <a:off x="779932" y="2516784"/>
+            <a:ext cx="7582557" cy="2918713"/>
+          </a:xfrm>
+          <a:prstGeom prst="rect">
+            <a:avLst/>
+          </a:prstGeom>
+        </p:spPr>
+      </p:pic>
+    </p:spTree>
+    <p:extLst>
+      <p:ext uri="{BB962C8B-B14F-4D97-AF65-F5344CB8AC3E}">
+        <p14:creationId xmlns:p14="http://schemas.microsoft.com/office/powerpoint/2010/main" val="2969540965"/>
+      </p:ext>
+    </p:extLst>
+  </p:cSld>
+  <p:clrMapOvr>
+    <a:masterClrMapping/>
+  </p:clrMapOvr>
+</p:sld>
+</file>
+
+<file path=ppt/slides/slide2.xml><?xml version="1.0" encoding="utf-8"?>
+<p:sld xmlns:a="http://schemas.openxmlformats.org/drawingml/2006/main" xmlns:r="http://schemas.openxmlformats.org/officeDocument/2006/relationships" xmlns:p="http://schemas.openxmlformats.org/presentationml/2006/main">
+  <p:cSld>
+    <p:spTree>
+      <p:nvGrpSpPr>
+        <p:cNvPr id="1" name=""/>
+        <p:cNvGrpSpPr/>
+        <p:nvPr/>
+      </p:nvGrpSpPr>
+      <p:grpSpPr>
+        <a:xfrm>
+          <a:off x="0" y="0"/>
+          <a:ext cx="0" cy="0"/>
+          <a:chOff x="0" y="0"/>
+          <a:chExt cx="0" cy="0"/>
+        </a:xfrm>
+      </p:grpSpPr>
+      <p:sp>
+        <p:nvSpPr>
+          <p:cNvPr id="2" name="标题 1"/>
+          <p:cNvSpPr>
+            <a:spLocks noGrp="1"/>
+          </p:cNvSpPr>
+          <p:nvPr>
+            <p:ph type="title"/>
+          </p:nvPr>
+        </p:nvSpPr>
+        <p:spPr>
+          <a:xfrm>
+            <a:off x="1804755" y="1162050"/>
+            <a:ext cx="1059095" cy="1947894"/>
+          </a:xfrm>
+          <a:solidFill>
+            <a:srgbClr val="6F0E6F"/>
+          </a:solidFill>
+        </p:spPr>
+        <p:txBody>
+          <a:bodyPr>
+            <a:normAutofit/>
+          </a:bodyPr>
+          <a:lstStyle/>
+          <a:p>
+            <a:r>
+              <a:rPr lang="zh-CN" altLang="en-US" sz="3200" dirty="0">
+                <a:solidFill>
+                  <a:schemeClr val="bg1"/>
+                </a:solidFill>
+              </a:rPr>
+              <a:t>目</a:t>
+            </a:r>
+            <a:br>
+              <a:rPr lang="en-US" altLang="zh-CN" sz="3200" dirty="0">
+                <a:solidFill>
+                  <a:schemeClr val="bg1"/>
+                </a:solidFill>
+              </a:rPr>
+            </a:br>
+            <a:r>
+              <a:rPr lang="zh-CN" altLang="en-US" sz="3200" dirty="0">
+                <a:solidFill>
+                  <a:schemeClr val="bg1"/>
+                </a:solidFill>
+              </a:rPr>
+              <a:t>录</a:t>
+            </a:r>
+          </a:p>
+        </p:txBody>
+      </p:sp>
+      <p:sp>
+        <p:nvSpPr>
+          <p:cNvPr id="3" name="内容占位符 2"/>
+          <p:cNvSpPr>
+            <a:spLocks noGrp="1"/>
+          </p:cNvSpPr>
+          <p:nvPr>
+            <p:ph idx="1"/>
+          </p:nvPr>
+        </p:nvSpPr>
+        <p:spPr>
+          <a:xfrm>
+            <a:off x="4222750" y="1308100"/>
+            <a:ext cx="3907748" cy="5302250"/>
+          </a:xfrm>
+        </p:spPr>
+        <p:txBody>
+          <a:bodyPr>
+            <a:normAutofit/>
+          </a:bodyPr>
+          <a:lstStyle/>
+          <a:p>
+            <a:r>
+              <a:rPr lang="en-US" altLang="zh-CN" b="1" dirty="0"/>
+              <a:t>Streaming </a:t>
+            </a:r>
+            <a:r>
+              <a:rPr lang="zh-CN" altLang="en-US" b="1" dirty="0"/>
+              <a:t>作业实现</a:t>
+            </a:r>
+            <a:endParaRPr lang="en-US" altLang="zh-CN" b="1" dirty="0"/>
+          </a:p>
+          <a:p>
+            <a:pPr lvl="1"/>
+            <a:r>
+              <a:rPr lang="en-US" altLang="zh-CN" b="1" dirty="0"/>
+              <a:t>I.</a:t>
+            </a:r>
+            <a:r>
+              <a:rPr lang="zh-CN" altLang="en-US" b="1" dirty="0"/>
+              <a:t> 需求分析</a:t>
+            </a:r>
+            <a:endParaRPr lang="en-US" altLang="zh-CN" b="1" dirty="0"/>
+          </a:p>
+          <a:p>
+            <a:pPr lvl="1"/>
+            <a:r>
+              <a:rPr lang="en-US" altLang="zh-CN" b="1" dirty="0"/>
+              <a:t>II.</a:t>
+            </a:r>
+            <a:r>
+              <a:rPr lang="zh-CN" altLang="en-US" b="1" dirty="0"/>
+              <a:t> 整体架构</a:t>
+            </a:r>
+            <a:endParaRPr lang="en-CN" altLang="zh-CN" b="1" dirty="0"/>
+          </a:p>
+          <a:p>
+            <a:pPr lvl="1"/>
+            <a:r>
+              <a:rPr lang="en-US" altLang="zh-CN" b="1" dirty="0"/>
+              <a:t>III.</a:t>
+            </a:r>
+            <a:r>
+              <a:rPr lang="zh-CN" altLang="en-US" b="1" dirty="0"/>
+              <a:t> 数据</a:t>
+            </a:r>
+            <a:r>
+              <a:rPr lang="zh-CN" altLang="en-CN" b="1" dirty="0"/>
+              <a:t>获取</a:t>
+            </a:r>
+            <a:endParaRPr lang="en-US" altLang="zh-CN" b="1" dirty="0"/>
+          </a:p>
+          <a:p>
+            <a:pPr lvl="1"/>
+            <a:r>
+              <a:rPr lang="en-US" altLang="zh-CN" b="1" dirty="0"/>
+              <a:t>IV.</a:t>
+            </a:r>
+            <a:r>
+              <a:rPr lang="zh-CN" altLang="en-US" b="1" dirty="0"/>
+              <a:t> 流计算步骤</a:t>
+            </a:r>
+            <a:endParaRPr lang="en-US" altLang="zh-CN" b="1" dirty="0"/>
+          </a:p>
+          <a:p>
+            <a:pPr lvl="1"/>
+            <a:r>
+              <a:rPr lang="en-US" altLang="zh-CN" b="1" dirty="0"/>
+              <a:t>V.</a:t>
+            </a:r>
+            <a:r>
+              <a:rPr lang="zh-CN" altLang="en-US" b="1" dirty="0"/>
+              <a:t> 项目展示</a:t>
+            </a:r>
+            <a:endParaRPr lang="en-US" altLang="zh-CN" b="1" dirty="0"/>
+          </a:p>
+        </p:txBody>
+      </p:sp>
+      <p:sp>
+        <p:nvSpPr>
+          <p:cNvPr id="4" name="标题 1"/>
+          <p:cNvSpPr txBox="1">
+            <a:spLocks/>
+          </p:cNvSpPr>
+          <p:nvPr/>
+        </p:nvSpPr>
+        <p:spPr>
+          <a:xfrm>
+            <a:off x="4222750" y="1162050"/>
+            <a:ext cx="3907748" cy="146050"/>
+          </a:xfrm>
+          <a:prstGeom prst="rect">
+            <a:avLst/>
+          </a:prstGeom>
+          <a:solidFill>
+            <a:srgbClr val="6F0E6F"/>
+          </a:solidFill>
+        </p:spPr>
+        <p:txBody>
+          <a:bodyPr vert="horz" lIns="91440" tIns="45720" rIns="91440" bIns="45720" rtlCol="0" anchor="ctr">
+            <a:normAutofit fontScale="25000" lnSpcReduction="20000"/>
+          </a:bodyPr>
+          <a:lstStyle>
+            <a:lvl1pPr algn="ctr" defTabSz="685800" rtl="0" eaLnBrk="1" latinLnBrk="0" hangingPunct="1">
+              <a:lnSpc>
+                <a:spcPct val="90000"/>
+              </a:lnSpc>
+              <a:spcBef>
+                <a:spcPct val="0"/>
+              </a:spcBef>
+              <a:buNone/>
+              <a:defRPr sz="2700" b="1" kern="1200">
+                <a:solidFill>
+                  <a:srgbClr val="6F0E6F"/>
+                </a:solidFill>
+                <a:latin typeface="微软雅黑" panose="020B0503020204020204" pitchFamily="34" charset="-122"/>
+                <a:ea typeface="微软雅黑" panose="020B0503020204020204" pitchFamily="34" charset="-122"/>
+                <a:cs typeface="+mj-cs"/>
+              </a:defRPr>
+            </a:lvl1pPr>
+          </a:lstStyle>
+          <a:p>
+            <a:endParaRPr lang="zh-CN" altLang="en-US" sz="3200" dirty="0">
+              <a:solidFill>
+                <a:schemeClr val="bg1"/>
+              </a:solidFill>
+            </a:endParaRPr>
+          </a:p>
+        </p:txBody>
+      </p:sp>
+      <p:sp>
+        <p:nvSpPr>
+          <p:cNvPr id="5" name="灯片编号占位符 4"/>
+          <p:cNvSpPr>
+            <a:spLocks noGrp="1"/>
+          </p:cNvSpPr>
+          <p:nvPr>
+            <p:ph type="sldNum" sz="quarter" idx="12"/>
+          </p:nvPr>
+        </p:nvSpPr>
+        <p:spPr/>
+        <p:txBody>
+          <a:bodyPr/>
+          <a:lstStyle/>
+          <a:p>
+            <a:fld id="{02AE1E35-F495-4665-8CB0-CDD28443F6EA}" type="slidenum">
+              <a:rPr lang="zh-CN" altLang="en-US" smtClean="0"/>
+              <a:t>2</a:t>
+            </a:fld>
+            <a:endParaRPr lang="zh-CN" altLang="en-US"/>
+          </a:p>
+        </p:txBody>
+      </p:sp>
+    </p:spTree>
+    <p:extLst>
+      <p:ext uri="{BB962C8B-B14F-4D97-AF65-F5344CB8AC3E}">
+        <p14:creationId xmlns:p14="http://schemas.microsoft.com/office/powerpoint/2010/main" val="2385772990"/>
+      </p:ext>
+    </p:extLst>
+  </p:cSld>
+  <p:clrMapOvr>
+    <a:masterClrMapping/>
+  </p:clrMapOvr>
+</p:sld>
+</file>
+
+<file path=ppt/slides/slide20.xml><?xml version="1.0" encoding="utf-8"?>
+<p:sld xmlns:a="http://schemas.openxmlformats.org/drawingml/2006/main" xmlns:r="http://schemas.openxmlformats.org/officeDocument/2006/relationships" xmlns:p="http://schemas.openxmlformats.org/presentationml/2006/main">
+  <p:cSld>
+    <p:spTree>
+      <p:nvGrpSpPr>
+        <p:cNvPr id="1" name=""/>
+        <p:cNvGrpSpPr/>
+        <p:nvPr/>
+      </p:nvGrpSpPr>
+      <p:grpSpPr>
+        <a:xfrm>
+          <a:off x="0" y="0"/>
+          <a:ext cx="0" cy="0"/>
+          <a:chOff x="0" y="0"/>
+          <a:chExt cx="0" cy="0"/>
+        </a:xfrm>
+      </p:grpSpPr>
+      <p:sp>
+        <p:nvSpPr>
+          <p:cNvPr id="2" name="标题 1"/>
+          <p:cNvSpPr>
+            <a:spLocks noGrp="1"/>
+          </p:cNvSpPr>
+          <p:nvPr>
+            <p:ph type="title"/>
+          </p:nvPr>
+        </p:nvSpPr>
+        <p:spPr>
+          <a:xfrm>
+            <a:off x="420454" y="287306"/>
+            <a:ext cx="8301515" cy="649110"/>
+          </a:xfrm>
+        </p:spPr>
+        <p:txBody>
+          <a:bodyPr/>
+          <a:lstStyle/>
+          <a:p>
+            <a:r>
+              <a:rPr lang="en-US" altLang="zh-CN" dirty="0"/>
+              <a:t>IV.</a:t>
+            </a:r>
+            <a:r>
+              <a:rPr lang="zh-CN" altLang="en-US" dirty="0"/>
+              <a:t> 流计算步骤</a:t>
+            </a:r>
+            <a:r>
+              <a:rPr lang="en-US" altLang="zh-CN" dirty="0"/>
+              <a:t>——</a:t>
+            </a:r>
+            <a:r>
+              <a:rPr lang="zh-CN" altLang="en-US" dirty="0"/>
+              <a:t>问题和解决方案</a:t>
+            </a:r>
+          </a:p>
+        </p:txBody>
+      </p:sp>
+      <p:sp>
+        <p:nvSpPr>
+          <p:cNvPr id="3" name="内容占位符 2"/>
+          <p:cNvSpPr>
+            <a:spLocks noGrp="1"/>
+          </p:cNvSpPr>
+          <p:nvPr>
+            <p:ph idx="1"/>
+          </p:nvPr>
+        </p:nvSpPr>
+        <p:spPr>
+          <a:xfrm>
+            <a:off x="420456" y="1188138"/>
+            <a:ext cx="8570478" cy="5096838"/>
+          </a:xfrm>
+        </p:spPr>
+        <p:txBody>
+          <a:bodyPr>
+            <a:normAutofit/>
+          </a:bodyPr>
+          <a:lstStyle/>
+          <a:p>
+            <a:pPr lvl="0"/>
+            <a:r>
+              <a:rPr lang="zh-CN" altLang="en-US" dirty="0">
+                <a:solidFill>
+                  <a:prstClr val="black"/>
+                </a:solidFill>
+              </a:rPr>
+              <a:t>流的一键启动</a:t>
+            </a:r>
+            <a:endParaRPr lang="en-US" altLang="zh-CN" dirty="0">
+              <a:solidFill>
+                <a:prstClr val="black"/>
+              </a:solidFill>
+            </a:endParaRPr>
+          </a:p>
+        </p:txBody>
+      </p:sp>
+      <p:sp>
+        <p:nvSpPr>
+          <p:cNvPr id="5" name="灯片编号占位符 4"/>
+          <p:cNvSpPr>
+            <a:spLocks noGrp="1"/>
+          </p:cNvSpPr>
+          <p:nvPr>
+            <p:ph type="sldNum" sz="quarter" idx="12"/>
+          </p:nvPr>
+        </p:nvSpPr>
+        <p:spPr/>
+        <p:txBody>
+          <a:bodyPr/>
+          <a:lstStyle/>
+          <a:p>
+            <a:fld id="{02AE1E35-F495-4665-8CB0-CDD28443F6EA}" type="slidenum">
+              <a:rPr lang="zh-CN" altLang="en-US" smtClean="0"/>
+              <a:t>20</a:t>
+            </a:fld>
+            <a:endParaRPr lang="zh-CN" altLang="en-US"/>
+          </a:p>
+        </p:txBody>
+      </p:sp>
+      <p:pic>
+        <p:nvPicPr>
+          <p:cNvPr id="4" name="图片 3">
+            <a:extLst>
+              <a:ext uri="{FF2B5EF4-FFF2-40B4-BE49-F238E27FC236}">
+                <a16:creationId xmlns:a16="http://schemas.microsoft.com/office/drawing/2014/main" id="{B0664363-B11F-4A42-A659-6F9640C09D73}"/>
+              </a:ext>
+            </a:extLst>
+          </p:cNvPr>
+          <p:cNvPicPr>
+            <a:picLocks noChangeAspect="1"/>
+          </p:cNvPicPr>
+          <p:nvPr/>
+        </p:nvPicPr>
+        <p:blipFill>
+          <a:blip r:embed="rId3"/>
+          <a:stretch>
+            <a:fillRect/>
+          </a:stretch>
+        </p:blipFill>
+        <p:spPr>
+          <a:xfrm>
+            <a:off x="899175" y="1964753"/>
+            <a:ext cx="7613040" cy="3543607"/>
+          </a:xfrm>
+          <a:prstGeom prst="rect">
+            <a:avLst/>
+          </a:prstGeom>
+        </p:spPr>
+      </p:pic>
+    </p:spTree>
+    <p:extLst>
+      <p:ext uri="{BB962C8B-B14F-4D97-AF65-F5344CB8AC3E}">
+        <p14:creationId xmlns:p14="http://schemas.microsoft.com/office/powerpoint/2010/main" val="4154761658"/>
+      </p:ext>
+    </p:extLst>
+  </p:cSld>
+  <p:clrMapOvr>
+    <a:masterClrMapping/>
+  </p:clrMapOvr>
+</p:sld>
+</file>
+
+<file path=ppt/slides/slide21.xml><?xml version="1.0" encoding="utf-8"?>
+<p:sld xmlns:a="http://schemas.openxmlformats.org/drawingml/2006/main" xmlns:r="http://schemas.openxmlformats.org/officeDocument/2006/relationships" xmlns:p="http://schemas.openxmlformats.org/presentationml/2006/main">
+  <p:cSld>
+    <p:spTree>
+      <p:nvGrpSpPr>
+        <p:cNvPr id="1" name=""/>
+        <p:cNvGrpSpPr/>
+        <p:nvPr/>
+      </p:nvGrpSpPr>
+      <p:grpSpPr>
+        <a:xfrm>
+          <a:off x="0" y="0"/>
+          <a:ext cx="0" cy="0"/>
+          <a:chOff x="0" y="0"/>
+          <a:chExt cx="0" cy="0"/>
+        </a:xfrm>
+      </p:grpSpPr>
+      <p:sp>
+        <p:nvSpPr>
+          <p:cNvPr id="2" name="标题 1"/>
+          <p:cNvSpPr>
+            <a:spLocks noGrp="1"/>
+          </p:cNvSpPr>
+          <p:nvPr>
+            <p:ph type="title"/>
+          </p:nvPr>
+        </p:nvSpPr>
+        <p:spPr>
+          <a:xfrm>
+            <a:off x="420454" y="287306"/>
+            <a:ext cx="8301515" cy="649110"/>
+          </a:xfrm>
+        </p:spPr>
+        <p:txBody>
+          <a:bodyPr/>
+          <a:lstStyle/>
+          <a:p>
+            <a:r>
+              <a:rPr lang="en-US" altLang="zh-CN" dirty="0"/>
+              <a:t>IV.</a:t>
+            </a:r>
+            <a:r>
+              <a:rPr lang="zh-CN" altLang="en-US" dirty="0"/>
+              <a:t> 流计算步骤</a:t>
+            </a:r>
+            <a:r>
+              <a:rPr lang="en-US" altLang="zh-CN" dirty="0"/>
+              <a:t>——</a:t>
+            </a:r>
+            <a:r>
+              <a:rPr lang="zh-CN" altLang="en-US" dirty="0"/>
+              <a:t>问题和解决方案</a:t>
+            </a:r>
+          </a:p>
+        </p:txBody>
+      </p:sp>
+      <p:sp>
+        <p:nvSpPr>
+          <p:cNvPr id="3" name="内容占位符 2"/>
+          <p:cNvSpPr>
+            <a:spLocks noGrp="1"/>
+          </p:cNvSpPr>
+          <p:nvPr>
+            <p:ph idx="1"/>
+          </p:nvPr>
+        </p:nvSpPr>
+        <p:spPr>
+          <a:xfrm>
+            <a:off x="420456" y="1188138"/>
+            <a:ext cx="8570478" cy="5096838"/>
+          </a:xfrm>
+        </p:spPr>
+        <p:txBody>
+          <a:bodyPr>
+            <a:normAutofit/>
+          </a:bodyPr>
+          <a:lstStyle/>
+          <a:p>
+            <a:pPr lvl="0"/>
+            <a:r>
+              <a:rPr lang="zh-CN" altLang="en-US" dirty="0">
+                <a:solidFill>
+                  <a:prstClr val="black"/>
+                </a:solidFill>
+              </a:rPr>
+              <a:t>流的一键启动</a:t>
+            </a:r>
+            <a:endParaRPr lang="en-US" altLang="zh-CN" dirty="0">
+              <a:solidFill>
+                <a:prstClr val="black"/>
+              </a:solidFill>
+            </a:endParaRPr>
+          </a:p>
+        </p:txBody>
+      </p:sp>
+      <p:sp>
+        <p:nvSpPr>
+          <p:cNvPr id="5" name="灯片编号占位符 4"/>
+          <p:cNvSpPr>
+            <a:spLocks noGrp="1"/>
+          </p:cNvSpPr>
+          <p:nvPr>
+            <p:ph type="sldNum" sz="quarter" idx="12"/>
+          </p:nvPr>
+        </p:nvSpPr>
+        <p:spPr/>
+        <p:txBody>
+          <a:bodyPr/>
+          <a:lstStyle/>
+          <a:p>
+            <a:fld id="{02AE1E35-F495-4665-8CB0-CDD28443F6EA}" type="slidenum">
+              <a:rPr lang="zh-CN" altLang="en-US" smtClean="0"/>
+              <a:t>21</a:t>
+            </a:fld>
+            <a:endParaRPr lang="zh-CN" altLang="en-US"/>
+          </a:p>
+        </p:txBody>
+      </p:sp>
+      <p:pic>
+        <p:nvPicPr>
+          <p:cNvPr id="6" name="图片 5">
+            <a:extLst>
+              <a:ext uri="{FF2B5EF4-FFF2-40B4-BE49-F238E27FC236}">
+                <a16:creationId xmlns:a16="http://schemas.microsoft.com/office/drawing/2014/main" id="{5803D64A-2679-4406-BEF1-E259E3E019E3}"/>
+              </a:ext>
+            </a:extLst>
+          </p:cNvPr>
+          <p:cNvPicPr>
+            <a:picLocks noChangeAspect="1"/>
+          </p:cNvPicPr>
+          <p:nvPr/>
+        </p:nvPicPr>
+        <p:blipFill>
+          <a:blip r:embed="rId3"/>
+          <a:stretch>
+            <a:fillRect/>
+          </a:stretch>
+        </p:blipFill>
+        <p:spPr>
+          <a:xfrm>
+            <a:off x="959976" y="2132408"/>
+            <a:ext cx="7658764" cy="3208298"/>
+          </a:xfrm>
+          <a:prstGeom prst="rect">
+            <a:avLst/>
+          </a:prstGeom>
+        </p:spPr>
+      </p:pic>
+    </p:spTree>
+    <p:extLst>
+      <p:ext uri="{BB962C8B-B14F-4D97-AF65-F5344CB8AC3E}">
+        <p14:creationId xmlns:p14="http://schemas.microsoft.com/office/powerpoint/2010/main" val="1157749109"/>
+      </p:ext>
+    </p:extLst>
+  </p:cSld>
+  <p:clrMapOvr>
+    <a:masterClrMapping/>
+  </p:clrMapOvr>
+</p:sld>
+</file>
+
+<file path=ppt/slides/slide22.xml><?xml version="1.0" encoding="utf-8"?>
+<p:sld xmlns:a="http://schemas.openxmlformats.org/drawingml/2006/main" xmlns:r="http://schemas.openxmlformats.org/officeDocument/2006/relationships" xmlns:p="http://schemas.openxmlformats.org/presentationml/2006/main">
+  <p:cSld>
+    <p:spTree>
+      <p:nvGrpSpPr>
+        <p:cNvPr id="1" name=""/>
+        <p:cNvGrpSpPr/>
+        <p:nvPr/>
+      </p:nvGrpSpPr>
+      <p:grpSpPr>
+        <a:xfrm>
+          <a:off x="0" y="0"/>
+          <a:ext cx="0" cy="0"/>
+          <a:chOff x="0" y="0"/>
+          <a:chExt cx="0" cy="0"/>
+        </a:xfrm>
+      </p:grpSpPr>
+      <p:sp>
+        <p:nvSpPr>
+          <p:cNvPr id="2" name="标题 1"/>
+          <p:cNvSpPr>
+            <a:spLocks noGrp="1"/>
+          </p:cNvSpPr>
+          <p:nvPr>
+            <p:ph type="title"/>
+          </p:nvPr>
+        </p:nvSpPr>
+        <p:spPr>
+          <a:xfrm>
+            <a:off x="420454" y="287306"/>
+            <a:ext cx="8301515" cy="649110"/>
+          </a:xfrm>
+        </p:spPr>
+        <p:txBody>
+          <a:bodyPr/>
+          <a:lstStyle/>
+          <a:p>
+            <a:r>
+              <a:rPr lang="en-US" altLang="zh-CN" dirty="0"/>
+              <a:t>V.</a:t>
+            </a:r>
+            <a:r>
+              <a:rPr lang="zh-CN" altLang="en-US" dirty="0"/>
+              <a:t> 项目展示</a:t>
+            </a:r>
+            <a:r>
+              <a:rPr lang="en-US" altLang="zh-CN" dirty="0"/>
+              <a:t>——</a:t>
+            </a:r>
+            <a:r>
+              <a:rPr lang="zh-CN" altLang="en-US" dirty="0"/>
+              <a:t>领域热度统计</a:t>
+            </a:r>
+          </a:p>
+        </p:txBody>
+      </p:sp>
+      <p:sp>
+        <p:nvSpPr>
+          <p:cNvPr id="3" name="内容占位符 2"/>
+          <p:cNvSpPr>
+            <a:spLocks noGrp="1"/>
+          </p:cNvSpPr>
+          <p:nvPr>
+            <p:ph idx="1"/>
+          </p:nvPr>
+        </p:nvSpPr>
+        <p:spPr/>
+        <p:txBody>
+          <a:bodyPr/>
+          <a:lstStyle/>
+          <a:p>
+            <a:r>
+              <a:rPr lang="ja-JP" altLang="en-US"/>
+              <a:t>统计特定时间段内热度靠前的领域并比较各领域热度</a:t>
+            </a:r>
+            <a:endParaRPr lang="en-US" altLang="zh-CN" sz="1600" dirty="0"/>
+          </a:p>
+        </p:txBody>
+      </p:sp>
+      <p:sp>
+        <p:nvSpPr>
+          <p:cNvPr id="5" name="灯片编号占位符 4"/>
+          <p:cNvSpPr>
+            <a:spLocks noGrp="1"/>
+          </p:cNvSpPr>
+          <p:nvPr>
+            <p:ph type="sldNum" sz="quarter" idx="12"/>
+          </p:nvPr>
+        </p:nvSpPr>
+        <p:spPr/>
+        <p:txBody>
+          <a:bodyPr/>
+          <a:lstStyle/>
+          <a:p>
+            <a:fld id="{02AE1E35-F495-4665-8CB0-CDD28443F6EA}" type="slidenum">
+              <a:rPr lang="zh-CN" altLang="en-US" smtClean="0"/>
+              <a:t>22</a:t>
             </a:fld>
             <a:endParaRPr lang="zh-CN" altLang="en-US"/>
           </a:p>
@@ -12212,7 +14614,7 @@
 </p:sld>
 </file>
 
-<file path=ppt/slides/slide15.xml><?xml version="1.0" encoding="utf-8"?>
+<file path=ppt/slides/slide23.xml><?xml version="1.0" encoding="utf-8"?>
 <p:sld xmlns:a="http://schemas.openxmlformats.org/drawingml/2006/main" xmlns:r="http://schemas.openxmlformats.org/officeDocument/2006/relationships" xmlns:p="http://schemas.openxmlformats.org/presentationml/2006/main">
   <p:cSld>
     <p:spTree>
@@ -12309,7 +14711,7 @@
           <a:p>
             <a:fld id="{02AE1E35-F495-4665-8CB0-CDD28443F6EA}" type="slidenum">
               <a:rPr lang="zh-CN" altLang="en-US" smtClean="0"/>
-              <a:t>15</a:t>
+              <a:t>23</a:t>
             </a:fld>
             <a:endParaRPr lang="zh-CN" altLang="en-US"/>
           </a:p>
@@ -12364,7 +14766,7 @@
 </p:sld>
 </file>
 
-<file path=ppt/slides/slide16.xml><?xml version="1.0" encoding="utf-8"?>
+<file path=ppt/slides/slide24.xml><?xml version="1.0" encoding="utf-8"?>
 <p:sld xmlns:a="http://schemas.openxmlformats.org/drawingml/2006/main" xmlns:r="http://schemas.openxmlformats.org/officeDocument/2006/relationships" xmlns:p="http://schemas.openxmlformats.org/presentationml/2006/main">
   <p:cSld>
     <p:spTree>
@@ -12462,7 +14864,7 @@
           <a:p>
             <a:fld id="{02AE1E35-F495-4665-8CB0-CDD28443F6EA}" type="slidenum">
               <a:rPr lang="zh-CN" altLang="en-US" smtClean="0"/>
-              <a:t>16</a:t>
+              <a:t>24</a:t>
             </a:fld>
             <a:endParaRPr lang="zh-CN" altLang="en-US"/>
           </a:p>
@@ -12483,7 +14885,7 @@
           <p:nvPr/>
         </p:nvPicPr>
         <p:blipFill>
-          <a:blip r:embed="rId3">
+          <a:blip r:embed="rId3" cstate="print">
             <a:extLst>
               <a:ext uri="{28A0092B-C50C-407E-A947-70E740481C1C}">
                 <a14:useLocalDpi xmlns:a14="http://schemas.microsoft.com/office/drawing/2010/main" val="0"/>
@@ -12517,7 +14919,7 @@
 </p:sld>
 </file>
 
-<file path=ppt/slides/slide17.xml><?xml version="1.0" encoding="utf-8"?>
+<file path=ppt/slides/slide25.xml><?xml version="1.0" encoding="utf-8"?>
 <p:sld xmlns:a="http://schemas.openxmlformats.org/drawingml/2006/main" xmlns:r="http://schemas.openxmlformats.org/officeDocument/2006/relationships" xmlns:p="http://schemas.openxmlformats.org/presentationml/2006/main">
   <p:cSld>
     <p:spTree>
@@ -12628,7 +15030,7 @@
           <a:p>
             <a:fld id="{02AE1E35-F495-4665-8CB0-CDD28443F6EA}" type="slidenum">
               <a:rPr lang="zh-CN" altLang="en-US" smtClean="0"/>
-              <a:t>17</a:t>
+              <a:t>25</a:t>
             </a:fld>
             <a:endParaRPr lang="zh-CN" altLang="en-US"/>
           </a:p>
@@ -12683,7 +15085,7 @@
 </p:sld>
 </file>
 
-<file path=ppt/slides/slide18.xml><?xml version="1.0" encoding="utf-8"?>
+<file path=ppt/slides/slide26.xml><?xml version="1.0" encoding="utf-8"?>
 <p:sld xmlns:a="http://schemas.openxmlformats.org/drawingml/2006/main" xmlns:r="http://schemas.openxmlformats.org/officeDocument/2006/relationships" xmlns:p="http://schemas.openxmlformats.org/presentationml/2006/main">
   <p:cSld>
     <p:spTree>
@@ -12756,7 +15158,7 @@
           <a:p>
             <a:fld id="{02AE1E35-F495-4665-8CB0-CDD28443F6EA}" type="slidenum">
               <a:rPr lang="zh-CN" altLang="en-US" smtClean="0"/>
-              <a:t>18</a:t>
+              <a:t>26</a:t>
             </a:fld>
             <a:endParaRPr lang="zh-CN" altLang="en-US"/>
           </a:p>
@@ -12775,7 +15177,7 @@
 </p:sld>
 </file>
 
-<file path=ppt/slides/slide19.xml><?xml version="1.0" encoding="utf-8"?>
+<file path=ppt/slides/slide27.xml><?xml version="1.0" encoding="utf-8"?>
 <p:sld xmlns:a="http://schemas.openxmlformats.org/drawingml/2006/main" xmlns:r="http://schemas.openxmlformats.org/officeDocument/2006/relationships" xmlns:p="http://schemas.openxmlformats.org/presentationml/2006/main">
   <p:cSld>
     <p:spTree>
@@ -12947,7 +15349,7 @@
           <a:p>
             <a:fld id="{02AE1E35-F495-4665-8CB0-CDD28443F6EA}" type="slidenum">
               <a:rPr lang="zh-CN" altLang="en-US" smtClean="0"/>
-              <a:t>19</a:t>
+              <a:t>27</a:t>
             </a:fld>
             <a:endParaRPr lang="zh-CN" altLang="en-US"/>
           </a:p>
@@ -12971,260 +15373,6 @@
       <p:transition spd="slow" advTm="21237"/>
     </mc:Fallback>
   </mc:AlternateContent>
-</p:sld>
-</file>
-
-<file path=ppt/slides/slide2.xml><?xml version="1.0" encoding="utf-8"?>
-<p:sld xmlns:a="http://schemas.openxmlformats.org/drawingml/2006/main" xmlns:r="http://schemas.openxmlformats.org/officeDocument/2006/relationships" xmlns:p="http://schemas.openxmlformats.org/presentationml/2006/main">
-  <p:cSld>
-    <p:spTree>
-      <p:nvGrpSpPr>
-        <p:cNvPr id="1" name=""/>
-        <p:cNvGrpSpPr/>
-        <p:nvPr/>
-      </p:nvGrpSpPr>
-      <p:grpSpPr>
-        <a:xfrm>
-          <a:off x="0" y="0"/>
-          <a:ext cx="0" cy="0"/>
-          <a:chOff x="0" y="0"/>
-          <a:chExt cx="0" cy="0"/>
-        </a:xfrm>
-      </p:grpSpPr>
-      <p:sp>
-        <p:nvSpPr>
-          <p:cNvPr id="2" name="标题 1"/>
-          <p:cNvSpPr>
-            <a:spLocks noGrp="1"/>
-          </p:cNvSpPr>
-          <p:nvPr>
-            <p:ph type="title"/>
-          </p:nvPr>
-        </p:nvSpPr>
-        <p:spPr>
-          <a:xfrm>
-            <a:off x="1804755" y="1162050"/>
-            <a:ext cx="1059095" cy="1947894"/>
-          </a:xfrm>
-          <a:solidFill>
-            <a:srgbClr val="6F0E6F"/>
-          </a:solidFill>
-        </p:spPr>
-        <p:txBody>
-          <a:bodyPr>
-            <a:normAutofit/>
-          </a:bodyPr>
-          <a:lstStyle/>
-          <a:p>
-            <a:r>
-              <a:rPr lang="zh-CN" altLang="en-US" sz="3200" dirty="0">
-                <a:solidFill>
-                  <a:schemeClr val="bg1"/>
-                </a:solidFill>
-              </a:rPr>
-              <a:t>目</a:t>
-            </a:r>
-            <a:br>
-              <a:rPr lang="en-US" altLang="zh-CN" sz="3200" dirty="0">
-                <a:solidFill>
-                  <a:schemeClr val="bg1"/>
-                </a:solidFill>
-              </a:rPr>
-            </a:br>
-            <a:r>
-              <a:rPr lang="zh-CN" altLang="en-US" sz="3200" dirty="0">
-                <a:solidFill>
-                  <a:schemeClr val="bg1"/>
-                </a:solidFill>
-              </a:rPr>
-              <a:t>录</a:t>
-            </a:r>
-          </a:p>
-        </p:txBody>
-      </p:sp>
-      <p:sp>
-        <p:nvSpPr>
-          <p:cNvPr id="3" name="内容占位符 2"/>
-          <p:cNvSpPr>
-            <a:spLocks noGrp="1"/>
-          </p:cNvSpPr>
-          <p:nvPr>
-            <p:ph idx="1"/>
-          </p:nvPr>
-        </p:nvSpPr>
-        <p:spPr>
-          <a:xfrm>
-            <a:off x="4222750" y="1308100"/>
-            <a:ext cx="3907748" cy="5302250"/>
-          </a:xfrm>
-        </p:spPr>
-        <p:txBody>
-          <a:bodyPr>
-            <a:normAutofit/>
-          </a:bodyPr>
-          <a:lstStyle/>
-          <a:p>
-            <a:r>
-              <a:rPr lang="en-US" altLang="zh-CN" b="1" dirty="0"/>
-              <a:t>Streaming </a:t>
-            </a:r>
-            <a:r>
-              <a:rPr lang="zh-CN" altLang="en-US" b="1" dirty="0"/>
-              <a:t>作业实现</a:t>
-            </a:r>
-            <a:endParaRPr lang="en-US" altLang="zh-CN" b="1" dirty="0"/>
-          </a:p>
-          <a:p>
-            <a:pPr lvl="1"/>
-            <a:r>
-              <a:rPr lang="en-US" altLang="zh-CN" b="1" dirty="0"/>
-              <a:t>I.</a:t>
-            </a:r>
-            <a:r>
-              <a:rPr lang="zh-CN" altLang="en-US" b="1" dirty="0"/>
-              <a:t> 需求分析</a:t>
-            </a:r>
-            <a:endParaRPr lang="en-US" altLang="zh-CN" b="1" dirty="0"/>
-          </a:p>
-          <a:p>
-            <a:pPr lvl="1"/>
-            <a:r>
-              <a:rPr lang="en-US" altLang="zh-CN" b="1" dirty="0"/>
-              <a:t>II.</a:t>
-            </a:r>
-            <a:r>
-              <a:rPr lang="zh-CN" altLang="en-US" b="1" dirty="0"/>
-              <a:t> 整体架构</a:t>
-            </a:r>
-            <a:endParaRPr lang="en-CN" altLang="zh-CN" b="1" dirty="0"/>
-          </a:p>
-          <a:p>
-            <a:pPr lvl="1"/>
-            <a:r>
-              <a:rPr lang="en-US" altLang="zh-CN" b="1" dirty="0"/>
-              <a:t>III.</a:t>
-            </a:r>
-            <a:r>
-              <a:rPr lang="zh-CN" altLang="en-US" b="1" dirty="0"/>
-              <a:t> 数据</a:t>
-            </a:r>
-            <a:r>
-              <a:rPr lang="zh-CN" altLang="en-CN" b="1" dirty="0"/>
-              <a:t>获取</a:t>
-            </a:r>
-            <a:endParaRPr lang="en-US" altLang="zh-CN" b="1" dirty="0"/>
-          </a:p>
-          <a:p>
-            <a:pPr lvl="1"/>
-            <a:r>
-              <a:rPr lang="en-US" altLang="zh-CN" b="1" dirty="0"/>
-              <a:t>IV.</a:t>
-            </a:r>
-            <a:r>
-              <a:rPr lang="zh-CN" altLang="en-US" b="1" dirty="0"/>
-              <a:t> 流计算步骤</a:t>
-            </a:r>
-            <a:endParaRPr lang="en-US" altLang="zh-CN" b="1" dirty="0"/>
-          </a:p>
-          <a:p>
-            <a:pPr lvl="1"/>
-            <a:r>
-              <a:rPr lang="en-US" altLang="zh-CN" b="1" dirty="0"/>
-              <a:t>V.</a:t>
-            </a:r>
-            <a:r>
-              <a:rPr lang="zh-CN" altLang="en-US" b="1" dirty="0"/>
-              <a:t> 项目展示</a:t>
-            </a:r>
-            <a:endParaRPr lang="en-US" altLang="zh-CN" b="1" dirty="0"/>
-          </a:p>
-        </p:txBody>
-      </p:sp>
-      <p:sp>
-        <p:nvSpPr>
-          <p:cNvPr id="4" name="标题 1"/>
-          <p:cNvSpPr txBox="1">
-            <a:spLocks/>
-          </p:cNvSpPr>
-          <p:nvPr/>
-        </p:nvSpPr>
-        <p:spPr>
-          <a:xfrm>
-            <a:off x="4222750" y="1162050"/>
-            <a:ext cx="3907748" cy="146050"/>
-          </a:xfrm>
-          <a:prstGeom prst="rect">
-            <a:avLst/>
-          </a:prstGeom>
-          <a:solidFill>
-            <a:srgbClr val="6F0E6F"/>
-          </a:solidFill>
-        </p:spPr>
-        <p:txBody>
-          <a:bodyPr vert="horz" lIns="91440" tIns="45720" rIns="91440" bIns="45720" rtlCol="0" anchor="ctr">
-            <a:normAutofit fontScale="25000" lnSpcReduction="20000"/>
-          </a:bodyPr>
-          <a:lstStyle>
-            <a:lvl1pPr algn="ctr" defTabSz="685800" rtl="0" eaLnBrk="1" latinLnBrk="0" hangingPunct="1">
-              <a:lnSpc>
-                <a:spcPct val="90000"/>
-              </a:lnSpc>
-              <a:spcBef>
-                <a:spcPct val="0"/>
-              </a:spcBef>
-              <a:buNone/>
-              <a:defRPr sz="2700" b="1" kern="1200">
-                <a:solidFill>
-                  <a:srgbClr val="6F0E6F"/>
-                </a:solidFill>
-                <a:latin typeface="微软雅黑" panose="020B0503020204020204" pitchFamily="34" charset="-122"/>
-                <a:ea typeface="微软雅黑" panose="020B0503020204020204" pitchFamily="34" charset="-122"/>
-                <a:cs typeface="+mj-cs"/>
-              </a:defRPr>
-            </a:lvl1pPr>
-          </a:lstStyle>
-          <a:p>
-            <a:endParaRPr lang="zh-CN" altLang="en-US" sz="3200" dirty="0">
-              <a:solidFill>
-                <a:schemeClr val="bg1"/>
-              </a:solidFill>
-            </a:endParaRPr>
-          </a:p>
-        </p:txBody>
-      </p:sp>
-      <p:sp>
-        <p:nvSpPr>
-          <p:cNvPr id="5" name="灯片编号占位符 4"/>
-          <p:cNvSpPr>
-            <a:spLocks noGrp="1"/>
-          </p:cNvSpPr>
-          <p:nvPr>
-            <p:ph type="sldNum" sz="quarter" idx="12"/>
-          </p:nvPr>
-        </p:nvSpPr>
-        <p:spPr/>
-        <p:txBody>
-          <a:bodyPr/>
-          <a:lstStyle/>
-          <a:p>
-            <a:fld id="{02AE1E35-F495-4665-8CB0-CDD28443F6EA}" type="slidenum">
-              <a:rPr lang="zh-CN" altLang="en-US" smtClean="0"/>
-              <a:t>2</a:t>
-            </a:fld>
-            <a:endParaRPr lang="zh-CN" altLang="en-US"/>
-          </a:p>
-        </p:txBody>
-      </p:sp>
-    </p:spTree>
-    <p:extLst>
-      <p:ext uri="{BB962C8B-B14F-4D97-AF65-F5344CB8AC3E}">
-        <p14:creationId xmlns:p14="http://schemas.microsoft.com/office/powerpoint/2010/main" val="2385772990"/>
-      </p:ext>
-    </p:extLst>
-  </p:cSld>
-  <p:clrMapOvr>
-    <a:masterClrMapping/>
-  </p:clrMapOvr>
 </p:sld>
 </file>
 
@@ -13612,38 +15760,8 @@
         </p:blipFill>
         <p:spPr>
           <a:xfrm>
-            <a:off x="293588" y="4027732"/>
+            <a:off x="207094" y="3924734"/>
             <a:ext cx="1305711" cy="372087"/>
-          </a:xfrm>
-          <a:prstGeom prst="rect">
-            <a:avLst/>
-          </a:prstGeom>
-        </p:spPr>
-      </p:pic>
-      <p:pic>
-        <p:nvPicPr>
-          <p:cNvPr id="12" name="图片 11">
-            <a:extLst>
-              <a:ext uri="{FF2B5EF4-FFF2-40B4-BE49-F238E27FC236}">
-                <a16:creationId xmlns:a16="http://schemas.microsoft.com/office/drawing/2014/main" id="{A963F71D-3EEE-40A1-AB48-329D43F5C31B}"/>
-              </a:ext>
-            </a:extLst>
-          </p:cNvPr>
-          <p:cNvPicPr>
-            <a:picLocks noChangeAspect="1"/>
-          </p:cNvPicPr>
-          <p:nvPr/>
-        </p:nvPicPr>
-        <p:blipFill>
-          <a:blip r:embed="rId10"/>
-          <a:stretch>
-            <a:fillRect/>
-          </a:stretch>
-        </p:blipFill>
-        <p:spPr>
-          <a:xfrm>
-            <a:off x="293588" y="3620983"/>
-            <a:ext cx="893727" cy="328307"/>
           </a:xfrm>
           <a:prstGeom prst="rect">
             <a:avLst/>
@@ -13665,14 +15783,14 @@
           <p:nvPr/>
         </p:nvPicPr>
         <p:blipFill>
-          <a:blip r:embed="rId11"/>
+          <a:blip r:embed="rId10"/>
           <a:stretch>
             <a:fillRect/>
           </a:stretch>
         </p:blipFill>
         <p:spPr>
           <a:xfrm>
-            <a:off x="304441" y="3099411"/>
+            <a:off x="226027" y="3290670"/>
             <a:ext cx="890399" cy="443130"/>
           </a:xfrm>
           <a:prstGeom prst="rect">
@@ -13785,13 +15903,13 @@
           <p:nvPr/>
         </p:nvPicPr>
         <p:blipFill>
-          <a:blip r:embed="rId12">
+          <a:blip r:embed="rId11">
             <a:extLst>
               <a:ext uri="{28A0092B-C50C-407E-A947-70E740481C1C}">
                 <a14:useLocalDpi xmlns:a14="http://schemas.microsoft.com/office/drawing/2010/main" val="0"/>
               </a:ext>
               <a:ext uri="{96DAC541-7B7A-43D3-8B79-37D633B846F1}">
-                <asvg:svgBlip xmlns:asvg="http://schemas.microsoft.com/office/drawing/2016/SVG/main" r:embed="rId13"/>
+                <asvg:svgBlip xmlns:asvg="http://schemas.microsoft.com/office/drawing/2016/SVG/main" r:embed="rId12"/>
               </a:ext>
             </a:extLst>
           </a:blip>
@@ -13824,13 +15942,13 @@
           <p:nvPr/>
         </p:nvPicPr>
         <p:blipFill>
-          <a:blip r:embed="rId14">
+          <a:blip r:embed="rId13">
             <a:extLst>
               <a:ext uri="{28A0092B-C50C-407E-A947-70E740481C1C}">
                 <a14:useLocalDpi xmlns:a14="http://schemas.microsoft.com/office/drawing/2010/main" val="0"/>
               </a:ext>
               <a:ext uri="{96DAC541-7B7A-43D3-8B79-37D633B846F1}">
-                <asvg:svgBlip xmlns:asvg="http://schemas.microsoft.com/office/drawing/2016/SVG/main" r:embed="rId15"/>
+                <asvg:svgBlip xmlns:asvg="http://schemas.microsoft.com/office/drawing/2016/SVG/main" r:embed="rId14"/>
               </a:ext>
             </a:extLst>
           </a:blip>
@@ -13863,7 +15981,7 @@
           <p:nvPr/>
         </p:nvPicPr>
         <p:blipFill>
-          <a:blip r:embed="rId16" cstate="print">
+          <a:blip r:embed="rId15" cstate="print">
             <a:extLst>
               <a:ext uri="{28A0092B-C50C-407E-A947-70E740481C1C}">
                 <a14:useLocalDpi xmlns:a14="http://schemas.microsoft.com/office/drawing/2010/main" val="0"/>
@@ -13989,7 +16107,7 @@
             </a:r>
             <a:r>
               <a:rPr lang="en-US" altLang="zh-CN" dirty="0"/>
-              <a:t>2000</a:t>
+              <a:t>2010</a:t>
             </a:r>
             <a:r>
               <a:rPr lang="zh-CN" altLang="en-US" dirty="0"/>
@@ -14016,13 +16134,6 @@
             <a:pPr lvl="2"/>
             <a:r>
               <a:rPr lang="en-US" altLang="zh-CN" dirty="0"/>
-              <a:t>IEEE Xplore</a:t>
-            </a:r>
-          </a:p>
-          <a:p>
-            <a:pPr lvl="2"/>
-            <a:r>
-              <a:rPr lang="en-US" altLang="zh-CN" dirty="0"/>
               <a:t>ACM Digital Library</a:t>
             </a:r>
           </a:p>
@@ -14040,13 +16151,13 @@
             <a:pPr lvl="1"/>
             <a:r>
               <a:rPr lang="en-US" altLang="zh-CN" b="1" dirty="0"/>
-              <a:t>ACM Digital Lib    400,000</a:t>
+              <a:t>ACM Digital Lib    150,000</a:t>
             </a:r>
           </a:p>
           <a:p>
             <a:pPr lvl="1"/>
             <a:r>
-              <a:rPr lang="en-US" altLang="zh-CN" b="1" dirty="0" err="1"/>
+              <a:rPr lang="en-US" altLang="zh-CN" b="1" dirty="0"/>
               <a:t>Arxiv</a:t>
             </a:r>
             <a:r>
@@ -14057,17 +16168,6 @@
               <a:rPr lang="en-US" altLang="zh-CN" b="1" dirty="0"/>
               <a:t>300,000</a:t>
             </a:r>
-          </a:p>
-          <a:p>
-            <a:pPr lvl="1"/>
-            <a:r>
-              <a:rPr lang="en-US" altLang="zh-CN" b="1" dirty="0"/>
-              <a:t>IEEE                       400,000 </a:t>
-            </a:r>
-          </a:p>
-          <a:p>
-            <a:pPr lvl="2"/>
-            <a:endParaRPr lang="en-US" altLang="zh-CN" dirty="0"/>
           </a:p>
         </p:txBody>
       </p:sp>
@@ -14116,38 +16216,8 @@
         </p:blipFill>
         <p:spPr>
           <a:xfrm>
-            <a:off x="3397246" y="3220898"/>
+            <a:off x="3408099" y="2719374"/>
             <a:ext cx="1305711" cy="372087"/>
-          </a:xfrm>
-          <a:prstGeom prst="rect">
-            <a:avLst/>
-          </a:prstGeom>
-        </p:spPr>
-      </p:pic>
-      <p:pic>
-        <p:nvPicPr>
-          <p:cNvPr id="13" name="图片 12">
-            <a:extLst>
-              <a:ext uri="{FF2B5EF4-FFF2-40B4-BE49-F238E27FC236}">
-                <a16:creationId xmlns:a16="http://schemas.microsoft.com/office/drawing/2014/main" id="{CAE6C27A-E761-4AFE-A43B-9BF1FFA6D4E0}"/>
-              </a:ext>
-            </a:extLst>
-          </p:cNvPr>
-          <p:cNvPicPr>
-            <a:picLocks noChangeAspect="1"/>
-          </p:cNvPicPr>
-          <p:nvPr/>
-        </p:nvPicPr>
-        <p:blipFill>
-          <a:blip r:embed="rId4"/>
-          <a:stretch>
-            <a:fillRect/>
-          </a:stretch>
-        </p:blipFill>
-        <p:spPr>
-          <a:xfrm>
-            <a:off x="3397246" y="2814149"/>
-            <a:ext cx="893727" cy="328307"/>
           </a:xfrm>
           <a:prstGeom prst="rect">
             <a:avLst/>
@@ -14169,7 +16239,7 @@
           <p:nvPr/>
         </p:nvPicPr>
         <p:blipFill>
-          <a:blip r:embed="rId5"/>
+          <a:blip r:embed="rId4"/>
           <a:stretch>
             <a:fillRect/>
           </a:stretch>
@@ -14494,7 +16564,7 @@
           <p:nvPr/>
         </p:nvPicPr>
         <p:blipFill rotWithShape="1">
-          <a:blip r:embed="rId6">
+          <a:blip r:embed="rId5" cstate="print">
             <a:extLst>
               <a:ext uri="{28A0092B-C50C-407E-A947-70E740481C1C}">
                 <a14:useLocalDpi xmlns:a14="http://schemas.microsoft.com/office/drawing/2010/main" val="0"/>
@@ -14593,7 +16663,12 @@
             <p:ph idx="1"/>
           </p:nvPr>
         </p:nvSpPr>
-        <p:spPr/>
+        <p:spPr>
+          <a:xfrm>
+            <a:off x="420456" y="1188138"/>
+            <a:ext cx="8301514" cy="5183188"/>
+          </a:xfrm>
+        </p:spPr>
         <p:txBody>
           <a:bodyPr/>
           <a:lstStyle/>
@@ -14608,7 +16683,7 @@
             </a:r>
             <a:r>
               <a:rPr lang="zh-CN" altLang="en-US" dirty="0"/>
-              <a:t>编写爬虫分别对上述三个网站进行爬取</a:t>
+              <a:t>编写爬虫分别对上述两个网站进行爬取</a:t>
             </a:r>
             <a:endParaRPr lang="en-US" altLang="zh-CN" dirty="0"/>
           </a:p>
@@ -14631,7 +16706,15 @@
             </a:r>
             <a:r>
               <a:rPr lang="zh-CN" altLang="en-US" dirty="0"/>
-              <a:t>：访问页面 </a:t>
+              <a:t>：</a:t>
+            </a:r>
+            <a:endParaRPr lang="en-US" altLang="zh-CN" dirty="0"/>
+          </a:p>
+          <a:p>
+            <a:pPr lvl="1"/>
+            <a:r>
+              <a:rPr lang="zh-CN" altLang="en-US" dirty="0"/>
+              <a:t>访问页面 </a:t>
             </a:r>
             <a:r>
               <a:rPr lang="en-US" altLang="zh-CN" dirty="0">
@@ -14657,45 +16740,30 @@
               </a:rPr>
               <a:t>存储数据</a:t>
             </a:r>
-            <a:endParaRPr lang="en-US" altLang="zh-CN" dirty="0"/>
-          </a:p>
-          <a:p>
-            <a:r>
-              <a:rPr lang="en-US" altLang="zh-CN" dirty="0"/>
-              <a:t>IEEE Xplore</a:t>
-            </a:r>
-            <a:r>
-              <a:rPr lang="zh-CN" altLang="en-US" dirty="0"/>
-              <a:t>：访问 </a:t>
-            </a:r>
-            <a:r>
-              <a:rPr lang="en-US" altLang="zh-CN" dirty="0"/>
-              <a:t>API </a:t>
-            </a:r>
+            <a:endParaRPr lang="en-US" altLang="zh-CN" dirty="0">
+              <a:sym typeface="Wingdings" panose="05000000000000000000" pitchFamily="2" charset="2"/>
+            </a:endParaRPr>
+          </a:p>
+          <a:p>
+            <a:pPr lvl="1"/>
             <a:r>
               <a:rPr lang="en-US" altLang="zh-CN" dirty="0">
                 <a:sym typeface="Wingdings" panose="05000000000000000000" pitchFamily="2" charset="2"/>
               </a:rPr>
-              <a:t> </a:t>
+              <a:t>Scrapy </a:t>
             </a:r>
             <a:r>
               <a:rPr lang="zh-CN" altLang="en-US" dirty="0">
                 <a:sym typeface="Wingdings" panose="05000000000000000000" pitchFamily="2" charset="2"/>
               </a:rPr>
-              <a:t>解析返回内容 </a:t>
-            </a:r>
-            <a:r>
-              <a:rPr lang="en-US" altLang="zh-CN" dirty="0">
-                <a:sym typeface="Wingdings" panose="05000000000000000000" pitchFamily="2" charset="2"/>
-              </a:rPr>
-              <a:t> </a:t>
-            </a:r>
-            <a:r>
-              <a:rPr lang="zh-CN" altLang="en-US" dirty="0">
-                <a:sym typeface="Wingdings" panose="05000000000000000000" pitchFamily="2" charset="2"/>
-              </a:rPr>
-              <a:t>存储数据</a:t>
-            </a:r>
+              <a:t>爬虫框架</a:t>
+            </a:r>
+            <a:endParaRPr lang="en-US" altLang="zh-CN" dirty="0"/>
+          </a:p>
+          <a:p>
+            <a:pPr marL="0" indent="0">
+              <a:buNone/>
+            </a:pPr>
             <a:endParaRPr lang="en-US" altLang="zh-CN" dirty="0">
               <a:sym typeface="Wingdings" panose="05000000000000000000" pitchFamily="2" charset="2"/>
             </a:endParaRPr>
@@ -14709,14 +16777,6 @@
             </a:endParaRPr>
           </a:p>
           <a:p>
-            <a:pPr marL="342900" lvl="1" indent="0">
-              <a:buNone/>
-            </a:pPr>
-            <a:endParaRPr lang="en-US" altLang="zh-CN" dirty="0">
-              <a:sym typeface="Wingdings" panose="05000000000000000000" pitchFamily="2" charset="2"/>
-            </a:endParaRPr>
-          </a:p>
-          <a:p>
             <a:pPr lvl="2"/>
             <a:endParaRPr lang="en-US" altLang="zh-CN" dirty="0"/>
           </a:p>
@@ -14745,6 +16805,36 @@
           </a:p>
         </p:txBody>
       </p:sp>
+      <p:pic>
+        <p:nvPicPr>
+          <p:cNvPr id="9" name="图片 8">
+            <a:extLst>
+              <a:ext uri="{FF2B5EF4-FFF2-40B4-BE49-F238E27FC236}">
+                <a16:creationId xmlns:a16="http://schemas.microsoft.com/office/drawing/2014/main" id="{E0655D96-E489-479E-8362-A39A1339C99E}"/>
+              </a:ext>
+            </a:extLst>
+          </p:cNvPr>
+          <p:cNvPicPr>
+            <a:picLocks noChangeAspect="1"/>
+          </p:cNvPicPr>
+          <p:nvPr/>
+        </p:nvPicPr>
+        <p:blipFill>
+          <a:blip r:embed="rId3"/>
+          <a:stretch>
+            <a:fillRect/>
+          </a:stretch>
+        </p:blipFill>
+        <p:spPr>
+          <a:xfrm>
+            <a:off x="301179" y="2908319"/>
+            <a:ext cx="8689755" cy="2445619"/>
+          </a:xfrm>
+          <a:prstGeom prst="rect">
+            <a:avLst/>
+          </a:prstGeom>
+        </p:spPr>
+      </p:pic>
     </p:spTree>
     <p:extLst>
       <p:ext uri="{BB962C8B-B14F-4D97-AF65-F5344CB8AC3E}">
@@ -14809,7 +16899,7 @@
             </a:r>
             <a:r>
               <a:rPr lang="zh-CN" altLang="en-US" dirty="0"/>
-              <a:t>数据预处理</a:t>
+              <a:t>网页爬虫</a:t>
             </a:r>
           </a:p>
         </p:txBody>
@@ -14827,139 +16917,31 @@
         <p:spPr>
           <a:xfrm>
             <a:off x="420456" y="1188138"/>
-            <a:ext cx="8570478" cy="5096838"/>
+            <a:ext cx="8301514" cy="5183188"/>
           </a:xfrm>
         </p:spPr>
         <p:txBody>
-          <a:bodyPr>
-            <a:normAutofit/>
-          </a:bodyPr>
+          <a:bodyPr/>
           <a:lstStyle/>
           <a:p>
-            <a:pPr lvl="0"/>
-            <a:r>
-              <a:rPr lang="zh-CN" altLang="en-US" dirty="0">
-                <a:solidFill>
-                  <a:prstClr val="black"/>
-                </a:solidFill>
-              </a:rPr>
-              <a:t>由于各个网站关于论文领域分类标准不一致，所以需要对此进行统一处理</a:t>
+            <a:r>
+              <a:rPr lang="zh-CN" altLang="en-US" dirty="0"/>
+              <a:t>解析搜索结果页面信息</a:t>
             </a:r>
             <a:endParaRPr lang="en-US" altLang="zh-CN" dirty="0">
-              <a:solidFill>
-                <a:prstClr val="black"/>
-              </a:solidFill>
+              <a:sym typeface="Wingdings" panose="05000000000000000000" pitchFamily="2" charset="2"/>
             </a:endParaRPr>
           </a:p>
           <a:p>
-            <a:pPr lvl="0"/>
-            <a:r>
-              <a:rPr lang="en-US" altLang="zh-CN" dirty="0" err="1">
-                <a:solidFill>
-                  <a:prstClr val="black"/>
-                </a:solidFill>
-              </a:rPr>
-              <a:t>Arxiv</a:t>
-            </a:r>
-            <a:r>
-              <a:rPr lang="en-US" altLang="zh-CN" dirty="0">
-                <a:solidFill>
-                  <a:prstClr val="black"/>
-                </a:solidFill>
-              </a:rPr>
-              <a:t> </a:t>
-            </a:r>
-            <a:r>
-              <a:rPr lang="zh-CN" altLang="en-US" dirty="0">
-                <a:solidFill>
-                  <a:prstClr val="black"/>
-                </a:solidFill>
-              </a:rPr>
-              <a:t>中可能存在与另外两个网站重复的文章，需要消除重复数据</a:t>
-            </a:r>
+            <a:pPr marL="342900" lvl="1" indent="0">
+              <a:buNone/>
+            </a:pPr>
             <a:endParaRPr lang="en-US" altLang="zh-CN" dirty="0">
-              <a:solidFill>
-                <a:prstClr val="black"/>
-              </a:solidFill>
+              <a:sym typeface="Wingdings" panose="05000000000000000000" pitchFamily="2" charset="2"/>
             </a:endParaRPr>
           </a:p>
           <a:p>
-            <a:pPr lvl="0"/>
-            <a:r>
-              <a:rPr lang="zh-CN" altLang="en-US" dirty="0">
-                <a:solidFill>
-                  <a:prstClr val="black"/>
-                </a:solidFill>
-              </a:rPr>
-              <a:t>读取爬虫信息，按照数据字段创建</a:t>
-            </a:r>
-            <a:r>
-              <a:rPr lang="en-US" altLang="zh-CN" dirty="0">
-                <a:solidFill>
-                  <a:prstClr val="black"/>
-                </a:solidFill>
-              </a:rPr>
-              <a:t>csv</a:t>
-            </a:r>
-            <a:r>
-              <a:rPr lang="zh-CN" altLang="en-US" dirty="0">
-                <a:solidFill>
-                  <a:prstClr val="black"/>
-                </a:solidFill>
-              </a:rPr>
-              <a:t>，将</a:t>
-            </a:r>
-            <a:r>
-              <a:rPr lang="en-US" altLang="zh-CN" dirty="0">
-                <a:solidFill>
-                  <a:prstClr val="black"/>
-                </a:solidFill>
-              </a:rPr>
-              <a:t>csv</a:t>
-            </a:r>
-            <a:r>
-              <a:rPr lang="zh-CN" altLang="en-US" dirty="0">
-                <a:solidFill>
-                  <a:prstClr val="black"/>
-                </a:solidFill>
-              </a:rPr>
-              <a:t>存储至</a:t>
-            </a:r>
-            <a:r>
-              <a:rPr lang="en-US" altLang="zh-CN" dirty="0" err="1">
-                <a:solidFill>
-                  <a:prstClr val="black"/>
-                </a:solidFill>
-              </a:rPr>
-              <a:t>hdfs</a:t>
-            </a:r>
-            <a:r>
-              <a:rPr lang="zh-CN" altLang="en-US" dirty="0">
-                <a:solidFill>
-                  <a:prstClr val="black"/>
-                </a:solidFill>
-              </a:rPr>
-              <a:t>中</a:t>
-            </a:r>
-            <a:endParaRPr lang="en-US" altLang="zh-CN" dirty="0">
-              <a:solidFill>
-                <a:prstClr val="black"/>
-              </a:solidFill>
-            </a:endParaRPr>
-          </a:p>
-          <a:p>
-            <a:pPr lvl="1"/>
-            <a:endParaRPr lang="en-US" altLang="zh-CN" dirty="0">
-              <a:solidFill>
-                <a:prstClr val="black"/>
-              </a:solidFill>
-            </a:endParaRPr>
-          </a:p>
-          <a:p>
-            <a:endParaRPr lang="en-US" altLang="zh-CN" b="1" dirty="0"/>
-          </a:p>
-          <a:p>
-            <a:pPr lvl="1"/>
+            <a:pPr lvl="2"/>
             <a:endParaRPr lang="en-US" altLang="zh-CN" dirty="0"/>
           </a:p>
         </p:txBody>
@@ -14987,10 +16969,40 @@
           </a:p>
         </p:txBody>
       </p:sp>
+      <p:pic>
+        <p:nvPicPr>
+          <p:cNvPr id="10" name="图片 9">
+            <a:extLst>
+              <a:ext uri="{FF2B5EF4-FFF2-40B4-BE49-F238E27FC236}">
+                <a16:creationId xmlns:a16="http://schemas.microsoft.com/office/drawing/2014/main" id="{B1905E96-1323-43D9-B33E-F25192032AB8}"/>
+              </a:ext>
+            </a:extLst>
+          </p:cNvPr>
+          <p:cNvPicPr>
+            <a:picLocks noChangeAspect="1"/>
+          </p:cNvPicPr>
+          <p:nvPr/>
+        </p:nvPicPr>
+        <p:blipFill>
+          <a:blip r:embed="rId3"/>
+          <a:stretch>
+            <a:fillRect/>
+          </a:stretch>
+        </p:blipFill>
+        <p:spPr>
+          <a:xfrm>
+            <a:off x="671539" y="1641423"/>
+            <a:ext cx="7799343" cy="4646584"/>
+          </a:xfrm>
+          <a:prstGeom prst="rect">
+            <a:avLst/>
+          </a:prstGeom>
+        </p:spPr>
+      </p:pic>
     </p:spTree>
     <p:extLst>
       <p:ext uri="{BB962C8B-B14F-4D97-AF65-F5344CB8AC3E}">
-        <p14:creationId xmlns:p14="http://schemas.microsoft.com/office/powerpoint/2010/main" val="3295703818"/>
+        <p14:creationId xmlns:p14="http://schemas.microsoft.com/office/powerpoint/2010/main" val="3922635469"/>
       </p:ext>
     </p:extLst>
   </p:cSld>
@@ -15051,7 +17063,7 @@
             </a:r>
             <a:r>
               <a:rPr lang="zh-CN" altLang="en-US" dirty="0"/>
-              <a:t>问题和解决方案</a:t>
+              <a:t>网页爬虫</a:t>
             </a:r>
           </a:p>
         </p:txBody>
@@ -15069,136 +17081,32 @@
         <p:spPr>
           <a:xfrm>
             <a:off x="420456" y="1188138"/>
-            <a:ext cx="8570478" cy="5096838"/>
+            <a:ext cx="8301514" cy="5183188"/>
           </a:xfrm>
         </p:spPr>
         <p:txBody>
-          <a:bodyPr>
-            <a:normAutofit/>
-          </a:bodyPr>
+          <a:bodyPr/>
           <a:lstStyle/>
           <a:p>
-            <a:pPr lvl="0"/>
-            <a:r>
-              <a:rPr lang="zh-CN" altLang="en-US" dirty="0">
-                <a:solidFill>
-                  <a:prstClr val="black"/>
-                </a:solidFill>
-              </a:rPr>
-              <a:t>目标网站的爬虫限制：</a:t>
+            <a:r>
+              <a:rPr lang="zh-CN" altLang="en-US" dirty="0"/>
+              <a:t>解析详情界面的领域信息</a:t>
             </a:r>
             <a:endParaRPr lang="en-US" altLang="zh-CN" dirty="0">
-              <a:solidFill>
-                <a:prstClr val="black"/>
-              </a:solidFill>
+              <a:sym typeface="Wingdings" panose="05000000000000000000" pitchFamily="2" charset="2"/>
             </a:endParaRPr>
           </a:p>
           <a:p>
-            <a:pPr lvl="1"/>
-            <a:r>
-              <a:rPr lang="zh-CN" altLang="en-US" dirty="0">
-                <a:solidFill>
-                  <a:prstClr val="black"/>
-                </a:solidFill>
-              </a:rPr>
-              <a:t>设置搜索结果的延迟；开启代理和多线程</a:t>
-            </a:r>
+            <a:pPr marL="342900" lvl="1" indent="0">
+              <a:buNone/>
+            </a:pPr>
             <a:endParaRPr lang="en-US" altLang="zh-CN" dirty="0">
-              <a:solidFill>
-                <a:prstClr val="black"/>
-              </a:solidFill>
+              <a:sym typeface="Wingdings" panose="05000000000000000000" pitchFamily="2" charset="2"/>
             </a:endParaRPr>
           </a:p>
           <a:p>
-            <a:pPr lvl="0"/>
-            <a:r>
-              <a:rPr lang="en-US" altLang="zh-CN" dirty="0" err="1">
-                <a:solidFill>
-                  <a:prstClr val="black"/>
-                </a:solidFill>
-              </a:rPr>
-              <a:t>Arxiv</a:t>
-            </a:r>
-            <a:r>
-              <a:rPr lang="zh-CN" altLang="en-US" dirty="0">
-                <a:solidFill>
-                  <a:prstClr val="black"/>
-                </a:solidFill>
-              </a:rPr>
-              <a:t>网站没有引用：</a:t>
-            </a:r>
-            <a:endParaRPr lang="en-US" altLang="zh-CN" dirty="0">
-              <a:solidFill>
-                <a:prstClr val="black"/>
-              </a:solidFill>
-            </a:endParaRPr>
-          </a:p>
-          <a:p>
-            <a:pPr lvl="1"/>
-            <a:r>
-              <a:rPr lang="zh-CN" altLang="en-US" dirty="0">
-                <a:solidFill>
-                  <a:prstClr val="black"/>
-                </a:solidFill>
-              </a:rPr>
-              <a:t>引用数量设置为</a:t>
-            </a:r>
-            <a:r>
-              <a:rPr lang="en-US" altLang="zh-CN" dirty="0">
-                <a:solidFill>
-                  <a:prstClr val="black"/>
-                </a:solidFill>
-              </a:rPr>
-              <a:t>0</a:t>
-            </a:r>
-          </a:p>
-          <a:p>
-            <a:pPr lvl="0"/>
-            <a:r>
-              <a:rPr lang="zh-CN" altLang="en-US" dirty="0">
-                <a:solidFill>
-                  <a:prstClr val="black"/>
-                </a:solidFill>
-              </a:rPr>
-              <a:t>网页数据量过大：</a:t>
-            </a:r>
-            <a:endParaRPr lang="en-US" altLang="zh-CN" dirty="0">
-              <a:solidFill>
-                <a:prstClr val="black"/>
-              </a:solidFill>
-            </a:endParaRPr>
-          </a:p>
-          <a:p>
-            <a:pPr lvl="1"/>
-            <a:r>
-              <a:rPr lang="zh-CN" altLang="en-US" dirty="0">
-                <a:solidFill>
-                  <a:prstClr val="black"/>
-                </a:solidFill>
-              </a:rPr>
-              <a:t>设置每页请求的大小；修改请求时间段的长度；</a:t>
-            </a:r>
-            <a:endParaRPr lang="en-US" altLang="zh-CN" dirty="0">
-              <a:solidFill>
-                <a:prstClr val="black"/>
-              </a:solidFill>
-            </a:endParaRPr>
-          </a:p>
-          <a:p>
-            <a:pPr lvl="1"/>
-            <a:endParaRPr lang="en-US" altLang="zh-CN" dirty="0">
-              <a:solidFill>
-                <a:prstClr val="black"/>
-              </a:solidFill>
-            </a:endParaRPr>
-          </a:p>
-          <a:p>
-            <a:pPr lvl="1"/>
-            <a:endParaRPr lang="en-US" altLang="zh-CN" dirty="0">
-              <a:solidFill>
-                <a:prstClr val="black"/>
-              </a:solidFill>
-            </a:endParaRPr>
+            <a:pPr lvl="2"/>
+            <a:endParaRPr lang="en-US" altLang="zh-CN" dirty="0"/>
           </a:p>
         </p:txBody>
       </p:sp>
@@ -15225,10 +17133,40 @@
           </a:p>
         </p:txBody>
       </p:sp>
+      <p:pic>
+        <p:nvPicPr>
+          <p:cNvPr id="4" name="图片 3">
+            <a:extLst>
+              <a:ext uri="{FF2B5EF4-FFF2-40B4-BE49-F238E27FC236}">
+                <a16:creationId xmlns:a16="http://schemas.microsoft.com/office/drawing/2014/main" id="{018AA001-4A8E-43CA-9229-435FEFF8CAC9}"/>
+              </a:ext>
+            </a:extLst>
+          </p:cNvPr>
+          <p:cNvPicPr>
+            <a:picLocks noChangeAspect="1"/>
+          </p:cNvPicPr>
+          <p:nvPr/>
+        </p:nvPicPr>
+        <p:blipFill>
+          <a:blip r:embed="rId3"/>
+          <a:stretch>
+            <a:fillRect/>
+          </a:stretch>
+        </p:blipFill>
+        <p:spPr>
+          <a:xfrm>
+            <a:off x="259500" y="2675535"/>
+            <a:ext cx="8731434" cy="1685166"/>
+          </a:xfrm>
+          <a:prstGeom prst="rect">
+            <a:avLst/>
+          </a:prstGeom>
+        </p:spPr>
+      </p:pic>
     </p:spTree>
     <p:extLst>
       <p:ext uri="{BB962C8B-B14F-4D97-AF65-F5344CB8AC3E}">
-        <p14:creationId xmlns:p14="http://schemas.microsoft.com/office/powerpoint/2010/main" val="2765700085"/>
+        <p14:creationId xmlns:p14="http://schemas.microsoft.com/office/powerpoint/2010/main" val="1707542733"/>
       </p:ext>
     </p:extLst>
   </p:cSld>
@@ -15277,15 +17215,11 @@
           <a:p>
             <a:r>
               <a:rPr lang="en-US" altLang="zh-CN" dirty="0"/>
-              <a:t>IV.</a:t>
+              <a:t>III.</a:t>
             </a:r>
             <a:r>
               <a:rPr lang="zh-CN" altLang="en-US" dirty="0"/>
-              <a:t> </a:t>
-            </a:r>
-            <a:r>
-              <a:rPr lang="ja-JP" altLang="en-US"/>
-              <a:t>流计算步骤</a:t>
+              <a:t> 数据获取</a:t>
             </a:r>
             <a:r>
               <a:rPr lang="en-US" altLang="zh-CN" dirty="0"/>
@@ -15293,7 +17227,7 @@
             </a:r>
             <a:r>
               <a:rPr lang="zh-CN" altLang="en-US" dirty="0"/>
-              <a:t>流准备和监听</a:t>
+              <a:t>数据预处理</a:t>
             </a:r>
           </a:p>
         </p:txBody>
@@ -15327,63 +17261,21 @@
                   <a:prstClr val="black"/>
                 </a:solidFill>
               </a:rPr>
-              <a:t>功能</a:t>
-            </a:r>
-            <a:r>
-              <a:rPr lang="en-US" altLang="zh-CN" dirty="0">
-                <a:solidFill>
-                  <a:prstClr val="black"/>
-                </a:solidFill>
-              </a:rPr>
-              <a:t>1</a:t>
-            </a:r>
-          </a:p>
-          <a:p>
-            <a:pPr lvl="0"/>
-            <a:r>
-              <a:rPr lang="zh-CN" altLang="en-US" dirty="0">
-                <a:solidFill>
-                  <a:prstClr val="black"/>
-                </a:solidFill>
-              </a:rPr>
-              <a:t>功能</a:t>
-            </a:r>
-            <a:r>
-              <a:rPr lang="en-US" altLang="zh-CN" dirty="0">
-                <a:solidFill>
-                  <a:prstClr val="black"/>
-                </a:solidFill>
-              </a:rPr>
-              <a:t>2</a:t>
-            </a:r>
-          </a:p>
-          <a:p>
-            <a:pPr lvl="0"/>
-            <a:r>
-              <a:rPr lang="zh-CN" altLang="en-US" dirty="0">
-                <a:solidFill>
-                  <a:prstClr val="black"/>
-                </a:solidFill>
-              </a:rPr>
-              <a:t>功能</a:t>
-            </a:r>
-            <a:r>
-              <a:rPr lang="en-US" altLang="zh-CN" dirty="0">
-                <a:solidFill>
-                  <a:prstClr val="black"/>
-                </a:solidFill>
-              </a:rPr>
-              <a:t>3</a:t>
-            </a:r>
-          </a:p>
-          <a:p>
-            <a:pPr lvl="1"/>
+              <a:t>由于各个网站关于论文领域分类标准不一致，所以需要对此进行统一处理</a:t>
+            </a:r>
             <a:endParaRPr lang="en-US" altLang="zh-CN" dirty="0">
               <a:solidFill>
                 <a:prstClr val="black"/>
               </a:solidFill>
             </a:endParaRPr>
           </a:p>
+          <a:p>
+            <a:endParaRPr lang="en-US" altLang="zh-CN" b="1" dirty="0"/>
+          </a:p>
+          <a:p>
+            <a:pPr lvl="1"/>
+            <a:endParaRPr lang="en-US" altLang="zh-CN" dirty="0"/>
+          </a:p>
         </p:txBody>
       </p:sp>
       <p:sp>
@@ -15409,10 +17301,40 @@
           </a:p>
         </p:txBody>
       </p:sp>
+      <p:pic>
+        <p:nvPicPr>
+          <p:cNvPr id="4" name="图片 3">
+            <a:extLst>
+              <a:ext uri="{FF2B5EF4-FFF2-40B4-BE49-F238E27FC236}">
+                <a16:creationId xmlns:a16="http://schemas.microsoft.com/office/drawing/2014/main" id="{16E52282-B56A-4468-8C0D-0225DAD81FEA}"/>
+              </a:ext>
+            </a:extLst>
+          </p:cNvPr>
+          <p:cNvPicPr>
+            <a:picLocks noChangeAspect="1"/>
+          </p:cNvPicPr>
+          <p:nvPr/>
+        </p:nvPicPr>
+        <p:blipFill>
+          <a:blip r:embed="rId3"/>
+          <a:stretch>
+            <a:fillRect/>
+          </a:stretch>
+        </p:blipFill>
+        <p:spPr>
+          <a:xfrm>
+            <a:off x="748329" y="1643994"/>
+            <a:ext cx="7605419" cy="4640982"/>
+          </a:xfrm>
+          <a:prstGeom prst="rect">
+            <a:avLst/>
+          </a:prstGeom>
+        </p:spPr>
+      </p:pic>
     </p:spTree>
     <p:extLst>
       <p:ext uri="{BB962C8B-B14F-4D97-AF65-F5344CB8AC3E}">
-        <p14:creationId xmlns:p14="http://schemas.microsoft.com/office/powerpoint/2010/main" val="3462636847"/>
+        <p14:creationId xmlns:p14="http://schemas.microsoft.com/office/powerpoint/2010/main" val="3295703818"/>
       </p:ext>
     </p:extLst>
   </p:cSld>

--- a/PPT/云计算 Streaming 实现汇报.pptx
+++ b/PPT/云计算 Streaming 实现汇报.pptx
@@ -5,7 +5,7 @@
     <p:sldMasterId id="2147483672" r:id="rId1"/>
   </p:sldMasterIdLst>
   <p:notesMasterIdLst>
-    <p:notesMasterId r:id="rId29"/>
+    <p:notesMasterId r:id="rId30"/>
   </p:notesMasterIdLst>
   <p:sldIdLst>
     <p:sldId id="282" r:id="rId2"/>
@@ -23,18 +23,19 @@
     <p:sldId id="352" r:id="rId14"/>
     <p:sldId id="353" r:id="rId15"/>
     <p:sldId id="359" r:id="rId16"/>
-    <p:sldId id="350" r:id="rId17"/>
-    <p:sldId id="360" r:id="rId18"/>
-    <p:sldId id="351" r:id="rId19"/>
-    <p:sldId id="362" r:id="rId20"/>
-    <p:sldId id="361" r:id="rId21"/>
-    <p:sldId id="363" r:id="rId22"/>
-    <p:sldId id="342" r:id="rId23"/>
-    <p:sldId id="343" r:id="rId24"/>
-    <p:sldId id="344" r:id="rId25"/>
-    <p:sldId id="346" r:id="rId26"/>
-    <p:sldId id="354" r:id="rId27"/>
-    <p:sldId id="281" r:id="rId28"/>
+    <p:sldId id="364" r:id="rId17"/>
+    <p:sldId id="350" r:id="rId18"/>
+    <p:sldId id="360" r:id="rId19"/>
+    <p:sldId id="351" r:id="rId20"/>
+    <p:sldId id="362" r:id="rId21"/>
+    <p:sldId id="361" r:id="rId22"/>
+    <p:sldId id="363" r:id="rId23"/>
+    <p:sldId id="342" r:id="rId24"/>
+    <p:sldId id="343" r:id="rId25"/>
+    <p:sldId id="344" r:id="rId26"/>
+    <p:sldId id="346" r:id="rId27"/>
+    <p:sldId id="354" r:id="rId28"/>
+    <p:sldId id="281" r:id="rId29"/>
   </p:sldIdLst>
   <p:sldSz cx="9144000" cy="6858000" type="screen4x3"/>
   <p:notesSz cx="6858000" cy="9144000"/>
@@ -4845,9 +4846,6 @@
             </a:r>
             <a:endParaRPr lang="en-CN" dirty="0"/>
           </a:p>
-          <a:p>
-            <a:endParaRPr lang="en-CN" dirty="0"/>
-          </a:p>
         </p:txBody>
       </p:sp>
       <p:sp>
@@ -4876,7 +4874,7 @@
     </p:spTree>
     <p:extLst>
       <p:ext uri="{BB962C8B-B14F-4D97-AF65-F5344CB8AC3E}">
-        <p14:creationId xmlns:p14="http://schemas.microsoft.com/office/powerpoint/2010/main" val="693361776"/>
+        <p14:creationId xmlns:p14="http://schemas.microsoft.com/office/powerpoint/2010/main" val="903376720"/>
       </p:ext>
     </p:extLst>
   </p:cSld>
@@ -5007,7 +5005,7 @@
     </p:spTree>
     <p:extLst>
       <p:ext uri="{BB962C8B-B14F-4D97-AF65-F5344CB8AC3E}">
-        <p14:creationId xmlns:p14="http://schemas.microsoft.com/office/powerpoint/2010/main" val="63757731"/>
+        <p14:creationId xmlns:p14="http://schemas.microsoft.com/office/powerpoint/2010/main" val="693361776"/>
       </p:ext>
     </p:extLst>
   </p:cSld>
@@ -5062,27 +5060,52 @@
           <a:lstStyle/>
           <a:p>
             <a:r>
+              <a:rPr lang="zh-CN" altLang="en-CN" dirty="0"/>
+              <a:t>李传艺</a:t>
+            </a:r>
+            <a:r>
+              <a:rPr lang="zh-CN" altLang="en-US" dirty="0"/>
+              <a:t>在对于</a:t>
+            </a:r>
+            <a:r>
+              <a:rPr lang="en-US" altLang="zh-CN" dirty="0"/>
+              <a:t>word</a:t>
+            </a:r>
+            <a:r>
+              <a:rPr lang="zh-CN" altLang="en-US" dirty="0"/>
+              <a:t>文档里的要求把流计算分成了：「流准备和监听、流计算、计算结果动态展示」</a:t>
+            </a:r>
+            <a:endParaRPr lang="en-US" altLang="zh-CN" dirty="0"/>
+          </a:p>
+          <a:p>
+            <a:r>
+              <a:rPr lang="zh-CN" altLang="en-US" dirty="0"/>
+              <a:t>我写了两页的第二步流计算，因为我觉得这个部分可能比较多</a:t>
+            </a:r>
+            <a:endParaRPr lang="en-US" altLang="zh-CN" dirty="0"/>
+          </a:p>
+          <a:p>
+            <a:endParaRPr lang="en-US" altLang="zh-CN" dirty="0"/>
+          </a:p>
+          <a:p>
+            <a:r>
+              <a:rPr lang="zh-CN" altLang="en-US" dirty="0"/>
+              <a:t>你看一下是按照他那么来，还是说你按照三个进程一个一个说明，或者别的更合适的</a:t>
+            </a:r>
+            <a:endParaRPr lang="en-CN" dirty="0"/>
+          </a:p>
+          <a:p>
+            <a:r>
               <a:rPr lang="en-CN" dirty="0"/>
-              <a:t>附上关键代码说明一下streaming的计算步骤中遇到的问题</a:t>
-            </a:r>
-          </a:p>
-          <a:p>
-            <a:r>
-              <a:rPr lang="en-CN" dirty="0"/>
-              <a:t>空白部分放代码截图</a:t>
+              <a:t>附上关键代码说明一下streaming的计算步骤</a:t>
             </a:r>
             <a:r>
               <a:rPr lang="zh-CN" altLang="en-US" dirty="0"/>
-              <a:t>，问题根据实际遇到的问题替换我</a:t>
-            </a:r>
-            <a:r>
-              <a:rPr lang="en-US" altLang="zh-CN" dirty="0"/>
-              <a:t>dummy</a:t>
-            </a:r>
-            <a:r>
-              <a:rPr lang="zh-CN" altLang="en-US" dirty="0"/>
-              <a:t>的内容</a:t>
-            </a:r>
+              <a:t>，有三个进程，就写三页，贴上关键代码</a:t>
+            </a:r>
+            <a:endParaRPr lang="en-CN" dirty="0"/>
+          </a:p>
+          <a:p>
             <a:endParaRPr lang="en-CN" dirty="0"/>
           </a:p>
         </p:txBody>
@@ -5113,7 +5136,7 @@
     </p:spTree>
     <p:extLst>
       <p:ext uri="{BB962C8B-B14F-4D97-AF65-F5344CB8AC3E}">
-        <p14:creationId xmlns:p14="http://schemas.microsoft.com/office/powerpoint/2010/main" val="972502216"/>
+        <p14:creationId xmlns:p14="http://schemas.microsoft.com/office/powerpoint/2010/main" val="63757731"/>
       </p:ext>
     </p:extLst>
   </p:cSld>
@@ -5219,7 +5242,7 @@
     </p:spTree>
     <p:extLst>
       <p:ext uri="{BB962C8B-B14F-4D97-AF65-F5344CB8AC3E}">
-        <p14:creationId xmlns:p14="http://schemas.microsoft.com/office/powerpoint/2010/main" val="2027274289"/>
+        <p14:creationId xmlns:p14="http://schemas.microsoft.com/office/powerpoint/2010/main" val="972502216"/>
       </p:ext>
     </p:extLst>
   </p:cSld>
@@ -5409,7 +5432,7 @@
     </p:spTree>
     <p:extLst>
       <p:ext uri="{BB962C8B-B14F-4D97-AF65-F5344CB8AC3E}">
-        <p14:creationId xmlns:p14="http://schemas.microsoft.com/office/powerpoint/2010/main" val="682494559"/>
+        <p14:creationId xmlns:p14="http://schemas.microsoft.com/office/powerpoint/2010/main" val="2027274289"/>
       </p:ext>
     </p:extLst>
   </p:cSld>
@@ -5515,7 +5538,7 @@
     </p:spTree>
     <p:extLst>
       <p:ext uri="{BB962C8B-B14F-4D97-AF65-F5344CB8AC3E}">
-        <p14:creationId xmlns:p14="http://schemas.microsoft.com/office/powerpoint/2010/main" val="1415296903"/>
+        <p14:creationId xmlns:p14="http://schemas.microsoft.com/office/powerpoint/2010/main" val="682494559"/>
       </p:ext>
     </p:extLst>
   </p:cSld>
@@ -5570,142 +5593,27 @@
           <a:lstStyle/>
           <a:p>
             <a:r>
-              <a:rPr lang="ja-JP" altLang="en-US">
-                <a:effectLst/>
-              </a:rPr>
-              <a:t>针对业务问题「统计特定时间段内热度靠前的领域并比较各领域热度」</a:t>
-            </a:r>
-            <a:endParaRPr lang="en-US" altLang="ja-JP" dirty="0">
-              <a:effectLst/>
-            </a:endParaRPr>
-          </a:p>
-          <a:p>
-            <a:endParaRPr lang="en-US" altLang="ja-JP" dirty="0">
-              <a:effectLst/>
-            </a:endParaRPr>
-          </a:p>
-          <a:p>
-            <a:r>
-              <a:rPr lang="ja-JP" altLang="en-US">
-                <a:effectLst/>
-              </a:rPr>
-              <a:t>用户选择要统计的时间段（默认为</a:t>
-            </a:r>
-            <a:r>
-              <a:rPr lang="en-US" altLang="ja-JP" dirty="0">
-                <a:effectLst/>
-              </a:rPr>
-              <a:t>5</a:t>
-            </a:r>
-            <a:r>
-              <a:rPr lang="ja-JP" altLang="en-US">
-                <a:effectLst/>
-              </a:rPr>
-              <a:t>年）之后，计算各领域在该时间段内的作者数和产出的论文数，</a:t>
-            </a:r>
-            <a:endParaRPr lang="en-US" altLang="ja-JP" dirty="0">
-              <a:effectLst/>
-            </a:endParaRPr>
-          </a:p>
-          <a:p>
-            <a:r>
-              <a:rPr lang="ja-JP" altLang="en-US">
-                <a:effectLst/>
-              </a:rPr>
-              <a:t>并以论文数作为该领域热度的标准进行排名，返回前</a:t>
-            </a:r>
-            <a:r>
-              <a:rPr lang="en-US" altLang="ja-JP" dirty="0">
-                <a:effectLst/>
-              </a:rPr>
-              <a:t>20</a:t>
-            </a:r>
-            <a:r>
-              <a:rPr lang="ja-JP" altLang="en-US">
-                <a:effectLst/>
-              </a:rPr>
-              <a:t>个领域，并用表格和饼图来展示</a:t>
-            </a:r>
-            <a:endParaRPr lang="en-US" altLang="ja-JP" dirty="0">
-              <a:effectLst/>
-            </a:endParaRPr>
-          </a:p>
-          <a:p>
-            <a:endParaRPr lang="en-US" altLang="ja-JP" dirty="0">
-              <a:effectLst/>
-            </a:endParaRPr>
-          </a:p>
-          <a:p>
-            <a:r>
-              <a:rPr lang="ja-JP" altLang="en-US">
-                <a:effectLst/>
-              </a:rPr>
-              <a:t>表格按照热度的降序展示各个领域的基本信息；饼图中则按照论文数量设置各区域的大小，直观比较各领域的热门程度。</a:t>
-            </a:r>
-            <a:endParaRPr lang="en-US" altLang="ja-JP" dirty="0">
-              <a:effectLst/>
-            </a:endParaRPr>
-          </a:p>
-          <a:p>
-            <a:r>
-              <a:rPr lang="ja-JP" altLang="en-US">
-                <a:effectLst/>
-              </a:rPr>
-              <a:t>用户可以由此把握近年来各领域的发展趋势，抓住当前的热门领域。</a:t>
-            </a:r>
-            <a:endParaRPr lang="en-US" altLang="ja-JP" dirty="0">
-              <a:effectLst/>
-            </a:endParaRPr>
-          </a:p>
-          <a:p>
-            <a:endParaRPr lang="ja-JP" altLang="en-US">
-              <a:effectLst/>
-            </a:endParaRPr>
-          </a:p>
-          <a:p>
-            <a:r>
-              <a:rPr lang="ja-JP" altLang="en-US">
-                <a:effectLst/>
-              </a:rPr>
-              <a:t>例如，正如我们所猜测的，近年来算力的大幅提升和深度学习技术的广泛应用，使得</a:t>
-            </a:r>
-            <a:r>
-              <a:rPr lang="en-US" dirty="0">
-                <a:effectLst/>
-              </a:rPr>
-              <a:t>AI</a:t>
-            </a:r>
-            <a:r>
-              <a:rPr lang="ja-JP" altLang="en-US">
-                <a:effectLst/>
-              </a:rPr>
-              <a:t>领域以及</a:t>
-            </a:r>
-            <a:r>
-              <a:rPr lang="en-US" dirty="0">
-                <a:effectLst/>
-              </a:rPr>
-              <a:t>CV、NLP</a:t>
-            </a:r>
-            <a:r>
-              <a:rPr lang="ja-JP" altLang="en-US">
-                <a:effectLst/>
-              </a:rPr>
-              <a:t>等应用深度学习技术的子领域在热门程度上独占鳌头。</a:t>
-            </a:r>
-            <a:endParaRPr lang="en-US" altLang="ja-JP" dirty="0">
-              <a:effectLst/>
-            </a:endParaRPr>
-          </a:p>
-          <a:p>
-            <a:r>
-              <a:rPr lang="ja-JP" altLang="en-US">
-                <a:effectLst/>
-              </a:rPr>
-              <a:t>这反映了这些领域存在大量可供探索的新问题和亟待优化的旧方法，存在较为广阔的研究前景，是值得关注的热门领域。</a:t>
-            </a:r>
-          </a:p>
-          <a:p>
+              <a:rPr lang="en-CN" dirty="0"/>
+              <a:t>附上关键代码说明一下streaming的计算步骤中遇到的问题</a:t>
+            </a:r>
+          </a:p>
+          <a:p>
+            <a:r>
+              <a:rPr lang="en-CN" dirty="0"/>
+              <a:t>空白部分放代码截图</a:t>
+            </a:r>
+            <a:r>
+              <a:rPr lang="zh-CN" altLang="en-US" dirty="0"/>
+              <a:t>，问题根据实际遇到的问题替换我</a:t>
+            </a:r>
+            <a:r>
+              <a:rPr lang="en-US" altLang="zh-CN" dirty="0"/>
+              <a:t>dummy</a:t>
+            </a:r>
+            <a:r>
+              <a:rPr lang="zh-CN" altLang="en-US" dirty="0"/>
+              <a:t>的内容</a:t>
+            </a:r>
             <a:endParaRPr lang="en-CN" dirty="0"/>
           </a:p>
         </p:txBody>
@@ -5736,7 +5644,7 @@
     </p:spTree>
     <p:extLst>
       <p:ext uri="{BB962C8B-B14F-4D97-AF65-F5344CB8AC3E}">
-        <p14:creationId xmlns:p14="http://schemas.microsoft.com/office/powerpoint/2010/main" val="3581129492"/>
+        <p14:creationId xmlns:p14="http://schemas.microsoft.com/office/powerpoint/2010/main" val="1415296903"/>
       </p:ext>
     </p:extLst>
   </p:cSld>
@@ -5791,300 +5699,139 @@
           <a:lstStyle/>
           <a:p>
             <a:r>
-              <a:rPr lang="ja-JP" altLang="en-US" sz="1200" b="0" i="0" u="none" strike="noStrike" kern="1200">
-                <a:solidFill>
-                  <a:schemeClr val="tx1"/>
-                </a:solidFill>
+              <a:rPr lang="ja-JP" altLang="en-US">
                 <a:effectLst/>
-                <a:latin typeface="+mn-lt"/>
-                <a:ea typeface="+mn-ea"/>
-                <a:cs typeface="+mn-cs"/>
-              </a:rPr>
-              <a:t>针对业务问题「统计特定时间段内某领域的论文发表数量变化趋势」，</a:t>
-            </a:r>
-            <a:endParaRPr lang="en-US" altLang="ja-JP" sz="1200" b="0" i="0" u="none" strike="noStrike" kern="1200" dirty="0">
-              <a:solidFill>
-                <a:schemeClr val="tx1"/>
-              </a:solidFill>
+              </a:rPr>
+              <a:t>针对业务问题「统计特定时间段内热度靠前的领域并比较各领域热度」</a:t>
+            </a:r>
+            <a:endParaRPr lang="en-US" altLang="ja-JP" dirty="0">
               <a:effectLst/>
-              <a:latin typeface="+mn-lt"/>
-              <a:ea typeface="+mn-ea"/>
-              <a:cs typeface="+mn-cs"/>
             </a:endParaRPr>
           </a:p>
           <a:p>
-            <a:endParaRPr lang="en-US" altLang="ja-JP" sz="1200" b="0" i="0" u="none" strike="noStrike" kern="1200" dirty="0">
-              <a:solidFill>
-                <a:schemeClr val="tx1"/>
-              </a:solidFill>
+            <a:endParaRPr lang="en-US" altLang="ja-JP" dirty="0">
               <a:effectLst/>
-              <a:latin typeface="+mn-lt"/>
-              <a:ea typeface="+mn-ea"/>
-              <a:cs typeface="+mn-cs"/>
             </a:endParaRPr>
           </a:p>
           <a:p>
             <a:r>
-              <a:rPr lang="ja-JP" altLang="en-US" sz="1200" b="0" i="0" u="none" strike="noStrike" kern="1200">
-                <a:solidFill>
-                  <a:schemeClr val="tx1"/>
-                </a:solidFill>
+              <a:rPr lang="ja-JP" altLang="en-US">
                 <a:effectLst/>
-                <a:latin typeface="+mn-lt"/>
-                <a:ea typeface="+mn-ea"/>
-                <a:cs typeface="+mn-cs"/>
-              </a:rPr>
-              <a:t>根据用户输入的统计年份数以及在表格中选择的领域信息，计算该领域在该时间段内每年的论文产出</a:t>
-            </a:r>
-            <a:endParaRPr lang="en-US" altLang="ja-JP" sz="1200" b="0" i="0" u="none" strike="noStrike" kern="1200" dirty="0">
-              <a:solidFill>
-                <a:schemeClr val="tx1"/>
-              </a:solidFill>
+              </a:rPr>
+              <a:t>用户选择要统计的时间段（默认为</a:t>
+            </a:r>
+            <a:r>
+              <a:rPr lang="en-US" altLang="ja-JP" dirty="0">
+                <a:effectLst/>
+              </a:rPr>
+              <a:t>5</a:t>
+            </a:r>
+            <a:r>
+              <a:rPr lang="ja-JP" altLang="en-US">
+                <a:effectLst/>
+              </a:rPr>
+              <a:t>年）之后，计算各领域在该时间段内的作者数和产出的论文数，</a:t>
+            </a:r>
+            <a:endParaRPr lang="en-US" altLang="ja-JP" dirty="0">
               <a:effectLst/>
-              <a:latin typeface="+mn-lt"/>
-              <a:ea typeface="+mn-ea"/>
-              <a:cs typeface="+mn-cs"/>
             </a:endParaRPr>
           </a:p>
           <a:p>
-            <a:endParaRPr lang="en-US" altLang="ja-JP" sz="1200" b="0" i="0" u="none" strike="noStrike" kern="1200" dirty="0">
-              <a:solidFill>
-                <a:schemeClr val="tx1"/>
-              </a:solidFill>
+            <a:r>
+              <a:rPr lang="ja-JP" altLang="en-US">
+                <a:effectLst/>
+              </a:rPr>
+              <a:t>并以论文数作为该领域热度的标准进行排名，返回前</a:t>
+            </a:r>
+            <a:r>
+              <a:rPr lang="en-US" altLang="ja-JP" dirty="0">
+                <a:effectLst/>
+              </a:rPr>
+              <a:t>20</a:t>
+            </a:r>
+            <a:r>
+              <a:rPr lang="ja-JP" altLang="en-US">
+                <a:effectLst/>
+              </a:rPr>
+              <a:t>个领域，并用表格和饼图来展示</a:t>
+            </a:r>
+            <a:endParaRPr lang="en-US" altLang="ja-JP" dirty="0">
               <a:effectLst/>
-              <a:latin typeface="+mn-lt"/>
-              <a:ea typeface="+mn-ea"/>
-              <a:cs typeface="+mn-cs"/>
             </a:endParaRPr>
           </a:p>
           <a:p>
-            <a:r>
-              <a:rPr lang="ja-JP" altLang="en-US" sz="1200" b="0" i="0" u="none" strike="noStrike" kern="1200">
-                <a:solidFill>
-                  <a:schemeClr val="tx1"/>
-                </a:solidFill>
+            <a:endParaRPr lang="en-US" altLang="ja-JP" dirty="0">
+              <a:effectLst/>
+            </a:endParaRPr>
+          </a:p>
+          <a:p>
+            <a:r>
+              <a:rPr lang="ja-JP" altLang="en-US">
                 <a:effectLst/>
-                <a:latin typeface="+mn-lt"/>
-                <a:ea typeface="+mn-ea"/>
-                <a:cs typeface="+mn-cs"/>
-              </a:rPr>
-              <a:t>论文发表数是领域热度的晴雨表：</a:t>
-            </a:r>
-            <a:endParaRPr lang="en-US" altLang="ja-JP" sz="1200" b="0" i="0" u="none" strike="noStrike" kern="1200" dirty="0">
-              <a:solidFill>
-                <a:schemeClr val="tx1"/>
-              </a:solidFill>
+              </a:rPr>
+              <a:t>表格按照热度的降序展示各个领域的基本信息；饼图中则按照论文数量设置各区域的大小，直观比较各领域的热门程度。</a:t>
+            </a:r>
+            <a:endParaRPr lang="en-US" altLang="ja-JP" dirty="0">
               <a:effectLst/>
-              <a:latin typeface="+mn-lt"/>
-              <a:ea typeface="+mn-ea"/>
-              <a:cs typeface="+mn-cs"/>
             </a:endParaRPr>
           </a:p>
           <a:p>
-            <a:pPr marL="171450" indent="-171450">
-              <a:buFontTx/>
-              <a:buChar char="-"/>
-            </a:pPr>
-            <a:r>
-              <a:rPr lang="ja-JP" altLang="en-US" sz="1200" b="0" i="0" u="none" strike="noStrike" kern="1200">
-                <a:solidFill>
-                  <a:schemeClr val="tx1"/>
-                </a:solidFill>
+            <a:r>
+              <a:rPr lang="ja-JP" altLang="en-US">
                 <a:effectLst/>
-                <a:latin typeface="+mn-lt"/>
-                <a:ea typeface="+mn-ea"/>
-                <a:cs typeface="+mn-cs"/>
-              </a:rPr>
-              <a:t>当论文数量逐步上升，说明当前领域方兴未艾，可探索空间较广；</a:t>
-            </a:r>
-            <a:endParaRPr lang="en-US" altLang="ja-JP" sz="1200" b="0" i="0" u="none" strike="noStrike" kern="1200" dirty="0">
-              <a:solidFill>
-                <a:schemeClr val="tx1"/>
-              </a:solidFill>
+              </a:rPr>
+              <a:t>用户可以由此把握近年来各领域的发展趋势，抓住当前的热门领域。</a:t>
+            </a:r>
+            <a:endParaRPr lang="en-US" altLang="ja-JP" dirty="0">
               <a:effectLst/>
-              <a:latin typeface="+mn-lt"/>
-              <a:ea typeface="+mn-ea"/>
-              <a:cs typeface="+mn-cs"/>
             </a:endParaRPr>
           </a:p>
           <a:p>
-            <a:pPr marL="171450" indent="-171450">
-              <a:buFontTx/>
-              <a:buChar char="-"/>
-            </a:pPr>
-            <a:r>
-              <a:rPr lang="ja-JP" altLang="en-US" sz="1200" b="0" i="0" u="none" strike="noStrike" kern="1200">
-                <a:solidFill>
-                  <a:schemeClr val="tx1"/>
-                </a:solidFill>
+            <a:endParaRPr lang="ja-JP" altLang="en-US">
+              <a:effectLst/>
+            </a:endParaRPr>
+          </a:p>
+          <a:p>
+            <a:r>
+              <a:rPr lang="ja-JP" altLang="en-US">
                 <a:effectLst/>
-                <a:latin typeface="+mn-lt"/>
-                <a:ea typeface="+mn-ea"/>
-                <a:cs typeface="+mn-cs"/>
-              </a:rPr>
-              <a:t>当论文数量逐年下降，说明当前领域可能正走向寒冬，在之后一段时间可能处于艰难期；</a:t>
-            </a:r>
-            <a:endParaRPr lang="en-US" altLang="ja-JP" sz="1200" b="0" i="0" u="none" strike="noStrike" kern="1200" dirty="0">
-              <a:solidFill>
-                <a:schemeClr val="tx1"/>
-              </a:solidFill>
+              </a:rPr>
+              <a:t>例如，正如我们所猜测的，近年来算力的大幅提升和深度学习技术的广泛应用，使得</a:t>
+            </a:r>
+            <a:r>
+              <a:rPr lang="en-US" dirty="0">
+                <a:effectLst/>
+              </a:rPr>
+              <a:t>AI</a:t>
+            </a:r>
+            <a:r>
+              <a:rPr lang="ja-JP" altLang="en-US">
+                <a:effectLst/>
+              </a:rPr>
+              <a:t>领域以及</a:t>
+            </a:r>
+            <a:r>
+              <a:rPr lang="en-US" dirty="0">
+                <a:effectLst/>
+              </a:rPr>
+              <a:t>CV、NLP</a:t>
+            </a:r>
+            <a:r>
+              <a:rPr lang="ja-JP" altLang="en-US">
+                <a:effectLst/>
+              </a:rPr>
+              <a:t>等应用深度学习技术的子领域在热门程度上独占鳌头。</a:t>
+            </a:r>
+            <a:endParaRPr lang="en-US" altLang="ja-JP" dirty="0">
               <a:effectLst/>
-              <a:latin typeface="+mn-lt"/>
-              <a:ea typeface="+mn-ea"/>
-              <a:cs typeface="+mn-cs"/>
             </a:endParaRPr>
           </a:p>
           <a:p>
-            <a:pPr marL="171450" indent="-171450">
-              <a:buFontTx/>
-              <a:buChar char="-"/>
-            </a:pPr>
-            <a:r>
-              <a:rPr lang="ja-JP" altLang="en-US" sz="1200" b="0" i="0" u="none" strike="noStrike" kern="1200">
-                <a:solidFill>
-                  <a:schemeClr val="tx1"/>
-                </a:solidFill>
+            <a:r>
+              <a:rPr lang="ja-JP" altLang="en-US">
                 <a:effectLst/>
-                <a:latin typeface="+mn-lt"/>
-                <a:ea typeface="+mn-ea"/>
-                <a:cs typeface="+mn-cs"/>
-              </a:rPr>
-              <a:t>当论文数量居高不下，意味着虽然领域本身势头强劲，但是也存在着竞争激烈、鱼龙混杂等问题。</a:t>
-            </a:r>
-            <a:endParaRPr lang="en-US" altLang="ja-JP" sz="1200" b="0" i="0" u="none" strike="noStrike" kern="1200" dirty="0">
-              <a:solidFill>
-                <a:schemeClr val="tx1"/>
-              </a:solidFill>
-              <a:effectLst/>
-              <a:latin typeface="+mn-lt"/>
-              <a:ea typeface="+mn-ea"/>
-              <a:cs typeface="+mn-cs"/>
-            </a:endParaRPr>
-          </a:p>
-          <a:p>
-            <a:pPr marL="171450" indent="-171450">
-              <a:buFontTx/>
-              <a:buChar char="-"/>
-            </a:pPr>
-            <a:endParaRPr lang="en-US" altLang="ja-JP" sz="1200" b="0" i="0" u="none" strike="noStrike" kern="1200" dirty="0">
-              <a:solidFill>
-                <a:schemeClr val="tx1"/>
-              </a:solidFill>
-              <a:effectLst/>
-              <a:latin typeface="+mn-lt"/>
-              <a:ea typeface="+mn-ea"/>
-              <a:cs typeface="+mn-cs"/>
-            </a:endParaRPr>
-          </a:p>
-          <a:p>
-            <a:pPr marL="171450" indent="-171450">
-              <a:buFontTx/>
-              <a:buChar char="-"/>
-            </a:pPr>
-            <a:endParaRPr lang="ja-JP" altLang="en-US" sz="1200" b="0" i="0" u="none" strike="noStrike" kern="1200">
-              <a:solidFill>
-                <a:schemeClr val="tx1"/>
-              </a:solidFill>
-              <a:effectLst/>
-              <a:latin typeface="+mn-lt"/>
-              <a:ea typeface="+mn-ea"/>
-              <a:cs typeface="+mn-cs"/>
-            </a:endParaRPr>
-          </a:p>
-          <a:p>
-            <a:r>
-              <a:rPr lang="ja-JP" altLang="en-US" sz="1200" b="0" i="0" u="none" strike="noStrike" kern="1200">
-                <a:solidFill>
-                  <a:schemeClr val="tx1"/>
-                </a:solidFill>
-                <a:effectLst/>
-                <a:latin typeface="+mn-lt"/>
-                <a:ea typeface="+mn-ea"/>
-                <a:cs typeface="+mn-cs"/>
-              </a:rPr>
-              <a:t>另一个值得关注论文发表数的理由在于：某一领域内部也存在“大小年”的区别，例如在具有重要启发意义的</a:t>
-            </a:r>
-            <a:r>
-              <a:rPr lang="en-US" sz="1200" b="0" i="0" u="none" strike="noStrike" kern="1200" dirty="0">
-                <a:solidFill>
-                  <a:schemeClr val="tx1"/>
-                </a:solidFill>
-                <a:effectLst/>
-                <a:latin typeface="+mn-lt"/>
-                <a:ea typeface="+mn-ea"/>
-                <a:cs typeface="+mn-cs"/>
-              </a:rPr>
-              <a:t>GAN</a:t>
-            </a:r>
-            <a:r>
-              <a:rPr lang="ja-JP" altLang="en-US" sz="1200" b="0" i="0" u="none" strike="noStrike" kern="1200">
-                <a:solidFill>
-                  <a:schemeClr val="tx1"/>
-                </a:solidFill>
-                <a:effectLst/>
-                <a:latin typeface="+mn-lt"/>
-                <a:ea typeface="+mn-ea"/>
-                <a:cs typeface="+mn-cs"/>
-              </a:rPr>
-              <a:t>提出之后，必然在之后的几年内引起</a:t>
-            </a:r>
-            <a:r>
-              <a:rPr lang="en-US" sz="1200" b="0" i="0" u="none" strike="noStrike" kern="1200" dirty="0">
-                <a:solidFill>
-                  <a:schemeClr val="tx1"/>
-                </a:solidFill>
-                <a:effectLst/>
-                <a:latin typeface="+mn-lt"/>
-                <a:ea typeface="+mn-ea"/>
-                <a:cs typeface="+mn-cs"/>
-              </a:rPr>
-              <a:t>GAN</a:t>
-            </a:r>
-            <a:r>
-              <a:rPr lang="ja-JP" altLang="en-US" sz="1200" b="0" i="0" u="none" strike="noStrike" kern="1200">
-                <a:solidFill>
-                  <a:schemeClr val="tx1"/>
-                </a:solidFill>
-                <a:effectLst/>
-                <a:latin typeface="+mn-lt"/>
-                <a:ea typeface="+mn-ea"/>
-                <a:cs typeface="+mn-cs"/>
-              </a:rPr>
-              <a:t>应用论文发表的热潮，</a:t>
-            </a:r>
-            <a:endParaRPr lang="en-US" altLang="ja-JP" sz="1200" b="0" i="0" u="none" strike="noStrike" kern="1200" dirty="0">
-              <a:solidFill>
-                <a:schemeClr val="tx1"/>
-              </a:solidFill>
-              <a:effectLst/>
-              <a:latin typeface="+mn-lt"/>
-              <a:ea typeface="+mn-ea"/>
-              <a:cs typeface="+mn-cs"/>
-            </a:endParaRPr>
-          </a:p>
-          <a:p>
-            <a:endParaRPr lang="en-US" altLang="ja-JP" sz="1200" b="0" i="0" u="none" strike="noStrike" kern="1200" dirty="0">
-              <a:solidFill>
-                <a:schemeClr val="tx1"/>
-              </a:solidFill>
-              <a:effectLst/>
-              <a:latin typeface="+mn-lt"/>
-              <a:ea typeface="+mn-ea"/>
-              <a:cs typeface="+mn-cs"/>
-            </a:endParaRPr>
-          </a:p>
-          <a:p>
-            <a:r>
-              <a:rPr lang="ja-JP" altLang="en-US" sz="1200" b="0" i="0" u="none" strike="noStrike" kern="1200">
-                <a:solidFill>
-                  <a:schemeClr val="tx1"/>
-                </a:solidFill>
-                <a:effectLst/>
-                <a:latin typeface="+mn-lt"/>
-                <a:ea typeface="+mn-ea"/>
-                <a:cs typeface="+mn-cs"/>
-              </a:rPr>
-              <a:t>通过关心这样的数量变化趋势，能够帮助我们把握该领域一些重要论文的影响，对领域热度的变化有更加清晰直观的了解。</a:t>
+              </a:rPr>
+              <a:t>这反映了这些领域存在大量可供探索的新问题和亟待优化的旧方法，存在较为广阔的研究前景，是值得关注的热门领域。</a:t>
             </a:r>
           </a:p>
           <a:p>
@@ -6118,7 +5865,7 @@
     </p:spTree>
     <p:extLst>
       <p:ext uri="{BB962C8B-B14F-4D97-AF65-F5344CB8AC3E}">
-        <p14:creationId xmlns:p14="http://schemas.microsoft.com/office/powerpoint/2010/main" val="309100680"/>
+        <p14:creationId xmlns:p14="http://schemas.microsoft.com/office/powerpoint/2010/main" val="3581129492"/>
       </p:ext>
     </p:extLst>
   </p:cSld>
@@ -6182,7 +5929,7 @@
                 <a:ea typeface="+mn-ea"/>
                 <a:cs typeface="+mn-cs"/>
               </a:rPr>
-              <a:t>针对业务问题「统计特定时间段内某领域的热门论文和作者」</a:t>
+              <a:t>针对业务问题「统计特定时间段内某领域的论文发表数量变化趋势」，</a:t>
             </a:r>
             <a:endParaRPr lang="en-US" altLang="ja-JP" sz="1200" b="0" i="0" u="none" strike="noStrike" kern="1200" dirty="0">
               <a:solidFill>
@@ -6216,7 +5963,7 @@
                 <a:ea typeface="+mn-ea"/>
                 <a:cs typeface="+mn-cs"/>
               </a:rPr>
-              <a:t>根据用户输入的统计年份数以及在表格中选择的领域信息，计算该领域在该时间段内各篇论文和各个作者的被引用数，</a:t>
+              <a:t>根据用户输入的统计年份数以及在表格中选择的领域信息，计算该领域在该时间段内每年的论文产出</a:t>
             </a:r>
             <a:endParaRPr lang="en-US" altLang="ja-JP" sz="1200" b="0" i="0" u="none" strike="noStrike" kern="1200" dirty="0">
               <a:solidFill>
@@ -6229,67 +5976,7 @@
             </a:endParaRPr>
           </a:p>
           <a:p>
-            <a:r>
-              <a:rPr lang="ja-JP" altLang="en-US" sz="1200" b="0" i="0" u="none" strike="noStrike" kern="1200">
-                <a:solidFill>
-                  <a:schemeClr val="tx1"/>
-                </a:solidFill>
-                <a:effectLst/>
-                <a:latin typeface="+mn-lt"/>
-                <a:ea typeface="+mn-ea"/>
-                <a:cs typeface="+mn-cs"/>
-              </a:rPr>
-              <a:t>并返回被引用数最高的前</a:t>
-            </a:r>
-            <a:r>
-              <a:rPr lang="en-US" altLang="ja-JP" sz="1200" b="0" i="0" u="none" strike="noStrike" kern="1200" dirty="0">
-                <a:solidFill>
-                  <a:schemeClr val="tx1"/>
-                </a:solidFill>
-                <a:effectLst/>
-                <a:latin typeface="+mn-lt"/>
-                <a:ea typeface="+mn-ea"/>
-                <a:cs typeface="+mn-cs"/>
-              </a:rPr>
-              <a:t>10</a:t>
-            </a:r>
-            <a:r>
-              <a:rPr lang="ja-JP" altLang="en-US" sz="1200" b="0" i="0" u="none" strike="noStrike" kern="1200">
-                <a:solidFill>
-                  <a:schemeClr val="tx1"/>
-                </a:solidFill>
-                <a:effectLst/>
-                <a:latin typeface="+mn-lt"/>
-                <a:ea typeface="+mn-ea"/>
-                <a:cs typeface="+mn-cs"/>
-              </a:rPr>
-              <a:t>篇论文和前</a:t>
-            </a:r>
-            <a:r>
-              <a:rPr lang="en-US" altLang="ja-JP" sz="1200" b="0" i="0" u="none" strike="noStrike" kern="1200" dirty="0">
-                <a:solidFill>
-                  <a:schemeClr val="tx1"/>
-                </a:solidFill>
-                <a:effectLst/>
-                <a:latin typeface="+mn-lt"/>
-                <a:ea typeface="+mn-ea"/>
-                <a:cs typeface="+mn-cs"/>
-              </a:rPr>
-              <a:t>10</a:t>
-            </a:r>
-            <a:r>
-              <a:rPr lang="ja-JP" altLang="en-US" sz="1200" b="0" i="0" u="none" strike="noStrike" kern="1200">
-                <a:solidFill>
-                  <a:schemeClr val="tx1"/>
-                </a:solidFill>
-                <a:effectLst/>
-                <a:latin typeface="+mn-lt"/>
-                <a:ea typeface="+mn-ea"/>
-                <a:cs typeface="+mn-cs"/>
-              </a:rPr>
-              <a:t>位作者，使用排行榜进行展示。</a:t>
-            </a:r>
-            <a:endParaRPr lang="en-US" altLang="zh-CN" sz="1200" b="0" i="0" u="none" strike="noStrike" kern="1200" dirty="0">
+            <a:endParaRPr lang="en-US" altLang="ja-JP" sz="1200" b="0" i="0" u="none" strike="noStrike" kern="1200" dirty="0">
               <a:solidFill>
                 <a:schemeClr val="tx1"/>
               </a:solidFill>
@@ -6300,6 +5987,129 @@
             </a:endParaRPr>
           </a:p>
           <a:p>
+            <a:r>
+              <a:rPr lang="ja-JP" altLang="en-US" sz="1200" b="0" i="0" u="none" strike="noStrike" kern="1200">
+                <a:solidFill>
+                  <a:schemeClr val="tx1"/>
+                </a:solidFill>
+                <a:effectLst/>
+                <a:latin typeface="+mn-lt"/>
+                <a:ea typeface="+mn-ea"/>
+                <a:cs typeface="+mn-cs"/>
+              </a:rPr>
+              <a:t>论文发表数是领域热度的晴雨表：</a:t>
+            </a:r>
+            <a:endParaRPr lang="en-US" altLang="ja-JP" sz="1200" b="0" i="0" u="none" strike="noStrike" kern="1200" dirty="0">
+              <a:solidFill>
+                <a:schemeClr val="tx1"/>
+              </a:solidFill>
+              <a:effectLst/>
+              <a:latin typeface="+mn-lt"/>
+              <a:ea typeface="+mn-ea"/>
+              <a:cs typeface="+mn-cs"/>
+            </a:endParaRPr>
+          </a:p>
+          <a:p>
+            <a:pPr marL="171450" indent="-171450">
+              <a:buFontTx/>
+              <a:buChar char="-"/>
+            </a:pPr>
+            <a:r>
+              <a:rPr lang="ja-JP" altLang="en-US" sz="1200" b="0" i="0" u="none" strike="noStrike" kern="1200">
+                <a:solidFill>
+                  <a:schemeClr val="tx1"/>
+                </a:solidFill>
+                <a:effectLst/>
+                <a:latin typeface="+mn-lt"/>
+                <a:ea typeface="+mn-ea"/>
+                <a:cs typeface="+mn-cs"/>
+              </a:rPr>
+              <a:t>当论文数量逐步上升，说明当前领域方兴未艾，可探索空间较广；</a:t>
+            </a:r>
+            <a:endParaRPr lang="en-US" altLang="ja-JP" sz="1200" b="0" i="0" u="none" strike="noStrike" kern="1200" dirty="0">
+              <a:solidFill>
+                <a:schemeClr val="tx1"/>
+              </a:solidFill>
+              <a:effectLst/>
+              <a:latin typeface="+mn-lt"/>
+              <a:ea typeface="+mn-ea"/>
+              <a:cs typeface="+mn-cs"/>
+            </a:endParaRPr>
+          </a:p>
+          <a:p>
+            <a:pPr marL="171450" indent="-171450">
+              <a:buFontTx/>
+              <a:buChar char="-"/>
+            </a:pPr>
+            <a:r>
+              <a:rPr lang="ja-JP" altLang="en-US" sz="1200" b="0" i="0" u="none" strike="noStrike" kern="1200">
+                <a:solidFill>
+                  <a:schemeClr val="tx1"/>
+                </a:solidFill>
+                <a:effectLst/>
+                <a:latin typeface="+mn-lt"/>
+                <a:ea typeface="+mn-ea"/>
+                <a:cs typeface="+mn-cs"/>
+              </a:rPr>
+              <a:t>当论文数量逐年下降，说明当前领域可能正走向寒冬，在之后一段时间可能处于艰难期；</a:t>
+            </a:r>
+            <a:endParaRPr lang="en-US" altLang="ja-JP" sz="1200" b="0" i="0" u="none" strike="noStrike" kern="1200" dirty="0">
+              <a:solidFill>
+                <a:schemeClr val="tx1"/>
+              </a:solidFill>
+              <a:effectLst/>
+              <a:latin typeface="+mn-lt"/>
+              <a:ea typeface="+mn-ea"/>
+              <a:cs typeface="+mn-cs"/>
+            </a:endParaRPr>
+          </a:p>
+          <a:p>
+            <a:pPr marL="171450" indent="-171450">
+              <a:buFontTx/>
+              <a:buChar char="-"/>
+            </a:pPr>
+            <a:r>
+              <a:rPr lang="ja-JP" altLang="en-US" sz="1200" b="0" i="0" u="none" strike="noStrike" kern="1200">
+                <a:solidFill>
+                  <a:schemeClr val="tx1"/>
+                </a:solidFill>
+                <a:effectLst/>
+                <a:latin typeface="+mn-lt"/>
+                <a:ea typeface="+mn-ea"/>
+                <a:cs typeface="+mn-cs"/>
+              </a:rPr>
+              <a:t>当论文数量居高不下，意味着虽然领域本身势头强劲，但是也存在着竞争激烈、鱼龙混杂等问题。</a:t>
+            </a:r>
+            <a:endParaRPr lang="en-US" altLang="ja-JP" sz="1200" b="0" i="0" u="none" strike="noStrike" kern="1200" dirty="0">
+              <a:solidFill>
+                <a:schemeClr val="tx1"/>
+              </a:solidFill>
+              <a:effectLst/>
+              <a:latin typeface="+mn-lt"/>
+              <a:ea typeface="+mn-ea"/>
+              <a:cs typeface="+mn-cs"/>
+            </a:endParaRPr>
+          </a:p>
+          <a:p>
+            <a:pPr marL="171450" indent="-171450">
+              <a:buFontTx/>
+              <a:buChar char="-"/>
+            </a:pPr>
+            <a:endParaRPr lang="en-US" altLang="ja-JP" sz="1200" b="0" i="0" u="none" strike="noStrike" kern="1200" dirty="0">
+              <a:solidFill>
+                <a:schemeClr val="tx1"/>
+              </a:solidFill>
+              <a:effectLst/>
+              <a:latin typeface="+mn-lt"/>
+              <a:ea typeface="+mn-ea"/>
+              <a:cs typeface="+mn-cs"/>
+            </a:endParaRPr>
+          </a:p>
+          <a:p>
+            <a:pPr marL="171450" indent="-171450">
+              <a:buFontTx/>
+              <a:buChar char="-"/>
+            </a:pPr>
             <a:endParaRPr lang="ja-JP" altLang="en-US" sz="1200" b="0" i="0" u="none" strike="noStrike" kern="1200">
               <a:solidFill>
                 <a:schemeClr val="tx1"/>
@@ -6321,7 +6131,55 @@
                 <a:ea typeface="+mn-ea"/>
                 <a:cs typeface="+mn-cs"/>
               </a:rPr>
-              <a:t>通过搜索某一领域内热门的论文和作者，我们可以了解到该领域的前沿发展，着眼于该领域内有影响力的工作：</a:t>
+              <a:t>另一个值得关注论文发表数的理由在于：某一领域内部也存在“大小年”的区别，例如在具有重要启发意义的</a:t>
+            </a:r>
+            <a:r>
+              <a:rPr lang="en-US" sz="1200" b="0" i="0" u="none" strike="noStrike" kern="1200" dirty="0">
+                <a:solidFill>
+                  <a:schemeClr val="tx1"/>
+                </a:solidFill>
+                <a:effectLst/>
+                <a:latin typeface="+mn-lt"/>
+                <a:ea typeface="+mn-ea"/>
+                <a:cs typeface="+mn-cs"/>
+              </a:rPr>
+              <a:t>GAN</a:t>
+            </a:r>
+            <a:r>
+              <a:rPr lang="ja-JP" altLang="en-US" sz="1200" b="0" i="0" u="none" strike="noStrike" kern="1200">
+                <a:solidFill>
+                  <a:schemeClr val="tx1"/>
+                </a:solidFill>
+                <a:effectLst/>
+                <a:latin typeface="+mn-lt"/>
+                <a:ea typeface="+mn-ea"/>
+                <a:cs typeface="+mn-cs"/>
+              </a:rPr>
+              <a:t>提出之后，必然在之后的几年内引起</a:t>
+            </a:r>
+            <a:r>
+              <a:rPr lang="en-US" sz="1200" b="0" i="0" u="none" strike="noStrike" kern="1200" dirty="0">
+                <a:solidFill>
+                  <a:schemeClr val="tx1"/>
+                </a:solidFill>
+                <a:effectLst/>
+                <a:latin typeface="+mn-lt"/>
+                <a:ea typeface="+mn-ea"/>
+                <a:cs typeface="+mn-cs"/>
+              </a:rPr>
+              <a:t>GAN</a:t>
+            </a:r>
+            <a:r>
+              <a:rPr lang="ja-JP" altLang="en-US" sz="1200" b="0" i="0" u="none" strike="noStrike" kern="1200">
+                <a:solidFill>
+                  <a:schemeClr val="tx1"/>
+                </a:solidFill>
+                <a:effectLst/>
+                <a:latin typeface="+mn-lt"/>
+                <a:ea typeface="+mn-ea"/>
+                <a:cs typeface="+mn-cs"/>
+              </a:rPr>
+              <a:t>应用论文发表的热潮，</a:t>
             </a:r>
             <a:endParaRPr lang="en-US" altLang="ja-JP" sz="1200" b="0" i="0" u="none" strike="noStrike" kern="1200" dirty="0">
               <a:solidFill>
@@ -6334,22 +6192,6 @@
             </a:endParaRPr>
           </a:p>
           <a:p>
-            <a:pPr marL="171450" indent="-171450">
-              <a:buFontTx/>
-              <a:buChar char="-"/>
-            </a:pPr>
-            <a:r>
-              <a:rPr lang="ja-JP" altLang="en-US" sz="1200" b="0" i="0" u="none" strike="noStrike" kern="1200">
-                <a:solidFill>
-                  <a:schemeClr val="tx1"/>
-                </a:solidFill>
-                <a:effectLst/>
-                <a:latin typeface="+mn-lt"/>
-                <a:ea typeface="+mn-ea"/>
-                <a:cs typeface="+mn-cs"/>
-              </a:rPr>
-              <a:t>那些高引用的论文往往是这一领域的经典论文，是很多后续研究的基石；</a:t>
-            </a:r>
             <a:endParaRPr lang="en-US" altLang="ja-JP" sz="1200" b="0" i="0" u="none" strike="noStrike" kern="1200" dirty="0">
               <a:solidFill>
                 <a:schemeClr val="tx1"/>
@@ -6361,10 +6203,6 @@
             </a:endParaRPr>
           </a:p>
           <a:p>
-            <a:pPr marL="171450" indent="-171450">
-              <a:buFontTx/>
-              <a:buChar char="-"/>
-            </a:pPr>
             <a:r>
               <a:rPr lang="ja-JP" altLang="en-US" sz="1200" b="0" i="0" u="none" strike="noStrike" kern="1200">
                 <a:solidFill>
@@ -6375,7 +6213,7 @@
                 <a:ea typeface="+mn-ea"/>
                 <a:cs typeface="+mn-cs"/>
               </a:rPr>
-              <a:t>而高引用的作者意味着他的工作被同行广泛认可，是值得关注和借鉴的。</a:t>
+              <a:t>通过关心这样的数量变化趋势，能够帮助我们把握该领域一些重要论文的影响，对领域热度的变化有更加清晰直观的了解。</a:t>
             </a:r>
           </a:p>
           <a:p>
@@ -6409,7 +6247,7 @@
     </p:spTree>
     <p:extLst>
       <p:ext uri="{BB962C8B-B14F-4D97-AF65-F5344CB8AC3E}">
-        <p14:creationId xmlns:p14="http://schemas.microsoft.com/office/powerpoint/2010/main" val="3830835449"/>
+        <p14:creationId xmlns:p14="http://schemas.microsoft.com/office/powerpoint/2010/main" val="309100680"/>
       </p:ext>
     </p:extLst>
   </p:cSld>
@@ -6473,7 +6311,7 @@
                 <a:ea typeface="+mn-ea"/>
                 <a:cs typeface="+mn-cs"/>
               </a:rPr>
-              <a:t>针对业务问题「分析特定时间段内各领域的热度变化趋势」</a:t>
+              <a:t>针对业务问题「统计特定时间段内某领域的热门论文和作者」</a:t>
             </a:r>
             <a:endParaRPr lang="en-US" altLang="ja-JP" sz="1200" b="0" i="0" u="none" strike="noStrike" kern="1200" dirty="0">
               <a:solidFill>
@@ -6507,31 +6345,7 @@
                 <a:ea typeface="+mn-ea"/>
                 <a:cs typeface="+mn-cs"/>
               </a:rPr>
-              <a:t>用户选择要统计的时间段（默认为</a:t>
-            </a:r>
-            <a:r>
-              <a:rPr lang="en-US" altLang="ja-JP" sz="1200" b="0" i="0" u="none" strike="noStrike" kern="1200" dirty="0">
-                <a:solidFill>
-                  <a:schemeClr val="tx1"/>
-                </a:solidFill>
-                <a:effectLst/>
-                <a:latin typeface="+mn-lt"/>
-                <a:ea typeface="+mn-ea"/>
-                <a:cs typeface="+mn-cs"/>
-              </a:rPr>
-              <a:t>5</a:t>
-            </a:r>
-            <a:r>
-              <a:rPr lang="ja-JP" altLang="en-US" sz="1200" b="0" i="0" u="none" strike="noStrike" kern="1200">
-                <a:solidFill>
-                  <a:schemeClr val="tx1"/>
-                </a:solidFill>
-                <a:effectLst/>
-                <a:latin typeface="+mn-lt"/>
-                <a:ea typeface="+mn-ea"/>
-                <a:cs typeface="+mn-cs"/>
-              </a:rPr>
-              <a:t>年）之后，计算各领域在该时间段内每个月产出的论文数，</a:t>
+              <a:t>根据用户输入的统计年份数以及在表格中选择的领域信息，计算该领域在该时间段内各篇论文和各个作者的被引用数，</a:t>
             </a:r>
             <a:endParaRPr lang="en-US" altLang="ja-JP" sz="1200" b="0" i="0" u="none" strike="noStrike" kern="1200" dirty="0">
               <a:solidFill>
@@ -6554,7 +6368,7 @@
                 <a:ea typeface="+mn-ea"/>
                 <a:cs typeface="+mn-cs"/>
               </a:rPr>
-              <a:t>并以从开始时刻至当前月份的论文总数作为该领域热度的排名，每个月份返回热度最高的前</a:t>
+              <a:t>并返回被引用数最高的前</a:t>
             </a:r>
             <a:r>
               <a:rPr lang="en-US" altLang="ja-JP" sz="1200" b="0" i="0" u="none" strike="noStrike" kern="1200" dirty="0">
@@ -6578,10 +6392,10 @@
                 <a:ea typeface="+mn-ea"/>
                 <a:cs typeface="+mn-cs"/>
               </a:rPr>
-              <a:t>个领域</a:t>
-            </a:r>
-            <a:r>
-              <a:rPr lang="zh-CN" altLang="en-US" sz="1200" b="0" i="0" u="none" strike="noStrike" kern="1200" dirty="0">
+              <a:t>篇论文和前</a:t>
+            </a:r>
+            <a:r>
+              <a:rPr lang="en-US" altLang="ja-JP" sz="1200" b="0" i="0" u="none" strike="noStrike" kern="1200" dirty="0">
                 <a:solidFill>
                   <a:schemeClr val="tx1"/>
                 </a:solidFill>
@@ -6590,7 +6404,7 @@
                 <a:ea typeface="+mn-ea"/>
                 <a:cs typeface="+mn-cs"/>
               </a:rPr>
-              <a:t>，</a:t>
+              <a:t>10</a:t>
             </a:r>
             <a:r>
               <a:rPr lang="ja-JP" altLang="en-US" sz="1200" b="0" i="0" u="none" strike="noStrike" kern="1200">
@@ -6602,7 +6416,41 @@
                 <a:ea typeface="+mn-ea"/>
                 <a:cs typeface="+mn-cs"/>
               </a:rPr>
-              <a:t>相关系统的运行截图如下图左半部分所示。</a:t>
+              <a:t>位作者，使用排行榜进行展示。</a:t>
+            </a:r>
+            <a:endParaRPr lang="en-US" altLang="zh-CN" sz="1200" b="0" i="0" u="none" strike="noStrike" kern="1200" dirty="0">
+              <a:solidFill>
+                <a:schemeClr val="tx1"/>
+              </a:solidFill>
+              <a:effectLst/>
+              <a:latin typeface="+mn-lt"/>
+              <a:ea typeface="+mn-ea"/>
+              <a:cs typeface="+mn-cs"/>
+            </a:endParaRPr>
+          </a:p>
+          <a:p>
+            <a:endParaRPr lang="ja-JP" altLang="en-US" sz="1200" b="0" i="0" u="none" strike="noStrike" kern="1200">
+              <a:solidFill>
+                <a:schemeClr val="tx1"/>
+              </a:solidFill>
+              <a:effectLst/>
+              <a:latin typeface="+mn-lt"/>
+              <a:ea typeface="+mn-ea"/>
+              <a:cs typeface="+mn-cs"/>
+            </a:endParaRPr>
+          </a:p>
+          <a:p>
+            <a:r>
+              <a:rPr lang="ja-JP" altLang="en-US" sz="1200" b="0" i="0" u="none" strike="noStrike" kern="1200">
+                <a:solidFill>
+                  <a:schemeClr val="tx1"/>
+                </a:solidFill>
+                <a:effectLst/>
+                <a:latin typeface="+mn-lt"/>
+                <a:ea typeface="+mn-ea"/>
+                <a:cs typeface="+mn-cs"/>
+              </a:rPr>
+              <a:t>通过搜索某一领域内热门的论文和作者，我们可以了解到该领域的前沿发展，着眼于该领域内有影响力的工作：</a:t>
             </a:r>
             <a:endParaRPr lang="en-US" altLang="ja-JP" sz="1200" b="0" i="0" u="none" strike="noStrike" kern="1200" dirty="0">
               <a:solidFill>
@@ -6615,17 +6463,10 @@
             </a:endParaRPr>
           </a:p>
           <a:p>
-            <a:endParaRPr lang="ja-JP" altLang="en-US" sz="1200" b="0" i="0" u="none" strike="noStrike" kern="1200">
-              <a:solidFill>
-                <a:schemeClr val="tx1"/>
-              </a:solidFill>
-              <a:effectLst/>
-              <a:latin typeface="+mn-lt"/>
-              <a:ea typeface="+mn-ea"/>
-              <a:cs typeface="+mn-cs"/>
-            </a:endParaRPr>
-          </a:p>
-          <a:p>
+            <a:pPr marL="171450" indent="-171450">
+              <a:buFontTx/>
+              <a:buChar char="-"/>
+            </a:pPr>
             <a:r>
               <a:rPr lang="ja-JP" altLang="en-US" sz="1200" b="0" i="0" u="none" strike="noStrike" kern="1200">
                 <a:solidFill>
@@ -6636,7 +6477,7 @@
                 <a:ea typeface="+mn-ea"/>
                 <a:cs typeface="+mn-cs"/>
               </a:rPr>
-              <a:t>各领域的动态排名反映了特定时间段内不同领域此消彼长的趋势，</a:t>
+              <a:t>那些高引用的论文往往是这一领域的经典论文，是很多后续研究的基石；</a:t>
             </a:r>
             <a:endParaRPr lang="en-US" altLang="ja-JP" sz="1200" b="0" i="0" u="none" strike="noStrike" kern="1200" dirty="0">
               <a:solidFill>
@@ -6663,508 +6504,7 @@
                 <a:ea typeface="+mn-ea"/>
                 <a:cs typeface="+mn-cs"/>
               </a:rPr>
-              <a:t>其中长期排名领先的领域则可以毫无置疑地被看作近年来的热门领域；</a:t>
-            </a:r>
-            <a:endParaRPr lang="en-US" altLang="ja-JP" sz="1200" b="0" i="0" u="none" strike="noStrike" kern="1200" dirty="0">
-              <a:solidFill>
-                <a:schemeClr val="tx1"/>
-              </a:solidFill>
-              <a:effectLst/>
-              <a:latin typeface="+mn-lt"/>
-              <a:ea typeface="+mn-ea"/>
-              <a:cs typeface="+mn-cs"/>
-            </a:endParaRPr>
-          </a:p>
-          <a:p>
-            <a:pPr marL="171450" indent="-171450">
-              <a:buFontTx/>
-              <a:buChar char="-"/>
-            </a:pPr>
-            <a:r>
-              <a:rPr lang="ja-JP" altLang="en-US" sz="1200" b="0" i="0" u="none" strike="noStrike" kern="1200">
-                <a:solidFill>
-                  <a:schemeClr val="tx1"/>
-                </a:solidFill>
-                <a:effectLst/>
-                <a:latin typeface="+mn-lt"/>
-                <a:ea typeface="+mn-ea"/>
-                <a:cs typeface="+mn-cs"/>
-              </a:rPr>
-              <a:t>那些逐渐离开排行榜的领域可能是因为遇到发展瓶颈、热度消退；</a:t>
-            </a:r>
-            <a:endParaRPr lang="en-US" altLang="ja-JP" sz="1200" b="0" i="0" u="none" strike="noStrike" kern="1200" dirty="0">
-              <a:solidFill>
-                <a:schemeClr val="tx1"/>
-              </a:solidFill>
-              <a:effectLst/>
-              <a:latin typeface="+mn-lt"/>
-              <a:ea typeface="+mn-ea"/>
-              <a:cs typeface="+mn-cs"/>
-            </a:endParaRPr>
-          </a:p>
-          <a:p>
-            <a:pPr marL="171450" indent="-171450">
-              <a:buFontTx/>
-              <a:buChar char="-"/>
-            </a:pPr>
-            <a:r>
-              <a:rPr lang="ja-JP" altLang="en-US" sz="1200" b="0" i="0" u="none" strike="noStrike" kern="1200">
-                <a:solidFill>
-                  <a:schemeClr val="tx1"/>
-                </a:solidFill>
-                <a:effectLst/>
-                <a:latin typeface="+mn-lt"/>
-                <a:ea typeface="+mn-ea"/>
-                <a:cs typeface="+mn-cs"/>
-              </a:rPr>
-              <a:t>而异军突起的新领域则有可能是在近年来有了突破性的成果，带动了相关研究的深入。</a:t>
-            </a:r>
-            <a:endParaRPr lang="en-US" altLang="ja-JP" sz="1200" b="0" i="0" u="none" strike="noStrike" kern="1200" dirty="0">
-              <a:solidFill>
-                <a:schemeClr val="tx1"/>
-              </a:solidFill>
-              <a:effectLst/>
-              <a:latin typeface="+mn-lt"/>
-              <a:ea typeface="+mn-ea"/>
-              <a:cs typeface="+mn-cs"/>
-            </a:endParaRPr>
-          </a:p>
-          <a:p>
-            <a:pPr marL="171450" indent="-171450">
-              <a:buFontTx/>
-              <a:buChar char="-"/>
-            </a:pPr>
-            <a:endParaRPr lang="ja-JP" altLang="en-US" sz="1200" b="0" i="0" u="none" strike="noStrike" kern="1200">
-              <a:solidFill>
-                <a:schemeClr val="tx1"/>
-              </a:solidFill>
-              <a:effectLst/>
-              <a:latin typeface="+mn-lt"/>
-              <a:ea typeface="+mn-ea"/>
-              <a:cs typeface="+mn-cs"/>
-            </a:endParaRPr>
-          </a:p>
-          <a:p>
-            <a:r>
-              <a:rPr lang="ja-JP" altLang="en-US" sz="1200" b="0" i="0" u="none" strike="noStrike" kern="1200">
-                <a:solidFill>
-                  <a:schemeClr val="tx1"/>
-                </a:solidFill>
-                <a:effectLst/>
-                <a:latin typeface="+mn-lt"/>
-                <a:ea typeface="+mn-ea"/>
-                <a:cs typeface="+mn-cs"/>
-              </a:rPr>
-              <a:t>此外，为了体现数据流的实时性，我们使用</a:t>
-            </a:r>
-            <a:r>
-              <a:rPr lang="en-US" sz="1200" b="0" i="0" u="none" strike="noStrike" kern="1200" dirty="0">
-                <a:solidFill>
-                  <a:schemeClr val="tx1"/>
-                </a:solidFill>
-                <a:effectLst/>
-                <a:latin typeface="+mn-lt"/>
-                <a:ea typeface="+mn-ea"/>
-                <a:cs typeface="+mn-cs"/>
-              </a:rPr>
-              <a:t>Streaming</a:t>
-            </a:r>
-            <a:r>
-              <a:rPr lang="ja-JP" altLang="en-US" sz="1200" b="0" i="0" u="none" strike="noStrike" kern="1200">
-                <a:solidFill>
-                  <a:schemeClr val="tx1"/>
-                </a:solidFill>
-                <a:effectLst/>
-                <a:latin typeface="+mn-lt"/>
-                <a:ea typeface="+mn-ea"/>
-                <a:cs typeface="+mn-cs"/>
-              </a:rPr>
-              <a:t>监听特定文件夹以读取新的数据。</a:t>
-            </a:r>
-            <a:endParaRPr lang="en-US" altLang="ja-JP" sz="1200" b="0" i="0" u="none" strike="noStrike" kern="1200" dirty="0">
-              <a:solidFill>
-                <a:schemeClr val="tx1"/>
-              </a:solidFill>
-              <a:effectLst/>
-              <a:latin typeface="+mn-lt"/>
-              <a:ea typeface="+mn-ea"/>
-              <a:cs typeface="+mn-cs"/>
-            </a:endParaRPr>
-          </a:p>
-          <a:p>
-            <a:r>
-              <a:rPr lang="ja-JP" altLang="en-US" sz="1200" b="0" i="0" u="none" strike="noStrike" kern="1200">
-                <a:solidFill>
-                  <a:schemeClr val="tx1"/>
-                </a:solidFill>
-                <a:effectLst/>
-                <a:latin typeface="+mn-lt"/>
-                <a:ea typeface="+mn-ea"/>
-                <a:cs typeface="+mn-cs"/>
-              </a:rPr>
-              <a:t>初始状态下所有的论文数据都没有被读取，在用户输入查找的时间段之后，系统会查找该时间段没有被读取过的论文数据，</a:t>
-            </a:r>
-            <a:endParaRPr lang="en-US" altLang="ja-JP" sz="1200" b="0" i="0" u="none" strike="noStrike" kern="1200" dirty="0">
-              <a:solidFill>
-                <a:schemeClr val="tx1"/>
-              </a:solidFill>
-              <a:effectLst/>
-              <a:latin typeface="+mn-lt"/>
-              <a:ea typeface="+mn-ea"/>
-              <a:cs typeface="+mn-cs"/>
-            </a:endParaRPr>
-          </a:p>
-          <a:p>
-            <a:r>
-              <a:rPr lang="ja-JP" altLang="en-US" sz="1200" b="0" i="0" u="none" strike="noStrike" kern="1200">
-                <a:solidFill>
-                  <a:schemeClr val="tx1"/>
-                </a:solidFill>
-                <a:effectLst/>
-                <a:latin typeface="+mn-lt"/>
-                <a:ea typeface="+mn-ea"/>
-                <a:cs typeface="+mn-cs"/>
-              </a:rPr>
-              <a:t>将其移至该文件夹以供</a:t>
-            </a:r>
-            <a:r>
-              <a:rPr lang="en-US" sz="1200" b="0" i="0" u="none" strike="noStrike" kern="1200" dirty="0">
-                <a:solidFill>
-                  <a:schemeClr val="tx1"/>
-                </a:solidFill>
-                <a:effectLst/>
-                <a:latin typeface="+mn-lt"/>
-                <a:ea typeface="+mn-ea"/>
-                <a:cs typeface="+mn-cs"/>
-              </a:rPr>
-              <a:t>Streaming</a:t>
-            </a:r>
-            <a:r>
-              <a:rPr lang="ja-JP" altLang="en-US" sz="1200" b="0" i="0" u="none" strike="noStrike" kern="1200">
-                <a:solidFill>
-                  <a:schemeClr val="tx1"/>
-                </a:solidFill>
-                <a:effectLst/>
-                <a:latin typeface="+mn-lt"/>
-                <a:ea typeface="+mn-ea"/>
-                <a:cs typeface="+mn-cs"/>
-              </a:rPr>
-              <a:t>读取，并记录相应时间段的数据已被读取。</a:t>
-            </a:r>
-            <a:endParaRPr lang="en-US" altLang="ja-JP" sz="1200" b="0" i="0" u="none" strike="noStrike" kern="1200" dirty="0">
-              <a:solidFill>
-                <a:schemeClr val="tx1"/>
-              </a:solidFill>
-              <a:effectLst/>
-              <a:latin typeface="+mn-lt"/>
-              <a:ea typeface="+mn-ea"/>
-              <a:cs typeface="+mn-cs"/>
-            </a:endParaRPr>
-          </a:p>
-          <a:p>
-            <a:endParaRPr lang="en-US" altLang="ja-JP" sz="1200" b="0" i="0" u="none" strike="noStrike" kern="1200" dirty="0">
-              <a:solidFill>
-                <a:schemeClr val="tx1"/>
-              </a:solidFill>
-              <a:effectLst/>
-              <a:latin typeface="+mn-lt"/>
-              <a:ea typeface="+mn-ea"/>
-              <a:cs typeface="+mn-cs"/>
-            </a:endParaRPr>
-          </a:p>
-          <a:p>
-            <a:r>
-              <a:rPr lang="ja-JP" altLang="en-US" sz="1200" b="0" i="0" u="none" strike="noStrike" kern="1200">
-                <a:solidFill>
-                  <a:schemeClr val="tx1"/>
-                </a:solidFill>
-                <a:effectLst/>
-                <a:latin typeface="+mn-lt"/>
-                <a:ea typeface="+mn-ea"/>
-                <a:cs typeface="+mn-cs"/>
-              </a:rPr>
-              <a:t>在这个过程中，前端会定时更新数据，显示已被</a:t>
-            </a:r>
-            <a:r>
-              <a:rPr lang="en-US" sz="1200" b="0" i="0" u="none" strike="noStrike" kern="1200" dirty="0">
-                <a:solidFill>
-                  <a:schemeClr val="tx1"/>
-                </a:solidFill>
-                <a:effectLst/>
-                <a:latin typeface="+mn-lt"/>
-                <a:ea typeface="+mn-ea"/>
-                <a:cs typeface="+mn-cs"/>
-              </a:rPr>
-              <a:t>Streaming</a:t>
-            </a:r>
-            <a:r>
-              <a:rPr lang="ja-JP" altLang="en-US" sz="1200" b="0" i="0" u="none" strike="noStrike" kern="1200">
-                <a:solidFill>
-                  <a:schemeClr val="tx1"/>
-                </a:solidFill>
-                <a:effectLst/>
-                <a:latin typeface="+mn-lt"/>
-                <a:ea typeface="+mn-ea"/>
-                <a:cs typeface="+mn-cs"/>
-              </a:rPr>
-              <a:t>读取的数据总量，以体现数据流读取的过程。</a:t>
-            </a:r>
-            <a:endParaRPr lang="en-US" altLang="ja-JP" sz="1200" b="0" i="0" u="none" strike="noStrike" kern="1200" dirty="0">
-              <a:solidFill>
-                <a:schemeClr val="tx1"/>
-              </a:solidFill>
-              <a:effectLst/>
-              <a:latin typeface="+mn-lt"/>
-              <a:ea typeface="+mn-ea"/>
-              <a:cs typeface="+mn-cs"/>
-            </a:endParaRPr>
-          </a:p>
-          <a:p>
-            <a:r>
-              <a:rPr lang="ja-JP" altLang="en-US" sz="1200" b="0" i="0" u="none" strike="noStrike" kern="1200">
-                <a:solidFill>
-                  <a:schemeClr val="tx1"/>
-                </a:solidFill>
-                <a:effectLst/>
-                <a:latin typeface="+mn-lt"/>
-                <a:ea typeface="+mn-ea"/>
-                <a:cs typeface="+mn-cs"/>
-              </a:rPr>
-              <a:t>用户随时可以访问一段时间内的动态排名，但是这个排名数据是基于</a:t>
-            </a:r>
-            <a:r>
-              <a:rPr lang="en-US" sz="1200" b="0" i="0" u="none" strike="noStrike" kern="1200" dirty="0">
-                <a:solidFill>
-                  <a:schemeClr val="tx1"/>
-                </a:solidFill>
-                <a:effectLst/>
-                <a:latin typeface="+mn-lt"/>
-                <a:ea typeface="+mn-ea"/>
-                <a:cs typeface="+mn-cs"/>
-              </a:rPr>
-              <a:t>Streaming</a:t>
-            </a:r>
-            <a:r>
-              <a:rPr lang="ja-JP" altLang="en-US" sz="1200" b="0" i="0" u="none" strike="noStrike" kern="1200">
-                <a:solidFill>
-                  <a:schemeClr val="tx1"/>
-                </a:solidFill>
-                <a:effectLst/>
-                <a:latin typeface="+mn-lt"/>
-                <a:ea typeface="+mn-ea"/>
-                <a:cs typeface="+mn-cs"/>
-              </a:rPr>
-              <a:t>已经读取的数据得到的，这个结果虽然是“不完全”的，</a:t>
-            </a:r>
-            <a:endParaRPr lang="en-US" altLang="ja-JP" sz="1200" b="0" i="0" u="none" strike="noStrike" kern="1200" dirty="0">
-              <a:solidFill>
-                <a:schemeClr val="tx1"/>
-              </a:solidFill>
-              <a:effectLst/>
-              <a:latin typeface="+mn-lt"/>
-              <a:ea typeface="+mn-ea"/>
-              <a:cs typeface="+mn-cs"/>
-            </a:endParaRPr>
-          </a:p>
-          <a:p>
-            <a:r>
-              <a:rPr lang="ja-JP" altLang="en-US" sz="1200" b="0" i="0" u="none" strike="noStrike" kern="1200">
-                <a:solidFill>
-                  <a:schemeClr val="tx1"/>
-                </a:solidFill>
-                <a:effectLst/>
-                <a:latin typeface="+mn-lt"/>
-                <a:ea typeface="+mn-ea"/>
-                <a:cs typeface="+mn-cs"/>
-              </a:rPr>
-              <a:t>但是和</a:t>
-            </a:r>
-            <a:r>
-              <a:rPr lang="en-US" sz="1200" b="0" i="0" u="none" strike="noStrike" kern="1200" dirty="0">
-                <a:solidFill>
-                  <a:schemeClr val="tx1"/>
-                </a:solidFill>
-                <a:effectLst/>
-                <a:latin typeface="+mn-lt"/>
-                <a:ea typeface="+mn-ea"/>
-                <a:cs typeface="+mn-cs"/>
-              </a:rPr>
-              <a:t>Streaming</a:t>
-            </a:r>
-            <a:r>
-              <a:rPr lang="ja-JP" altLang="en-US" sz="1200" b="0" i="0" u="none" strike="noStrike" kern="1200">
-                <a:solidFill>
-                  <a:schemeClr val="tx1"/>
-                </a:solidFill>
-                <a:effectLst/>
-                <a:latin typeface="+mn-lt"/>
-                <a:ea typeface="+mn-ea"/>
-                <a:cs typeface="+mn-cs"/>
-              </a:rPr>
-              <a:t>已经获取到的所有数据是匹配的，这体现了</a:t>
-            </a:r>
-            <a:r>
-              <a:rPr lang="en-US" sz="1200" b="0" i="0" u="none" strike="noStrike" kern="1200" dirty="0">
-                <a:solidFill>
-                  <a:schemeClr val="tx1"/>
-                </a:solidFill>
-                <a:effectLst/>
-                <a:latin typeface="+mn-lt"/>
-                <a:ea typeface="+mn-ea"/>
-                <a:cs typeface="+mn-cs"/>
-              </a:rPr>
-              <a:t>Streaming</a:t>
-            </a:r>
-            <a:r>
-              <a:rPr lang="ja-JP" altLang="en-US" sz="1200" b="0" i="0" u="none" strike="noStrike" kern="1200">
-                <a:solidFill>
-                  <a:schemeClr val="tx1"/>
-                </a:solidFill>
-                <a:effectLst/>
-                <a:latin typeface="+mn-lt"/>
-                <a:ea typeface="+mn-ea"/>
-                <a:cs typeface="+mn-cs"/>
-              </a:rPr>
-              <a:t>实时流式计算的特点。</a:t>
-            </a:r>
-            <a:endParaRPr lang="en-US" altLang="ja-JP" sz="1200" b="0" i="0" u="none" strike="noStrike" kern="1200" dirty="0">
-              <a:solidFill>
-                <a:schemeClr val="tx1"/>
-              </a:solidFill>
-              <a:effectLst/>
-              <a:latin typeface="+mn-lt"/>
-              <a:ea typeface="+mn-ea"/>
-              <a:cs typeface="+mn-cs"/>
-            </a:endParaRPr>
-          </a:p>
-          <a:p>
-            <a:endParaRPr lang="en-US" altLang="ja-JP" sz="1200" b="0" i="0" u="none" strike="noStrike" kern="1200" dirty="0">
-              <a:solidFill>
-                <a:schemeClr val="tx1"/>
-              </a:solidFill>
-              <a:effectLst/>
-              <a:latin typeface="+mn-lt"/>
-              <a:ea typeface="+mn-ea"/>
-              <a:cs typeface="+mn-cs"/>
-            </a:endParaRPr>
-          </a:p>
-          <a:p>
-            <a:endParaRPr lang="en-US" altLang="ja-JP" sz="1200" b="0" i="0" u="none" strike="noStrike" kern="1200" dirty="0">
-              <a:solidFill>
-                <a:schemeClr val="tx1"/>
-              </a:solidFill>
-              <a:effectLst/>
-              <a:latin typeface="+mn-lt"/>
-              <a:ea typeface="+mn-ea"/>
-              <a:cs typeface="+mn-cs"/>
-            </a:endParaRPr>
-          </a:p>
-          <a:p>
-            <a:endParaRPr lang="en-US" altLang="ja-JP" sz="1200" b="0" i="0" u="none" strike="noStrike" kern="1200" dirty="0">
-              <a:solidFill>
-                <a:schemeClr val="tx1"/>
-              </a:solidFill>
-              <a:effectLst/>
-              <a:latin typeface="+mn-lt"/>
-              <a:ea typeface="+mn-ea"/>
-              <a:cs typeface="+mn-cs"/>
-            </a:endParaRPr>
-          </a:p>
-          <a:p>
-            <a:endParaRPr lang="ja-JP" altLang="en-US" sz="1200" b="0" i="0" u="none" strike="noStrike" kern="1200">
-              <a:solidFill>
-                <a:schemeClr val="tx1"/>
-              </a:solidFill>
-              <a:effectLst/>
-              <a:latin typeface="+mn-lt"/>
-              <a:ea typeface="+mn-ea"/>
-              <a:cs typeface="+mn-cs"/>
-            </a:endParaRPr>
-          </a:p>
-          <a:p>
-            <a:r>
-              <a:rPr lang="ja-JP" altLang="en-US" sz="1200" b="0" i="0" u="none" strike="noStrike" kern="1200">
-                <a:solidFill>
-                  <a:schemeClr val="tx1"/>
-                </a:solidFill>
-                <a:effectLst/>
-                <a:latin typeface="+mn-lt"/>
-                <a:ea typeface="+mn-ea"/>
-                <a:cs typeface="+mn-cs"/>
-              </a:rPr>
-              <a:t>针对业务问题「分析特定时间段内每年的最热门领域」</a:t>
-            </a:r>
-            <a:endParaRPr lang="en-US" altLang="ja-JP" sz="1200" b="0" i="0" u="none" strike="noStrike" kern="1200" dirty="0">
-              <a:solidFill>
-                <a:schemeClr val="tx1"/>
-              </a:solidFill>
-              <a:effectLst/>
-              <a:latin typeface="+mn-lt"/>
-              <a:ea typeface="+mn-ea"/>
-              <a:cs typeface="+mn-cs"/>
-            </a:endParaRPr>
-          </a:p>
-          <a:p>
-            <a:r>
-              <a:rPr lang="ja-JP" altLang="en-US" sz="1200" b="0" i="0" u="none" strike="noStrike" kern="1200">
-                <a:solidFill>
-                  <a:schemeClr val="tx1"/>
-                </a:solidFill>
-                <a:effectLst/>
-                <a:latin typeface="+mn-lt"/>
-                <a:ea typeface="+mn-ea"/>
-                <a:cs typeface="+mn-cs"/>
-              </a:rPr>
-              <a:t>用户选择要统计的时间段（默认为</a:t>
-            </a:r>
-            <a:r>
-              <a:rPr lang="en-US" altLang="ja-JP" sz="1200" b="0" i="0" u="none" strike="noStrike" kern="1200" dirty="0">
-                <a:solidFill>
-                  <a:schemeClr val="tx1"/>
-                </a:solidFill>
-                <a:effectLst/>
-                <a:latin typeface="+mn-lt"/>
-                <a:ea typeface="+mn-ea"/>
-                <a:cs typeface="+mn-cs"/>
-              </a:rPr>
-              <a:t>5</a:t>
-            </a:r>
-            <a:r>
-              <a:rPr lang="ja-JP" altLang="en-US" sz="1200" b="0" i="0" u="none" strike="noStrike" kern="1200">
-                <a:solidFill>
-                  <a:schemeClr val="tx1"/>
-                </a:solidFill>
-                <a:effectLst/>
-                <a:latin typeface="+mn-lt"/>
-                <a:ea typeface="+mn-ea"/>
-                <a:cs typeface="+mn-cs"/>
-              </a:rPr>
-              <a:t>年）之后，计算各领域在该时间段内每年产出的论文数，从而计算得到每年热度最高的领域，使用柱状图展示结果，相关系统的运行截图如上图右半部分所示。</a:t>
-            </a:r>
-          </a:p>
-          <a:p>
-            <a:endParaRPr lang="en-US" altLang="ja-JP" sz="1200" b="0" i="0" u="none" strike="noStrike" kern="1200" dirty="0">
-              <a:solidFill>
-                <a:schemeClr val="tx1"/>
-              </a:solidFill>
-              <a:effectLst/>
-              <a:latin typeface="+mn-lt"/>
-              <a:ea typeface="+mn-ea"/>
-              <a:cs typeface="+mn-cs"/>
-            </a:endParaRPr>
-          </a:p>
-          <a:p>
-            <a:r>
-              <a:rPr lang="ja-JP" altLang="en-US" sz="1200" b="0" i="0" u="none" strike="noStrike" kern="1200">
-                <a:solidFill>
-                  <a:schemeClr val="tx1"/>
-                </a:solidFill>
-                <a:effectLst/>
-                <a:latin typeface="+mn-lt"/>
-                <a:ea typeface="+mn-ea"/>
-                <a:cs typeface="+mn-cs"/>
-              </a:rPr>
-              <a:t>如果说动态排名以增量化的方式展示了各个领域的热度对比，那么柱状图则关注每年热门领域的变化，希望形成对于热门领域变迁的总体印象。</a:t>
+              <a:t>而高引用的作者意味着他的工作被同行广泛认可，是值得关注和借鉴的。</a:t>
             </a:r>
           </a:p>
           <a:p>
@@ -7198,7 +6538,7 @@
     </p:spTree>
     <p:extLst>
       <p:ext uri="{BB962C8B-B14F-4D97-AF65-F5344CB8AC3E}">
-        <p14:creationId xmlns:p14="http://schemas.microsoft.com/office/powerpoint/2010/main" val="802758500"/>
+        <p14:creationId xmlns:p14="http://schemas.microsoft.com/office/powerpoint/2010/main" val="3830835449"/>
       </p:ext>
     </p:extLst>
   </p:cSld>
@@ -7253,9 +6593,710 @@
           <a:lstStyle/>
           <a:p>
             <a:r>
-              <a:rPr lang="en-CN"/>
-              <a:t>贴个视频</a:t>
-            </a:r>
+              <a:rPr lang="ja-JP" altLang="en-US" sz="1200" b="0" i="0" u="none" strike="noStrike" kern="1200">
+                <a:solidFill>
+                  <a:schemeClr val="tx1"/>
+                </a:solidFill>
+                <a:effectLst/>
+                <a:latin typeface="+mn-lt"/>
+                <a:ea typeface="+mn-ea"/>
+                <a:cs typeface="+mn-cs"/>
+              </a:rPr>
+              <a:t>针对业务问题「分析特定时间段内各领域的热度变化趋势」</a:t>
+            </a:r>
+            <a:endParaRPr lang="en-US" altLang="ja-JP" sz="1200" b="0" i="0" u="none" strike="noStrike" kern="1200" dirty="0">
+              <a:solidFill>
+                <a:schemeClr val="tx1"/>
+              </a:solidFill>
+              <a:effectLst/>
+              <a:latin typeface="+mn-lt"/>
+              <a:ea typeface="+mn-ea"/>
+              <a:cs typeface="+mn-cs"/>
+            </a:endParaRPr>
+          </a:p>
+          <a:p>
+            <a:endParaRPr lang="en-US" altLang="ja-JP" sz="1200" b="0" i="0" u="none" strike="noStrike" kern="1200" dirty="0">
+              <a:solidFill>
+                <a:schemeClr val="tx1"/>
+              </a:solidFill>
+              <a:effectLst/>
+              <a:latin typeface="+mn-lt"/>
+              <a:ea typeface="+mn-ea"/>
+              <a:cs typeface="+mn-cs"/>
+            </a:endParaRPr>
+          </a:p>
+          <a:p>
+            <a:r>
+              <a:rPr lang="ja-JP" altLang="en-US" sz="1200" b="0" i="0" u="none" strike="noStrike" kern="1200">
+                <a:solidFill>
+                  <a:schemeClr val="tx1"/>
+                </a:solidFill>
+                <a:effectLst/>
+                <a:latin typeface="+mn-lt"/>
+                <a:ea typeface="+mn-ea"/>
+                <a:cs typeface="+mn-cs"/>
+              </a:rPr>
+              <a:t>用户选择要统计的时间段（默认为</a:t>
+            </a:r>
+            <a:r>
+              <a:rPr lang="en-US" altLang="ja-JP" sz="1200" b="0" i="0" u="none" strike="noStrike" kern="1200" dirty="0">
+                <a:solidFill>
+                  <a:schemeClr val="tx1"/>
+                </a:solidFill>
+                <a:effectLst/>
+                <a:latin typeface="+mn-lt"/>
+                <a:ea typeface="+mn-ea"/>
+                <a:cs typeface="+mn-cs"/>
+              </a:rPr>
+              <a:t>5</a:t>
+            </a:r>
+            <a:r>
+              <a:rPr lang="ja-JP" altLang="en-US" sz="1200" b="0" i="0" u="none" strike="noStrike" kern="1200">
+                <a:solidFill>
+                  <a:schemeClr val="tx1"/>
+                </a:solidFill>
+                <a:effectLst/>
+                <a:latin typeface="+mn-lt"/>
+                <a:ea typeface="+mn-ea"/>
+                <a:cs typeface="+mn-cs"/>
+              </a:rPr>
+              <a:t>年）之后，计算各领域在该时间段内每个月产出的论文数，</a:t>
+            </a:r>
+            <a:endParaRPr lang="en-US" altLang="ja-JP" sz="1200" b="0" i="0" u="none" strike="noStrike" kern="1200" dirty="0">
+              <a:solidFill>
+                <a:schemeClr val="tx1"/>
+              </a:solidFill>
+              <a:effectLst/>
+              <a:latin typeface="+mn-lt"/>
+              <a:ea typeface="+mn-ea"/>
+              <a:cs typeface="+mn-cs"/>
+            </a:endParaRPr>
+          </a:p>
+          <a:p>
+            <a:r>
+              <a:rPr lang="ja-JP" altLang="en-US" sz="1200" b="0" i="0" u="none" strike="noStrike" kern="1200">
+                <a:solidFill>
+                  <a:schemeClr val="tx1"/>
+                </a:solidFill>
+                <a:effectLst/>
+                <a:latin typeface="+mn-lt"/>
+                <a:ea typeface="+mn-ea"/>
+                <a:cs typeface="+mn-cs"/>
+              </a:rPr>
+              <a:t>并以从开始时刻至当前月份的论文总数作为该领域热度的排名，每个月份返回热度最高的前</a:t>
+            </a:r>
+            <a:r>
+              <a:rPr lang="en-US" altLang="ja-JP" sz="1200" b="0" i="0" u="none" strike="noStrike" kern="1200" dirty="0">
+                <a:solidFill>
+                  <a:schemeClr val="tx1"/>
+                </a:solidFill>
+                <a:effectLst/>
+                <a:latin typeface="+mn-lt"/>
+                <a:ea typeface="+mn-ea"/>
+                <a:cs typeface="+mn-cs"/>
+              </a:rPr>
+              <a:t>10</a:t>
+            </a:r>
+            <a:r>
+              <a:rPr lang="ja-JP" altLang="en-US" sz="1200" b="0" i="0" u="none" strike="noStrike" kern="1200">
+                <a:solidFill>
+                  <a:schemeClr val="tx1"/>
+                </a:solidFill>
+                <a:effectLst/>
+                <a:latin typeface="+mn-lt"/>
+                <a:ea typeface="+mn-ea"/>
+                <a:cs typeface="+mn-cs"/>
+              </a:rPr>
+              <a:t>个领域</a:t>
+            </a:r>
+            <a:r>
+              <a:rPr lang="zh-CN" altLang="en-US" sz="1200" b="0" i="0" u="none" strike="noStrike" kern="1200" dirty="0">
+                <a:solidFill>
+                  <a:schemeClr val="tx1"/>
+                </a:solidFill>
+                <a:effectLst/>
+                <a:latin typeface="+mn-lt"/>
+                <a:ea typeface="+mn-ea"/>
+                <a:cs typeface="+mn-cs"/>
+              </a:rPr>
+              <a:t>，</a:t>
+            </a:r>
+            <a:r>
+              <a:rPr lang="ja-JP" altLang="en-US" sz="1200" b="0" i="0" u="none" strike="noStrike" kern="1200">
+                <a:solidFill>
+                  <a:schemeClr val="tx1"/>
+                </a:solidFill>
+                <a:effectLst/>
+                <a:latin typeface="+mn-lt"/>
+                <a:ea typeface="+mn-ea"/>
+                <a:cs typeface="+mn-cs"/>
+              </a:rPr>
+              <a:t>相关系统的运行截图如下图左半部分所示。</a:t>
+            </a:r>
+            <a:endParaRPr lang="en-US" altLang="ja-JP" sz="1200" b="0" i="0" u="none" strike="noStrike" kern="1200" dirty="0">
+              <a:solidFill>
+                <a:schemeClr val="tx1"/>
+              </a:solidFill>
+              <a:effectLst/>
+              <a:latin typeface="+mn-lt"/>
+              <a:ea typeface="+mn-ea"/>
+              <a:cs typeface="+mn-cs"/>
+            </a:endParaRPr>
+          </a:p>
+          <a:p>
+            <a:endParaRPr lang="ja-JP" altLang="en-US" sz="1200" b="0" i="0" u="none" strike="noStrike" kern="1200">
+              <a:solidFill>
+                <a:schemeClr val="tx1"/>
+              </a:solidFill>
+              <a:effectLst/>
+              <a:latin typeface="+mn-lt"/>
+              <a:ea typeface="+mn-ea"/>
+              <a:cs typeface="+mn-cs"/>
+            </a:endParaRPr>
+          </a:p>
+          <a:p>
+            <a:r>
+              <a:rPr lang="ja-JP" altLang="en-US" sz="1200" b="0" i="0" u="none" strike="noStrike" kern="1200">
+                <a:solidFill>
+                  <a:schemeClr val="tx1"/>
+                </a:solidFill>
+                <a:effectLst/>
+                <a:latin typeface="+mn-lt"/>
+                <a:ea typeface="+mn-ea"/>
+                <a:cs typeface="+mn-cs"/>
+              </a:rPr>
+              <a:t>各领域的动态排名反映了特定时间段内不同领域此消彼长的趋势，</a:t>
+            </a:r>
+            <a:endParaRPr lang="en-US" altLang="ja-JP" sz="1200" b="0" i="0" u="none" strike="noStrike" kern="1200" dirty="0">
+              <a:solidFill>
+                <a:schemeClr val="tx1"/>
+              </a:solidFill>
+              <a:effectLst/>
+              <a:latin typeface="+mn-lt"/>
+              <a:ea typeface="+mn-ea"/>
+              <a:cs typeface="+mn-cs"/>
+            </a:endParaRPr>
+          </a:p>
+          <a:p>
+            <a:pPr marL="171450" indent="-171450">
+              <a:buFontTx/>
+              <a:buChar char="-"/>
+            </a:pPr>
+            <a:r>
+              <a:rPr lang="ja-JP" altLang="en-US" sz="1200" b="0" i="0" u="none" strike="noStrike" kern="1200">
+                <a:solidFill>
+                  <a:schemeClr val="tx1"/>
+                </a:solidFill>
+                <a:effectLst/>
+                <a:latin typeface="+mn-lt"/>
+                <a:ea typeface="+mn-ea"/>
+                <a:cs typeface="+mn-cs"/>
+              </a:rPr>
+              <a:t>其中长期排名领先的领域则可以毫无置疑地被看作近年来的热门领域；</a:t>
+            </a:r>
+            <a:endParaRPr lang="en-US" altLang="ja-JP" sz="1200" b="0" i="0" u="none" strike="noStrike" kern="1200" dirty="0">
+              <a:solidFill>
+                <a:schemeClr val="tx1"/>
+              </a:solidFill>
+              <a:effectLst/>
+              <a:latin typeface="+mn-lt"/>
+              <a:ea typeface="+mn-ea"/>
+              <a:cs typeface="+mn-cs"/>
+            </a:endParaRPr>
+          </a:p>
+          <a:p>
+            <a:pPr marL="171450" indent="-171450">
+              <a:buFontTx/>
+              <a:buChar char="-"/>
+            </a:pPr>
+            <a:r>
+              <a:rPr lang="ja-JP" altLang="en-US" sz="1200" b="0" i="0" u="none" strike="noStrike" kern="1200">
+                <a:solidFill>
+                  <a:schemeClr val="tx1"/>
+                </a:solidFill>
+                <a:effectLst/>
+                <a:latin typeface="+mn-lt"/>
+                <a:ea typeface="+mn-ea"/>
+                <a:cs typeface="+mn-cs"/>
+              </a:rPr>
+              <a:t>那些逐渐离开排行榜的领域可能是因为遇到发展瓶颈、热度消退；</a:t>
+            </a:r>
+            <a:endParaRPr lang="en-US" altLang="ja-JP" sz="1200" b="0" i="0" u="none" strike="noStrike" kern="1200" dirty="0">
+              <a:solidFill>
+                <a:schemeClr val="tx1"/>
+              </a:solidFill>
+              <a:effectLst/>
+              <a:latin typeface="+mn-lt"/>
+              <a:ea typeface="+mn-ea"/>
+              <a:cs typeface="+mn-cs"/>
+            </a:endParaRPr>
+          </a:p>
+          <a:p>
+            <a:pPr marL="171450" indent="-171450">
+              <a:buFontTx/>
+              <a:buChar char="-"/>
+            </a:pPr>
+            <a:r>
+              <a:rPr lang="ja-JP" altLang="en-US" sz="1200" b="0" i="0" u="none" strike="noStrike" kern="1200">
+                <a:solidFill>
+                  <a:schemeClr val="tx1"/>
+                </a:solidFill>
+                <a:effectLst/>
+                <a:latin typeface="+mn-lt"/>
+                <a:ea typeface="+mn-ea"/>
+                <a:cs typeface="+mn-cs"/>
+              </a:rPr>
+              <a:t>而异军突起的新领域则有可能是在近年来有了突破性的成果，带动了相关研究的深入。</a:t>
+            </a:r>
+            <a:endParaRPr lang="en-US" altLang="ja-JP" sz="1200" b="0" i="0" u="none" strike="noStrike" kern="1200" dirty="0">
+              <a:solidFill>
+                <a:schemeClr val="tx1"/>
+              </a:solidFill>
+              <a:effectLst/>
+              <a:latin typeface="+mn-lt"/>
+              <a:ea typeface="+mn-ea"/>
+              <a:cs typeface="+mn-cs"/>
+            </a:endParaRPr>
+          </a:p>
+          <a:p>
+            <a:pPr marL="171450" indent="-171450">
+              <a:buFontTx/>
+              <a:buChar char="-"/>
+            </a:pPr>
+            <a:endParaRPr lang="ja-JP" altLang="en-US" sz="1200" b="0" i="0" u="none" strike="noStrike" kern="1200">
+              <a:solidFill>
+                <a:schemeClr val="tx1"/>
+              </a:solidFill>
+              <a:effectLst/>
+              <a:latin typeface="+mn-lt"/>
+              <a:ea typeface="+mn-ea"/>
+              <a:cs typeface="+mn-cs"/>
+            </a:endParaRPr>
+          </a:p>
+          <a:p>
+            <a:r>
+              <a:rPr lang="ja-JP" altLang="en-US" sz="1200" b="0" i="0" u="none" strike="noStrike" kern="1200">
+                <a:solidFill>
+                  <a:schemeClr val="tx1"/>
+                </a:solidFill>
+                <a:effectLst/>
+                <a:latin typeface="+mn-lt"/>
+                <a:ea typeface="+mn-ea"/>
+                <a:cs typeface="+mn-cs"/>
+              </a:rPr>
+              <a:t>此外，为了体现数据流的实时性，我们使用</a:t>
+            </a:r>
+            <a:r>
+              <a:rPr lang="en-US" sz="1200" b="0" i="0" u="none" strike="noStrike" kern="1200" dirty="0">
+                <a:solidFill>
+                  <a:schemeClr val="tx1"/>
+                </a:solidFill>
+                <a:effectLst/>
+                <a:latin typeface="+mn-lt"/>
+                <a:ea typeface="+mn-ea"/>
+                <a:cs typeface="+mn-cs"/>
+              </a:rPr>
+              <a:t>Streaming</a:t>
+            </a:r>
+            <a:r>
+              <a:rPr lang="ja-JP" altLang="en-US" sz="1200" b="0" i="0" u="none" strike="noStrike" kern="1200">
+                <a:solidFill>
+                  <a:schemeClr val="tx1"/>
+                </a:solidFill>
+                <a:effectLst/>
+                <a:latin typeface="+mn-lt"/>
+                <a:ea typeface="+mn-ea"/>
+                <a:cs typeface="+mn-cs"/>
+              </a:rPr>
+              <a:t>监听特定文件夹以读取新的数据。</a:t>
+            </a:r>
+            <a:endParaRPr lang="en-US" altLang="ja-JP" sz="1200" b="0" i="0" u="none" strike="noStrike" kern="1200" dirty="0">
+              <a:solidFill>
+                <a:schemeClr val="tx1"/>
+              </a:solidFill>
+              <a:effectLst/>
+              <a:latin typeface="+mn-lt"/>
+              <a:ea typeface="+mn-ea"/>
+              <a:cs typeface="+mn-cs"/>
+            </a:endParaRPr>
+          </a:p>
+          <a:p>
+            <a:r>
+              <a:rPr lang="ja-JP" altLang="en-US" sz="1200" b="0" i="0" u="none" strike="noStrike" kern="1200">
+                <a:solidFill>
+                  <a:schemeClr val="tx1"/>
+                </a:solidFill>
+                <a:effectLst/>
+                <a:latin typeface="+mn-lt"/>
+                <a:ea typeface="+mn-ea"/>
+                <a:cs typeface="+mn-cs"/>
+              </a:rPr>
+              <a:t>初始状态下所有的论文数据都没有被读取，在用户输入查找的时间段之后，系统会查找该时间段没有被读取过的论文数据，</a:t>
+            </a:r>
+            <a:endParaRPr lang="en-US" altLang="ja-JP" sz="1200" b="0" i="0" u="none" strike="noStrike" kern="1200" dirty="0">
+              <a:solidFill>
+                <a:schemeClr val="tx1"/>
+              </a:solidFill>
+              <a:effectLst/>
+              <a:latin typeface="+mn-lt"/>
+              <a:ea typeface="+mn-ea"/>
+              <a:cs typeface="+mn-cs"/>
+            </a:endParaRPr>
+          </a:p>
+          <a:p>
+            <a:r>
+              <a:rPr lang="ja-JP" altLang="en-US" sz="1200" b="0" i="0" u="none" strike="noStrike" kern="1200">
+                <a:solidFill>
+                  <a:schemeClr val="tx1"/>
+                </a:solidFill>
+                <a:effectLst/>
+                <a:latin typeface="+mn-lt"/>
+                <a:ea typeface="+mn-ea"/>
+                <a:cs typeface="+mn-cs"/>
+              </a:rPr>
+              <a:t>将其移至该文件夹以供</a:t>
+            </a:r>
+            <a:r>
+              <a:rPr lang="en-US" sz="1200" b="0" i="0" u="none" strike="noStrike" kern="1200" dirty="0">
+                <a:solidFill>
+                  <a:schemeClr val="tx1"/>
+                </a:solidFill>
+                <a:effectLst/>
+                <a:latin typeface="+mn-lt"/>
+                <a:ea typeface="+mn-ea"/>
+                <a:cs typeface="+mn-cs"/>
+              </a:rPr>
+              <a:t>Streaming</a:t>
+            </a:r>
+            <a:r>
+              <a:rPr lang="ja-JP" altLang="en-US" sz="1200" b="0" i="0" u="none" strike="noStrike" kern="1200">
+                <a:solidFill>
+                  <a:schemeClr val="tx1"/>
+                </a:solidFill>
+                <a:effectLst/>
+                <a:latin typeface="+mn-lt"/>
+                <a:ea typeface="+mn-ea"/>
+                <a:cs typeface="+mn-cs"/>
+              </a:rPr>
+              <a:t>读取，并记录相应时间段的数据已被读取。</a:t>
+            </a:r>
+            <a:endParaRPr lang="en-US" altLang="ja-JP" sz="1200" b="0" i="0" u="none" strike="noStrike" kern="1200" dirty="0">
+              <a:solidFill>
+                <a:schemeClr val="tx1"/>
+              </a:solidFill>
+              <a:effectLst/>
+              <a:latin typeface="+mn-lt"/>
+              <a:ea typeface="+mn-ea"/>
+              <a:cs typeface="+mn-cs"/>
+            </a:endParaRPr>
+          </a:p>
+          <a:p>
+            <a:endParaRPr lang="en-US" altLang="ja-JP" sz="1200" b="0" i="0" u="none" strike="noStrike" kern="1200" dirty="0">
+              <a:solidFill>
+                <a:schemeClr val="tx1"/>
+              </a:solidFill>
+              <a:effectLst/>
+              <a:latin typeface="+mn-lt"/>
+              <a:ea typeface="+mn-ea"/>
+              <a:cs typeface="+mn-cs"/>
+            </a:endParaRPr>
+          </a:p>
+          <a:p>
+            <a:r>
+              <a:rPr lang="ja-JP" altLang="en-US" sz="1200" b="0" i="0" u="none" strike="noStrike" kern="1200">
+                <a:solidFill>
+                  <a:schemeClr val="tx1"/>
+                </a:solidFill>
+                <a:effectLst/>
+                <a:latin typeface="+mn-lt"/>
+                <a:ea typeface="+mn-ea"/>
+                <a:cs typeface="+mn-cs"/>
+              </a:rPr>
+              <a:t>在这个过程中，前端会定时更新数据，显示已被</a:t>
+            </a:r>
+            <a:r>
+              <a:rPr lang="en-US" sz="1200" b="0" i="0" u="none" strike="noStrike" kern="1200" dirty="0">
+                <a:solidFill>
+                  <a:schemeClr val="tx1"/>
+                </a:solidFill>
+                <a:effectLst/>
+                <a:latin typeface="+mn-lt"/>
+                <a:ea typeface="+mn-ea"/>
+                <a:cs typeface="+mn-cs"/>
+              </a:rPr>
+              <a:t>Streaming</a:t>
+            </a:r>
+            <a:r>
+              <a:rPr lang="ja-JP" altLang="en-US" sz="1200" b="0" i="0" u="none" strike="noStrike" kern="1200">
+                <a:solidFill>
+                  <a:schemeClr val="tx1"/>
+                </a:solidFill>
+                <a:effectLst/>
+                <a:latin typeface="+mn-lt"/>
+                <a:ea typeface="+mn-ea"/>
+                <a:cs typeface="+mn-cs"/>
+              </a:rPr>
+              <a:t>读取的数据总量，以体现数据流读取的过程。</a:t>
+            </a:r>
+            <a:endParaRPr lang="en-US" altLang="ja-JP" sz="1200" b="0" i="0" u="none" strike="noStrike" kern="1200" dirty="0">
+              <a:solidFill>
+                <a:schemeClr val="tx1"/>
+              </a:solidFill>
+              <a:effectLst/>
+              <a:latin typeface="+mn-lt"/>
+              <a:ea typeface="+mn-ea"/>
+              <a:cs typeface="+mn-cs"/>
+            </a:endParaRPr>
+          </a:p>
+          <a:p>
+            <a:r>
+              <a:rPr lang="ja-JP" altLang="en-US" sz="1200" b="0" i="0" u="none" strike="noStrike" kern="1200">
+                <a:solidFill>
+                  <a:schemeClr val="tx1"/>
+                </a:solidFill>
+                <a:effectLst/>
+                <a:latin typeface="+mn-lt"/>
+                <a:ea typeface="+mn-ea"/>
+                <a:cs typeface="+mn-cs"/>
+              </a:rPr>
+              <a:t>用户随时可以访问一段时间内的动态排名，但是这个排名数据是基于</a:t>
+            </a:r>
+            <a:r>
+              <a:rPr lang="en-US" sz="1200" b="0" i="0" u="none" strike="noStrike" kern="1200" dirty="0">
+                <a:solidFill>
+                  <a:schemeClr val="tx1"/>
+                </a:solidFill>
+                <a:effectLst/>
+                <a:latin typeface="+mn-lt"/>
+                <a:ea typeface="+mn-ea"/>
+                <a:cs typeface="+mn-cs"/>
+              </a:rPr>
+              <a:t>Streaming</a:t>
+            </a:r>
+            <a:r>
+              <a:rPr lang="ja-JP" altLang="en-US" sz="1200" b="0" i="0" u="none" strike="noStrike" kern="1200">
+                <a:solidFill>
+                  <a:schemeClr val="tx1"/>
+                </a:solidFill>
+                <a:effectLst/>
+                <a:latin typeface="+mn-lt"/>
+                <a:ea typeface="+mn-ea"/>
+                <a:cs typeface="+mn-cs"/>
+              </a:rPr>
+              <a:t>已经读取的数据得到的，这个结果虽然是“不完全”的，</a:t>
+            </a:r>
+            <a:endParaRPr lang="en-US" altLang="ja-JP" sz="1200" b="0" i="0" u="none" strike="noStrike" kern="1200" dirty="0">
+              <a:solidFill>
+                <a:schemeClr val="tx1"/>
+              </a:solidFill>
+              <a:effectLst/>
+              <a:latin typeface="+mn-lt"/>
+              <a:ea typeface="+mn-ea"/>
+              <a:cs typeface="+mn-cs"/>
+            </a:endParaRPr>
+          </a:p>
+          <a:p>
+            <a:r>
+              <a:rPr lang="ja-JP" altLang="en-US" sz="1200" b="0" i="0" u="none" strike="noStrike" kern="1200">
+                <a:solidFill>
+                  <a:schemeClr val="tx1"/>
+                </a:solidFill>
+                <a:effectLst/>
+                <a:latin typeface="+mn-lt"/>
+                <a:ea typeface="+mn-ea"/>
+                <a:cs typeface="+mn-cs"/>
+              </a:rPr>
+              <a:t>但是和</a:t>
+            </a:r>
+            <a:r>
+              <a:rPr lang="en-US" sz="1200" b="0" i="0" u="none" strike="noStrike" kern="1200" dirty="0">
+                <a:solidFill>
+                  <a:schemeClr val="tx1"/>
+                </a:solidFill>
+                <a:effectLst/>
+                <a:latin typeface="+mn-lt"/>
+                <a:ea typeface="+mn-ea"/>
+                <a:cs typeface="+mn-cs"/>
+              </a:rPr>
+              <a:t>Streaming</a:t>
+            </a:r>
+            <a:r>
+              <a:rPr lang="ja-JP" altLang="en-US" sz="1200" b="0" i="0" u="none" strike="noStrike" kern="1200">
+                <a:solidFill>
+                  <a:schemeClr val="tx1"/>
+                </a:solidFill>
+                <a:effectLst/>
+                <a:latin typeface="+mn-lt"/>
+                <a:ea typeface="+mn-ea"/>
+                <a:cs typeface="+mn-cs"/>
+              </a:rPr>
+              <a:t>已经获取到的所有数据是匹配的，这体现了</a:t>
+            </a:r>
+            <a:r>
+              <a:rPr lang="en-US" sz="1200" b="0" i="0" u="none" strike="noStrike" kern="1200" dirty="0">
+                <a:solidFill>
+                  <a:schemeClr val="tx1"/>
+                </a:solidFill>
+                <a:effectLst/>
+                <a:latin typeface="+mn-lt"/>
+                <a:ea typeface="+mn-ea"/>
+                <a:cs typeface="+mn-cs"/>
+              </a:rPr>
+              <a:t>Streaming</a:t>
+            </a:r>
+            <a:r>
+              <a:rPr lang="ja-JP" altLang="en-US" sz="1200" b="0" i="0" u="none" strike="noStrike" kern="1200">
+                <a:solidFill>
+                  <a:schemeClr val="tx1"/>
+                </a:solidFill>
+                <a:effectLst/>
+                <a:latin typeface="+mn-lt"/>
+                <a:ea typeface="+mn-ea"/>
+                <a:cs typeface="+mn-cs"/>
+              </a:rPr>
+              <a:t>实时流式计算的特点。</a:t>
+            </a:r>
+            <a:endParaRPr lang="en-US" altLang="ja-JP" sz="1200" b="0" i="0" u="none" strike="noStrike" kern="1200" dirty="0">
+              <a:solidFill>
+                <a:schemeClr val="tx1"/>
+              </a:solidFill>
+              <a:effectLst/>
+              <a:latin typeface="+mn-lt"/>
+              <a:ea typeface="+mn-ea"/>
+              <a:cs typeface="+mn-cs"/>
+            </a:endParaRPr>
+          </a:p>
+          <a:p>
+            <a:endParaRPr lang="en-US" altLang="ja-JP" sz="1200" b="0" i="0" u="none" strike="noStrike" kern="1200" dirty="0">
+              <a:solidFill>
+                <a:schemeClr val="tx1"/>
+              </a:solidFill>
+              <a:effectLst/>
+              <a:latin typeface="+mn-lt"/>
+              <a:ea typeface="+mn-ea"/>
+              <a:cs typeface="+mn-cs"/>
+            </a:endParaRPr>
+          </a:p>
+          <a:p>
+            <a:endParaRPr lang="en-US" altLang="ja-JP" sz="1200" b="0" i="0" u="none" strike="noStrike" kern="1200" dirty="0">
+              <a:solidFill>
+                <a:schemeClr val="tx1"/>
+              </a:solidFill>
+              <a:effectLst/>
+              <a:latin typeface="+mn-lt"/>
+              <a:ea typeface="+mn-ea"/>
+              <a:cs typeface="+mn-cs"/>
+            </a:endParaRPr>
+          </a:p>
+          <a:p>
+            <a:endParaRPr lang="en-US" altLang="ja-JP" sz="1200" b="0" i="0" u="none" strike="noStrike" kern="1200" dirty="0">
+              <a:solidFill>
+                <a:schemeClr val="tx1"/>
+              </a:solidFill>
+              <a:effectLst/>
+              <a:latin typeface="+mn-lt"/>
+              <a:ea typeface="+mn-ea"/>
+              <a:cs typeface="+mn-cs"/>
+            </a:endParaRPr>
+          </a:p>
+          <a:p>
+            <a:endParaRPr lang="ja-JP" altLang="en-US" sz="1200" b="0" i="0" u="none" strike="noStrike" kern="1200">
+              <a:solidFill>
+                <a:schemeClr val="tx1"/>
+              </a:solidFill>
+              <a:effectLst/>
+              <a:latin typeface="+mn-lt"/>
+              <a:ea typeface="+mn-ea"/>
+              <a:cs typeface="+mn-cs"/>
+            </a:endParaRPr>
+          </a:p>
+          <a:p>
+            <a:r>
+              <a:rPr lang="ja-JP" altLang="en-US" sz="1200" b="0" i="0" u="none" strike="noStrike" kern="1200">
+                <a:solidFill>
+                  <a:schemeClr val="tx1"/>
+                </a:solidFill>
+                <a:effectLst/>
+                <a:latin typeface="+mn-lt"/>
+                <a:ea typeface="+mn-ea"/>
+                <a:cs typeface="+mn-cs"/>
+              </a:rPr>
+              <a:t>针对业务问题「分析特定时间段内每年的最热门领域」</a:t>
+            </a:r>
+            <a:endParaRPr lang="en-US" altLang="ja-JP" sz="1200" b="0" i="0" u="none" strike="noStrike" kern="1200" dirty="0">
+              <a:solidFill>
+                <a:schemeClr val="tx1"/>
+              </a:solidFill>
+              <a:effectLst/>
+              <a:latin typeface="+mn-lt"/>
+              <a:ea typeface="+mn-ea"/>
+              <a:cs typeface="+mn-cs"/>
+            </a:endParaRPr>
+          </a:p>
+          <a:p>
+            <a:r>
+              <a:rPr lang="ja-JP" altLang="en-US" sz="1200" b="0" i="0" u="none" strike="noStrike" kern="1200">
+                <a:solidFill>
+                  <a:schemeClr val="tx1"/>
+                </a:solidFill>
+                <a:effectLst/>
+                <a:latin typeface="+mn-lt"/>
+                <a:ea typeface="+mn-ea"/>
+                <a:cs typeface="+mn-cs"/>
+              </a:rPr>
+              <a:t>用户选择要统计的时间段（默认为</a:t>
+            </a:r>
+            <a:r>
+              <a:rPr lang="en-US" altLang="ja-JP" sz="1200" b="0" i="0" u="none" strike="noStrike" kern="1200" dirty="0">
+                <a:solidFill>
+                  <a:schemeClr val="tx1"/>
+                </a:solidFill>
+                <a:effectLst/>
+                <a:latin typeface="+mn-lt"/>
+                <a:ea typeface="+mn-ea"/>
+                <a:cs typeface="+mn-cs"/>
+              </a:rPr>
+              <a:t>5</a:t>
+            </a:r>
+            <a:r>
+              <a:rPr lang="ja-JP" altLang="en-US" sz="1200" b="0" i="0" u="none" strike="noStrike" kern="1200">
+                <a:solidFill>
+                  <a:schemeClr val="tx1"/>
+                </a:solidFill>
+                <a:effectLst/>
+                <a:latin typeface="+mn-lt"/>
+                <a:ea typeface="+mn-ea"/>
+                <a:cs typeface="+mn-cs"/>
+              </a:rPr>
+              <a:t>年）之后，计算各领域在该时间段内每年产出的论文数，从而计算得到每年热度最高的领域，使用柱状图展示结果，相关系统的运行截图如上图右半部分所示。</a:t>
+            </a:r>
+          </a:p>
+          <a:p>
+            <a:endParaRPr lang="en-US" altLang="ja-JP" sz="1200" b="0" i="0" u="none" strike="noStrike" kern="1200" dirty="0">
+              <a:solidFill>
+                <a:schemeClr val="tx1"/>
+              </a:solidFill>
+              <a:effectLst/>
+              <a:latin typeface="+mn-lt"/>
+              <a:ea typeface="+mn-ea"/>
+              <a:cs typeface="+mn-cs"/>
+            </a:endParaRPr>
+          </a:p>
+          <a:p>
+            <a:r>
+              <a:rPr lang="ja-JP" altLang="en-US" sz="1200" b="0" i="0" u="none" strike="noStrike" kern="1200">
+                <a:solidFill>
+                  <a:schemeClr val="tx1"/>
+                </a:solidFill>
+                <a:effectLst/>
+                <a:latin typeface="+mn-lt"/>
+                <a:ea typeface="+mn-ea"/>
+                <a:cs typeface="+mn-cs"/>
+              </a:rPr>
+              <a:t>如果说动态排名以增量化的方式展示了各个领域的热度对比，那么柱状图则关注每年热门领域的变化，希望形成对于热门领域变迁的总体印象。</a:t>
+            </a:r>
+          </a:p>
+          <a:p>
             <a:endParaRPr lang="en-CN" dirty="0"/>
           </a:p>
         </p:txBody>
@@ -7278,6 +7319,94 @@
             <a:fld id="{101B89F9-BB18-1A46-8648-0F8B98F807E9}" type="slidenum">
               <a:rPr lang="en-CN" smtClean="0"/>
               <a:t>26</a:t>
+            </a:fld>
+            <a:endParaRPr lang="en-CN"/>
+          </a:p>
+        </p:txBody>
+      </p:sp>
+    </p:spTree>
+    <p:extLst>
+      <p:ext uri="{BB962C8B-B14F-4D97-AF65-F5344CB8AC3E}">
+        <p14:creationId xmlns:p14="http://schemas.microsoft.com/office/powerpoint/2010/main" val="802758500"/>
+      </p:ext>
+    </p:extLst>
+  </p:cSld>
+  <p:clrMapOvr>
+    <a:masterClrMapping/>
+  </p:clrMapOvr>
+</p:notes>
+</file>
+
+<file path=ppt/notesSlides/notesSlide27.xml><?xml version="1.0" encoding="utf-8"?>
+<p:notes xmlns:a="http://schemas.openxmlformats.org/drawingml/2006/main" xmlns:r="http://schemas.openxmlformats.org/officeDocument/2006/relationships" xmlns:p="http://schemas.openxmlformats.org/presentationml/2006/main">
+  <p:cSld>
+    <p:spTree>
+      <p:nvGrpSpPr>
+        <p:cNvPr id="1" name=""/>
+        <p:cNvGrpSpPr/>
+        <p:nvPr/>
+      </p:nvGrpSpPr>
+      <p:grpSpPr>
+        <a:xfrm>
+          <a:off x="0" y="0"/>
+          <a:ext cx="0" cy="0"/>
+          <a:chOff x="0" y="0"/>
+          <a:chExt cx="0" cy="0"/>
+        </a:xfrm>
+      </p:grpSpPr>
+      <p:sp>
+        <p:nvSpPr>
+          <p:cNvPr id="2" name="Slide Image Placeholder 1"/>
+          <p:cNvSpPr>
+            <a:spLocks noGrp="1" noRot="1" noChangeAspect="1"/>
+          </p:cNvSpPr>
+          <p:nvPr>
+            <p:ph type="sldImg"/>
+          </p:nvPr>
+        </p:nvSpPr>
+        <p:spPr/>
+      </p:sp>
+      <p:sp>
+        <p:nvSpPr>
+          <p:cNvPr id="3" name="Notes Placeholder 2"/>
+          <p:cNvSpPr>
+            <a:spLocks noGrp="1"/>
+          </p:cNvSpPr>
+          <p:nvPr>
+            <p:ph type="body" idx="1"/>
+          </p:nvPr>
+        </p:nvSpPr>
+        <p:spPr/>
+        <p:txBody>
+          <a:bodyPr/>
+          <a:lstStyle/>
+          <a:p>
+            <a:r>
+              <a:rPr lang="en-CN"/>
+              <a:t>贴个视频</a:t>
+            </a:r>
+            <a:endParaRPr lang="en-CN" dirty="0"/>
+          </a:p>
+        </p:txBody>
+      </p:sp>
+      <p:sp>
+        <p:nvSpPr>
+          <p:cNvPr id="4" name="Slide Number Placeholder 3"/>
+          <p:cNvSpPr>
+            <a:spLocks noGrp="1"/>
+          </p:cNvSpPr>
+          <p:nvPr>
+            <p:ph type="sldNum" sz="quarter" idx="5"/>
+          </p:nvPr>
+        </p:nvSpPr>
+        <p:spPr/>
+        <p:txBody>
+          <a:bodyPr/>
+          <a:lstStyle/>
+          <a:p>
+            <a:fld id="{101B89F9-BB18-1A46-8648-0F8B98F807E9}" type="slidenum">
+              <a:rPr lang="en-CN" smtClean="0"/>
+              <a:t>27</a:t>
             </a:fld>
             <a:endParaRPr lang="en-CN"/>
           </a:p>
@@ -13040,14 +13169,11 @@
               </a:rPr>
               <a:t>定义数据转换</a:t>
             </a:r>
-            <a:r>
-              <a:rPr lang="en-US" altLang="zh-CN" dirty="0">
-                <a:solidFill>
-                  <a:prstClr val="black"/>
-                </a:solidFill>
-              </a:rPr>
-              <a:t>---</a:t>
-            </a:r>
+            <a:endParaRPr lang="en-US" altLang="zh-CN" dirty="0">
+              <a:solidFill>
+                <a:prstClr val="black"/>
+              </a:solidFill>
+            </a:endParaRPr>
           </a:p>
         </p:txBody>
       </p:sp>
@@ -13163,7 +13289,7 @@
               <a:t> </a:t>
             </a:r>
             <a:r>
-              <a:rPr lang="ja-JP" altLang="en-US"/>
+              <a:rPr lang="ja-JP" altLang="en-US" dirty="0"/>
               <a:t>流计算步骤</a:t>
             </a:r>
             <a:r>
@@ -13172,7 +13298,7 @@
             </a:r>
             <a:r>
               <a:rPr lang="zh-CN" altLang="en-US" dirty="0"/>
-              <a:t>计算结果处理</a:t>
+              <a:t>流计算</a:t>
             </a:r>
           </a:p>
         </p:txBody>
@@ -13206,23 +13332,7 @@
                   <a:prstClr val="black"/>
                 </a:solidFill>
               </a:rPr>
-              <a:t>将流的输出写入</a:t>
-            </a:r>
-            <a:r>
-              <a:rPr lang="en-US" altLang="zh-CN" dirty="0">
-                <a:solidFill>
-                  <a:prstClr val="black"/>
-                </a:solidFill>
-              </a:rPr>
-              <a:t>MySQL</a:t>
-            </a:r>
-            <a:r>
-              <a:rPr lang="zh-CN" altLang="en-US" dirty="0">
-                <a:solidFill>
-                  <a:prstClr val="black"/>
-                </a:solidFill>
-              </a:rPr>
-              <a:t>数据库</a:t>
+              <a:t>定义数据转换</a:t>
             </a:r>
             <a:endParaRPr lang="en-US" altLang="zh-CN" dirty="0">
               <a:solidFill>
@@ -13250,6 +13360,217 @@
             <a:fld id="{02AE1E35-F495-4665-8CB0-CDD28443F6EA}" type="slidenum">
               <a:rPr lang="zh-CN" altLang="en-US" smtClean="0"/>
               <a:t>16</a:t>
+            </a:fld>
+            <a:endParaRPr lang="zh-CN" altLang="en-US"/>
+          </a:p>
+        </p:txBody>
+      </p:sp>
+      <p:pic>
+        <p:nvPicPr>
+          <p:cNvPr id="9" name="图片 8">
+            <a:extLst>
+              <a:ext uri="{FF2B5EF4-FFF2-40B4-BE49-F238E27FC236}">
+                <a16:creationId xmlns:a16="http://schemas.microsoft.com/office/drawing/2014/main" id="{827A56C2-5D31-4E53-8AEB-FB28198B14D7}"/>
+              </a:ext>
+            </a:extLst>
+          </p:cNvPr>
+          <p:cNvPicPr>
+            <a:picLocks noChangeAspect="1"/>
+          </p:cNvPicPr>
+          <p:nvPr/>
+        </p:nvPicPr>
+        <p:blipFill>
+          <a:blip r:embed="rId3"/>
+          <a:stretch>
+            <a:fillRect/>
+          </a:stretch>
+        </p:blipFill>
+        <p:spPr>
+          <a:xfrm>
+            <a:off x="420454" y="1634330"/>
+            <a:ext cx="7628281" cy="2225233"/>
+          </a:xfrm>
+          <a:prstGeom prst="rect">
+            <a:avLst/>
+          </a:prstGeom>
+        </p:spPr>
+      </p:pic>
+      <p:pic>
+        <p:nvPicPr>
+          <p:cNvPr id="8" name="图片 7">
+            <a:extLst>
+              <a:ext uri="{FF2B5EF4-FFF2-40B4-BE49-F238E27FC236}">
+                <a16:creationId xmlns:a16="http://schemas.microsoft.com/office/drawing/2014/main" id="{46D98376-B914-4DF1-B82E-2A5C064ECCD2}"/>
+              </a:ext>
+            </a:extLst>
+          </p:cNvPr>
+          <p:cNvPicPr>
+            <a:picLocks noChangeAspect="1"/>
+          </p:cNvPicPr>
+          <p:nvPr/>
+        </p:nvPicPr>
+        <p:blipFill>
+          <a:blip r:embed="rId4"/>
+          <a:stretch>
+            <a:fillRect/>
+          </a:stretch>
+        </p:blipFill>
+        <p:spPr>
+          <a:xfrm>
+            <a:off x="1200377" y="3648468"/>
+            <a:ext cx="7521592" cy="2888230"/>
+          </a:xfrm>
+          <a:prstGeom prst="rect">
+            <a:avLst/>
+          </a:prstGeom>
+        </p:spPr>
+      </p:pic>
+    </p:spTree>
+    <p:extLst>
+      <p:ext uri="{BB962C8B-B14F-4D97-AF65-F5344CB8AC3E}">
+        <p14:creationId xmlns:p14="http://schemas.microsoft.com/office/powerpoint/2010/main" val="2325659165"/>
+      </p:ext>
+    </p:extLst>
+  </p:cSld>
+  <p:clrMapOvr>
+    <a:masterClrMapping/>
+  </p:clrMapOvr>
+</p:sld>
+</file>
+
+<file path=ppt/slides/slide17.xml><?xml version="1.0" encoding="utf-8"?>
+<p:sld xmlns:a="http://schemas.openxmlformats.org/drawingml/2006/main" xmlns:r="http://schemas.openxmlformats.org/officeDocument/2006/relationships" xmlns:p="http://schemas.openxmlformats.org/presentationml/2006/main">
+  <p:cSld>
+    <p:spTree>
+      <p:nvGrpSpPr>
+        <p:cNvPr id="1" name=""/>
+        <p:cNvGrpSpPr/>
+        <p:nvPr/>
+      </p:nvGrpSpPr>
+      <p:grpSpPr>
+        <a:xfrm>
+          <a:off x="0" y="0"/>
+          <a:ext cx="0" cy="0"/>
+          <a:chOff x="0" y="0"/>
+          <a:chExt cx="0" cy="0"/>
+        </a:xfrm>
+      </p:grpSpPr>
+      <p:sp>
+        <p:nvSpPr>
+          <p:cNvPr id="2" name="标题 1"/>
+          <p:cNvSpPr>
+            <a:spLocks noGrp="1"/>
+          </p:cNvSpPr>
+          <p:nvPr>
+            <p:ph type="title"/>
+          </p:nvPr>
+        </p:nvSpPr>
+        <p:spPr>
+          <a:xfrm>
+            <a:off x="420454" y="287306"/>
+            <a:ext cx="8301515" cy="649110"/>
+          </a:xfrm>
+        </p:spPr>
+        <p:txBody>
+          <a:bodyPr/>
+          <a:lstStyle/>
+          <a:p>
+            <a:r>
+              <a:rPr lang="en-US" altLang="zh-CN" dirty="0"/>
+              <a:t>IV.</a:t>
+            </a:r>
+            <a:r>
+              <a:rPr lang="zh-CN" altLang="en-US" dirty="0"/>
+              <a:t> </a:t>
+            </a:r>
+            <a:r>
+              <a:rPr lang="ja-JP" altLang="en-US"/>
+              <a:t>流计算步骤</a:t>
+            </a:r>
+            <a:r>
+              <a:rPr lang="en-US" altLang="zh-CN" dirty="0"/>
+              <a:t>——</a:t>
+            </a:r>
+            <a:r>
+              <a:rPr lang="zh-CN" altLang="en-US" dirty="0"/>
+              <a:t>计算结果处理</a:t>
+            </a:r>
+          </a:p>
+        </p:txBody>
+      </p:sp>
+      <p:sp>
+        <p:nvSpPr>
+          <p:cNvPr id="3" name="内容占位符 2"/>
+          <p:cNvSpPr>
+            <a:spLocks noGrp="1"/>
+          </p:cNvSpPr>
+          <p:nvPr>
+            <p:ph idx="1"/>
+          </p:nvPr>
+        </p:nvSpPr>
+        <p:spPr>
+          <a:xfrm>
+            <a:off x="420456" y="1188138"/>
+            <a:ext cx="8570478" cy="5096838"/>
+          </a:xfrm>
+        </p:spPr>
+        <p:txBody>
+          <a:bodyPr>
+            <a:normAutofit/>
+          </a:bodyPr>
+          <a:lstStyle/>
+          <a:p>
+            <a:pPr lvl="0"/>
+            <a:r>
+              <a:rPr lang="zh-CN" altLang="en-US" dirty="0">
+                <a:solidFill>
+                  <a:prstClr val="black"/>
+                </a:solidFill>
+              </a:rPr>
+              <a:t>将流的输出写入</a:t>
+            </a:r>
+            <a:r>
+              <a:rPr lang="en-US" altLang="zh-CN" dirty="0">
+                <a:solidFill>
+                  <a:prstClr val="black"/>
+                </a:solidFill>
+              </a:rPr>
+              <a:t>MySQL</a:t>
+            </a:r>
+            <a:r>
+              <a:rPr lang="zh-CN" altLang="en-US" dirty="0">
+                <a:solidFill>
+                  <a:prstClr val="black"/>
+                </a:solidFill>
+              </a:rPr>
+              <a:t>数据库</a:t>
+            </a:r>
+            <a:endParaRPr lang="en-US" altLang="zh-CN" dirty="0">
+              <a:solidFill>
+                <a:prstClr val="black"/>
+              </a:solidFill>
+            </a:endParaRPr>
+          </a:p>
+        </p:txBody>
+      </p:sp>
+      <p:sp>
+        <p:nvSpPr>
+          <p:cNvPr id="5" name="灯片编号占位符 4"/>
+          <p:cNvSpPr>
+            <a:spLocks noGrp="1"/>
+          </p:cNvSpPr>
+          <p:nvPr>
+            <p:ph type="sldNum" sz="quarter" idx="12"/>
+          </p:nvPr>
+        </p:nvSpPr>
+        <p:spPr/>
+        <p:txBody>
+          <a:bodyPr/>
+          <a:lstStyle/>
+          <a:p>
+            <a:fld id="{02AE1E35-F495-4665-8CB0-CDD28443F6EA}" type="slidenum">
+              <a:rPr lang="zh-CN" altLang="en-US" smtClean="0"/>
+              <a:t>17</a:t>
             </a:fld>
             <a:endParaRPr lang="zh-CN" altLang="en-US"/>
           </a:p>
@@ -13328,7 +13649,7 @@
 </p:sld>
 </file>
 
-<file path=ppt/slides/slide17.xml><?xml version="1.0" encoding="utf-8"?>
+<file path=ppt/slides/slide18.xml><?xml version="1.0" encoding="utf-8"?>
 <p:sld xmlns:a="http://schemas.openxmlformats.org/drawingml/2006/main" xmlns:r="http://schemas.openxmlformats.org/officeDocument/2006/relationships" xmlns:p="http://schemas.openxmlformats.org/presentationml/2006/main">
   <p:cSld>
     <p:spTree>
@@ -13460,7 +13781,7 @@
           <a:p>
             <a:fld id="{02AE1E35-F495-4665-8CB0-CDD28443F6EA}" type="slidenum">
               <a:rPr lang="zh-CN" altLang="en-US" smtClean="0"/>
-              <a:t>17</a:t>
+              <a:t>18</a:t>
             </a:fld>
             <a:endParaRPr lang="zh-CN" altLang="en-US"/>
           </a:p>
@@ -13509,7 +13830,7 @@
 </p:sld>
 </file>
 
-<file path=ppt/slides/slide18.xml><?xml version="1.0" encoding="utf-8"?>
+<file path=ppt/slides/slide19.xml><?xml version="1.0" encoding="utf-8"?>
 <p:sld xmlns:a="http://schemas.openxmlformats.org/drawingml/2006/main" xmlns:r="http://schemas.openxmlformats.org/officeDocument/2006/relationships" xmlns:p="http://schemas.openxmlformats.org/presentationml/2006/main">
   <p:cSld>
     <p:spTree>
@@ -13641,7 +13962,7 @@
           <a:p>
             <a:fld id="{02AE1E35-F495-4665-8CB0-CDD28443F6EA}" type="slidenum">
               <a:rPr lang="zh-CN" altLang="en-US" smtClean="0"/>
-              <a:t>18</a:t>
+              <a:t>19</a:t>
             </a:fld>
             <a:endParaRPr lang="zh-CN" altLang="en-US"/>
           </a:p>
@@ -13690,7 +14011,7 @@
 </p:sld>
 </file>
 
-<file path=ppt/slides/slide19.xml><?xml version="1.0" encoding="utf-8"?>
+<file path=ppt/slides/slide2.xml><?xml version="1.0" encoding="utf-8"?>
 <p:sld xmlns:a="http://schemas.openxmlformats.org/drawingml/2006/main" xmlns:r="http://schemas.openxmlformats.org/officeDocument/2006/relationships" xmlns:p="http://schemas.openxmlformats.org/presentationml/2006/main">
   <p:cSld>
     <p:spTree>
@@ -13719,6 +14040,260 @@
         </p:nvSpPr>
         <p:spPr>
           <a:xfrm>
+            <a:off x="1804755" y="1162050"/>
+            <a:ext cx="1059095" cy="1947894"/>
+          </a:xfrm>
+          <a:solidFill>
+            <a:srgbClr val="6F0E6F"/>
+          </a:solidFill>
+        </p:spPr>
+        <p:txBody>
+          <a:bodyPr>
+            <a:normAutofit/>
+          </a:bodyPr>
+          <a:lstStyle/>
+          <a:p>
+            <a:r>
+              <a:rPr lang="zh-CN" altLang="en-US" sz="3200" dirty="0">
+                <a:solidFill>
+                  <a:schemeClr val="bg1"/>
+                </a:solidFill>
+              </a:rPr>
+              <a:t>目</a:t>
+            </a:r>
+            <a:br>
+              <a:rPr lang="en-US" altLang="zh-CN" sz="3200" dirty="0">
+                <a:solidFill>
+                  <a:schemeClr val="bg1"/>
+                </a:solidFill>
+              </a:rPr>
+            </a:br>
+            <a:r>
+              <a:rPr lang="zh-CN" altLang="en-US" sz="3200" dirty="0">
+                <a:solidFill>
+                  <a:schemeClr val="bg1"/>
+                </a:solidFill>
+              </a:rPr>
+              <a:t>录</a:t>
+            </a:r>
+          </a:p>
+        </p:txBody>
+      </p:sp>
+      <p:sp>
+        <p:nvSpPr>
+          <p:cNvPr id="3" name="内容占位符 2"/>
+          <p:cNvSpPr>
+            <a:spLocks noGrp="1"/>
+          </p:cNvSpPr>
+          <p:nvPr>
+            <p:ph idx="1"/>
+          </p:nvPr>
+        </p:nvSpPr>
+        <p:spPr>
+          <a:xfrm>
+            <a:off x="4222750" y="1308100"/>
+            <a:ext cx="3907748" cy="5302250"/>
+          </a:xfrm>
+        </p:spPr>
+        <p:txBody>
+          <a:bodyPr>
+            <a:normAutofit/>
+          </a:bodyPr>
+          <a:lstStyle/>
+          <a:p>
+            <a:r>
+              <a:rPr lang="en-US" altLang="zh-CN" b="1" dirty="0"/>
+              <a:t>Streaming </a:t>
+            </a:r>
+            <a:r>
+              <a:rPr lang="zh-CN" altLang="en-US" b="1" dirty="0"/>
+              <a:t>作业实现</a:t>
+            </a:r>
+            <a:endParaRPr lang="en-US" altLang="zh-CN" b="1" dirty="0"/>
+          </a:p>
+          <a:p>
+            <a:pPr lvl="1"/>
+            <a:r>
+              <a:rPr lang="en-US" altLang="zh-CN" b="1" dirty="0"/>
+              <a:t>I.</a:t>
+            </a:r>
+            <a:r>
+              <a:rPr lang="zh-CN" altLang="en-US" b="1" dirty="0"/>
+              <a:t> 需求分析</a:t>
+            </a:r>
+            <a:endParaRPr lang="en-US" altLang="zh-CN" b="1" dirty="0"/>
+          </a:p>
+          <a:p>
+            <a:pPr lvl="1"/>
+            <a:r>
+              <a:rPr lang="en-US" altLang="zh-CN" b="1" dirty="0"/>
+              <a:t>II.</a:t>
+            </a:r>
+            <a:r>
+              <a:rPr lang="zh-CN" altLang="en-US" b="1" dirty="0"/>
+              <a:t> 整体架构</a:t>
+            </a:r>
+            <a:endParaRPr lang="en-CN" altLang="zh-CN" b="1" dirty="0"/>
+          </a:p>
+          <a:p>
+            <a:pPr lvl="1"/>
+            <a:r>
+              <a:rPr lang="en-US" altLang="zh-CN" b="1" dirty="0"/>
+              <a:t>III.</a:t>
+            </a:r>
+            <a:r>
+              <a:rPr lang="zh-CN" altLang="en-US" b="1" dirty="0"/>
+              <a:t> 数据</a:t>
+            </a:r>
+            <a:r>
+              <a:rPr lang="zh-CN" altLang="en-CN" b="1" dirty="0"/>
+              <a:t>获取</a:t>
+            </a:r>
+            <a:endParaRPr lang="en-US" altLang="zh-CN" b="1" dirty="0"/>
+          </a:p>
+          <a:p>
+            <a:pPr lvl="1"/>
+            <a:r>
+              <a:rPr lang="en-US" altLang="zh-CN" b="1" dirty="0"/>
+              <a:t>IV.</a:t>
+            </a:r>
+            <a:r>
+              <a:rPr lang="zh-CN" altLang="en-US" b="1" dirty="0"/>
+              <a:t> 流计算步骤</a:t>
+            </a:r>
+            <a:endParaRPr lang="en-US" altLang="zh-CN" b="1" dirty="0"/>
+          </a:p>
+          <a:p>
+            <a:pPr lvl="1"/>
+            <a:r>
+              <a:rPr lang="en-US" altLang="zh-CN" b="1" dirty="0"/>
+              <a:t>V.</a:t>
+            </a:r>
+            <a:r>
+              <a:rPr lang="zh-CN" altLang="en-US" b="1" dirty="0"/>
+              <a:t> 项目展示</a:t>
+            </a:r>
+            <a:endParaRPr lang="en-US" altLang="zh-CN" b="1" dirty="0"/>
+          </a:p>
+        </p:txBody>
+      </p:sp>
+      <p:sp>
+        <p:nvSpPr>
+          <p:cNvPr id="4" name="标题 1"/>
+          <p:cNvSpPr txBox="1">
+            <a:spLocks/>
+          </p:cNvSpPr>
+          <p:nvPr/>
+        </p:nvSpPr>
+        <p:spPr>
+          <a:xfrm>
+            <a:off x="4222750" y="1162050"/>
+            <a:ext cx="3907748" cy="146050"/>
+          </a:xfrm>
+          <a:prstGeom prst="rect">
+            <a:avLst/>
+          </a:prstGeom>
+          <a:solidFill>
+            <a:srgbClr val="6F0E6F"/>
+          </a:solidFill>
+        </p:spPr>
+        <p:txBody>
+          <a:bodyPr vert="horz" lIns="91440" tIns="45720" rIns="91440" bIns="45720" rtlCol="0" anchor="ctr">
+            <a:normAutofit fontScale="25000" lnSpcReduction="20000"/>
+          </a:bodyPr>
+          <a:lstStyle>
+            <a:lvl1pPr algn="ctr" defTabSz="685800" rtl="0" eaLnBrk="1" latinLnBrk="0" hangingPunct="1">
+              <a:lnSpc>
+                <a:spcPct val="90000"/>
+              </a:lnSpc>
+              <a:spcBef>
+                <a:spcPct val="0"/>
+              </a:spcBef>
+              <a:buNone/>
+              <a:defRPr sz="2700" b="1" kern="1200">
+                <a:solidFill>
+                  <a:srgbClr val="6F0E6F"/>
+                </a:solidFill>
+                <a:latin typeface="微软雅黑" panose="020B0503020204020204" pitchFamily="34" charset="-122"/>
+                <a:ea typeface="微软雅黑" panose="020B0503020204020204" pitchFamily="34" charset="-122"/>
+                <a:cs typeface="+mj-cs"/>
+              </a:defRPr>
+            </a:lvl1pPr>
+          </a:lstStyle>
+          <a:p>
+            <a:endParaRPr lang="zh-CN" altLang="en-US" sz="3200" dirty="0">
+              <a:solidFill>
+                <a:schemeClr val="bg1"/>
+              </a:solidFill>
+            </a:endParaRPr>
+          </a:p>
+        </p:txBody>
+      </p:sp>
+      <p:sp>
+        <p:nvSpPr>
+          <p:cNvPr id="5" name="灯片编号占位符 4"/>
+          <p:cNvSpPr>
+            <a:spLocks noGrp="1"/>
+          </p:cNvSpPr>
+          <p:nvPr>
+            <p:ph type="sldNum" sz="quarter" idx="12"/>
+          </p:nvPr>
+        </p:nvSpPr>
+        <p:spPr/>
+        <p:txBody>
+          <a:bodyPr/>
+          <a:lstStyle/>
+          <a:p>
+            <a:fld id="{02AE1E35-F495-4665-8CB0-CDD28443F6EA}" type="slidenum">
+              <a:rPr lang="zh-CN" altLang="en-US" smtClean="0"/>
+              <a:t>2</a:t>
+            </a:fld>
+            <a:endParaRPr lang="zh-CN" altLang="en-US"/>
+          </a:p>
+        </p:txBody>
+      </p:sp>
+    </p:spTree>
+    <p:extLst>
+      <p:ext uri="{BB962C8B-B14F-4D97-AF65-F5344CB8AC3E}">
+        <p14:creationId xmlns:p14="http://schemas.microsoft.com/office/powerpoint/2010/main" val="2385772990"/>
+      </p:ext>
+    </p:extLst>
+  </p:cSld>
+  <p:clrMapOvr>
+    <a:masterClrMapping/>
+  </p:clrMapOvr>
+</p:sld>
+</file>
+
+<file path=ppt/slides/slide20.xml><?xml version="1.0" encoding="utf-8"?>
+<p:sld xmlns:a="http://schemas.openxmlformats.org/drawingml/2006/main" xmlns:r="http://schemas.openxmlformats.org/officeDocument/2006/relationships" xmlns:p="http://schemas.openxmlformats.org/presentationml/2006/main">
+  <p:cSld>
+    <p:spTree>
+      <p:nvGrpSpPr>
+        <p:cNvPr id="1" name=""/>
+        <p:cNvGrpSpPr/>
+        <p:nvPr/>
+      </p:nvGrpSpPr>
+      <p:grpSpPr>
+        <a:xfrm>
+          <a:off x="0" y="0"/>
+          <a:ext cx="0" cy="0"/>
+          <a:chOff x="0" y="0"/>
+          <a:chExt cx="0" cy="0"/>
+        </a:xfrm>
+      </p:grpSpPr>
+      <p:sp>
+        <p:nvSpPr>
+          <p:cNvPr id="2" name="标题 1"/>
+          <p:cNvSpPr>
+            <a:spLocks noGrp="1"/>
+          </p:cNvSpPr>
+          <p:nvPr>
+            <p:ph type="title"/>
+          </p:nvPr>
+        </p:nvSpPr>
+        <p:spPr>
+          <a:xfrm>
             <a:off x="420454" y="287306"/>
             <a:ext cx="8301515" cy="649110"/>
           </a:xfrm>
@@ -13838,7 +14413,7 @@
           <a:p>
             <a:fld id="{02AE1E35-F495-4665-8CB0-CDD28443F6EA}" type="slidenum">
               <a:rPr lang="zh-CN" altLang="en-US" smtClean="0"/>
-              <a:t>19</a:t>
+              <a:t>20</a:t>
             </a:fld>
             <a:endParaRPr lang="zh-CN" altLang="en-US"/>
           </a:p>
@@ -13887,7 +14462,7 @@
 </p:sld>
 </file>
 
-<file path=ppt/slides/slide2.xml><?xml version="1.0" encoding="utf-8"?>
+<file path=ppt/slides/slide21.xml><?xml version="1.0" encoding="utf-8"?>
 <p:sld xmlns:a="http://schemas.openxmlformats.org/drawingml/2006/main" xmlns:r="http://schemas.openxmlformats.org/officeDocument/2006/relationships" xmlns:p="http://schemas.openxmlformats.org/presentationml/2006/main">
   <p:cSld>
     <p:spTree>
@@ -13916,260 +14491,6 @@
         </p:nvSpPr>
         <p:spPr>
           <a:xfrm>
-            <a:off x="1804755" y="1162050"/>
-            <a:ext cx="1059095" cy="1947894"/>
-          </a:xfrm>
-          <a:solidFill>
-            <a:srgbClr val="6F0E6F"/>
-          </a:solidFill>
-        </p:spPr>
-        <p:txBody>
-          <a:bodyPr>
-            <a:normAutofit/>
-          </a:bodyPr>
-          <a:lstStyle/>
-          <a:p>
-            <a:r>
-              <a:rPr lang="zh-CN" altLang="en-US" sz="3200" dirty="0">
-                <a:solidFill>
-                  <a:schemeClr val="bg1"/>
-                </a:solidFill>
-              </a:rPr>
-              <a:t>目</a:t>
-            </a:r>
-            <a:br>
-              <a:rPr lang="en-US" altLang="zh-CN" sz="3200" dirty="0">
-                <a:solidFill>
-                  <a:schemeClr val="bg1"/>
-                </a:solidFill>
-              </a:rPr>
-            </a:br>
-            <a:r>
-              <a:rPr lang="zh-CN" altLang="en-US" sz="3200" dirty="0">
-                <a:solidFill>
-                  <a:schemeClr val="bg1"/>
-                </a:solidFill>
-              </a:rPr>
-              <a:t>录</a:t>
-            </a:r>
-          </a:p>
-        </p:txBody>
-      </p:sp>
-      <p:sp>
-        <p:nvSpPr>
-          <p:cNvPr id="3" name="内容占位符 2"/>
-          <p:cNvSpPr>
-            <a:spLocks noGrp="1"/>
-          </p:cNvSpPr>
-          <p:nvPr>
-            <p:ph idx="1"/>
-          </p:nvPr>
-        </p:nvSpPr>
-        <p:spPr>
-          <a:xfrm>
-            <a:off x="4222750" y="1308100"/>
-            <a:ext cx="3907748" cy="5302250"/>
-          </a:xfrm>
-        </p:spPr>
-        <p:txBody>
-          <a:bodyPr>
-            <a:normAutofit/>
-          </a:bodyPr>
-          <a:lstStyle/>
-          <a:p>
-            <a:r>
-              <a:rPr lang="en-US" altLang="zh-CN" b="1" dirty="0"/>
-              <a:t>Streaming </a:t>
-            </a:r>
-            <a:r>
-              <a:rPr lang="zh-CN" altLang="en-US" b="1" dirty="0"/>
-              <a:t>作业实现</a:t>
-            </a:r>
-            <a:endParaRPr lang="en-US" altLang="zh-CN" b="1" dirty="0"/>
-          </a:p>
-          <a:p>
-            <a:pPr lvl="1"/>
-            <a:r>
-              <a:rPr lang="en-US" altLang="zh-CN" b="1" dirty="0"/>
-              <a:t>I.</a:t>
-            </a:r>
-            <a:r>
-              <a:rPr lang="zh-CN" altLang="en-US" b="1" dirty="0"/>
-              <a:t> 需求分析</a:t>
-            </a:r>
-            <a:endParaRPr lang="en-US" altLang="zh-CN" b="1" dirty="0"/>
-          </a:p>
-          <a:p>
-            <a:pPr lvl="1"/>
-            <a:r>
-              <a:rPr lang="en-US" altLang="zh-CN" b="1" dirty="0"/>
-              <a:t>II.</a:t>
-            </a:r>
-            <a:r>
-              <a:rPr lang="zh-CN" altLang="en-US" b="1" dirty="0"/>
-              <a:t> 整体架构</a:t>
-            </a:r>
-            <a:endParaRPr lang="en-CN" altLang="zh-CN" b="1" dirty="0"/>
-          </a:p>
-          <a:p>
-            <a:pPr lvl="1"/>
-            <a:r>
-              <a:rPr lang="en-US" altLang="zh-CN" b="1" dirty="0"/>
-              <a:t>III.</a:t>
-            </a:r>
-            <a:r>
-              <a:rPr lang="zh-CN" altLang="en-US" b="1" dirty="0"/>
-              <a:t> 数据</a:t>
-            </a:r>
-            <a:r>
-              <a:rPr lang="zh-CN" altLang="en-CN" b="1" dirty="0"/>
-              <a:t>获取</a:t>
-            </a:r>
-            <a:endParaRPr lang="en-US" altLang="zh-CN" b="1" dirty="0"/>
-          </a:p>
-          <a:p>
-            <a:pPr lvl="1"/>
-            <a:r>
-              <a:rPr lang="en-US" altLang="zh-CN" b="1" dirty="0"/>
-              <a:t>IV.</a:t>
-            </a:r>
-            <a:r>
-              <a:rPr lang="zh-CN" altLang="en-US" b="1" dirty="0"/>
-              <a:t> 流计算步骤</a:t>
-            </a:r>
-            <a:endParaRPr lang="en-US" altLang="zh-CN" b="1" dirty="0"/>
-          </a:p>
-          <a:p>
-            <a:pPr lvl="1"/>
-            <a:r>
-              <a:rPr lang="en-US" altLang="zh-CN" b="1" dirty="0"/>
-              <a:t>V.</a:t>
-            </a:r>
-            <a:r>
-              <a:rPr lang="zh-CN" altLang="en-US" b="1" dirty="0"/>
-              <a:t> 项目展示</a:t>
-            </a:r>
-            <a:endParaRPr lang="en-US" altLang="zh-CN" b="1" dirty="0"/>
-          </a:p>
-        </p:txBody>
-      </p:sp>
-      <p:sp>
-        <p:nvSpPr>
-          <p:cNvPr id="4" name="标题 1"/>
-          <p:cNvSpPr txBox="1">
-            <a:spLocks/>
-          </p:cNvSpPr>
-          <p:nvPr/>
-        </p:nvSpPr>
-        <p:spPr>
-          <a:xfrm>
-            <a:off x="4222750" y="1162050"/>
-            <a:ext cx="3907748" cy="146050"/>
-          </a:xfrm>
-          <a:prstGeom prst="rect">
-            <a:avLst/>
-          </a:prstGeom>
-          <a:solidFill>
-            <a:srgbClr val="6F0E6F"/>
-          </a:solidFill>
-        </p:spPr>
-        <p:txBody>
-          <a:bodyPr vert="horz" lIns="91440" tIns="45720" rIns="91440" bIns="45720" rtlCol="0" anchor="ctr">
-            <a:normAutofit fontScale="25000" lnSpcReduction="20000"/>
-          </a:bodyPr>
-          <a:lstStyle>
-            <a:lvl1pPr algn="ctr" defTabSz="685800" rtl="0" eaLnBrk="1" latinLnBrk="0" hangingPunct="1">
-              <a:lnSpc>
-                <a:spcPct val="90000"/>
-              </a:lnSpc>
-              <a:spcBef>
-                <a:spcPct val="0"/>
-              </a:spcBef>
-              <a:buNone/>
-              <a:defRPr sz="2700" b="1" kern="1200">
-                <a:solidFill>
-                  <a:srgbClr val="6F0E6F"/>
-                </a:solidFill>
-                <a:latin typeface="微软雅黑" panose="020B0503020204020204" pitchFamily="34" charset="-122"/>
-                <a:ea typeface="微软雅黑" panose="020B0503020204020204" pitchFamily="34" charset="-122"/>
-                <a:cs typeface="+mj-cs"/>
-              </a:defRPr>
-            </a:lvl1pPr>
-          </a:lstStyle>
-          <a:p>
-            <a:endParaRPr lang="zh-CN" altLang="en-US" sz="3200" dirty="0">
-              <a:solidFill>
-                <a:schemeClr val="bg1"/>
-              </a:solidFill>
-            </a:endParaRPr>
-          </a:p>
-        </p:txBody>
-      </p:sp>
-      <p:sp>
-        <p:nvSpPr>
-          <p:cNvPr id="5" name="灯片编号占位符 4"/>
-          <p:cNvSpPr>
-            <a:spLocks noGrp="1"/>
-          </p:cNvSpPr>
-          <p:nvPr>
-            <p:ph type="sldNum" sz="quarter" idx="12"/>
-          </p:nvPr>
-        </p:nvSpPr>
-        <p:spPr/>
-        <p:txBody>
-          <a:bodyPr/>
-          <a:lstStyle/>
-          <a:p>
-            <a:fld id="{02AE1E35-F495-4665-8CB0-CDD28443F6EA}" type="slidenum">
-              <a:rPr lang="zh-CN" altLang="en-US" smtClean="0"/>
-              <a:t>2</a:t>
-            </a:fld>
-            <a:endParaRPr lang="zh-CN" altLang="en-US"/>
-          </a:p>
-        </p:txBody>
-      </p:sp>
-    </p:spTree>
-    <p:extLst>
-      <p:ext uri="{BB962C8B-B14F-4D97-AF65-F5344CB8AC3E}">
-        <p14:creationId xmlns:p14="http://schemas.microsoft.com/office/powerpoint/2010/main" val="2385772990"/>
-      </p:ext>
-    </p:extLst>
-  </p:cSld>
-  <p:clrMapOvr>
-    <a:masterClrMapping/>
-  </p:clrMapOvr>
-</p:sld>
-</file>
-
-<file path=ppt/slides/slide20.xml><?xml version="1.0" encoding="utf-8"?>
-<p:sld xmlns:a="http://schemas.openxmlformats.org/drawingml/2006/main" xmlns:r="http://schemas.openxmlformats.org/officeDocument/2006/relationships" xmlns:p="http://schemas.openxmlformats.org/presentationml/2006/main">
-  <p:cSld>
-    <p:spTree>
-      <p:nvGrpSpPr>
-        <p:cNvPr id="1" name=""/>
-        <p:cNvGrpSpPr/>
-        <p:nvPr/>
-      </p:nvGrpSpPr>
-      <p:grpSpPr>
-        <a:xfrm>
-          <a:off x="0" y="0"/>
-          <a:ext cx="0" cy="0"/>
-          <a:chOff x="0" y="0"/>
-          <a:chExt cx="0" cy="0"/>
-        </a:xfrm>
-      </p:grpSpPr>
-      <p:sp>
-        <p:nvSpPr>
-          <p:cNvPr id="2" name="标题 1"/>
-          <p:cNvSpPr>
-            <a:spLocks noGrp="1"/>
-          </p:cNvSpPr>
-          <p:nvPr>
-            <p:ph type="title"/>
-          </p:nvPr>
-        </p:nvSpPr>
-        <p:spPr>
-          <a:xfrm>
             <a:off x="420454" y="287306"/>
             <a:ext cx="8301515" cy="649110"/>
           </a:xfrm>
@@ -14253,7 +14574,7 @@
           <a:p>
             <a:fld id="{02AE1E35-F495-4665-8CB0-CDD28443F6EA}" type="slidenum">
               <a:rPr lang="zh-CN" altLang="en-US" smtClean="0"/>
-              <a:t>20</a:t>
+              <a:t>21</a:t>
             </a:fld>
             <a:endParaRPr lang="zh-CN" altLang="en-US"/>
           </a:p>
@@ -14302,7 +14623,7 @@
 </p:sld>
 </file>
 
-<file path=ppt/slides/slide21.xml><?xml version="1.0" encoding="utf-8"?>
+<file path=ppt/slides/slide22.xml><?xml version="1.0" encoding="utf-8"?>
 <p:sld xmlns:a="http://schemas.openxmlformats.org/drawingml/2006/main" xmlns:r="http://schemas.openxmlformats.org/officeDocument/2006/relationships" xmlns:p="http://schemas.openxmlformats.org/presentationml/2006/main">
   <p:cSld>
     <p:spTree>
@@ -14414,7 +14735,7 @@
           <a:p>
             <a:fld id="{02AE1E35-F495-4665-8CB0-CDD28443F6EA}" type="slidenum">
               <a:rPr lang="zh-CN" altLang="en-US" smtClean="0"/>
-              <a:t>21</a:t>
+              <a:t>22</a:t>
             </a:fld>
             <a:endParaRPr lang="zh-CN" altLang="en-US"/>
           </a:p>
@@ -14463,7 +14784,7 @@
 </p:sld>
 </file>
 
-<file path=ppt/slides/slide22.xml><?xml version="1.0" encoding="utf-8"?>
+<file path=ppt/slides/slide23.xml><?xml version="1.0" encoding="utf-8"?>
 <p:sld xmlns:a="http://schemas.openxmlformats.org/drawingml/2006/main" xmlns:r="http://schemas.openxmlformats.org/officeDocument/2006/relationships" xmlns:p="http://schemas.openxmlformats.org/presentationml/2006/main">
   <p:cSld>
     <p:spTree>
@@ -14559,7 +14880,7 @@
           <a:p>
             <a:fld id="{02AE1E35-F495-4665-8CB0-CDD28443F6EA}" type="slidenum">
               <a:rPr lang="zh-CN" altLang="en-US" smtClean="0"/>
-              <a:t>22</a:t>
+              <a:t>23</a:t>
             </a:fld>
             <a:endParaRPr lang="zh-CN" altLang="en-US"/>
           </a:p>
@@ -14614,7 +14935,7 @@
 </p:sld>
 </file>
 
-<file path=ppt/slides/slide23.xml><?xml version="1.0" encoding="utf-8"?>
+<file path=ppt/slides/slide24.xml><?xml version="1.0" encoding="utf-8"?>
 <p:sld xmlns:a="http://schemas.openxmlformats.org/drawingml/2006/main" xmlns:r="http://schemas.openxmlformats.org/officeDocument/2006/relationships" xmlns:p="http://schemas.openxmlformats.org/presentationml/2006/main">
   <p:cSld>
     <p:spTree>
@@ -14711,7 +15032,7 @@
           <a:p>
             <a:fld id="{02AE1E35-F495-4665-8CB0-CDD28443F6EA}" type="slidenum">
               <a:rPr lang="zh-CN" altLang="en-US" smtClean="0"/>
-              <a:t>23</a:t>
+              <a:t>24</a:t>
             </a:fld>
             <a:endParaRPr lang="zh-CN" altLang="en-US"/>
           </a:p>
@@ -14766,7 +15087,7 @@
 </p:sld>
 </file>
 
-<file path=ppt/slides/slide24.xml><?xml version="1.0" encoding="utf-8"?>
+<file path=ppt/slides/slide25.xml><?xml version="1.0" encoding="utf-8"?>
 <p:sld xmlns:a="http://schemas.openxmlformats.org/drawingml/2006/main" xmlns:r="http://schemas.openxmlformats.org/officeDocument/2006/relationships" xmlns:p="http://schemas.openxmlformats.org/presentationml/2006/main">
   <p:cSld>
     <p:spTree>
@@ -14864,7 +15185,7 @@
           <a:p>
             <a:fld id="{02AE1E35-F495-4665-8CB0-CDD28443F6EA}" type="slidenum">
               <a:rPr lang="zh-CN" altLang="en-US" smtClean="0"/>
-              <a:t>24</a:t>
+              <a:t>25</a:t>
             </a:fld>
             <a:endParaRPr lang="zh-CN" altLang="en-US"/>
           </a:p>
@@ -14919,7 +15240,7 @@
 </p:sld>
 </file>
 
-<file path=ppt/slides/slide25.xml><?xml version="1.0" encoding="utf-8"?>
+<file path=ppt/slides/slide26.xml><?xml version="1.0" encoding="utf-8"?>
 <p:sld xmlns:a="http://schemas.openxmlformats.org/drawingml/2006/main" xmlns:r="http://schemas.openxmlformats.org/officeDocument/2006/relationships" xmlns:p="http://schemas.openxmlformats.org/presentationml/2006/main">
   <p:cSld>
     <p:spTree>
@@ -15030,7 +15351,7 @@
           <a:p>
             <a:fld id="{02AE1E35-F495-4665-8CB0-CDD28443F6EA}" type="slidenum">
               <a:rPr lang="zh-CN" altLang="en-US" smtClean="0"/>
-              <a:t>25</a:t>
+              <a:t>26</a:t>
             </a:fld>
             <a:endParaRPr lang="zh-CN" altLang="en-US"/>
           </a:p>
@@ -15085,7 +15406,7 @@
 </p:sld>
 </file>
 
-<file path=ppt/slides/slide26.xml><?xml version="1.0" encoding="utf-8"?>
+<file path=ppt/slides/slide27.xml><?xml version="1.0" encoding="utf-8"?>
 <p:sld xmlns:a="http://schemas.openxmlformats.org/drawingml/2006/main" xmlns:r="http://schemas.openxmlformats.org/officeDocument/2006/relationships" xmlns:p="http://schemas.openxmlformats.org/presentationml/2006/main">
   <p:cSld>
     <p:spTree>
@@ -15158,7 +15479,7 @@
           <a:p>
             <a:fld id="{02AE1E35-F495-4665-8CB0-CDD28443F6EA}" type="slidenum">
               <a:rPr lang="zh-CN" altLang="en-US" smtClean="0"/>
-              <a:t>26</a:t>
+              <a:t>27</a:t>
             </a:fld>
             <a:endParaRPr lang="zh-CN" altLang="en-US"/>
           </a:p>
@@ -15177,7 +15498,7 @@
 </p:sld>
 </file>
 
-<file path=ppt/slides/slide27.xml><?xml version="1.0" encoding="utf-8"?>
+<file path=ppt/slides/slide28.xml><?xml version="1.0" encoding="utf-8"?>
 <p:sld xmlns:a="http://schemas.openxmlformats.org/drawingml/2006/main" xmlns:r="http://schemas.openxmlformats.org/officeDocument/2006/relationships" xmlns:p="http://schemas.openxmlformats.org/presentationml/2006/main">
   <p:cSld>
     <p:spTree>
@@ -15349,7 +15670,7 @@
           <a:p>
             <a:fld id="{02AE1E35-F495-4665-8CB0-CDD28443F6EA}" type="slidenum">
               <a:rPr lang="zh-CN" altLang="en-US" smtClean="0"/>
-              <a:t>27</a:t>
+              <a:t>28</a:t>
             </a:fld>
             <a:endParaRPr lang="zh-CN" altLang="en-US"/>
           </a:p>

--- a/PPT/云计算 Streaming 实现汇报.pptx
+++ b/PPT/云计算 Streaming 实现汇报.pptx
@@ -26,10 +26,10 @@
     <p:sldId id="364" r:id="rId17"/>
     <p:sldId id="350" r:id="rId18"/>
     <p:sldId id="360" r:id="rId19"/>
-    <p:sldId id="351" r:id="rId20"/>
-    <p:sldId id="362" r:id="rId21"/>
-    <p:sldId id="361" r:id="rId22"/>
-    <p:sldId id="363" r:id="rId23"/>
+    <p:sldId id="361" r:id="rId20"/>
+    <p:sldId id="363" r:id="rId21"/>
+    <p:sldId id="351" r:id="rId22"/>
+    <p:sldId id="362" r:id="rId23"/>
     <p:sldId id="342" r:id="rId24"/>
     <p:sldId id="343" r:id="rId25"/>
     <p:sldId id="344" r:id="rId26"/>
@@ -5242,7 +5242,7 @@
     </p:spTree>
     <p:extLst>
       <p:ext uri="{BB962C8B-B14F-4D97-AF65-F5344CB8AC3E}">
-        <p14:creationId xmlns:p14="http://schemas.microsoft.com/office/powerpoint/2010/main" val="972502216"/>
+        <p14:creationId xmlns:p14="http://schemas.microsoft.com/office/powerpoint/2010/main" val="682494559"/>
       </p:ext>
     </p:extLst>
   </p:cSld>
@@ -5432,7 +5432,7 @@
     </p:spTree>
     <p:extLst>
       <p:ext uri="{BB962C8B-B14F-4D97-AF65-F5344CB8AC3E}">
-        <p14:creationId xmlns:p14="http://schemas.microsoft.com/office/powerpoint/2010/main" val="2027274289"/>
+        <p14:creationId xmlns:p14="http://schemas.microsoft.com/office/powerpoint/2010/main" val="1415296903"/>
       </p:ext>
     </p:extLst>
   </p:cSld>
@@ -5538,7 +5538,7 @@
     </p:spTree>
     <p:extLst>
       <p:ext uri="{BB962C8B-B14F-4D97-AF65-F5344CB8AC3E}">
-        <p14:creationId xmlns:p14="http://schemas.microsoft.com/office/powerpoint/2010/main" val="682494559"/>
+        <p14:creationId xmlns:p14="http://schemas.microsoft.com/office/powerpoint/2010/main" val="972502216"/>
       </p:ext>
     </p:extLst>
   </p:cSld>
@@ -5644,7 +5644,7 @@
     </p:spTree>
     <p:extLst>
       <p:ext uri="{BB962C8B-B14F-4D97-AF65-F5344CB8AC3E}">
-        <p14:creationId xmlns:p14="http://schemas.microsoft.com/office/powerpoint/2010/main" val="1415296903"/>
+        <p14:creationId xmlns:p14="http://schemas.microsoft.com/office/powerpoint/2010/main" val="2027274289"/>
       </p:ext>
     </p:extLst>
   </p:cSld>
@@ -13007,7 +13007,7 @@
             </a:r>
             <a:r>
               <a:rPr lang="zh-CN" altLang="en-US" dirty="0"/>
-              <a:t>流计算</a:t>
+              <a:t>数据转换</a:t>
             </a:r>
           </a:p>
         </p:txBody>
@@ -13133,7 +13133,7 @@
             </a:r>
             <a:r>
               <a:rPr lang="zh-CN" altLang="en-US" dirty="0"/>
-              <a:t>流计算</a:t>
+              <a:t>数据转换</a:t>
             </a:r>
           </a:p>
         </p:txBody>
@@ -13872,12 +13872,8 @@
               <a:t>IV.</a:t>
             </a:r>
             <a:r>
-              <a:rPr lang="zh-CN" altLang="en-US"/>
-              <a:t> 流计算</a:t>
-            </a:r>
-            <a:r>
               <a:rPr lang="zh-CN" altLang="en-US" dirty="0"/>
-              <a:t>步骤</a:t>
+              <a:t> 流计算步骤</a:t>
             </a:r>
             <a:r>
               <a:rPr lang="en-US" altLang="zh-CN" dirty="0"/>
@@ -13885,7 +13881,7 @@
             </a:r>
             <a:r>
               <a:rPr lang="zh-CN" altLang="en-US" dirty="0"/>
-              <a:t>问题和解决方案</a:t>
+              <a:t>一键启动</a:t>
             </a:r>
           </a:p>
         </p:txBody>
@@ -13919,23 +13915,7 @@
                   <a:prstClr val="black"/>
                 </a:solidFill>
               </a:rPr>
-              <a:t>因为数据</a:t>
-            </a:r>
-            <a:r>
-              <a:rPr lang="en-US" altLang="zh-CN" dirty="0">
-                <a:solidFill>
-                  <a:prstClr val="black"/>
-                </a:solidFill>
-              </a:rPr>
-              <a:t>explode</a:t>
-            </a:r>
-            <a:r>
-              <a:rPr lang="zh-CN" altLang="en-US" dirty="0">
-                <a:solidFill>
-                  <a:prstClr val="black"/>
-                </a:solidFill>
-              </a:rPr>
-              <a:t>导致大量数据库操作：</a:t>
+              <a:t>流的一键启动</a:t>
             </a:r>
             <a:endParaRPr lang="en-US" altLang="zh-CN" dirty="0">
               <a:solidFill>
@@ -13963,6 +13943,602 @@
             <a:fld id="{02AE1E35-F495-4665-8CB0-CDD28443F6EA}" type="slidenum">
               <a:rPr lang="zh-CN" altLang="en-US" smtClean="0"/>
               <a:t>19</a:t>
+            </a:fld>
+            <a:endParaRPr lang="zh-CN" altLang="en-US"/>
+          </a:p>
+        </p:txBody>
+      </p:sp>
+      <p:pic>
+        <p:nvPicPr>
+          <p:cNvPr id="4" name="图片 3">
+            <a:extLst>
+              <a:ext uri="{FF2B5EF4-FFF2-40B4-BE49-F238E27FC236}">
+                <a16:creationId xmlns:a16="http://schemas.microsoft.com/office/drawing/2014/main" id="{B0664363-B11F-4A42-A659-6F9640C09D73}"/>
+              </a:ext>
+            </a:extLst>
+          </p:cNvPr>
+          <p:cNvPicPr>
+            <a:picLocks noChangeAspect="1"/>
+          </p:cNvPicPr>
+          <p:nvPr/>
+        </p:nvPicPr>
+        <p:blipFill>
+          <a:blip r:embed="rId3"/>
+          <a:stretch>
+            <a:fillRect/>
+          </a:stretch>
+        </p:blipFill>
+        <p:spPr>
+          <a:xfrm>
+            <a:off x="899175" y="1964753"/>
+            <a:ext cx="7613040" cy="3543607"/>
+          </a:xfrm>
+          <a:prstGeom prst="rect">
+            <a:avLst/>
+          </a:prstGeom>
+        </p:spPr>
+      </p:pic>
+    </p:spTree>
+    <p:extLst>
+      <p:ext uri="{BB962C8B-B14F-4D97-AF65-F5344CB8AC3E}">
+        <p14:creationId xmlns:p14="http://schemas.microsoft.com/office/powerpoint/2010/main" val="4154761658"/>
+      </p:ext>
+    </p:extLst>
+  </p:cSld>
+  <p:clrMapOvr>
+    <a:masterClrMapping/>
+  </p:clrMapOvr>
+</p:sld>
+</file>
+
+<file path=ppt/slides/slide2.xml><?xml version="1.0" encoding="utf-8"?>
+<p:sld xmlns:a="http://schemas.openxmlformats.org/drawingml/2006/main" xmlns:r="http://schemas.openxmlformats.org/officeDocument/2006/relationships" xmlns:p="http://schemas.openxmlformats.org/presentationml/2006/main">
+  <p:cSld>
+    <p:spTree>
+      <p:nvGrpSpPr>
+        <p:cNvPr id="1" name=""/>
+        <p:cNvGrpSpPr/>
+        <p:nvPr/>
+      </p:nvGrpSpPr>
+      <p:grpSpPr>
+        <a:xfrm>
+          <a:off x="0" y="0"/>
+          <a:ext cx="0" cy="0"/>
+          <a:chOff x="0" y="0"/>
+          <a:chExt cx="0" cy="0"/>
+        </a:xfrm>
+      </p:grpSpPr>
+      <p:sp>
+        <p:nvSpPr>
+          <p:cNvPr id="2" name="标题 1"/>
+          <p:cNvSpPr>
+            <a:spLocks noGrp="1"/>
+          </p:cNvSpPr>
+          <p:nvPr>
+            <p:ph type="title"/>
+          </p:nvPr>
+        </p:nvSpPr>
+        <p:spPr>
+          <a:xfrm>
+            <a:off x="1804755" y="1162050"/>
+            <a:ext cx="1059095" cy="1947894"/>
+          </a:xfrm>
+          <a:solidFill>
+            <a:srgbClr val="6F0E6F"/>
+          </a:solidFill>
+        </p:spPr>
+        <p:txBody>
+          <a:bodyPr>
+            <a:normAutofit/>
+          </a:bodyPr>
+          <a:lstStyle/>
+          <a:p>
+            <a:r>
+              <a:rPr lang="zh-CN" altLang="en-US" sz="3200" dirty="0">
+                <a:solidFill>
+                  <a:schemeClr val="bg1"/>
+                </a:solidFill>
+              </a:rPr>
+              <a:t>目</a:t>
+            </a:r>
+            <a:br>
+              <a:rPr lang="en-US" altLang="zh-CN" sz="3200" dirty="0">
+                <a:solidFill>
+                  <a:schemeClr val="bg1"/>
+                </a:solidFill>
+              </a:rPr>
+            </a:br>
+            <a:r>
+              <a:rPr lang="zh-CN" altLang="en-US" sz="3200" dirty="0">
+                <a:solidFill>
+                  <a:schemeClr val="bg1"/>
+                </a:solidFill>
+              </a:rPr>
+              <a:t>录</a:t>
+            </a:r>
+          </a:p>
+        </p:txBody>
+      </p:sp>
+      <p:sp>
+        <p:nvSpPr>
+          <p:cNvPr id="3" name="内容占位符 2"/>
+          <p:cNvSpPr>
+            <a:spLocks noGrp="1"/>
+          </p:cNvSpPr>
+          <p:nvPr>
+            <p:ph idx="1"/>
+          </p:nvPr>
+        </p:nvSpPr>
+        <p:spPr>
+          <a:xfrm>
+            <a:off x="4222750" y="1308100"/>
+            <a:ext cx="3907748" cy="5302250"/>
+          </a:xfrm>
+        </p:spPr>
+        <p:txBody>
+          <a:bodyPr>
+            <a:normAutofit/>
+          </a:bodyPr>
+          <a:lstStyle/>
+          <a:p>
+            <a:r>
+              <a:rPr lang="en-US" altLang="zh-CN" b="1" dirty="0"/>
+              <a:t>Streaming </a:t>
+            </a:r>
+            <a:r>
+              <a:rPr lang="zh-CN" altLang="en-US" b="1" dirty="0"/>
+              <a:t>作业实现</a:t>
+            </a:r>
+            <a:endParaRPr lang="en-US" altLang="zh-CN" b="1" dirty="0"/>
+          </a:p>
+          <a:p>
+            <a:pPr lvl="1"/>
+            <a:r>
+              <a:rPr lang="en-US" altLang="zh-CN" b="1" dirty="0"/>
+              <a:t>I.</a:t>
+            </a:r>
+            <a:r>
+              <a:rPr lang="zh-CN" altLang="en-US" b="1" dirty="0"/>
+              <a:t> 需求分析</a:t>
+            </a:r>
+            <a:endParaRPr lang="en-US" altLang="zh-CN" b="1" dirty="0"/>
+          </a:p>
+          <a:p>
+            <a:pPr lvl="1"/>
+            <a:r>
+              <a:rPr lang="en-US" altLang="zh-CN" b="1" dirty="0"/>
+              <a:t>II.</a:t>
+            </a:r>
+            <a:r>
+              <a:rPr lang="zh-CN" altLang="en-US" b="1" dirty="0"/>
+              <a:t> 整体架构</a:t>
+            </a:r>
+            <a:endParaRPr lang="en-CN" altLang="zh-CN" b="1" dirty="0"/>
+          </a:p>
+          <a:p>
+            <a:pPr lvl="1"/>
+            <a:r>
+              <a:rPr lang="en-US" altLang="zh-CN" b="1" dirty="0"/>
+              <a:t>III.</a:t>
+            </a:r>
+            <a:r>
+              <a:rPr lang="zh-CN" altLang="en-US" b="1" dirty="0"/>
+              <a:t> 数据</a:t>
+            </a:r>
+            <a:r>
+              <a:rPr lang="zh-CN" altLang="en-CN" b="1" dirty="0"/>
+              <a:t>获取</a:t>
+            </a:r>
+            <a:endParaRPr lang="en-US" altLang="zh-CN" b="1" dirty="0"/>
+          </a:p>
+          <a:p>
+            <a:pPr lvl="1"/>
+            <a:r>
+              <a:rPr lang="en-US" altLang="zh-CN" b="1" dirty="0"/>
+              <a:t>IV.</a:t>
+            </a:r>
+            <a:r>
+              <a:rPr lang="zh-CN" altLang="en-US" b="1" dirty="0"/>
+              <a:t> 流计算步骤</a:t>
+            </a:r>
+            <a:endParaRPr lang="en-US" altLang="zh-CN" b="1" dirty="0"/>
+          </a:p>
+          <a:p>
+            <a:pPr lvl="1"/>
+            <a:r>
+              <a:rPr lang="en-US" altLang="zh-CN" b="1" dirty="0"/>
+              <a:t>V.</a:t>
+            </a:r>
+            <a:r>
+              <a:rPr lang="zh-CN" altLang="en-US" b="1" dirty="0"/>
+              <a:t> 项目展示</a:t>
+            </a:r>
+            <a:endParaRPr lang="en-US" altLang="zh-CN" b="1" dirty="0"/>
+          </a:p>
+        </p:txBody>
+      </p:sp>
+      <p:sp>
+        <p:nvSpPr>
+          <p:cNvPr id="4" name="标题 1"/>
+          <p:cNvSpPr txBox="1">
+            <a:spLocks/>
+          </p:cNvSpPr>
+          <p:nvPr/>
+        </p:nvSpPr>
+        <p:spPr>
+          <a:xfrm>
+            <a:off x="4222750" y="1162050"/>
+            <a:ext cx="3907748" cy="146050"/>
+          </a:xfrm>
+          <a:prstGeom prst="rect">
+            <a:avLst/>
+          </a:prstGeom>
+          <a:solidFill>
+            <a:srgbClr val="6F0E6F"/>
+          </a:solidFill>
+        </p:spPr>
+        <p:txBody>
+          <a:bodyPr vert="horz" lIns="91440" tIns="45720" rIns="91440" bIns="45720" rtlCol="0" anchor="ctr">
+            <a:normAutofit fontScale="25000" lnSpcReduction="20000"/>
+          </a:bodyPr>
+          <a:lstStyle>
+            <a:lvl1pPr algn="ctr" defTabSz="685800" rtl="0" eaLnBrk="1" latinLnBrk="0" hangingPunct="1">
+              <a:lnSpc>
+                <a:spcPct val="90000"/>
+              </a:lnSpc>
+              <a:spcBef>
+                <a:spcPct val="0"/>
+              </a:spcBef>
+              <a:buNone/>
+              <a:defRPr sz="2700" b="1" kern="1200">
+                <a:solidFill>
+                  <a:srgbClr val="6F0E6F"/>
+                </a:solidFill>
+                <a:latin typeface="微软雅黑" panose="020B0503020204020204" pitchFamily="34" charset="-122"/>
+                <a:ea typeface="微软雅黑" panose="020B0503020204020204" pitchFamily="34" charset="-122"/>
+                <a:cs typeface="+mj-cs"/>
+              </a:defRPr>
+            </a:lvl1pPr>
+          </a:lstStyle>
+          <a:p>
+            <a:endParaRPr lang="zh-CN" altLang="en-US" sz="3200" dirty="0">
+              <a:solidFill>
+                <a:schemeClr val="bg1"/>
+              </a:solidFill>
+            </a:endParaRPr>
+          </a:p>
+        </p:txBody>
+      </p:sp>
+      <p:sp>
+        <p:nvSpPr>
+          <p:cNvPr id="5" name="灯片编号占位符 4"/>
+          <p:cNvSpPr>
+            <a:spLocks noGrp="1"/>
+          </p:cNvSpPr>
+          <p:nvPr>
+            <p:ph type="sldNum" sz="quarter" idx="12"/>
+          </p:nvPr>
+        </p:nvSpPr>
+        <p:spPr/>
+        <p:txBody>
+          <a:bodyPr/>
+          <a:lstStyle/>
+          <a:p>
+            <a:fld id="{02AE1E35-F495-4665-8CB0-CDD28443F6EA}" type="slidenum">
+              <a:rPr lang="zh-CN" altLang="en-US" smtClean="0"/>
+              <a:t>2</a:t>
+            </a:fld>
+            <a:endParaRPr lang="zh-CN" altLang="en-US"/>
+          </a:p>
+        </p:txBody>
+      </p:sp>
+    </p:spTree>
+    <p:extLst>
+      <p:ext uri="{BB962C8B-B14F-4D97-AF65-F5344CB8AC3E}">
+        <p14:creationId xmlns:p14="http://schemas.microsoft.com/office/powerpoint/2010/main" val="2385772990"/>
+      </p:ext>
+    </p:extLst>
+  </p:cSld>
+  <p:clrMapOvr>
+    <a:masterClrMapping/>
+  </p:clrMapOvr>
+</p:sld>
+</file>
+
+<file path=ppt/slides/slide20.xml><?xml version="1.0" encoding="utf-8"?>
+<p:sld xmlns:a="http://schemas.openxmlformats.org/drawingml/2006/main" xmlns:r="http://schemas.openxmlformats.org/officeDocument/2006/relationships" xmlns:p="http://schemas.openxmlformats.org/presentationml/2006/main">
+  <p:cSld>
+    <p:spTree>
+      <p:nvGrpSpPr>
+        <p:cNvPr id="1" name=""/>
+        <p:cNvGrpSpPr/>
+        <p:nvPr/>
+      </p:nvGrpSpPr>
+      <p:grpSpPr>
+        <a:xfrm>
+          <a:off x="0" y="0"/>
+          <a:ext cx="0" cy="0"/>
+          <a:chOff x="0" y="0"/>
+          <a:chExt cx="0" cy="0"/>
+        </a:xfrm>
+      </p:grpSpPr>
+      <p:sp>
+        <p:nvSpPr>
+          <p:cNvPr id="2" name="标题 1"/>
+          <p:cNvSpPr>
+            <a:spLocks noGrp="1"/>
+          </p:cNvSpPr>
+          <p:nvPr>
+            <p:ph type="title"/>
+          </p:nvPr>
+        </p:nvSpPr>
+        <p:spPr>
+          <a:xfrm>
+            <a:off x="420454" y="287306"/>
+            <a:ext cx="8301515" cy="649110"/>
+          </a:xfrm>
+        </p:spPr>
+        <p:txBody>
+          <a:bodyPr/>
+          <a:lstStyle/>
+          <a:p>
+            <a:r>
+              <a:rPr lang="en-US" altLang="zh-CN" dirty="0"/>
+              <a:t>IV.</a:t>
+            </a:r>
+            <a:r>
+              <a:rPr lang="zh-CN" altLang="en-US" dirty="0"/>
+              <a:t> 流计算步骤</a:t>
+            </a:r>
+            <a:r>
+              <a:rPr lang="en-US" altLang="zh-CN" dirty="0"/>
+              <a:t>——</a:t>
+            </a:r>
+            <a:r>
+              <a:rPr lang="zh-CN" altLang="en-US" dirty="0"/>
+              <a:t>一键启动</a:t>
+            </a:r>
+          </a:p>
+        </p:txBody>
+      </p:sp>
+      <p:sp>
+        <p:nvSpPr>
+          <p:cNvPr id="3" name="内容占位符 2"/>
+          <p:cNvSpPr>
+            <a:spLocks noGrp="1"/>
+          </p:cNvSpPr>
+          <p:nvPr>
+            <p:ph idx="1"/>
+          </p:nvPr>
+        </p:nvSpPr>
+        <p:spPr>
+          <a:xfrm>
+            <a:off x="420456" y="1188138"/>
+            <a:ext cx="8570478" cy="5096838"/>
+          </a:xfrm>
+        </p:spPr>
+        <p:txBody>
+          <a:bodyPr>
+            <a:normAutofit/>
+          </a:bodyPr>
+          <a:lstStyle/>
+          <a:p>
+            <a:pPr lvl="0"/>
+            <a:r>
+              <a:rPr lang="zh-CN" altLang="en-US" dirty="0">
+                <a:solidFill>
+                  <a:prstClr val="black"/>
+                </a:solidFill>
+              </a:rPr>
+              <a:t>流的一键启动</a:t>
+            </a:r>
+            <a:endParaRPr lang="en-US" altLang="zh-CN" dirty="0">
+              <a:solidFill>
+                <a:prstClr val="black"/>
+              </a:solidFill>
+            </a:endParaRPr>
+          </a:p>
+        </p:txBody>
+      </p:sp>
+      <p:sp>
+        <p:nvSpPr>
+          <p:cNvPr id="5" name="灯片编号占位符 4"/>
+          <p:cNvSpPr>
+            <a:spLocks noGrp="1"/>
+          </p:cNvSpPr>
+          <p:nvPr>
+            <p:ph type="sldNum" sz="quarter" idx="12"/>
+          </p:nvPr>
+        </p:nvSpPr>
+        <p:spPr/>
+        <p:txBody>
+          <a:bodyPr/>
+          <a:lstStyle/>
+          <a:p>
+            <a:fld id="{02AE1E35-F495-4665-8CB0-CDD28443F6EA}" type="slidenum">
+              <a:rPr lang="zh-CN" altLang="en-US" smtClean="0"/>
+              <a:t>20</a:t>
+            </a:fld>
+            <a:endParaRPr lang="zh-CN" altLang="en-US"/>
+          </a:p>
+        </p:txBody>
+      </p:sp>
+      <p:pic>
+        <p:nvPicPr>
+          <p:cNvPr id="6" name="图片 5">
+            <a:extLst>
+              <a:ext uri="{FF2B5EF4-FFF2-40B4-BE49-F238E27FC236}">
+                <a16:creationId xmlns:a16="http://schemas.microsoft.com/office/drawing/2014/main" id="{5803D64A-2679-4406-BEF1-E259E3E019E3}"/>
+              </a:ext>
+            </a:extLst>
+          </p:cNvPr>
+          <p:cNvPicPr>
+            <a:picLocks noChangeAspect="1"/>
+          </p:cNvPicPr>
+          <p:nvPr/>
+        </p:nvPicPr>
+        <p:blipFill>
+          <a:blip r:embed="rId3"/>
+          <a:stretch>
+            <a:fillRect/>
+          </a:stretch>
+        </p:blipFill>
+        <p:spPr>
+          <a:xfrm>
+            <a:off x="959976" y="2132408"/>
+            <a:ext cx="7658764" cy="3208298"/>
+          </a:xfrm>
+          <a:prstGeom prst="rect">
+            <a:avLst/>
+          </a:prstGeom>
+        </p:spPr>
+      </p:pic>
+    </p:spTree>
+    <p:extLst>
+      <p:ext uri="{BB962C8B-B14F-4D97-AF65-F5344CB8AC3E}">
+        <p14:creationId xmlns:p14="http://schemas.microsoft.com/office/powerpoint/2010/main" val="1157749109"/>
+      </p:ext>
+    </p:extLst>
+  </p:cSld>
+  <p:clrMapOvr>
+    <a:masterClrMapping/>
+  </p:clrMapOvr>
+</p:sld>
+</file>
+
+<file path=ppt/slides/slide21.xml><?xml version="1.0" encoding="utf-8"?>
+<p:sld xmlns:a="http://schemas.openxmlformats.org/drawingml/2006/main" xmlns:r="http://schemas.openxmlformats.org/officeDocument/2006/relationships" xmlns:p="http://schemas.openxmlformats.org/presentationml/2006/main">
+  <p:cSld>
+    <p:spTree>
+      <p:nvGrpSpPr>
+        <p:cNvPr id="1" name=""/>
+        <p:cNvGrpSpPr/>
+        <p:nvPr/>
+      </p:nvGrpSpPr>
+      <p:grpSpPr>
+        <a:xfrm>
+          <a:off x="0" y="0"/>
+          <a:ext cx="0" cy="0"/>
+          <a:chOff x="0" y="0"/>
+          <a:chExt cx="0" cy="0"/>
+        </a:xfrm>
+      </p:grpSpPr>
+      <p:sp>
+        <p:nvSpPr>
+          <p:cNvPr id="2" name="标题 1"/>
+          <p:cNvSpPr>
+            <a:spLocks noGrp="1"/>
+          </p:cNvSpPr>
+          <p:nvPr>
+            <p:ph type="title"/>
+          </p:nvPr>
+        </p:nvSpPr>
+        <p:spPr>
+          <a:xfrm>
+            <a:off x="420454" y="287306"/>
+            <a:ext cx="8301515" cy="649110"/>
+          </a:xfrm>
+        </p:spPr>
+        <p:txBody>
+          <a:bodyPr/>
+          <a:lstStyle/>
+          <a:p>
+            <a:r>
+              <a:rPr lang="en-US" altLang="zh-CN" dirty="0"/>
+              <a:t>IV.</a:t>
+            </a:r>
+            <a:r>
+              <a:rPr lang="zh-CN" altLang="en-US"/>
+              <a:t> 流计算</a:t>
+            </a:r>
+            <a:r>
+              <a:rPr lang="zh-CN" altLang="en-US" dirty="0"/>
+              <a:t>步骤</a:t>
+            </a:r>
+            <a:r>
+              <a:rPr lang="en-US" altLang="zh-CN" dirty="0"/>
+              <a:t>——</a:t>
+            </a:r>
+            <a:r>
+              <a:rPr lang="zh-CN" altLang="en-US" dirty="0"/>
+              <a:t>问题和解决方案</a:t>
+            </a:r>
+          </a:p>
+        </p:txBody>
+      </p:sp>
+      <p:sp>
+        <p:nvSpPr>
+          <p:cNvPr id="3" name="内容占位符 2"/>
+          <p:cNvSpPr>
+            <a:spLocks noGrp="1"/>
+          </p:cNvSpPr>
+          <p:nvPr>
+            <p:ph idx="1"/>
+          </p:nvPr>
+        </p:nvSpPr>
+        <p:spPr>
+          <a:xfrm>
+            <a:off x="420456" y="1188138"/>
+            <a:ext cx="8570478" cy="5096838"/>
+          </a:xfrm>
+        </p:spPr>
+        <p:txBody>
+          <a:bodyPr>
+            <a:normAutofit/>
+          </a:bodyPr>
+          <a:lstStyle/>
+          <a:p>
+            <a:pPr lvl="0"/>
+            <a:r>
+              <a:rPr lang="zh-CN" altLang="en-US" dirty="0">
+                <a:solidFill>
+                  <a:prstClr val="black"/>
+                </a:solidFill>
+              </a:rPr>
+              <a:t>因为数据</a:t>
+            </a:r>
+            <a:r>
+              <a:rPr lang="en-US" altLang="zh-CN" dirty="0">
+                <a:solidFill>
+                  <a:prstClr val="black"/>
+                </a:solidFill>
+              </a:rPr>
+              <a:t>explode</a:t>
+            </a:r>
+            <a:r>
+              <a:rPr lang="zh-CN" altLang="en-US" dirty="0">
+                <a:solidFill>
+                  <a:prstClr val="black"/>
+                </a:solidFill>
+              </a:rPr>
+              <a:t>导致大量数据库操作：</a:t>
+            </a:r>
+            <a:endParaRPr lang="en-US" altLang="zh-CN" dirty="0">
+              <a:solidFill>
+                <a:prstClr val="black"/>
+              </a:solidFill>
+            </a:endParaRPr>
+          </a:p>
+        </p:txBody>
+      </p:sp>
+      <p:sp>
+        <p:nvSpPr>
+          <p:cNvPr id="5" name="灯片编号占位符 4"/>
+          <p:cNvSpPr>
+            <a:spLocks noGrp="1"/>
+          </p:cNvSpPr>
+          <p:nvPr>
+            <p:ph type="sldNum" sz="quarter" idx="12"/>
+          </p:nvPr>
+        </p:nvSpPr>
+        <p:spPr/>
+        <p:txBody>
+          <a:bodyPr/>
+          <a:lstStyle/>
+          <a:p>
+            <a:fld id="{02AE1E35-F495-4665-8CB0-CDD28443F6EA}" type="slidenum">
+              <a:rPr lang="zh-CN" altLang="en-US" smtClean="0"/>
+              <a:t>21</a:t>
             </a:fld>
             <a:endParaRPr lang="zh-CN" altLang="en-US"/>
           </a:p>
@@ -14011,7 +14587,7 @@
 </p:sld>
 </file>
 
-<file path=ppt/slides/slide2.xml><?xml version="1.0" encoding="utf-8"?>
+<file path=ppt/slides/slide22.xml><?xml version="1.0" encoding="utf-8"?>
 <p:sld xmlns:a="http://schemas.openxmlformats.org/drawingml/2006/main" xmlns:r="http://schemas.openxmlformats.org/officeDocument/2006/relationships" xmlns:p="http://schemas.openxmlformats.org/presentationml/2006/main">
   <p:cSld>
     <p:spTree>
@@ -14040,260 +14616,6 @@
         </p:nvSpPr>
         <p:spPr>
           <a:xfrm>
-            <a:off x="1804755" y="1162050"/>
-            <a:ext cx="1059095" cy="1947894"/>
-          </a:xfrm>
-          <a:solidFill>
-            <a:srgbClr val="6F0E6F"/>
-          </a:solidFill>
-        </p:spPr>
-        <p:txBody>
-          <a:bodyPr>
-            <a:normAutofit/>
-          </a:bodyPr>
-          <a:lstStyle/>
-          <a:p>
-            <a:r>
-              <a:rPr lang="zh-CN" altLang="en-US" sz="3200" dirty="0">
-                <a:solidFill>
-                  <a:schemeClr val="bg1"/>
-                </a:solidFill>
-              </a:rPr>
-              <a:t>目</a:t>
-            </a:r>
-            <a:br>
-              <a:rPr lang="en-US" altLang="zh-CN" sz="3200" dirty="0">
-                <a:solidFill>
-                  <a:schemeClr val="bg1"/>
-                </a:solidFill>
-              </a:rPr>
-            </a:br>
-            <a:r>
-              <a:rPr lang="zh-CN" altLang="en-US" sz="3200" dirty="0">
-                <a:solidFill>
-                  <a:schemeClr val="bg1"/>
-                </a:solidFill>
-              </a:rPr>
-              <a:t>录</a:t>
-            </a:r>
-          </a:p>
-        </p:txBody>
-      </p:sp>
-      <p:sp>
-        <p:nvSpPr>
-          <p:cNvPr id="3" name="内容占位符 2"/>
-          <p:cNvSpPr>
-            <a:spLocks noGrp="1"/>
-          </p:cNvSpPr>
-          <p:nvPr>
-            <p:ph idx="1"/>
-          </p:nvPr>
-        </p:nvSpPr>
-        <p:spPr>
-          <a:xfrm>
-            <a:off x="4222750" y="1308100"/>
-            <a:ext cx="3907748" cy="5302250"/>
-          </a:xfrm>
-        </p:spPr>
-        <p:txBody>
-          <a:bodyPr>
-            <a:normAutofit/>
-          </a:bodyPr>
-          <a:lstStyle/>
-          <a:p>
-            <a:r>
-              <a:rPr lang="en-US" altLang="zh-CN" b="1" dirty="0"/>
-              <a:t>Streaming </a:t>
-            </a:r>
-            <a:r>
-              <a:rPr lang="zh-CN" altLang="en-US" b="1" dirty="0"/>
-              <a:t>作业实现</a:t>
-            </a:r>
-            <a:endParaRPr lang="en-US" altLang="zh-CN" b="1" dirty="0"/>
-          </a:p>
-          <a:p>
-            <a:pPr lvl="1"/>
-            <a:r>
-              <a:rPr lang="en-US" altLang="zh-CN" b="1" dirty="0"/>
-              <a:t>I.</a:t>
-            </a:r>
-            <a:r>
-              <a:rPr lang="zh-CN" altLang="en-US" b="1" dirty="0"/>
-              <a:t> 需求分析</a:t>
-            </a:r>
-            <a:endParaRPr lang="en-US" altLang="zh-CN" b="1" dirty="0"/>
-          </a:p>
-          <a:p>
-            <a:pPr lvl="1"/>
-            <a:r>
-              <a:rPr lang="en-US" altLang="zh-CN" b="1" dirty="0"/>
-              <a:t>II.</a:t>
-            </a:r>
-            <a:r>
-              <a:rPr lang="zh-CN" altLang="en-US" b="1" dirty="0"/>
-              <a:t> 整体架构</a:t>
-            </a:r>
-            <a:endParaRPr lang="en-CN" altLang="zh-CN" b="1" dirty="0"/>
-          </a:p>
-          <a:p>
-            <a:pPr lvl="1"/>
-            <a:r>
-              <a:rPr lang="en-US" altLang="zh-CN" b="1" dirty="0"/>
-              <a:t>III.</a:t>
-            </a:r>
-            <a:r>
-              <a:rPr lang="zh-CN" altLang="en-US" b="1" dirty="0"/>
-              <a:t> 数据</a:t>
-            </a:r>
-            <a:r>
-              <a:rPr lang="zh-CN" altLang="en-CN" b="1" dirty="0"/>
-              <a:t>获取</a:t>
-            </a:r>
-            <a:endParaRPr lang="en-US" altLang="zh-CN" b="1" dirty="0"/>
-          </a:p>
-          <a:p>
-            <a:pPr lvl="1"/>
-            <a:r>
-              <a:rPr lang="en-US" altLang="zh-CN" b="1" dirty="0"/>
-              <a:t>IV.</a:t>
-            </a:r>
-            <a:r>
-              <a:rPr lang="zh-CN" altLang="en-US" b="1" dirty="0"/>
-              <a:t> 流计算步骤</a:t>
-            </a:r>
-            <a:endParaRPr lang="en-US" altLang="zh-CN" b="1" dirty="0"/>
-          </a:p>
-          <a:p>
-            <a:pPr lvl="1"/>
-            <a:r>
-              <a:rPr lang="en-US" altLang="zh-CN" b="1" dirty="0"/>
-              <a:t>V.</a:t>
-            </a:r>
-            <a:r>
-              <a:rPr lang="zh-CN" altLang="en-US" b="1" dirty="0"/>
-              <a:t> 项目展示</a:t>
-            </a:r>
-            <a:endParaRPr lang="en-US" altLang="zh-CN" b="1" dirty="0"/>
-          </a:p>
-        </p:txBody>
-      </p:sp>
-      <p:sp>
-        <p:nvSpPr>
-          <p:cNvPr id="4" name="标题 1"/>
-          <p:cNvSpPr txBox="1">
-            <a:spLocks/>
-          </p:cNvSpPr>
-          <p:nvPr/>
-        </p:nvSpPr>
-        <p:spPr>
-          <a:xfrm>
-            <a:off x="4222750" y="1162050"/>
-            <a:ext cx="3907748" cy="146050"/>
-          </a:xfrm>
-          <a:prstGeom prst="rect">
-            <a:avLst/>
-          </a:prstGeom>
-          <a:solidFill>
-            <a:srgbClr val="6F0E6F"/>
-          </a:solidFill>
-        </p:spPr>
-        <p:txBody>
-          <a:bodyPr vert="horz" lIns="91440" tIns="45720" rIns="91440" bIns="45720" rtlCol="0" anchor="ctr">
-            <a:normAutofit fontScale="25000" lnSpcReduction="20000"/>
-          </a:bodyPr>
-          <a:lstStyle>
-            <a:lvl1pPr algn="ctr" defTabSz="685800" rtl="0" eaLnBrk="1" latinLnBrk="0" hangingPunct="1">
-              <a:lnSpc>
-                <a:spcPct val="90000"/>
-              </a:lnSpc>
-              <a:spcBef>
-                <a:spcPct val="0"/>
-              </a:spcBef>
-              <a:buNone/>
-              <a:defRPr sz="2700" b="1" kern="1200">
-                <a:solidFill>
-                  <a:srgbClr val="6F0E6F"/>
-                </a:solidFill>
-                <a:latin typeface="微软雅黑" panose="020B0503020204020204" pitchFamily="34" charset="-122"/>
-                <a:ea typeface="微软雅黑" panose="020B0503020204020204" pitchFamily="34" charset="-122"/>
-                <a:cs typeface="+mj-cs"/>
-              </a:defRPr>
-            </a:lvl1pPr>
-          </a:lstStyle>
-          <a:p>
-            <a:endParaRPr lang="zh-CN" altLang="en-US" sz="3200" dirty="0">
-              <a:solidFill>
-                <a:schemeClr val="bg1"/>
-              </a:solidFill>
-            </a:endParaRPr>
-          </a:p>
-        </p:txBody>
-      </p:sp>
-      <p:sp>
-        <p:nvSpPr>
-          <p:cNvPr id="5" name="灯片编号占位符 4"/>
-          <p:cNvSpPr>
-            <a:spLocks noGrp="1"/>
-          </p:cNvSpPr>
-          <p:nvPr>
-            <p:ph type="sldNum" sz="quarter" idx="12"/>
-          </p:nvPr>
-        </p:nvSpPr>
-        <p:spPr/>
-        <p:txBody>
-          <a:bodyPr/>
-          <a:lstStyle/>
-          <a:p>
-            <a:fld id="{02AE1E35-F495-4665-8CB0-CDD28443F6EA}" type="slidenum">
-              <a:rPr lang="zh-CN" altLang="en-US" smtClean="0"/>
-              <a:t>2</a:t>
-            </a:fld>
-            <a:endParaRPr lang="zh-CN" altLang="en-US"/>
-          </a:p>
-        </p:txBody>
-      </p:sp>
-    </p:spTree>
-    <p:extLst>
-      <p:ext uri="{BB962C8B-B14F-4D97-AF65-F5344CB8AC3E}">
-        <p14:creationId xmlns:p14="http://schemas.microsoft.com/office/powerpoint/2010/main" val="2385772990"/>
-      </p:ext>
-    </p:extLst>
-  </p:cSld>
-  <p:clrMapOvr>
-    <a:masterClrMapping/>
-  </p:clrMapOvr>
-</p:sld>
-</file>
-
-<file path=ppt/slides/slide20.xml><?xml version="1.0" encoding="utf-8"?>
-<p:sld xmlns:a="http://schemas.openxmlformats.org/drawingml/2006/main" xmlns:r="http://schemas.openxmlformats.org/officeDocument/2006/relationships" xmlns:p="http://schemas.openxmlformats.org/presentationml/2006/main">
-  <p:cSld>
-    <p:spTree>
-      <p:nvGrpSpPr>
-        <p:cNvPr id="1" name=""/>
-        <p:cNvGrpSpPr/>
-        <p:nvPr/>
-      </p:nvGrpSpPr>
-      <p:grpSpPr>
-        <a:xfrm>
-          <a:off x="0" y="0"/>
-          <a:ext cx="0" cy="0"/>
-          <a:chOff x="0" y="0"/>
-          <a:chExt cx="0" cy="0"/>
-        </a:xfrm>
-      </p:grpSpPr>
-      <p:sp>
-        <p:nvSpPr>
-          <p:cNvPr id="2" name="标题 1"/>
-          <p:cNvSpPr>
-            <a:spLocks noGrp="1"/>
-          </p:cNvSpPr>
-          <p:nvPr>
-            <p:ph type="title"/>
-          </p:nvPr>
-        </p:nvSpPr>
-        <p:spPr>
-          <a:xfrm>
             <a:off x="420454" y="287306"/>
             <a:ext cx="8301515" cy="649110"/>
           </a:xfrm>
@@ -14413,7 +14735,7 @@
           <a:p>
             <a:fld id="{02AE1E35-F495-4665-8CB0-CDD28443F6EA}" type="slidenum">
               <a:rPr lang="zh-CN" altLang="en-US" smtClean="0"/>
-              <a:t>20</a:t>
+              <a:t>22</a:t>
             </a:fld>
             <a:endParaRPr lang="zh-CN" altLang="en-US"/>
           </a:p>
@@ -14462,328 +14784,6 @@
 </p:sld>
 </file>
 
-<file path=ppt/slides/slide21.xml><?xml version="1.0" encoding="utf-8"?>
-<p:sld xmlns:a="http://schemas.openxmlformats.org/drawingml/2006/main" xmlns:r="http://schemas.openxmlformats.org/officeDocument/2006/relationships" xmlns:p="http://schemas.openxmlformats.org/presentationml/2006/main">
-  <p:cSld>
-    <p:spTree>
-      <p:nvGrpSpPr>
-        <p:cNvPr id="1" name=""/>
-        <p:cNvGrpSpPr/>
-        <p:nvPr/>
-      </p:nvGrpSpPr>
-      <p:grpSpPr>
-        <a:xfrm>
-          <a:off x="0" y="0"/>
-          <a:ext cx="0" cy="0"/>
-          <a:chOff x="0" y="0"/>
-          <a:chExt cx="0" cy="0"/>
-        </a:xfrm>
-      </p:grpSpPr>
-      <p:sp>
-        <p:nvSpPr>
-          <p:cNvPr id="2" name="标题 1"/>
-          <p:cNvSpPr>
-            <a:spLocks noGrp="1"/>
-          </p:cNvSpPr>
-          <p:nvPr>
-            <p:ph type="title"/>
-          </p:nvPr>
-        </p:nvSpPr>
-        <p:spPr>
-          <a:xfrm>
-            <a:off x="420454" y="287306"/>
-            <a:ext cx="8301515" cy="649110"/>
-          </a:xfrm>
-        </p:spPr>
-        <p:txBody>
-          <a:bodyPr/>
-          <a:lstStyle/>
-          <a:p>
-            <a:r>
-              <a:rPr lang="en-US" altLang="zh-CN" dirty="0"/>
-              <a:t>IV.</a:t>
-            </a:r>
-            <a:r>
-              <a:rPr lang="zh-CN" altLang="en-US" dirty="0"/>
-              <a:t> 流计算步骤</a:t>
-            </a:r>
-            <a:r>
-              <a:rPr lang="en-US" altLang="zh-CN" dirty="0"/>
-              <a:t>——</a:t>
-            </a:r>
-            <a:r>
-              <a:rPr lang="zh-CN" altLang="en-US" dirty="0"/>
-              <a:t>问题和解决方案</a:t>
-            </a:r>
-          </a:p>
-        </p:txBody>
-      </p:sp>
-      <p:sp>
-        <p:nvSpPr>
-          <p:cNvPr id="3" name="内容占位符 2"/>
-          <p:cNvSpPr>
-            <a:spLocks noGrp="1"/>
-          </p:cNvSpPr>
-          <p:nvPr>
-            <p:ph idx="1"/>
-          </p:nvPr>
-        </p:nvSpPr>
-        <p:spPr>
-          <a:xfrm>
-            <a:off x="420456" y="1188138"/>
-            <a:ext cx="8570478" cy="5096838"/>
-          </a:xfrm>
-        </p:spPr>
-        <p:txBody>
-          <a:bodyPr>
-            <a:normAutofit/>
-          </a:bodyPr>
-          <a:lstStyle/>
-          <a:p>
-            <a:pPr lvl="0"/>
-            <a:r>
-              <a:rPr lang="zh-CN" altLang="en-US" dirty="0">
-                <a:solidFill>
-                  <a:prstClr val="black"/>
-                </a:solidFill>
-              </a:rPr>
-              <a:t>流的一键启动</a:t>
-            </a:r>
-            <a:endParaRPr lang="en-US" altLang="zh-CN" dirty="0">
-              <a:solidFill>
-                <a:prstClr val="black"/>
-              </a:solidFill>
-            </a:endParaRPr>
-          </a:p>
-        </p:txBody>
-      </p:sp>
-      <p:sp>
-        <p:nvSpPr>
-          <p:cNvPr id="5" name="灯片编号占位符 4"/>
-          <p:cNvSpPr>
-            <a:spLocks noGrp="1"/>
-          </p:cNvSpPr>
-          <p:nvPr>
-            <p:ph type="sldNum" sz="quarter" idx="12"/>
-          </p:nvPr>
-        </p:nvSpPr>
-        <p:spPr/>
-        <p:txBody>
-          <a:bodyPr/>
-          <a:lstStyle/>
-          <a:p>
-            <a:fld id="{02AE1E35-F495-4665-8CB0-CDD28443F6EA}" type="slidenum">
-              <a:rPr lang="zh-CN" altLang="en-US" smtClean="0"/>
-              <a:t>21</a:t>
-            </a:fld>
-            <a:endParaRPr lang="zh-CN" altLang="en-US"/>
-          </a:p>
-        </p:txBody>
-      </p:sp>
-      <p:pic>
-        <p:nvPicPr>
-          <p:cNvPr id="4" name="图片 3">
-            <a:extLst>
-              <a:ext uri="{FF2B5EF4-FFF2-40B4-BE49-F238E27FC236}">
-                <a16:creationId xmlns:a16="http://schemas.microsoft.com/office/drawing/2014/main" id="{B0664363-B11F-4A42-A659-6F9640C09D73}"/>
-              </a:ext>
-            </a:extLst>
-          </p:cNvPr>
-          <p:cNvPicPr>
-            <a:picLocks noChangeAspect="1"/>
-          </p:cNvPicPr>
-          <p:nvPr/>
-        </p:nvPicPr>
-        <p:blipFill>
-          <a:blip r:embed="rId3"/>
-          <a:stretch>
-            <a:fillRect/>
-          </a:stretch>
-        </p:blipFill>
-        <p:spPr>
-          <a:xfrm>
-            <a:off x="899175" y="1964753"/>
-            <a:ext cx="7613040" cy="3543607"/>
-          </a:xfrm>
-          <a:prstGeom prst="rect">
-            <a:avLst/>
-          </a:prstGeom>
-        </p:spPr>
-      </p:pic>
-    </p:spTree>
-    <p:extLst>
-      <p:ext uri="{BB962C8B-B14F-4D97-AF65-F5344CB8AC3E}">
-        <p14:creationId xmlns:p14="http://schemas.microsoft.com/office/powerpoint/2010/main" val="4154761658"/>
-      </p:ext>
-    </p:extLst>
-  </p:cSld>
-  <p:clrMapOvr>
-    <a:masterClrMapping/>
-  </p:clrMapOvr>
-</p:sld>
-</file>
-
-<file path=ppt/slides/slide22.xml><?xml version="1.0" encoding="utf-8"?>
-<p:sld xmlns:a="http://schemas.openxmlformats.org/drawingml/2006/main" xmlns:r="http://schemas.openxmlformats.org/officeDocument/2006/relationships" xmlns:p="http://schemas.openxmlformats.org/presentationml/2006/main">
-  <p:cSld>
-    <p:spTree>
-      <p:nvGrpSpPr>
-        <p:cNvPr id="1" name=""/>
-        <p:cNvGrpSpPr/>
-        <p:nvPr/>
-      </p:nvGrpSpPr>
-      <p:grpSpPr>
-        <a:xfrm>
-          <a:off x="0" y="0"/>
-          <a:ext cx="0" cy="0"/>
-          <a:chOff x="0" y="0"/>
-          <a:chExt cx="0" cy="0"/>
-        </a:xfrm>
-      </p:grpSpPr>
-      <p:sp>
-        <p:nvSpPr>
-          <p:cNvPr id="2" name="标题 1"/>
-          <p:cNvSpPr>
-            <a:spLocks noGrp="1"/>
-          </p:cNvSpPr>
-          <p:nvPr>
-            <p:ph type="title"/>
-          </p:nvPr>
-        </p:nvSpPr>
-        <p:spPr>
-          <a:xfrm>
-            <a:off x="420454" y="287306"/>
-            <a:ext cx="8301515" cy="649110"/>
-          </a:xfrm>
-        </p:spPr>
-        <p:txBody>
-          <a:bodyPr/>
-          <a:lstStyle/>
-          <a:p>
-            <a:r>
-              <a:rPr lang="en-US" altLang="zh-CN" dirty="0"/>
-              <a:t>IV.</a:t>
-            </a:r>
-            <a:r>
-              <a:rPr lang="zh-CN" altLang="en-US" dirty="0"/>
-              <a:t> 流计算步骤</a:t>
-            </a:r>
-            <a:r>
-              <a:rPr lang="en-US" altLang="zh-CN" dirty="0"/>
-              <a:t>——</a:t>
-            </a:r>
-            <a:r>
-              <a:rPr lang="zh-CN" altLang="en-US" dirty="0"/>
-              <a:t>问题和解决方案</a:t>
-            </a:r>
-          </a:p>
-        </p:txBody>
-      </p:sp>
-      <p:sp>
-        <p:nvSpPr>
-          <p:cNvPr id="3" name="内容占位符 2"/>
-          <p:cNvSpPr>
-            <a:spLocks noGrp="1"/>
-          </p:cNvSpPr>
-          <p:nvPr>
-            <p:ph idx="1"/>
-          </p:nvPr>
-        </p:nvSpPr>
-        <p:spPr>
-          <a:xfrm>
-            <a:off x="420456" y="1188138"/>
-            <a:ext cx="8570478" cy="5096838"/>
-          </a:xfrm>
-        </p:spPr>
-        <p:txBody>
-          <a:bodyPr>
-            <a:normAutofit/>
-          </a:bodyPr>
-          <a:lstStyle/>
-          <a:p>
-            <a:pPr lvl="0"/>
-            <a:r>
-              <a:rPr lang="zh-CN" altLang="en-US" dirty="0">
-                <a:solidFill>
-                  <a:prstClr val="black"/>
-                </a:solidFill>
-              </a:rPr>
-              <a:t>流的一键启动</a:t>
-            </a:r>
-            <a:endParaRPr lang="en-US" altLang="zh-CN" dirty="0">
-              <a:solidFill>
-                <a:prstClr val="black"/>
-              </a:solidFill>
-            </a:endParaRPr>
-          </a:p>
-        </p:txBody>
-      </p:sp>
-      <p:sp>
-        <p:nvSpPr>
-          <p:cNvPr id="5" name="灯片编号占位符 4"/>
-          <p:cNvSpPr>
-            <a:spLocks noGrp="1"/>
-          </p:cNvSpPr>
-          <p:nvPr>
-            <p:ph type="sldNum" sz="quarter" idx="12"/>
-          </p:nvPr>
-        </p:nvSpPr>
-        <p:spPr/>
-        <p:txBody>
-          <a:bodyPr/>
-          <a:lstStyle/>
-          <a:p>
-            <a:fld id="{02AE1E35-F495-4665-8CB0-CDD28443F6EA}" type="slidenum">
-              <a:rPr lang="zh-CN" altLang="en-US" smtClean="0"/>
-              <a:t>22</a:t>
-            </a:fld>
-            <a:endParaRPr lang="zh-CN" altLang="en-US"/>
-          </a:p>
-        </p:txBody>
-      </p:sp>
-      <p:pic>
-        <p:nvPicPr>
-          <p:cNvPr id="6" name="图片 5">
-            <a:extLst>
-              <a:ext uri="{FF2B5EF4-FFF2-40B4-BE49-F238E27FC236}">
-                <a16:creationId xmlns:a16="http://schemas.microsoft.com/office/drawing/2014/main" id="{5803D64A-2679-4406-BEF1-E259E3E019E3}"/>
-              </a:ext>
-            </a:extLst>
-          </p:cNvPr>
-          <p:cNvPicPr>
-            <a:picLocks noChangeAspect="1"/>
-          </p:cNvPicPr>
-          <p:nvPr/>
-        </p:nvPicPr>
-        <p:blipFill>
-          <a:blip r:embed="rId3"/>
-          <a:stretch>
-            <a:fillRect/>
-          </a:stretch>
-        </p:blipFill>
-        <p:spPr>
-          <a:xfrm>
-            <a:off x="959976" y="2132408"/>
-            <a:ext cx="7658764" cy="3208298"/>
-          </a:xfrm>
-          <a:prstGeom prst="rect">
-            <a:avLst/>
-          </a:prstGeom>
-        </p:spPr>
-      </p:pic>
-    </p:spTree>
-    <p:extLst>
-      <p:ext uri="{BB962C8B-B14F-4D97-AF65-F5344CB8AC3E}">
-        <p14:creationId xmlns:p14="http://schemas.microsoft.com/office/powerpoint/2010/main" val="1157749109"/>
-      </p:ext>
-    </p:extLst>
-  </p:cSld>
-  <p:clrMapOvr>
-    <a:masterClrMapping/>
-  </p:clrMapOvr>
-</p:sld>
-</file>
-
 <file path=ppt/slides/slide23.xml><?xml version="1.0" encoding="utf-8"?>
 <p:sld xmlns:a="http://schemas.openxmlformats.org/drawingml/2006/main" xmlns:r="http://schemas.openxmlformats.org/officeDocument/2006/relationships" xmlns:p="http://schemas.openxmlformats.org/presentationml/2006/main">
   <p:cSld>
@@ -14888,10 +14888,10 @@
       </p:sp>
       <p:pic>
         <p:nvPicPr>
-          <p:cNvPr id="6" name="图片 5">
+          <p:cNvPr id="7" name="图片 6">
             <a:extLst>
               <a:ext uri="{FF2B5EF4-FFF2-40B4-BE49-F238E27FC236}">
-                <a16:creationId xmlns:a16="http://schemas.microsoft.com/office/drawing/2014/main" id="{5936616F-B9FE-4E2A-9E5C-F07A71297042}"/>
+                <a16:creationId xmlns:a16="http://schemas.microsoft.com/office/drawing/2014/main" id="{C074F83F-FBCD-427A-8B70-B143464E0490}"/>
               </a:ext>
             </a:extLst>
           </p:cNvPr>
@@ -14901,7 +14901,7 @@
           <p:nvPr/>
         </p:nvPicPr>
         <p:blipFill>
-          <a:blip r:embed="rId3" cstate="print">
+          <a:blip r:embed="rId3">
             <a:extLst>
               <a:ext uri="{28A0092B-C50C-407E-A947-70E740481C1C}">
                 <a14:useLocalDpi xmlns:a14="http://schemas.microsoft.com/office/drawing/2010/main" val="0"/>
@@ -14914,8 +14914,8 @@
         </p:blipFill>
         <p:spPr>
           <a:xfrm>
-            <a:off x="529230" y="1602819"/>
-            <a:ext cx="8083962" cy="4523169"/>
+            <a:off x="289040" y="1595187"/>
+            <a:ext cx="8064708" cy="4511196"/>
           </a:xfrm>
           <a:prstGeom prst="rect">
             <a:avLst/>
@@ -15040,10 +15040,10 @@
       </p:sp>
       <p:pic>
         <p:nvPicPr>
-          <p:cNvPr id="7" name="图片 6">
+          <p:cNvPr id="6" name="图片 5">
             <a:extLst>
               <a:ext uri="{FF2B5EF4-FFF2-40B4-BE49-F238E27FC236}">
-                <a16:creationId xmlns:a16="http://schemas.microsoft.com/office/drawing/2014/main" id="{60D71007-0614-432E-A02D-2E8A4BA2CE80}"/>
+                <a16:creationId xmlns:a16="http://schemas.microsoft.com/office/drawing/2014/main" id="{7067F870-E9D1-4501-80AD-C96E2EE2BAA0}"/>
               </a:ext>
             </a:extLst>
           </p:cNvPr>
@@ -15053,7 +15053,7 @@
           <p:nvPr/>
         </p:nvPicPr>
         <p:blipFill>
-          <a:blip r:embed="rId3" cstate="print">
+          <a:blip r:embed="rId3">
             <a:extLst>
               <a:ext uri="{28A0092B-C50C-407E-A947-70E740481C1C}">
                 <a14:useLocalDpi xmlns:a14="http://schemas.microsoft.com/office/drawing/2010/main" val="0"/>
@@ -15066,8 +15066,8 @@
         </p:blipFill>
         <p:spPr>
           <a:xfrm>
-            <a:off x="512730" y="1573024"/>
-            <a:ext cx="8301514" cy="4644895"/>
+            <a:off x="502170" y="1747539"/>
+            <a:ext cx="8301514" cy="4637174"/>
           </a:xfrm>
           <a:prstGeom prst="rect">
             <a:avLst/>
@@ -15193,10 +15193,10 @@
       </p:sp>
       <p:pic>
         <p:nvPicPr>
-          <p:cNvPr id="6" name="Picture 5">
+          <p:cNvPr id="7" name="图片 6">
             <a:extLst>
               <a:ext uri="{FF2B5EF4-FFF2-40B4-BE49-F238E27FC236}">
-                <a16:creationId xmlns:a16="http://schemas.microsoft.com/office/drawing/2014/main" id="{E6DF3D6D-3A85-7F4D-AEF3-B9F4B864A158}"/>
+                <a16:creationId xmlns:a16="http://schemas.microsoft.com/office/drawing/2014/main" id="{A2171FD3-80FE-4BD0-9DD8-C39976993495}"/>
               </a:ext>
             </a:extLst>
           </p:cNvPr>
@@ -15219,8 +15219,44 @@
         </p:blipFill>
         <p:spPr>
           <a:xfrm>
-            <a:off x="738554" y="1867702"/>
-            <a:ext cx="7666891" cy="4260025"/>
+            <a:off x="942187" y="1894110"/>
+            <a:ext cx="3676531" cy="4303489"/>
+          </a:xfrm>
+          <a:prstGeom prst="rect">
+            <a:avLst/>
+          </a:prstGeom>
+        </p:spPr>
+      </p:pic>
+      <p:pic>
+        <p:nvPicPr>
+          <p:cNvPr id="9" name="图片 8">
+            <a:extLst>
+              <a:ext uri="{FF2B5EF4-FFF2-40B4-BE49-F238E27FC236}">
+                <a16:creationId xmlns:a16="http://schemas.microsoft.com/office/drawing/2014/main" id="{94DD9463-1885-46D1-93FE-C0432E64753F}"/>
+              </a:ext>
+            </a:extLst>
+          </p:cNvPr>
+          <p:cNvPicPr>
+            <a:picLocks noChangeAspect="1"/>
+          </p:cNvPicPr>
+          <p:nvPr/>
+        </p:nvPicPr>
+        <p:blipFill>
+          <a:blip r:embed="rId4" cstate="print">
+            <a:extLst>
+              <a:ext uri="{28A0092B-C50C-407E-A947-70E740481C1C}">
+                <a14:useLocalDpi xmlns:a14="http://schemas.microsoft.com/office/drawing/2010/main" val="0"/>
+              </a:ext>
+            </a:extLst>
+          </a:blip>
+          <a:stretch>
+            <a:fillRect/>
+          </a:stretch>
+        </p:blipFill>
+        <p:spPr>
+          <a:xfrm>
+            <a:off x="4618718" y="1894110"/>
+            <a:ext cx="3688704" cy="4303489"/>
           </a:xfrm>
           <a:prstGeom prst="rect">
             <a:avLst/>
@@ -15359,10 +15395,10 @@
       </p:sp>
       <p:pic>
         <p:nvPicPr>
-          <p:cNvPr id="7" name="图片 6">
+          <p:cNvPr id="6" name="图片 5">
             <a:extLst>
               <a:ext uri="{FF2B5EF4-FFF2-40B4-BE49-F238E27FC236}">
-                <a16:creationId xmlns:a16="http://schemas.microsoft.com/office/drawing/2014/main" id="{599C4A7A-4DAF-4E10-AE93-415C3363BC1A}"/>
+                <a16:creationId xmlns:a16="http://schemas.microsoft.com/office/drawing/2014/main" id="{94D7D161-7A67-4C0C-AE71-A4BF19541EE7}"/>
               </a:ext>
             </a:extLst>
           </p:cNvPr>
@@ -15372,7 +15408,7 @@
           <p:nvPr/>
         </p:nvPicPr>
         <p:blipFill>
-          <a:blip r:embed="rId3" cstate="print">
+          <a:blip r:embed="rId3">
             <a:extLst>
               <a:ext uri="{28A0092B-C50C-407E-A947-70E740481C1C}">
                 <a14:useLocalDpi xmlns:a14="http://schemas.microsoft.com/office/drawing/2010/main" val="0"/>
@@ -15385,8 +15421,8 @@
         </p:blipFill>
         <p:spPr>
           <a:xfrm>
-            <a:off x="966063" y="2097022"/>
-            <a:ext cx="7210295" cy="4030040"/>
+            <a:off x="943591" y="2012605"/>
+            <a:ext cx="7255239" cy="4052731"/>
           </a:xfrm>
           <a:prstGeom prst="rect">
             <a:avLst/>
